--- a/scala-spark.pptx
+++ b/scala-spark.pptx
@@ -5,17 +5,27 @@
     <p:sldMasterId id="2147483648" r:id="rId1"/>
   </p:sldMasterIdLst>
   <p:sldIdLst>
-    <p:sldId id="256" r:id="rId2"/>
-    <p:sldId id="259" r:id="rId3"/>
-    <p:sldId id="265" r:id="rId4"/>
-    <p:sldId id="262" r:id="rId5"/>
-    <p:sldId id="263" r:id="rId6"/>
-    <p:sldId id="258" r:id="rId7"/>
-    <p:sldId id="266" r:id="rId8"/>
-    <p:sldId id="267" r:id="rId9"/>
-    <p:sldId id="260" r:id="rId10"/>
-    <p:sldId id="261" r:id="rId11"/>
-    <p:sldId id="264" r:id="rId12"/>
+    <p:sldId id="276" r:id="rId2"/>
+    <p:sldId id="262" r:id="rId3"/>
+    <p:sldId id="259" r:id="rId4"/>
+    <p:sldId id="280" r:id="rId5"/>
+    <p:sldId id="272" r:id="rId6"/>
+    <p:sldId id="269" r:id="rId7"/>
+    <p:sldId id="278" r:id="rId8"/>
+    <p:sldId id="268" r:id="rId9"/>
+    <p:sldId id="279" r:id="rId10"/>
+    <p:sldId id="263" r:id="rId11"/>
+    <p:sldId id="258" r:id="rId12"/>
+    <p:sldId id="267" r:id="rId13"/>
+    <p:sldId id="270" r:id="rId14"/>
+    <p:sldId id="271" r:id="rId15"/>
+    <p:sldId id="273" r:id="rId16"/>
+    <p:sldId id="260" r:id="rId17"/>
+    <p:sldId id="274" r:id="rId18"/>
+    <p:sldId id="275" r:id="rId19"/>
+    <p:sldId id="261" r:id="rId20"/>
+    <p:sldId id="281" r:id="rId21"/>
+    <p:sldId id="277" r:id="rId22"/>
   </p:sldIdLst>
   <p:sldSz cx="12192000" cy="6858000"/>
   <p:notesSz cx="6858000" cy="9144000"/>
@@ -253,7 +263,7 @@
           <a:p>
             <a:fld id="{1BDEFC29-A70B-4846-A66B-2AE707E4911D}" type="datetimeFigureOut">
               <a:rPr lang="en-GB" smtClean="0"/>
-              <a:t>05/05/2017</a:t>
+              <a:t>08/05/2017</a:t>
             </a:fld>
             <a:endParaRPr lang="en-GB"/>
           </a:p>
@@ -423,7 +433,7 @@
           <a:p>
             <a:fld id="{1BDEFC29-A70B-4846-A66B-2AE707E4911D}" type="datetimeFigureOut">
               <a:rPr lang="en-GB" smtClean="0"/>
-              <a:t>05/05/2017</a:t>
+              <a:t>08/05/2017</a:t>
             </a:fld>
             <a:endParaRPr lang="en-GB"/>
           </a:p>
@@ -603,7 +613,7 @@
           <a:p>
             <a:fld id="{1BDEFC29-A70B-4846-A66B-2AE707E4911D}" type="datetimeFigureOut">
               <a:rPr lang="en-GB" smtClean="0"/>
-              <a:t>05/05/2017</a:t>
+              <a:t>08/05/2017</a:t>
             </a:fld>
             <a:endParaRPr lang="en-GB"/>
           </a:p>
@@ -773,7 +783,7 @@
           <a:p>
             <a:fld id="{1BDEFC29-A70B-4846-A66B-2AE707E4911D}" type="datetimeFigureOut">
               <a:rPr lang="en-GB" smtClean="0"/>
-              <a:t>05/05/2017</a:t>
+              <a:t>08/05/2017</a:t>
             </a:fld>
             <a:endParaRPr lang="en-GB"/>
           </a:p>
@@ -1019,7 +1029,7 @@
           <a:p>
             <a:fld id="{1BDEFC29-A70B-4846-A66B-2AE707E4911D}" type="datetimeFigureOut">
               <a:rPr lang="en-GB" smtClean="0"/>
-              <a:t>05/05/2017</a:t>
+              <a:t>08/05/2017</a:t>
             </a:fld>
             <a:endParaRPr lang="en-GB"/>
           </a:p>
@@ -1251,7 +1261,7 @@
           <a:p>
             <a:fld id="{1BDEFC29-A70B-4846-A66B-2AE707E4911D}" type="datetimeFigureOut">
               <a:rPr lang="en-GB" smtClean="0"/>
-              <a:t>05/05/2017</a:t>
+              <a:t>08/05/2017</a:t>
             </a:fld>
             <a:endParaRPr lang="en-GB"/>
           </a:p>
@@ -1618,7 +1628,7 @@
           <a:p>
             <a:fld id="{1BDEFC29-A70B-4846-A66B-2AE707E4911D}" type="datetimeFigureOut">
               <a:rPr lang="en-GB" smtClean="0"/>
-              <a:t>05/05/2017</a:t>
+              <a:t>08/05/2017</a:t>
             </a:fld>
             <a:endParaRPr lang="en-GB"/>
           </a:p>
@@ -1736,7 +1746,7 @@
           <a:p>
             <a:fld id="{1BDEFC29-A70B-4846-A66B-2AE707E4911D}" type="datetimeFigureOut">
               <a:rPr lang="en-GB" smtClean="0"/>
-              <a:t>05/05/2017</a:t>
+              <a:t>08/05/2017</a:t>
             </a:fld>
             <a:endParaRPr lang="en-GB"/>
           </a:p>
@@ -1831,7 +1841,7 @@
           <a:p>
             <a:fld id="{1BDEFC29-A70B-4846-A66B-2AE707E4911D}" type="datetimeFigureOut">
               <a:rPr lang="en-GB" smtClean="0"/>
-              <a:t>05/05/2017</a:t>
+              <a:t>08/05/2017</a:t>
             </a:fld>
             <a:endParaRPr lang="en-GB"/>
           </a:p>
@@ -2108,7 +2118,7 @@
           <a:p>
             <a:fld id="{1BDEFC29-A70B-4846-A66B-2AE707E4911D}" type="datetimeFigureOut">
               <a:rPr lang="en-GB" smtClean="0"/>
-              <a:t>05/05/2017</a:t>
+              <a:t>08/05/2017</a:t>
             </a:fld>
             <a:endParaRPr lang="en-GB"/>
           </a:p>
@@ -2361,7 +2371,7 @@
           <a:p>
             <a:fld id="{1BDEFC29-A70B-4846-A66B-2AE707E4911D}" type="datetimeFigureOut">
               <a:rPr lang="en-GB" smtClean="0"/>
-              <a:t>05/05/2017</a:t>
+              <a:t>08/05/2017</a:t>
             </a:fld>
             <a:endParaRPr lang="en-GB"/>
           </a:p>
@@ -2574,7 +2584,7 @@
           <a:p>
             <a:fld id="{1BDEFC29-A70B-4846-A66B-2AE707E4911D}" type="datetimeFigureOut">
               <a:rPr lang="en-GB" smtClean="0"/>
-              <a:t>05/05/2017</a:t>
+              <a:t>08/05/2017</a:t>
             </a:fld>
             <a:endParaRPr lang="en-GB"/>
           </a:p>
@@ -2979,16 +2989,112 @@
           <a:chExt cx="0" cy="0"/>
         </a:xfrm>
       </p:grpSpPr>
+      <p:pic>
+        <p:nvPicPr>
+          <p:cNvPr id="4" name="Content Placeholder 3"/>
+          <p:cNvPicPr>
+            <a:picLocks noGrp="1" noChangeAspect="1"/>
+          </p:cNvPicPr>
+          <p:nvPr>
+            <p:ph idx="1"/>
+          </p:nvPr>
+        </p:nvPicPr>
+        <p:blipFill>
+          <a:blip r:embed="rId2">
+            <a:extLst>
+              <a:ext uri="{28A0092B-C50C-407E-A947-70E740481C1C}">
+                <a14:useLocalDpi xmlns:a14="http://schemas.microsoft.com/office/drawing/2010/main" val="0"/>
+              </a:ext>
+            </a:extLst>
+          </a:blip>
+          <a:stretch>
+            <a:fillRect/>
+          </a:stretch>
+        </p:blipFill>
+        <p:spPr>
+          <a:xfrm>
+            <a:off x="2254366" y="886404"/>
+            <a:ext cx="5983943" cy="3182948"/>
+          </a:xfrm>
+        </p:spPr>
+      </p:pic>
+      <p:pic>
+        <p:nvPicPr>
+          <p:cNvPr id="6" name="Picture 5"/>
+          <p:cNvPicPr>
+            <a:picLocks noChangeAspect="1"/>
+          </p:cNvPicPr>
+          <p:nvPr/>
+        </p:nvPicPr>
+        <p:blipFill>
+          <a:blip r:embed="rId3" cstate="print">
+            <a:extLst>
+              <a:ext uri="{28A0092B-C50C-407E-A947-70E740481C1C}">
+                <a14:useLocalDpi xmlns:a14="http://schemas.microsoft.com/office/drawing/2010/main" val="0"/>
+              </a:ext>
+            </a:extLst>
+          </a:blip>
+          <a:stretch>
+            <a:fillRect/>
+          </a:stretch>
+        </p:blipFill>
+        <p:spPr>
+          <a:xfrm>
+            <a:off x="9283336" y="5507813"/>
+            <a:ext cx="1985555" cy="505892"/>
+          </a:xfrm>
+          <a:prstGeom prst="rect">
+            <a:avLst/>
+          </a:prstGeom>
+        </p:spPr>
+      </p:pic>
+      <p:sp>
+        <p:nvSpPr>
+          <p:cNvPr id="7" name="TextBox 6"/>
+          <p:cNvSpPr txBox="1"/>
+          <p:nvPr/>
+        </p:nvSpPr>
+        <p:spPr>
+          <a:xfrm>
+            <a:off x="9003275" y="6013705"/>
+            <a:ext cx="3335383" cy="369332"/>
+          </a:xfrm>
+          <a:prstGeom prst="rect">
+            <a:avLst/>
+          </a:prstGeom>
+          <a:noFill/>
+        </p:spPr>
+        <p:txBody>
+          <a:bodyPr wrap="square" rtlCol="0">
+            <a:spAutoFit/>
+          </a:bodyPr>
+          <a:lstStyle/>
+          <a:p>
+            <a:r>
+              <a:rPr lang="en-GB" dirty="0" smtClean="0"/>
+              <a:t>Miron Dorin Andrei Beniamin</a:t>
+            </a:r>
+            <a:endParaRPr lang="en-GB" dirty="0"/>
+          </a:p>
+        </p:txBody>
+      </p:sp>
     </p:spTree>
     <p:extLst>
       <p:ext uri="{BB962C8B-B14F-4D97-AF65-F5344CB8AC3E}">
-        <p14:creationId xmlns:p14="http://schemas.microsoft.com/office/powerpoint/2010/main" val="922562274"/>
+        <p14:creationId xmlns:p14="http://schemas.microsoft.com/office/powerpoint/2010/main" val="333729428"/>
       </p:ext>
     </p:extLst>
   </p:cSld>
   <p:clrMapOvr>
     <a:masterClrMapping/>
   </p:clrMapOvr>
+  <p:timing>
+    <p:tnLst>
+      <p:par>
+        <p:cTn id="1" dur="indefinite" restart="never" nodeType="tmRoot"/>
+      </p:par>
+    </p:tnLst>
+  </p:timing>
 </p:sld>
 </file>
 
@@ -3021,114 +3127,842 @@
         </p:nvSpPr>
         <p:spPr/>
         <p:txBody>
-          <a:bodyPr/>
-          <a:lstStyle/>
-          <a:p>
-            <a:r>
-              <a:rPr lang="en-GB" dirty="0" smtClean="0"/>
-              <a:t>Final</a:t>
-            </a:r>
-            <a:endParaRPr lang="en-GB" dirty="0"/>
-          </a:p>
-        </p:txBody>
-      </p:sp>
-      <p:sp>
-        <p:nvSpPr>
-          <p:cNvPr id="3" name="Content Placeholder 2"/>
-          <p:cNvSpPr>
-            <a:spLocks noGrp="1"/>
-          </p:cNvSpPr>
-          <p:nvPr>
-            <p:ph idx="1"/>
-          </p:nvPr>
-        </p:nvSpPr>
-        <p:spPr/>
-        <p:txBody>
-          <a:bodyPr/>
-          <a:lstStyle/>
-          <a:p>
-            <a:r>
-              <a:rPr lang="en-GB" dirty="0" smtClean="0"/>
-              <a:t>Cloud + </a:t>
-            </a:r>
-            <a:r>
-              <a:rPr lang="en-GB" dirty="0" err="1" smtClean="0"/>
-              <a:t>BigData</a:t>
-            </a:r>
-            <a:r>
-              <a:rPr lang="en-GB" dirty="0" smtClean="0"/>
-              <a:t> + ML + </a:t>
-            </a:r>
-            <a:r>
-              <a:rPr lang="en-GB" dirty="0" err="1" smtClean="0"/>
-              <a:t>Iot</a:t>
-            </a:r>
-            <a:r>
-              <a:rPr lang="en-GB" dirty="0" smtClean="0"/>
-              <a:t> =</a:t>
-            </a:r>
-          </a:p>
-          <a:p>
-            <a:r>
-              <a:rPr lang="en-GB" dirty="0" err="1" smtClean="0"/>
-              <a:t>DSaaS</a:t>
-            </a:r>
-            <a:r>
-              <a:rPr lang="en-GB" dirty="0" smtClean="0"/>
-              <a:t> = Data Science as a Service </a:t>
-            </a:r>
-            <a:endParaRPr lang="en-GB" dirty="0"/>
-          </a:p>
-        </p:txBody>
-      </p:sp>
-      <p:sp>
-        <p:nvSpPr>
-          <p:cNvPr id="4" name="Heart 3"/>
-          <p:cNvSpPr/>
+          <a:bodyPr>
+            <a:noAutofit/>
+          </a:bodyPr>
+          <a:lstStyle/>
+          <a:p>
+            <a:r>
+              <a:rPr lang="en-GB" sz="2400" dirty="0" err="1"/>
+              <a:t>ce</a:t>
+            </a:r>
+            <a:r>
+              <a:rPr lang="en-GB" sz="2400" dirty="0"/>
+              <a:t> se </a:t>
+            </a:r>
+            <a:r>
+              <a:rPr lang="en-GB" sz="2400" dirty="0" err="1"/>
+              <a:t>intampla</a:t>
+            </a:r>
+            <a:r>
+              <a:rPr lang="en-GB" sz="2400" dirty="0"/>
+              <a:t> </a:t>
+            </a:r>
+            <a:r>
+              <a:rPr lang="en-GB" sz="2400" dirty="0" err="1"/>
+              <a:t>atunci</a:t>
+            </a:r>
+            <a:r>
+              <a:rPr lang="en-GB" sz="2400" dirty="0"/>
+              <a:t> </a:t>
+            </a:r>
+            <a:r>
+              <a:rPr lang="en-GB" sz="2400" dirty="0" err="1"/>
+              <a:t>cand</a:t>
+            </a:r>
+            <a:r>
+              <a:rPr lang="en-GB" sz="2400" dirty="0"/>
+              <a:t> </a:t>
+            </a:r>
+            <a:r>
+              <a:rPr lang="en-GB" sz="2400" dirty="0" err="1"/>
+              <a:t>lansezi</a:t>
+            </a:r>
+            <a:r>
+              <a:rPr lang="en-GB" sz="2400" dirty="0"/>
+              <a:t> o </a:t>
+            </a:r>
+            <a:r>
+              <a:rPr lang="en-GB" sz="2400" dirty="0" err="1"/>
+              <a:t>aplicatie</a:t>
+            </a:r>
+            <a:r>
+              <a:rPr lang="en-GB" sz="2400" dirty="0"/>
+              <a:t> spark </a:t>
+            </a:r>
+            <a:r>
+              <a:rPr lang="en-GB" sz="2400" dirty="0" smtClean="0"/>
+              <a:t>?</a:t>
+            </a:r>
+            <a:endParaRPr lang="en-GB" sz="2400" dirty="0"/>
+          </a:p>
+        </p:txBody>
+      </p:sp>
+      <p:pic>
+        <p:nvPicPr>
+          <p:cNvPr id="4" name="Picture 3"/>
+          <p:cNvPicPr>
+            <a:picLocks noChangeAspect="1"/>
+          </p:cNvPicPr>
           <p:nvPr/>
-        </p:nvSpPr>
+        </p:nvPicPr>
+        <p:blipFill>
+          <a:blip r:embed="rId2">
+            <a:extLst>
+              <a:ext uri="{28A0092B-C50C-407E-A947-70E740481C1C}">
+                <a14:useLocalDpi xmlns:a14="http://schemas.microsoft.com/office/drawing/2010/main" val="0"/>
+              </a:ext>
+            </a:extLst>
+          </a:blip>
+          <a:stretch>
+            <a:fillRect/>
+          </a:stretch>
+        </p:blipFill>
         <p:spPr>
           <a:xfrm>
-            <a:off x="5663821" y="1825625"/>
-            <a:ext cx="545911" cy="518615"/>
+            <a:off x="198006" y="1829453"/>
+            <a:ext cx="6592220" cy="4296375"/>
           </a:xfrm>
-          <a:prstGeom prst="heart">
+          <a:prstGeom prst="rect">
             <a:avLst/>
           </a:prstGeom>
         </p:spPr>
-        <p:style>
-          <a:lnRef idx="1">
-            <a:schemeClr val="accent2"/>
-          </a:lnRef>
-          <a:fillRef idx="3">
-            <a:schemeClr val="accent2"/>
-          </a:fillRef>
-          <a:effectRef idx="2">
-            <a:schemeClr val="accent2"/>
-          </a:effectRef>
-          <a:fontRef idx="minor">
-            <a:schemeClr val="lt1"/>
-          </a:fontRef>
-        </p:style>
-        <p:txBody>
-          <a:bodyPr rtlCol="0" anchor="ctr"/>
-          <a:lstStyle/>
-          <a:p>
-            <a:pPr algn="ctr"/>
-            <a:endParaRPr lang="en-GB"/>
+      </p:pic>
+      <p:sp>
+        <p:nvSpPr>
+          <p:cNvPr id="5" name="Rectangle 4"/>
+          <p:cNvSpPr/>
+          <p:nvPr/>
+        </p:nvSpPr>
+        <p:spPr>
+          <a:xfrm>
+            <a:off x="6863543" y="2087148"/>
+            <a:ext cx="5328457" cy="3293209"/>
+          </a:xfrm>
+          <a:prstGeom prst="rect">
+            <a:avLst/>
+          </a:prstGeom>
+        </p:spPr>
+        <p:txBody>
+          <a:bodyPr wrap="square">
+            <a:spAutoFit/>
+          </a:bodyPr>
+          <a:lstStyle/>
+          <a:p>
+            <a:pPr marL="342900" lvl="0" indent="-342900">
+              <a:spcAft>
+                <a:spcPts val="0"/>
+              </a:spcAft>
+              <a:buFont typeface="+mj-lt"/>
+              <a:buAutoNum type="arabicPeriod"/>
+            </a:pPr>
+            <a:r>
+              <a:rPr lang="it-IT" sz="1600" dirty="0">
+                <a:latin typeface="Arial" panose="020B0604020202020204" pitchFamily="34" charset="0"/>
+                <a:ea typeface="Arial" panose="020B0604020202020204" pitchFamily="34" charset="0"/>
+                <a:cs typeface="Times New Roman" panose="02020603050405020304" pitchFamily="18" charset="0"/>
+              </a:rPr>
+              <a:t>Driver-</a:t>
+            </a:r>
+            <a:r>
+              <a:rPr lang="it-IT" sz="1600" dirty="0" err="1">
+                <a:latin typeface="Arial" panose="020B0604020202020204" pitchFamily="34" charset="0"/>
+                <a:ea typeface="Arial" panose="020B0604020202020204" pitchFamily="34" charset="0"/>
+                <a:cs typeface="Times New Roman" panose="02020603050405020304" pitchFamily="18" charset="0"/>
+              </a:rPr>
+              <a:t>ul</a:t>
+            </a:r>
+            <a:r>
+              <a:rPr lang="it-IT" sz="1600" dirty="0">
+                <a:latin typeface="Arial" panose="020B0604020202020204" pitchFamily="34" charset="0"/>
+                <a:ea typeface="Arial" panose="020B0604020202020204" pitchFamily="34" charset="0"/>
+                <a:cs typeface="Times New Roman" panose="02020603050405020304" pitchFamily="18" charset="0"/>
+              </a:rPr>
+              <a:t> </a:t>
+            </a:r>
+            <a:r>
+              <a:rPr lang="it-IT" sz="1600" dirty="0" err="1">
+                <a:latin typeface="Arial" panose="020B0604020202020204" pitchFamily="34" charset="0"/>
+                <a:ea typeface="Arial" panose="020B0604020202020204" pitchFamily="34" charset="0"/>
+                <a:cs typeface="Times New Roman" panose="02020603050405020304" pitchFamily="18" charset="0"/>
+              </a:rPr>
+              <a:t>ruleaza</a:t>
+            </a:r>
+            <a:r>
+              <a:rPr lang="it-IT" sz="1600" dirty="0">
+                <a:latin typeface="Arial" panose="020B0604020202020204" pitchFamily="34" charset="0"/>
+                <a:ea typeface="Arial" panose="020B0604020202020204" pitchFamily="34" charset="0"/>
+                <a:cs typeface="Times New Roman" panose="02020603050405020304" pitchFamily="18" charset="0"/>
+              </a:rPr>
+              <a:t> </a:t>
+            </a:r>
+            <a:r>
+              <a:rPr lang="it-IT" sz="1600" dirty="0" err="1">
+                <a:latin typeface="Arial" panose="020B0604020202020204" pitchFamily="34" charset="0"/>
+                <a:ea typeface="Arial" panose="020B0604020202020204" pitchFamily="34" charset="0"/>
+                <a:cs typeface="Times New Roman" panose="02020603050405020304" pitchFamily="18" charset="0"/>
+              </a:rPr>
+              <a:t>aplicatia</a:t>
+            </a:r>
+            <a:r>
+              <a:rPr lang="it-IT" sz="1600" dirty="0">
+                <a:latin typeface="Arial" panose="020B0604020202020204" pitchFamily="34" charset="0"/>
+                <a:ea typeface="Arial" panose="020B0604020202020204" pitchFamily="34" charset="0"/>
+                <a:cs typeface="Times New Roman" panose="02020603050405020304" pitchFamily="18" charset="0"/>
+              </a:rPr>
+              <a:t> </a:t>
+            </a:r>
+            <a:r>
+              <a:rPr lang="it-IT" sz="1600" dirty="0" err="1">
+                <a:latin typeface="Arial" panose="020B0604020202020204" pitchFamily="34" charset="0"/>
+                <a:ea typeface="Arial" panose="020B0604020202020204" pitchFamily="34" charset="0"/>
+                <a:cs typeface="Times New Roman" panose="02020603050405020304" pitchFamily="18" charset="0"/>
+              </a:rPr>
+              <a:t>Spark</a:t>
+            </a:r>
+            <a:r>
+              <a:rPr lang="it-IT" sz="1600" dirty="0">
+                <a:latin typeface="Arial" panose="020B0604020202020204" pitchFamily="34" charset="0"/>
+                <a:ea typeface="Arial" panose="020B0604020202020204" pitchFamily="34" charset="0"/>
+                <a:cs typeface="Times New Roman" panose="02020603050405020304" pitchFamily="18" charset="0"/>
+              </a:rPr>
+              <a:t> si </a:t>
+            </a:r>
+            <a:r>
+              <a:rPr lang="it-IT" sz="1600" dirty="0" err="1">
+                <a:latin typeface="Arial" panose="020B0604020202020204" pitchFamily="34" charset="0"/>
+                <a:ea typeface="Arial" panose="020B0604020202020204" pitchFamily="34" charset="0"/>
+                <a:cs typeface="Times New Roman" panose="02020603050405020304" pitchFamily="18" charset="0"/>
+              </a:rPr>
+              <a:t>creeaza</a:t>
+            </a:r>
+            <a:r>
+              <a:rPr lang="it-IT" sz="1600" dirty="0">
+                <a:latin typeface="Arial" panose="020B0604020202020204" pitchFamily="34" charset="0"/>
+                <a:ea typeface="Arial" panose="020B0604020202020204" pitchFamily="34" charset="0"/>
+                <a:cs typeface="Times New Roman" panose="02020603050405020304" pitchFamily="18" charset="0"/>
+              </a:rPr>
+              <a:t> </a:t>
+            </a:r>
+            <a:r>
+              <a:rPr lang="it-IT" sz="1600" dirty="0" err="1">
+                <a:latin typeface="Arial" panose="020B0604020202020204" pitchFamily="34" charset="0"/>
+                <a:ea typeface="Arial" panose="020B0604020202020204" pitchFamily="34" charset="0"/>
+                <a:cs typeface="Times New Roman" panose="02020603050405020304" pitchFamily="18" charset="0"/>
+              </a:rPr>
+              <a:t>SparkContext-ul</a:t>
+            </a:r>
+            <a:r>
+              <a:rPr lang="it-IT" sz="1600" dirty="0">
+                <a:latin typeface="Arial" panose="020B0604020202020204" pitchFamily="34" charset="0"/>
+                <a:ea typeface="Arial" panose="020B0604020202020204" pitchFamily="34" charset="0"/>
+                <a:cs typeface="Times New Roman" panose="02020603050405020304" pitchFamily="18" charset="0"/>
+              </a:rPr>
+              <a:t> de la </a:t>
+            </a:r>
+            <a:r>
+              <a:rPr lang="it-IT" sz="1600" dirty="0" err="1" smtClean="0">
+                <a:latin typeface="Arial" panose="020B0604020202020204" pitchFamily="34" charset="0"/>
+                <a:ea typeface="Arial" panose="020B0604020202020204" pitchFamily="34" charset="0"/>
+                <a:cs typeface="Times New Roman" panose="02020603050405020304" pitchFamily="18" charset="0"/>
+              </a:rPr>
+              <a:t>inceput</a:t>
+            </a:r>
+            <a:endParaRPr lang="it-IT" sz="1600" dirty="0" smtClean="0">
+              <a:latin typeface="Arial" panose="020B0604020202020204" pitchFamily="34" charset="0"/>
+              <a:ea typeface="Arial" panose="020B0604020202020204" pitchFamily="34" charset="0"/>
+              <a:cs typeface="Times New Roman" panose="02020603050405020304" pitchFamily="18" charset="0"/>
+            </a:endParaRPr>
+          </a:p>
+          <a:p>
+            <a:pPr marL="342900" lvl="0" indent="-342900">
+              <a:spcAft>
+                <a:spcPts val="0"/>
+              </a:spcAft>
+              <a:buFont typeface="+mj-lt"/>
+              <a:buAutoNum type="arabicPeriod"/>
+            </a:pPr>
+            <a:endParaRPr lang="en-US" sz="1600" dirty="0">
+              <a:latin typeface="Arial" panose="020B0604020202020204" pitchFamily="34" charset="0"/>
+              <a:ea typeface="Arial" panose="020B0604020202020204" pitchFamily="34" charset="0"/>
+              <a:cs typeface="Times New Roman" panose="02020603050405020304" pitchFamily="18" charset="0"/>
+            </a:endParaRPr>
+          </a:p>
+          <a:p>
+            <a:pPr marL="342900" lvl="0" indent="-342900">
+              <a:spcAft>
+                <a:spcPts val="0"/>
+              </a:spcAft>
+              <a:buFont typeface="+mj-lt"/>
+              <a:buAutoNum type="arabicPeriod"/>
+            </a:pPr>
+            <a:r>
+              <a:rPr lang="it-IT" sz="1600" dirty="0" err="1">
+                <a:latin typeface="Arial" panose="020B0604020202020204" pitchFamily="34" charset="0"/>
+                <a:ea typeface="Arial" panose="020B0604020202020204" pitchFamily="34" charset="0"/>
+                <a:cs typeface="Times New Roman" panose="02020603050405020304" pitchFamily="18" charset="0"/>
+              </a:rPr>
+              <a:t>SparkContextul</a:t>
+            </a:r>
+            <a:r>
+              <a:rPr lang="it-IT" sz="1600" dirty="0">
+                <a:latin typeface="Arial" panose="020B0604020202020204" pitchFamily="34" charset="0"/>
+                <a:ea typeface="Arial" panose="020B0604020202020204" pitchFamily="34" charset="0"/>
+                <a:cs typeface="Times New Roman" panose="02020603050405020304" pitchFamily="18" charset="0"/>
+              </a:rPr>
+              <a:t> se </a:t>
+            </a:r>
+            <a:r>
+              <a:rPr lang="it-IT" sz="1600" dirty="0" err="1">
+                <a:latin typeface="Arial" panose="020B0604020202020204" pitchFamily="34" charset="0"/>
+                <a:ea typeface="Arial" panose="020B0604020202020204" pitchFamily="34" charset="0"/>
+                <a:cs typeface="Times New Roman" panose="02020603050405020304" pitchFamily="18" charset="0"/>
+              </a:rPr>
+              <a:t>conecteaza</a:t>
+            </a:r>
+            <a:r>
+              <a:rPr lang="it-IT" sz="1600" dirty="0">
+                <a:latin typeface="Arial" panose="020B0604020202020204" pitchFamily="34" charset="0"/>
+                <a:ea typeface="Arial" panose="020B0604020202020204" pitchFamily="34" charset="0"/>
+                <a:cs typeface="Times New Roman" panose="02020603050405020304" pitchFamily="18" charset="0"/>
+              </a:rPr>
+              <a:t> la </a:t>
+            </a:r>
+            <a:r>
+              <a:rPr lang="it-IT" sz="1600" dirty="0" err="1">
+                <a:latin typeface="Arial" panose="020B0604020202020204" pitchFamily="34" charset="0"/>
+                <a:ea typeface="Arial" panose="020B0604020202020204" pitchFamily="34" charset="0"/>
+                <a:cs typeface="Times New Roman" panose="02020603050405020304" pitchFamily="18" charset="0"/>
+              </a:rPr>
+              <a:t>managerul</a:t>
+            </a:r>
+            <a:r>
+              <a:rPr lang="it-IT" sz="1600" dirty="0">
+                <a:latin typeface="Arial" panose="020B0604020202020204" pitchFamily="34" charset="0"/>
+                <a:ea typeface="Arial" panose="020B0604020202020204" pitchFamily="34" charset="0"/>
+                <a:cs typeface="Times New Roman" panose="02020603050405020304" pitchFamily="18" charset="0"/>
+              </a:rPr>
+              <a:t> </a:t>
+            </a:r>
+            <a:r>
+              <a:rPr lang="it-IT" sz="1600" dirty="0" err="1">
+                <a:latin typeface="Arial" panose="020B0604020202020204" pitchFamily="34" charset="0"/>
+                <a:ea typeface="Arial" panose="020B0604020202020204" pitchFamily="34" charset="0"/>
+                <a:cs typeface="Times New Roman" panose="02020603050405020304" pitchFamily="18" charset="0"/>
+              </a:rPr>
+              <a:t>clusterului</a:t>
+            </a:r>
+            <a:r>
+              <a:rPr lang="it-IT" sz="1600" dirty="0">
+                <a:latin typeface="Arial" panose="020B0604020202020204" pitchFamily="34" charset="0"/>
+                <a:ea typeface="Arial" panose="020B0604020202020204" pitchFamily="34" charset="0"/>
+                <a:cs typeface="Times New Roman" panose="02020603050405020304" pitchFamily="18" charset="0"/>
+              </a:rPr>
+              <a:t> (</a:t>
+            </a:r>
+            <a:r>
+              <a:rPr lang="it-IT" sz="1600" dirty="0" err="1">
+                <a:latin typeface="Arial" panose="020B0604020202020204" pitchFamily="34" charset="0"/>
+                <a:ea typeface="Arial" panose="020B0604020202020204" pitchFamily="34" charset="0"/>
+                <a:cs typeface="Times New Roman" panose="02020603050405020304" pitchFamily="18" charset="0"/>
+              </a:rPr>
+              <a:t>Mesos</a:t>
+            </a:r>
+            <a:r>
+              <a:rPr lang="it-IT" sz="1600" dirty="0">
+                <a:latin typeface="Arial" panose="020B0604020202020204" pitchFamily="34" charset="0"/>
+                <a:ea typeface="Arial" panose="020B0604020202020204" pitchFamily="34" charset="0"/>
+                <a:cs typeface="Times New Roman" panose="02020603050405020304" pitchFamily="18" charset="0"/>
+              </a:rPr>
+              <a:t>/ YARN) care </a:t>
+            </a:r>
+            <a:r>
+              <a:rPr lang="it-IT" sz="1600" dirty="0" err="1">
+                <a:latin typeface="Arial" panose="020B0604020202020204" pitchFamily="34" charset="0"/>
+                <a:ea typeface="Arial" panose="020B0604020202020204" pitchFamily="34" charset="0"/>
+                <a:cs typeface="Times New Roman" panose="02020603050405020304" pitchFamily="18" charset="0"/>
+              </a:rPr>
+              <a:t>aloca</a:t>
+            </a:r>
+            <a:r>
+              <a:rPr lang="it-IT" sz="1600" dirty="0">
+                <a:latin typeface="Arial" panose="020B0604020202020204" pitchFamily="34" charset="0"/>
+                <a:ea typeface="Arial" panose="020B0604020202020204" pitchFamily="34" charset="0"/>
+                <a:cs typeface="Times New Roman" panose="02020603050405020304" pitchFamily="18" charset="0"/>
+              </a:rPr>
+              <a:t> </a:t>
+            </a:r>
+            <a:r>
+              <a:rPr lang="it-IT" sz="1600" dirty="0" err="1" smtClean="0">
+                <a:latin typeface="Arial" panose="020B0604020202020204" pitchFamily="34" charset="0"/>
+                <a:ea typeface="Arial" panose="020B0604020202020204" pitchFamily="34" charset="0"/>
+                <a:cs typeface="Times New Roman" panose="02020603050405020304" pitchFamily="18" charset="0"/>
+              </a:rPr>
+              <a:t>resursele</a:t>
+            </a:r>
+            <a:endParaRPr lang="it-IT" sz="1600" dirty="0" smtClean="0">
+              <a:latin typeface="Arial" panose="020B0604020202020204" pitchFamily="34" charset="0"/>
+              <a:ea typeface="Arial" panose="020B0604020202020204" pitchFamily="34" charset="0"/>
+              <a:cs typeface="Times New Roman" panose="02020603050405020304" pitchFamily="18" charset="0"/>
+            </a:endParaRPr>
+          </a:p>
+          <a:p>
+            <a:pPr marL="342900" lvl="0" indent="-342900">
+              <a:spcAft>
+                <a:spcPts val="0"/>
+              </a:spcAft>
+              <a:buFont typeface="+mj-lt"/>
+              <a:buAutoNum type="arabicPeriod"/>
+            </a:pPr>
+            <a:endParaRPr lang="en-US" sz="1600" dirty="0">
+              <a:latin typeface="Arial" panose="020B0604020202020204" pitchFamily="34" charset="0"/>
+              <a:ea typeface="Arial" panose="020B0604020202020204" pitchFamily="34" charset="0"/>
+              <a:cs typeface="Times New Roman" panose="02020603050405020304" pitchFamily="18" charset="0"/>
+            </a:endParaRPr>
+          </a:p>
+          <a:p>
+            <a:pPr marL="342900" lvl="0" indent="-342900">
+              <a:spcAft>
+                <a:spcPts val="0"/>
+              </a:spcAft>
+              <a:buFont typeface="+mj-lt"/>
+              <a:buAutoNum type="arabicPeriod"/>
+            </a:pPr>
+            <a:r>
+              <a:rPr lang="it-IT" sz="1600" dirty="0" err="1">
+                <a:latin typeface="Arial" panose="020B0604020202020204" pitchFamily="34" charset="0"/>
+                <a:ea typeface="Arial" panose="020B0604020202020204" pitchFamily="34" charset="0"/>
+                <a:cs typeface="Times New Roman" panose="02020603050405020304" pitchFamily="18" charset="0"/>
+              </a:rPr>
+              <a:t>Spark</a:t>
+            </a:r>
+            <a:r>
+              <a:rPr lang="it-IT" sz="1600" dirty="0">
+                <a:latin typeface="Arial" panose="020B0604020202020204" pitchFamily="34" charset="0"/>
+                <a:ea typeface="Arial" panose="020B0604020202020204" pitchFamily="34" charset="0"/>
+                <a:cs typeface="Times New Roman" panose="02020603050405020304" pitchFamily="18" charset="0"/>
+              </a:rPr>
+              <a:t> </a:t>
+            </a:r>
+            <a:r>
+              <a:rPr lang="it-IT" sz="1600" dirty="0" err="1">
+                <a:latin typeface="Arial" panose="020B0604020202020204" pitchFamily="34" charset="0"/>
+                <a:ea typeface="Arial" panose="020B0604020202020204" pitchFamily="34" charset="0"/>
+                <a:cs typeface="Times New Roman" panose="02020603050405020304" pitchFamily="18" charset="0"/>
+              </a:rPr>
+              <a:t>primeste</a:t>
+            </a:r>
+            <a:r>
+              <a:rPr lang="it-IT" sz="1600" dirty="0">
+                <a:latin typeface="Arial" panose="020B0604020202020204" pitchFamily="34" charset="0"/>
+                <a:ea typeface="Arial" panose="020B0604020202020204" pitchFamily="34" charset="0"/>
+                <a:cs typeface="Times New Roman" panose="02020603050405020304" pitchFamily="18" charset="0"/>
+              </a:rPr>
+              <a:t> </a:t>
+            </a:r>
+            <a:r>
+              <a:rPr lang="it-IT" sz="1600" dirty="0" err="1">
+                <a:latin typeface="Arial" panose="020B0604020202020204" pitchFamily="34" charset="0"/>
+                <a:ea typeface="Arial" panose="020B0604020202020204" pitchFamily="34" charset="0"/>
+                <a:cs typeface="Times New Roman" panose="02020603050405020304" pitchFamily="18" charset="0"/>
+              </a:rPr>
+              <a:t>executorii</a:t>
+            </a:r>
+            <a:r>
+              <a:rPr lang="it-IT" sz="1600" dirty="0">
+                <a:latin typeface="Arial" panose="020B0604020202020204" pitchFamily="34" charset="0"/>
+                <a:ea typeface="Arial" panose="020B0604020202020204" pitchFamily="34" charset="0"/>
+                <a:cs typeface="Times New Roman" panose="02020603050405020304" pitchFamily="18" charset="0"/>
+              </a:rPr>
+              <a:t> </a:t>
+            </a:r>
+            <a:r>
+              <a:rPr lang="it-IT" sz="1600" dirty="0" err="1">
+                <a:latin typeface="Arial" panose="020B0604020202020204" pitchFamily="34" charset="0"/>
+                <a:ea typeface="Arial" panose="020B0604020202020204" pitchFamily="34" charset="0"/>
+                <a:cs typeface="Times New Roman" panose="02020603050405020304" pitchFamily="18" charset="0"/>
+              </a:rPr>
+              <a:t>din</a:t>
+            </a:r>
+            <a:r>
+              <a:rPr lang="it-IT" sz="1600" dirty="0">
+                <a:latin typeface="Arial" panose="020B0604020202020204" pitchFamily="34" charset="0"/>
+                <a:ea typeface="Arial" panose="020B0604020202020204" pitchFamily="34" charset="0"/>
+                <a:cs typeface="Times New Roman" panose="02020603050405020304" pitchFamily="18" charset="0"/>
+              </a:rPr>
+              <a:t> </a:t>
+            </a:r>
+            <a:r>
+              <a:rPr lang="it-IT" sz="1600" dirty="0" err="1">
+                <a:latin typeface="Arial" panose="020B0604020202020204" pitchFamily="34" charset="0"/>
+                <a:ea typeface="Arial" panose="020B0604020202020204" pitchFamily="34" charset="0"/>
+                <a:cs typeface="Times New Roman" panose="02020603050405020304" pitchFamily="18" charset="0"/>
+              </a:rPr>
+              <a:t>claster</a:t>
+            </a:r>
+            <a:r>
+              <a:rPr lang="it-IT" sz="1600" dirty="0">
+                <a:latin typeface="Arial" panose="020B0604020202020204" pitchFamily="34" charset="0"/>
+                <a:ea typeface="Arial" panose="020B0604020202020204" pitchFamily="34" charset="0"/>
+                <a:cs typeface="Times New Roman" panose="02020603050405020304" pitchFamily="18" charset="0"/>
+              </a:rPr>
+              <a:t>, </a:t>
+            </a:r>
+            <a:r>
+              <a:rPr lang="it-IT" sz="1600" dirty="0" err="1">
+                <a:latin typeface="Arial" panose="020B0604020202020204" pitchFamily="34" charset="0"/>
+                <a:ea typeface="Arial" panose="020B0604020202020204" pitchFamily="34" charset="0"/>
+                <a:cs typeface="Times New Roman" panose="02020603050405020304" pitchFamily="18" charset="0"/>
+              </a:rPr>
+              <a:t>acetia</a:t>
+            </a:r>
+            <a:r>
+              <a:rPr lang="it-IT" sz="1600" dirty="0">
+                <a:latin typeface="Arial" panose="020B0604020202020204" pitchFamily="34" charset="0"/>
+                <a:ea typeface="Arial" panose="020B0604020202020204" pitchFamily="34" charset="0"/>
+                <a:cs typeface="Times New Roman" panose="02020603050405020304" pitchFamily="18" charset="0"/>
+              </a:rPr>
+              <a:t> </a:t>
+            </a:r>
+            <a:r>
+              <a:rPr lang="it-IT" sz="1600" dirty="0" err="1">
+                <a:latin typeface="Arial" panose="020B0604020202020204" pitchFamily="34" charset="0"/>
+                <a:ea typeface="Arial" panose="020B0604020202020204" pitchFamily="34" charset="0"/>
+                <a:cs typeface="Times New Roman" panose="02020603050405020304" pitchFamily="18" charset="0"/>
+              </a:rPr>
+              <a:t>vor</a:t>
+            </a:r>
+            <a:r>
+              <a:rPr lang="it-IT" sz="1600" dirty="0">
+                <a:latin typeface="Arial" panose="020B0604020202020204" pitchFamily="34" charset="0"/>
+                <a:ea typeface="Arial" panose="020B0604020202020204" pitchFamily="34" charset="0"/>
+                <a:cs typeface="Times New Roman" panose="02020603050405020304" pitchFamily="18" charset="0"/>
+              </a:rPr>
+              <a:t> face </a:t>
+            </a:r>
+            <a:r>
+              <a:rPr lang="it-IT" sz="1600" dirty="0" err="1">
+                <a:latin typeface="Arial" panose="020B0604020202020204" pitchFamily="34" charset="0"/>
+                <a:ea typeface="Arial" panose="020B0604020202020204" pitchFamily="34" charset="0"/>
+                <a:cs typeface="Times New Roman" panose="02020603050405020304" pitchFamily="18" charset="0"/>
+              </a:rPr>
+              <a:t>computatia</a:t>
+            </a:r>
+            <a:r>
+              <a:rPr lang="it-IT" sz="1600" dirty="0">
+                <a:latin typeface="Arial" panose="020B0604020202020204" pitchFamily="34" charset="0"/>
+                <a:ea typeface="Arial" panose="020B0604020202020204" pitchFamily="34" charset="0"/>
+                <a:cs typeface="Times New Roman" panose="02020603050405020304" pitchFamily="18" charset="0"/>
+              </a:rPr>
+              <a:t> si </a:t>
+            </a:r>
+            <a:r>
+              <a:rPr lang="it-IT" sz="1600" dirty="0" err="1">
+                <a:latin typeface="Arial" panose="020B0604020202020204" pitchFamily="34" charset="0"/>
+                <a:ea typeface="Arial" panose="020B0604020202020204" pitchFamily="34" charset="0"/>
+                <a:cs typeface="Times New Roman" panose="02020603050405020304" pitchFamily="18" charset="0"/>
+              </a:rPr>
+              <a:t>vor</a:t>
+            </a:r>
+            <a:r>
+              <a:rPr lang="it-IT" sz="1600" dirty="0">
+                <a:latin typeface="Arial" panose="020B0604020202020204" pitchFamily="34" charset="0"/>
+                <a:ea typeface="Arial" panose="020B0604020202020204" pitchFamily="34" charset="0"/>
+                <a:cs typeface="Times New Roman" panose="02020603050405020304" pitchFamily="18" charset="0"/>
+              </a:rPr>
+              <a:t> </a:t>
+            </a:r>
+            <a:r>
+              <a:rPr lang="it-IT" sz="1600" dirty="0" err="1">
+                <a:latin typeface="Arial" panose="020B0604020202020204" pitchFamily="34" charset="0"/>
+                <a:ea typeface="Arial" panose="020B0604020202020204" pitchFamily="34" charset="0"/>
+                <a:cs typeface="Times New Roman" panose="02020603050405020304" pitchFamily="18" charset="0"/>
+              </a:rPr>
+              <a:t>stoca</a:t>
+            </a:r>
+            <a:r>
+              <a:rPr lang="it-IT" sz="1600" dirty="0">
+                <a:latin typeface="Arial" panose="020B0604020202020204" pitchFamily="34" charset="0"/>
+                <a:ea typeface="Arial" panose="020B0604020202020204" pitchFamily="34" charset="0"/>
+                <a:cs typeface="Times New Roman" panose="02020603050405020304" pitchFamily="18" charset="0"/>
+              </a:rPr>
+              <a:t> datele </a:t>
+            </a:r>
+            <a:r>
+              <a:rPr lang="it-IT" sz="1600" dirty="0" err="1">
+                <a:latin typeface="Arial" panose="020B0604020202020204" pitchFamily="34" charset="0"/>
+                <a:ea typeface="Arial" panose="020B0604020202020204" pitchFamily="34" charset="0"/>
+                <a:cs typeface="Times New Roman" panose="02020603050405020304" pitchFamily="18" charset="0"/>
+              </a:rPr>
+              <a:t>din</a:t>
+            </a:r>
+            <a:r>
+              <a:rPr lang="it-IT" sz="1600" dirty="0">
+                <a:latin typeface="Arial" panose="020B0604020202020204" pitchFamily="34" charset="0"/>
+                <a:ea typeface="Arial" panose="020B0604020202020204" pitchFamily="34" charset="0"/>
+                <a:cs typeface="Times New Roman" panose="02020603050405020304" pitchFamily="18" charset="0"/>
+              </a:rPr>
+              <a:t> </a:t>
+            </a:r>
+            <a:r>
+              <a:rPr lang="it-IT" sz="1600" dirty="0" err="1" smtClean="0">
+                <a:latin typeface="Arial" panose="020B0604020202020204" pitchFamily="34" charset="0"/>
+                <a:ea typeface="Arial" panose="020B0604020202020204" pitchFamily="34" charset="0"/>
+                <a:cs typeface="Times New Roman" panose="02020603050405020304" pitchFamily="18" charset="0"/>
+              </a:rPr>
+              <a:t>aplicatie</a:t>
+            </a:r>
+            <a:endParaRPr lang="it-IT" sz="1600" dirty="0" smtClean="0">
+              <a:latin typeface="Arial" panose="020B0604020202020204" pitchFamily="34" charset="0"/>
+              <a:ea typeface="Arial" panose="020B0604020202020204" pitchFamily="34" charset="0"/>
+              <a:cs typeface="Times New Roman" panose="02020603050405020304" pitchFamily="18" charset="0"/>
+            </a:endParaRPr>
+          </a:p>
+          <a:p>
+            <a:pPr marL="342900" lvl="0" indent="-342900">
+              <a:spcAft>
+                <a:spcPts val="0"/>
+              </a:spcAft>
+              <a:buFont typeface="+mj-lt"/>
+              <a:buAutoNum type="arabicPeriod"/>
+            </a:pPr>
+            <a:endParaRPr lang="en-US" sz="1600" dirty="0">
+              <a:latin typeface="Arial" panose="020B0604020202020204" pitchFamily="34" charset="0"/>
+              <a:ea typeface="Arial" panose="020B0604020202020204" pitchFamily="34" charset="0"/>
+              <a:cs typeface="Times New Roman" panose="02020603050405020304" pitchFamily="18" charset="0"/>
+            </a:endParaRPr>
+          </a:p>
+          <a:p>
+            <a:pPr marL="342900" lvl="0" indent="-342900">
+              <a:spcAft>
+                <a:spcPts val="0"/>
+              </a:spcAft>
+              <a:buFont typeface="+mj-lt"/>
+              <a:buAutoNum type="arabicPeriod"/>
+            </a:pPr>
+            <a:r>
+              <a:rPr lang="it-IT" sz="1600" dirty="0">
+                <a:latin typeface="Arial" panose="020B0604020202020204" pitchFamily="34" charset="0"/>
+                <a:ea typeface="Arial" panose="020B0604020202020204" pitchFamily="34" charset="0"/>
+                <a:cs typeface="Times New Roman" panose="02020603050405020304" pitchFamily="18" charset="0"/>
+              </a:rPr>
+              <a:t>Driver-</a:t>
+            </a:r>
+            <a:r>
+              <a:rPr lang="it-IT" sz="1600" dirty="0" err="1">
+                <a:latin typeface="Arial" panose="020B0604020202020204" pitchFamily="34" charset="0"/>
+                <a:ea typeface="Arial" panose="020B0604020202020204" pitchFamily="34" charset="0"/>
+                <a:cs typeface="Times New Roman" panose="02020603050405020304" pitchFamily="18" charset="0"/>
+              </a:rPr>
+              <a:t>ul</a:t>
+            </a:r>
+            <a:r>
+              <a:rPr lang="it-IT" sz="1600" dirty="0">
+                <a:latin typeface="Arial" panose="020B0604020202020204" pitchFamily="34" charset="0"/>
+                <a:ea typeface="Arial" panose="020B0604020202020204" pitchFamily="34" charset="0"/>
+                <a:cs typeface="Times New Roman" panose="02020603050405020304" pitchFamily="18" charset="0"/>
+              </a:rPr>
+              <a:t> </a:t>
+            </a:r>
+            <a:r>
+              <a:rPr lang="it-IT" sz="1600" dirty="0" err="1">
+                <a:latin typeface="Arial" panose="020B0604020202020204" pitchFamily="34" charset="0"/>
+                <a:ea typeface="Arial" panose="020B0604020202020204" pitchFamily="34" charset="0"/>
+                <a:cs typeface="Times New Roman" panose="02020603050405020304" pitchFamily="18" charset="0"/>
+              </a:rPr>
+              <a:t>trimite</a:t>
+            </a:r>
+            <a:r>
+              <a:rPr lang="it-IT" sz="1600" dirty="0">
+                <a:latin typeface="Arial" panose="020B0604020202020204" pitchFamily="34" charset="0"/>
+                <a:ea typeface="Arial" panose="020B0604020202020204" pitchFamily="34" charset="0"/>
+                <a:cs typeface="Times New Roman" panose="02020603050405020304" pitchFamily="18" charset="0"/>
+              </a:rPr>
+              <a:t> </a:t>
+            </a:r>
+            <a:r>
+              <a:rPr lang="it-IT" sz="1600" dirty="0" err="1">
+                <a:latin typeface="Arial" panose="020B0604020202020204" pitchFamily="34" charset="0"/>
+                <a:ea typeface="Arial" panose="020B0604020202020204" pitchFamily="34" charset="0"/>
+                <a:cs typeface="Times New Roman" panose="02020603050405020304" pitchFamily="18" charset="0"/>
+              </a:rPr>
+              <a:t>codul</a:t>
+            </a:r>
+            <a:r>
+              <a:rPr lang="it-IT" sz="1600" dirty="0">
+                <a:latin typeface="Arial" panose="020B0604020202020204" pitchFamily="34" charset="0"/>
+                <a:ea typeface="Arial" panose="020B0604020202020204" pitchFamily="34" charset="0"/>
+                <a:cs typeface="Times New Roman" panose="02020603050405020304" pitchFamily="18" charset="0"/>
+              </a:rPr>
+              <a:t> </a:t>
+            </a:r>
+            <a:r>
+              <a:rPr lang="it-IT" sz="1600" dirty="0" err="1">
+                <a:latin typeface="Arial" panose="020B0604020202020204" pitchFamily="34" charset="0"/>
+                <a:ea typeface="Arial" panose="020B0604020202020204" pitchFamily="34" charset="0"/>
+                <a:cs typeface="Times New Roman" panose="02020603050405020304" pitchFamily="18" charset="0"/>
+              </a:rPr>
+              <a:t>aplicatiei</a:t>
+            </a:r>
+            <a:r>
+              <a:rPr lang="it-IT" sz="1600" dirty="0">
+                <a:latin typeface="Arial" panose="020B0604020202020204" pitchFamily="34" charset="0"/>
+                <a:ea typeface="Arial" panose="020B0604020202020204" pitchFamily="34" charset="0"/>
+                <a:cs typeface="Times New Roman" panose="02020603050405020304" pitchFamily="18" charset="0"/>
+              </a:rPr>
+              <a:t> </a:t>
+            </a:r>
+            <a:r>
+              <a:rPr lang="it-IT" sz="1600" dirty="0" err="1">
+                <a:latin typeface="Arial" panose="020B0604020202020204" pitchFamily="34" charset="0"/>
+                <a:ea typeface="Arial" panose="020B0604020202020204" pitchFamily="34" charset="0"/>
+                <a:cs typeface="Times New Roman" panose="02020603050405020304" pitchFamily="18" charset="0"/>
+              </a:rPr>
+              <a:t>catre</a:t>
+            </a:r>
+            <a:r>
+              <a:rPr lang="it-IT" sz="1600" dirty="0">
+                <a:latin typeface="Arial" panose="020B0604020202020204" pitchFamily="34" charset="0"/>
+                <a:ea typeface="Arial" panose="020B0604020202020204" pitchFamily="34" charset="0"/>
+                <a:cs typeface="Times New Roman" panose="02020603050405020304" pitchFamily="18" charset="0"/>
+              </a:rPr>
+              <a:t> </a:t>
+            </a:r>
+            <a:r>
+              <a:rPr lang="it-IT" sz="1600" dirty="0" err="1">
+                <a:latin typeface="Arial" panose="020B0604020202020204" pitchFamily="34" charset="0"/>
+                <a:ea typeface="Arial" panose="020B0604020202020204" pitchFamily="34" charset="0"/>
+                <a:cs typeface="Times New Roman" panose="02020603050405020304" pitchFamily="18" charset="0"/>
+              </a:rPr>
+              <a:t>executori</a:t>
+            </a:r>
+            <a:r>
+              <a:rPr lang="it-IT" sz="1600" dirty="0" smtClean="0">
+                <a:latin typeface="Arial" panose="020B0604020202020204" pitchFamily="34" charset="0"/>
+                <a:ea typeface="Arial" panose="020B0604020202020204" pitchFamily="34" charset="0"/>
+                <a:cs typeface="Times New Roman" panose="02020603050405020304" pitchFamily="18" charset="0"/>
+              </a:rPr>
+              <a:t>.</a:t>
+            </a:r>
+          </a:p>
+          <a:p>
+            <a:pPr marL="342900" lvl="0" indent="-342900">
+              <a:spcAft>
+                <a:spcPts val="0"/>
+              </a:spcAft>
+              <a:buFont typeface="+mj-lt"/>
+              <a:buAutoNum type="arabicPeriod"/>
+            </a:pPr>
+            <a:endParaRPr lang="en-US" sz="1600" dirty="0">
+              <a:latin typeface="Arial" panose="020B0604020202020204" pitchFamily="34" charset="0"/>
+              <a:ea typeface="Arial" panose="020B0604020202020204" pitchFamily="34" charset="0"/>
+              <a:cs typeface="Times New Roman" panose="02020603050405020304" pitchFamily="18" charset="0"/>
+            </a:endParaRPr>
+          </a:p>
+          <a:p>
+            <a:pPr marL="342900" lvl="0" indent="-342900">
+              <a:spcAft>
+                <a:spcPts val="0"/>
+              </a:spcAft>
+              <a:buFont typeface="+mj-lt"/>
+              <a:buAutoNum type="arabicPeriod"/>
+            </a:pPr>
+            <a:r>
+              <a:rPr lang="it-IT" sz="1600" dirty="0" err="1">
+                <a:latin typeface="Arial" panose="020B0604020202020204" pitchFamily="34" charset="0"/>
+                <a:ea typeface="Arial" panose="020B0604020202020204" pitchFamily="34" charset="0"/>
+                <a:cs typeface="Times New Roman" panose="02020603050405020304" pitchFamily="18" charset="0"/>
+              </a:rPr>
+              <a:t>SparkContextul</a:t>
+            </a:r>
+            <a:r>
+              <a:rPr lang="it-IT" sz="1600" dirty="0">
+                <a:latin typeface="Arial" panose="020B0604020202020204" pitchFamily="34" charset="0"/>
+                <a:ea typeface="Arial" panose="020B0604020202020204" pitchFamily="34" charset="0"/>
+                <a:cs typeface="Times New Roman" panose="02020603050405020304" pitchFamily="18" charset="0"/>
+              </a:rPr>
+              <a:t> </a:t>
+            </a:r>
+            <a:r>
+              <a:rPr lang="it-IT" sz="1600" dirty="0" err="1">
+                <a:latin typeface="Arial" panose="020B0604020202020204" pitchFamily="34" charset="0"/>
+                <a:ea typeface="Arial" panose="020B0604020202020204" pitchFamily="34" charset="0"/>
+                <a:cs typeface="Times New Roman" panose="02020603050405020304" pitchFamily="18" charset="0"/>
+              </a:rPr>
+              <a:t>trimite</a:t>
+            </a:r>
+            <a:r>
+              <a:rPr lang="it-IT" sz="1600" dirty="0">
+                <a:latin typeface="Arial" panose="020B0604020202020204" pitchFamily="34" charset="0"/>
+                <a:ea typeface="Arial" panose="020B0604020202020204" pitchFamily="34" charset="0"/>
+                <a:cs typeface="Times New Roman" panose="02020603050405020304" pitchFamily="18" charset="0"/>
+              </a:rPr>
+              <a:t> task-uri </a:t>
+            </a:r>
+            <a:r>
+              <a:rPr lang="it-IT" sz="1600" dirty="0" err="1">
+                <a:latin typeface="Arial" panose="020B0604020202020204" pitchFamily="34" charset="0"/>
+                <a:ea typeface="Arial" panose="020B0604020202020204" pitchFamily="34" charset="0"/>
+                <a:cs typeface="Times New Roman" panose="02020603050405020304" pitchFamily="18" charset="0"/>
+              </a:rPr>
+              <a:t>executorilor</a:t>
+            </a:r>
+            <a:r>
+              <a:rPr lang="it-IT" sz="1600" dirty="0">
+                <a:latin typeface="Arial" panose="020B0604020202020204" pitchFamily="34" charset="0"/>
+                <a:ea typeface="Arial" panose="020B0604020202020204" pitchFamily="34" charset="0"/>
+                <a:cs typeface="Times New Roman" panose="02020603050405020304" pitchFamily="18" charset="0"/>
+              </a:rPr>
+              <a:t> si </a:t>
+            </a:r>
+            <a:r>
+              <a:rPr lang="it-IT" sz="1600" dirty="0" err="1">
+                <a:latin typeface="Arial" panose="020B0604020202020204" pitchFamily="34" charset="0"/>
+                <a:ea typeface="Arial" panose="020B0604020202020204" pitchFamily="34" charset="0"/>
+                <a:cs typeface="Times New Roman" panose="02020603050405020304" pitchFamily="18" charset="0"/>
+              </a:rPr>
+              <a:t>acestia</a:t>
+            </a:r>
+            <a:r>
+              <a:rPr lang="it-IT" sz="1600" dirty="0">
+                <a:latin typeface="Arial" panose="020B0604020202020204" pitchFamily="34" charset="0"/>
+                <a:ea typeface="Arial" panose="020B0604020202020204" pitchFamily="34" charset="0"/>
+                <a:cs typeface="Times New Roman" panose="02020603050405020304" pitchFamily="18" charset="0"/>
+              </a:rPr>
+              <a:t> </a:t>
+            </a:r>
+            <a:r>
+              <a:rPr lang="it-IT" sz="1600" dirty="0" err="1">
+                <a:latin typeface="Arial" panose="020B0604020202020204" pitchFamily="34" charset="0"/>
+                <a:ea typeface="Arial" panose="020B0604020202020204" pitchFamily="34" charset="0"/>
+                <a:cs typeface="Times New Roman" panose="02020603050405020304" pitchFamily="18" charset="0"/>
+              </a:rPr>
+              <a:t>ruleaza</a:t>
+            </a:r>
+            <a:r>
+              <a:rPr lang="it-IT" sz="1600" dirty="0">
+                <a:latin typeface="Arial" panose="020B0604020202020204" pitchFamily="34" charset="0"/>
+                <a:ea typeface="Arial" panose="020B0604020202020204" pitchFamily="34" charset="0"/>
+                <a:cs typeface="Times New Roman" panose="02020603050405020304" pitchFamily="18" charset="0"/>
+              </a:rPr>
+              <a:t> ce li se cere.</a:t>
+            </a:r>
+            <a:endParaRPr lang="en-US" sz="1600" dirty="0">
+              <a:effectLst/>
+              <a:latin typeface="Arial" panose="020B0604020202020204" pitchFamily="34" charset="0"/>
+              <a:ea typeface="Arial" panose="020B0604020202020204" pitchFamily="34" charset="0"/>
+              <a:cs typeface="Times New Roman" panose="02020603050405020304" pitchFamily="18" charset="0"/>
+            </a:endParaRPr>
           </a:p>
         </p:txBody>
       </p:sp>
     </p:spTree>
     <p:extLst>
       <p:ext uri="{BB962C8B-B14F-4D97-AF65-F5344CB8AC3E}">
-        <p14:creationId xmlns:p14="http://schemas.microsoft.com/office/powerpoint/2010/main" val="942363789"/>
+        <p14:creationId xmlns:p14="http://schemas.microsoft.com/office/powerpoint/2010/main" val="2142066678"/>
       </p:ext>
     </p:extLst>
   </p:cSld>
   <p:clrMapOvr>
     <a:masterClrMapping/>
   </p:clrMapOvr>
+  <p:timing>
+    <p:tnLst>
+      <p:par>
+        <p:cTn id="1" dur="indefinite" restart="never" nodeType="tmRoot"/>
+      </p:par>
+    </p:tnLst>
+  </p:timing>
 </p:sld>
 </file>
 
@@ -3184,250 +4018,2646 @@
           <a:lstStyle/>
           <a:p>
             <a:r>
-              <a:rPr lang="en-GB" dirty="0" err="1"/>
-              <a:t>scrierea</a:t>
-            </a:r>
-            <a:r>
-              <a:rPr lang="en-GB" dirty="0"/>
-              <a:t> </a:t>
-            </a:r>
-            <a:r>
-              <a:rPr lang="en-GB" dirty="0" err="1"/>
-              <a:t>aplicatiilor</a:t>
-            </a:r>
-            <a:r>
-              <a:rPr lang="en-GB" dirty="0"/>
-              <a:t> in spark </a:t>
-            </a:r>
-            <a:r>
-              <a:rPr lang="en-GB" dirty="0" err="1"/>
-              <a:t>este</a:t>
-            </a:r>
-            <a:r>
-              <a:rPr lang="en-GB" dirty="0"/>
-              <a:t> ca </a:t>
-            </a:r>
-            <a:r>
-              <a:rPr lang="en-GB" dirty="0" err="1"/>
-              <a:t>si</a:t>
-            </a:r>
-            <a:r>
-              <a:rPr lang="en-GB" dirty="0"/>
-              <a:t> </a:t>
-            </a:r>
-            <a:r>
-              <a:rPr lang="en-GB" dirty="0" err="1"/>
-              <a:t>cautarea</a:t>
-            </a:r>
-            <a:r>
-              <a:rPr lang="en-GB" dirty="0"/>
-              <a:t> </a:t>
-            </a:r>
-            <a:r>
-              <a:rPr lang="en-GB" dirty="0" err="1"/>
-              <a:t>sufletului</a:t>
-            </a:r>
-            <a:r>
-              <a:rPr lang="en-GB" dirty="0"/>
-              <a:t> </a:t>
-            </a:r>
-            <a:r>
-              <a:rPr lang="en-GB" dirty="0" err="1" smtClean="0"/>
-              <a:t>pereche</a:t>
-            </a:r>
-            <a:r>
-              <a:rPr lang="en-GB" dirty="0" smtClean="0"/>
-              <a:t> </a:t>
-            </a:r>
-            <a:r>
-              <a:rPr lang="en-GB" dirty="0" err="1"/>
-              <a:t>pe</a:t>
-            </a:r>
-            <a:r>
-              <a:rPr lang="en-GB" dirty="0"/>
-              <a:t> tinder: </a:t>
-            </a:r>
-            <a:r>
-              <a:rPr lang="en-GB" dirty="0" err="1"/>
-              <a:t>stii</a:t>
-            </a:r>
-            <a:r>
-              <a:rPr lang="en-GB" dirty="0"/>
-              <a:t> ca </a:t>
-            </a:r>
-            <a:r>
-              <a:rPr lang="en-GB" dirty="0" err="1"/>
-              <a:t>sansele</a:t>
-            </a:r>
-            <a:r>
-              <a:rPr lang="en-GB" dirty="0"/>
-              <a:t> </a:t>
-            </a:r>
-            <a:r>
-              <a:rPr lang="en-GB" dirty="0" err="1"/>
-              <a:t>sunt</a:t>
-            </a:r>
-            <a:r>
-              <a:rPr lang="en-GB" dirty="0"/>
-              <a:t> </a:t>
-            </a:r>
-            <a:r>
-              <a:rPr lang="en-GB" dirty="0" err="1"/>
-              <a:t>mici</a:t>
-            </a:r>
-            <a:r>
-              <a:rPr lang="en-GB" dirty="0"/>
-              <a:t>, </a:t>
-            </a:r>
-            <a:r>
-              <a:rPr lang="en-GB" dirty="0" err="1"/>
-              <a:t>dar</a:t>
-            </a:r>
-            <a:r>
-              <a:rPr lang="en-GB" dirty="0"/>
-              <a:t> o </a:t>
-            </a:r>
-            <a:r>
-              <a:rPr lang="en-GB" dirty="0" err="1"/>
-              <a:t>faci</a:t>
-            </a:r>
-            <a:r>
-              <a:rPr lang="en-GB" dirty="0"/>
-              <a:t> </a:t>
-            </a:r>
-            <a:r>
-              <a:rPr lang="en-GB" dirty="0" err="1"/>
-              <a:t>oricum</a:t>
-            </a:r>
-            <a:r>
-              <a:rPr lang="en-GB" dirty="0"/>
-              <a:t> </a:t>
-            </a:r>
-            <a:r>
-              <a:rPr lang="en-GB" dirty="0" err="1"/>
-              <a:t>si</a:t>
-            </a:r>
-            <a:r>
-              <a:rPr lang="en-GB" dirty="0"/>
-              <a:t>.. din </a:t>
-            </a:r>
-            <a:r>
-              <a:rPr lang="en-GB" dirty="0" err="1"/>
-              <a:t>cand</a:t>
-            </a:r>
-            <a:r>
-              <a:rPr lang="en-GB" dirty="0"/>
-              <a:t> in </a:t>
-            </a:r>
-            <a:r>
-              <a:rPr lang="en-GB" dirty="0" err="1"/>
-              <a:t>cand</a:t>
-            </a:r>
-            <a:r>
-              <a:rPr lang="en-GB" dirty="0"/>
-              <a:t> </a:t>
-            </a:r>
-            <a:r>
-              <a:rPr lang="en-GB" dirty="0" err="1"/>
-              <a:t>reusesti</a:t>
-            </a:r>
-            <a:r>
-              <a:rPr lang="en-GB" dirty="0"/>
-              <a:t> </a:t>
-            </a:r>
-            <a:r>
-              <a:rPr lang="en-GB" dirty="0" err="1"/>
-              <a:t>sa</a:t>
-            </a:r>
-            <a:r>
-              <a:rPr lang="en-GB" dirty="0"/>
-              <a:t> o </a:t>
-            </a:r>
-            <a:r>
-              <a:rPr lang="en-GB" dirty="0" err="1"/>
-              <a:t>faci</a:t>
-            </a:r>
-            <a:r>
-              <a:rPr lang="en-GB" dirty="0"/>
-              <a:t> cum </a:t>
-            </a:r>
-            <a:r>
-              <a:rPr lang="en-GB" dirty="0" err="1"/>
-              <a:t>trebuie</a:t>
-            </a:r>
-            <a:r>
-              <a:rPr lang="en-GB" dirty="0"/>
-              <a:t>, </a:t>
-            </a:r>
-            <a:r>
-              <a:rPr lang="en-GB" dirty="0" err="1"/>
-              <a:t>dar</a:t>
-            </a:r>
-            <a:r>
-              <a:rPr lang="en-GB" dirty="0"/>
-              <a:t> tot </a:t>
-            </a:r>
-            <a:r>
-              <a:rPr lang="en-GB" dirty="0" err="1"/>
-              <a:t>timpul</a:t>
-            </a:r>
-            <a:r>
-              <a:rPr lang="en-GB" dirty="0"/>
-              <a:t> </a:t>
-            </a:r>
-            <a:r>
-              <a:rPr lang="en-GB" dirty="0" err="1"/>
-              <a:t>te</a:t>
-            </a:r>
-            <a:r>
-              <a:rPr lang="en-GB" dirty="0"/>
-              <a:t> </a:t>
-            </a:r>
-            <a:r>
-              <a:rPr lang="en-GB" dirty="0" err="1"/>
-              <a:t>intrebi</a:t>
-            </a:r>
-            <a:r>
-              <a:rPr lang="en-GB" dirty="0"/>
-              <a:t> cat de </a:t>
-            </a:r>
-            <a:r>
-              <a:rPr lang="en-GB" dirty="0" err="1"/>
-              <a:t>mult</a:t>
-            </a:r>
-            <a:r>
-              <a:rPr lang="en-GB" dirty="0"/>
-              <a:t> o </a:t>
-            </a:r>
-            <a:r>
-              <a:rPr lang="en-GB" dirty="0" err="1"/>
-              <a:t>sa</a:t>
-            </a:r>
-            <a:r>
-              <a:rPr lang="en-GB" dirty="0"/>
-              <a:t> </a:t>
-            </a:r>
-            <a:r>
-              <a:rPr lang="en-GB" dirty="0" err="1"/>
-              <a:t>dureze</a:t>
-            </a:r>
-            <a:r>
-              <a:rPr lang="en-GB" dirty="0"/>
-              <a:t>.</a:t>
-            </a:r>
+              <a:rPr lang="en-GB" dirty="0" smtClean="0"/>
+              <a:t>cum se </a:t>
+            </a:r>
+            <a:r>
+              <a:rPr lang="en-GB" dirty="0" err="1" smtClean="0"/>
+              <a:t>creaza</a:t>
+            </a:r>
+            <a:r>
+              <a:rPr lang="en-GB" dirty="0" smtClean="0"/>
+              <a:t> un RDD</a:t>
+            </a:r>
+          </a:p>
+          <a:p>
+            <a:pPr lvl="1"/>
+            <a:r>
+              <a:rPr lang="en-GB" dirty="0" err="1" smtClean="0"/>
+              <a:t>citire</a:t>
+            </a:r>
+            <a:r>
+              <a:rPr lang="en-GB" dirty="0" smtClean="0"/>
+              <a:t> din </a:t>
+            </a:r>
+            <a:r>
+              <a:rPr lang="en-GB" dirty="0" err="1" smtClean="0"/>
+              <a:t>fisier</a:t>
+            </a:r>
+            <a:endParaRPr lang="en-GB" dirty="0" smtClean="0"/>
+          </a:p>
+          <a:p>
+            <a:pPr lvl="1"/>
+            <a:r>
+              <a:rPr lang="en-GB" dirty="0" err="1" smtClean="0"/>
+              <a:t>prin</a:t>
+            </a:r>
+            <a:r>
+              <a:rPr lang="en-GB" dirty="0" smtClean="0"/>
+              <a:t> </a:t>
+            </a:r>
+            <a:r>
+              <a:rPr lang="en-GB" dirty="0" err="1" smtClean="0"/>
+              <a:t>apelelarea</a:t>
+            </a:r>
+            <a:r>
+              <a:rPr lang="en-GB" dirty="0" smtClean="0"/>
+              <a:t> </a:t>
+            </a:r>
+            <a:r>
+              <a:rPr lang="en-GB" dirty="0" err="1" smtClean="0"/>
+              <a:t>metode</a:t>
+            </a:r>
+            <a:r>
+              <a:rPr lang="en-GB" dirty="0" smtClean="0"/>
+              <a:t> </a:t>
+            </a:r>
+            <a:r>
+              <a:rPr lang="en-GB" dirty="0" err="1" smtClean="0"/>
+              <a:t>sc.paralalize</a:t>
+            </a:r>
+            <a:r>
+              <a:rPr lang="en-GB" dirty="0" smtClean="0"/>
+              <a:t>() </a:t>
+            </a:r>
+            <a:r>
+              <a:rPr lang="en-GB" dirty="0" err="1" smtClean="0"/>
+              <a:t>asupra</a:t>
+            </a:r>
+            <a:r>
+              <a:rPr lang="en-GB" dirty="0" smtClean="0"/>
+              <a:t> </a:t>
+            </a:r>
+            <a:r>
+              <a:rPr lang="en-GB" dirty="0" err="1" smtClean="0"/>
+              <a:t>unei</a:t>
+            </a:r>
+            <a:r>
+              <a:rPr lang="en-GB" dirty="0" smtClean="0"/>
+              <a:t> </a:t>
+            </a:r>
+            <a:r>
+              <a:rPr lang="en-GB" dirty="0" err="1" smtClean="0"/>
+              <a:t>colectii</a:t>
+            </a:r>
+            <a:endParaRPr lang="en-GB" dirty="0" smtClean="0"/>
           </a:p>
         </p:txBody>
       </p:sp>
     </p:spTree>
     <p:extLst>
       <p:ext uri="{BB962C8B-B14F-4D97-AF65-F5344CB8AC3E}">
-        <p14:creationId xmlns:p14="http://schemas.microsoft.com/office/powerpoint/2010/main" val="1874748349"/>
+        <p14:creationId xmlns:p14="http://schemas.microsoft.com/office/powerpoint/2010/main" val="1350773838"/>
       </p:ext>
     </p:extLst>
   </p:cSld>
   <p:clrMapOvr>
     <a:masterClrMapping/>
   </p:clrMapOvr>
+  <p:timing>
+    <p:tnLst>
+      <p:par>
+        <p:cTn id="1" dur="indefinite" restart="never" nodeType="tmRoot"/>
+      </p:par>
+    </p:tnLst>
+  </p:timing>
+</p:sld>
+</file>
+
+<file path=ppt/slides/slide12.xml><?xml version="1.0" encoding="utf-8"?>
+<p:sld xmlns:a="http://schemas.openxmlformats.org/drawingml/2006/main" xmlns:r="http://schemas.openxmlformats.org/officeDocument/2006/relationships" xmlns:p="http://schemas.openxmlformats.org/presentationml/2006/main">
+  <p:cSld>
+    <p:spTree>
+      <p:nvGrpSpPr>
+        <p:cNvPr id="1" name=""/>
+        <p:cNvGrpSpPr/>
+        <p:nvPr/>
+      </p:nvGrpSpPr>
+      <p:grpSpPr>
+        <a:xfrm>
+          <a:off x="0" y="0"/>
+          <a:ext cx="0" cy="0"/>
+          <a:chOff x="0" y="0"/>
+          <a:chExt cx="0" cy="0"/>
+        </a:xfrm>
+      </p:grpSpPr>
+      <p:sp>
+        <p:nvSpPr>
+          <p:cNvPr id="2" name="Title 1"/>
+          <p:cNvSpPr>
+            <a:spLocks noGrp="1"/>
+          </p:cNvSpPr>
+          <p:nvPr>
+            <p:ph type="title"/>
+          </p:nvPr>
+        </p:nvSpPr>
+        <p:spPr/>
+        <p:txBody>
+          <a:bodyPr/>
+          <a:lstStyle/>
+          <a:p>
+            <a:r>
+              <a:rPr lang="en-GB" dirty="0"/>
+              <a:t>Word count (</a:t>
+            </a:r>
+            <a:r>
+              <a:rPr lang="en-GB" dirty="0" err="1"/>
+              <a:t>exemplul</a:t>
+            </a:r>
+            <a:r>
+              <a:rPr lang="en-GB" dirty="0"/>
+              <a:t> </a:t>
+            </a:r>
+            <a:r>
+              <a:rPr lang="en-GB" dirty="0" err="1"/>
+              <a:t>tipic</a:t>
+            </a:r>
+            <a:r>
+              <a:rPr lang="en-GB" dirty="0"/>
+              <a:t>) demo</a:t>
+            </a:r>
+            <a:br>
+              <a:rPr lang="en-GB" dirty="0"/>
+            </a:br>
+            <a:endParaRPr lang="en-GB" dirty="0"/>
+          </a:p>
+        </p:txBody>
+      </p:sp>
+      <p:sp>
+        <p:nvSpPr>
+          <p:cNvPr id="3" name="Content Placeholder 2"/>
+          <p:cNvSpPr>
+            <a:spLocks noGrp="1"/>
+          </p:cNvSpPr>
+          <p:nvPr>
+            <p:ph idx="1"/>
+          </p:nvPr>
+        </p:nvSpPr>
+        <p:spPr/>
+        <p:txBody>
+          <a:bodyPr/>
+          <a:lstStyle/>
+          <a:p>
+            <a:pPr marL="457200" lvl="1" indent="0">
+              <a:buNone/>
+            </a:pPr>
+            <a:r>
+              <a:rPr lang="en-GB" dirty="0" err="1" smtClean="0"/>
+              <a:t>sa</a:t>
+            </a:r>
+            <a:r>
+              <a:rPr lang="en-GB" dirty="0" smtClean="0"/>
+              <a:t> </a:t>
+            </a:r>
+            <a:r>
+              <a:rPr lang="en-GB" dirty="0"/>
+              <a:t>pun </a:t>
+            </a:r>
+            <a:r>
+              <a:rPr lang="en-GB" dirty="0" err="1"/>
+              <a:t>mai</a:t>
+            </a:r>
+            <a:r>
+              <a:rPr lang="en-GB" dirty="0"/>
+              <a:t> </a:t>
+            </a:r>
+            <a:r>
+              <a:rPr lang="en-GB" dirty="0" err="1"/>
+              <a:t>multe</a:t>
+            </a:r>
+            <a:r>
+              <a:rPr lang="en-GB" dirty="0"/>
+              <a:t> </a:t>
+            </a:r>
+            <a:r>
+              <a:rPr lang="en-GB" dirty="0" err="1"/>
+              <a:t>actiuni</a:t>
+            </a:r>
+            <a:r>
+              <a:rPr lang="en-GB" dirty="0"/>
+              <a:t> </a:t>
+            </a:r>
+            <a:r>
+              <a:rPr lang="en-GB" dirty="0" err="1"/>
+              <a:t>pe</a:t>
+            </a:r>
+            <a:r>
+              <a:rPr lang="en-GB" dirty="0"/>
+              <a:t> </a:t>
+            </a:r>
+            <a:r>
+              <a:rPr lang="en-GB" dirty="0" err="1"/>
+              <a:t>acelasi</a:t>
+            </a:r>
+            <a:r>
+              <a:rPr lang="en-GB" dirty="0"/>
+              <a:t> </a:t>
+            </a:r>
+            <a:r>
+              <a:rPr lang="en-GB" dirty="0" err="1"/>
+              <a:t>rdd</a:t>
+            </a:r>
+            <a:r>
+              <a:rPr lang="en-GB" dirty="0"/>
+              <a:t> (se </a:t>
+            </a:r>
+            <a:r>
+              <a:rPr lang="en-GB" dirty="0" err="1"/>
+              <a:t>va</a:t>
+            </a:r>
+            <a:r>
+              <a:rPr lang="en-GB" dirty="0"/>
+              <a:t> </a:t>
+            </a:r>
+            <a:r>
+              <a:rPr lang="en-GB" dirty="0" err="1"/>
+              <a:t>calcula</a:t>
+            </a:r>
+            <a:r>
+              <a:rPr lang="en-GB" dirty="0"/>
+              <a:t> </a:t>
+            </a:r>
+            <a:r>
+              <a:rPr lang="en-GB" dirty="0" err="1"/>
+              <a:t>totul</a:t>
+            </a:r>
+            <a:r>
+              <a:rPr lang="en-GB" dirty="0"/>
+              <a:t> de </a:t>
+            </a:r>
+            <a:r>
+              <a:rPr lang="en-GB" dirty="0" err="1"/>
+              <a:t>mai</a:t>
+            </a:r>
+            <a:r>
+              <a:rPr lang="en-GB" dirty="0"/>
+              <a:t> </a:t>
+            </a:r>
+            <a:r>
+              <a:rPr lang="en-GB" dirty="0" err="1"/>
+              <a:t>multe</a:t>
+            </a:r>
+            <a:r>
+              <a:rPr lang="en-GB" dirty="0"/>
+              <a:t> </a:t>
+            </a:r>
+            <a:r>
+              <a:rPr lang="en-GB" dirty="0" err="1"/>
+              <a:t>ori</a:t>
+            </a:r>
+            <a:r>
+              <a:rPr lang="en-GB" dirty="0"/>
+              <a:t>)</a:t>
+            </a:r>
+          </a:p>
+          <a:p>
+            <a:endParaRPr lang="en-GB" dirty="0"/>
+          </a:p>
+        </p:txBody>
+      </p:sp>
+    </p:spTree>
+    <p:extLst>
+      <p:ext uri="{BB962C8B-B14F-4D97-AF65-F5344CB8AC3E}">
+        <p14:creationId xmlns:p14="http://schemas.microsoft.com/office/powerpoint/2010/main" val="4261092623"/>
+      </p:ext>
+    </p:extLst>
+  </p:cSld>
+  <p:clrMapOvr>
+    <a:masterClrMapping/>
+  </p:clrMapOvr>
+  <p:timing>
+    <p:tnLst>
+      <p:par>
+        <p:cTn id="1" dur="indefinite" restart="never" nodeType="tmRoot"/>
+      </p:par>
+    </p:tnLst>
+  </p:timing>
+</p:sld>
+</file>
+
+<file path=ppt/slides/slide13.xml><?xml version="1.0" encoding="utf-8"?>
+<p:sld xmlns:a="http://schemas.openxmlformats.org/drawingml/2006/main" xmlns:r="http://schemas.openxmlformats.org/officeDocument/2006/relationships" xmlns:p="http://schemas.openxmlformats.org/presentationml/2006/main">
+  <p:cSld>
+    <p:spTree>
+      <p:nvGrpSpPr>
+        <p:cNvPr id="1" name=""/>
+        <p:cNvGrpSpPr/>
+        <p:nvPr/>
+      </p:nvGrpSpPr>
+      <p:grpSpPr>
+        <a:xfrm>
+          <a:off x="0" y="0"/>
+          <a:ext cx="0" cy="0"/>
+          <a:chOff x="0" y="0"/>
+          <a:chExt cx="0" cy="0"/>
+        </a:xfrm>
+      </p:grpSpPr>
+      <p:sp>
+        <p:nvSpPr>
+          <p:cNvPr id="3" name="Text Placeholder 2"/>
+          <p:cNvSpPr>
+            <a:spLocks noGrp="1"/>
+          </p:cNvSpPr>
+          <p:nvPr>
+            <p:ph type="body" idx="1"/>
+          </p:nvPr>
+        </p:nvSpPr>
+        <p:spPr>
+          <a:xfrm>
+            <a:off x="402609" y="800351"/>
+            <a:ext cx="5157787" cy="823912"/>
+          </a:xfrm>
+        </p:spPr>
+        <p:txBody>
+          <a:bodyPr anchor="ctr"/>
+          <a:lstStyle/>
+          <a:p>
+            <a:pPr algn="ctr"/>
+            <a:r>
+              <a:rPr lang="en-GB" dirty="0" err="1" smtClean="0"/>
+              <a:t>transformari</a:t>
+            </a:r>
+            <a:endParaRPr lang="en-GB" dirty="0"/>
+          </a:p>
+        </p:txBody>
+      </p:sp>
+      <p:pic>
+        <p:nvPicPr>
+          <p:cNvPr id="7" name="Content Placeholder 6"/>
+          <p:cNvPicPr>
+            <a:picLocks noGrp="1" noChangeAspect="1"/>
+          </p:cNvPicPr>
+          <p:nvPr>
+            <p:ph sz="half" idx="2"/>
+          </p:nvPr>
+        </p:nvPicPr>
+        <p:blipFill>
+          <a:blip r:embed="rId2">
+            <a:extLst>
+              <a:ext uri="{28A0092B-C50C-407E-A947-70E740481C1C}">
+                <a14:useLocalDpi xmlns:a14="http://schemas.microsoft.com/office/drawing/2010/main" val="0"/>
+              </a:ext>
+            </a:extLst>
+          </a:blip>
+          <a:stretch>
+            <a:fillRect/>
+          </a:stretch>
+        </p:blipFill>
+        <p:spPr>
+          <a:xfrm>
+            <a:off x="231438" y="2756848"/>
+            <a:ext cx="5766137" cy="2877459"/>
+          </a:xfrm>
+        </p:spPr>
+      </p:pic>
+      <p:sp>
+        <p:nvSpPr>
+          <p:cNvPr id="5" name="Text Placeholder 4"/>
+          <p:cNvSpPr>
+            <a:spLocks noGrp="1"/>
+          </p:cNvSpPr>
+          <p:nvPr>
+            <p:ph type="body" sz="quarter" idx="3"/>
+          </p:nvPr>
+        </p:nvSpPr>
+        <p:spPr>
+          <a:xfrm>
+            <a:off x="6504404" y="800351"/>
+            <a:ext cx="5183188" cy="823912"/>
+          </a:xfrm>
+        </p:spPr>
+        <p:txBody>
+          <a:bodyPr anchor="ctr"/>
+          <a:lstStyle/>
+          <a:p>
+            <a:pPr algn="ctr"/>
+            <a:r>
+              <a:rPr lang="en-GB" dirty="0" err="1" smtClean="0"/>
+              <a:t>actiuni</a:t>
+            </a:r>
+            <a:endParaRPr lang="en-GB" dirty="0"/>
+          </a:p>
+        </p:txBody>
+      </p:sp>
+      <p:pic>
+        <p:nvPicPr>
+          <p:cNvPr id="8" name="Content Placeholder 7"/>
+          <p:cNvPicPr>
+            <a:picLocks noGrp="1" noChangeAspect="1"/>
+          </p:cNvPicPr>
+          <p:nvPr>
+            <p:ph sz="quarter" idx="4"/>
+          </p:nvPr>
+        </p:nvPicPr>
+        <p:blipFill>
+          <a:blip r:embed="rId3">
+            <a:extLst>
+              <a:ext uri="{28A0092B-C50C-407E-A947-70E740481C1C}">
+                <a14:useLocalDpi xmlns:a14="http://schemas.microsoft.com/office/drawing/2010/main" val="0"/>
+              </a:ext>
+            </a:extLst>
+          </a:blip>
+          <a:stretch>
+            <a:fillRect/>
+          </a:stretch>
+        </p:blipFill>
+        <p:spPr>
+          <a:xfrm>
+            <a:off x="6172199" y="2756849"/>
+            <a:ext cx="5847599" cy="2856484"/>
+          </a:xfrm>
+        </p:spPr>
+      </p:pic>
+      <p:sp>
+        <p:nvSpPr>
+          <p:cNvPr id="9" name="TextBox 8"/>
+          <p:cNvSpPr txBox="1"/>
+          <p:nvPr/>
+        </p:nvSpPr>
+        <p:spPr>
+          <a:xfrm>
+            <a:off x="1088571" y="5704114"/>
+            <a:ext cx="7027818" cy="369332"/>
+          </a:xfrm>
+          <a:prstGeom prst="rect">
+            <a:avLst/>
+          </a:prstGeom>
+          <a:noFill/>
+        </p:spPr>
+        <p:txBody>
+          <a:bodyPr wrap="square" rtlCol="0">
+            <a:spAutoFit/>
+          </a:bodyPr>
+          <a:lstStyle/>
+          <a:p>
+            <a:r>
+              <a:rPr lang="en-GB" dirty="0" err="1" smtClean="0"/>
+              <a:t>actiunile</a:t>
+            </a:r>
+            <a:r>
+              <a:rPr lang="en-GB" dirty="0" smtClean="0"/>
+              <a:t> </a:t>
+            </a:r>
+            <a:r>
+              <a:rPr lang="en-GB" dirty="0" err="1" smtClean="0"/>
+              <a:t>sunt</a:t>
+            </a:r>
+            <a:r>
+              <a:rPr lang="en-GB" dirty="0" smtClean="0"/>
+              <a:t> effectuate </a:t>
+            </a:r>
+            <a:r>
+              <a:rPr lang="en-GB" dirty="0" err="1" smtClean="0"/>
+              <a:t>pe</a:t>
+            </a:r>
+            <a:r>
+              <a:rPr lang="en-GB" dirty="0" smtClean="0"/>
+              <a:t> </a:t>
+            </a:r>
+            <a:r>
+              <a:rPr lang="en-GB" dirty="0" err="1" smtClean="0"/>
+              <a:t>executori</a:t>
+            </a:r>
+            <a:r>
+              <a:rPr lang="en-GB" dirty="0" smtClean="0"/>
+              <a:t>, </a:t>
+            </a:r>
+            <a:r>
+              <a:rPr lang="en-GB" dirty="0" err="1" smtClean="0"/>
+              <a:t>iar</a:t>
+            </a:r>
+            <a:r>
+              <a:rPr lang="en-GB" dirty="0" smtClean="0"/>
+              <a:t> </a:t>
+            </a:r>
+            <a:r>
+              <a:rPr lang="en-GB" dirty="0" err="1" smtClean="0"/>
+              <a:t>rezultatul</a:t>
+            </a:r>
+            <a:r>
+              <a:rPr lang="en-GB" dirty="0" smtClean="0"/>
+              <a:t> </a:t>
+            </a:r>
+            <a:r>
+              <a:rPr lang="en-GB" dirty="0" err="1" smtClean="0"/>
+              <a:t>este</a:t>
+            </a:r>
+            <a:r>
+              <a:rPr lang="en-GB" dirty="0" smtClean="0"/>
+              <a:t> </a:t>
+            </a:r>
+            <a:r>
+              <a:rPr lang="en-GB" dirty="0" err="1" smtClean="0"/>
+              <a:t>intors</a:t>
+            </a:r>
+            <a:r>
+              <a:rPr lang="en-GB" dirty="0" smtClean="0"/>
+              <a:t> la driver</a:t>
+            </a:r>
+            <a:endParaRPr lang="en-GB" dirty="0"/>
+          </a:p>
+        </p:txBody>
+      </p:sp>
+      <p:sp>
+        <p:nvSpPr>
+          <p:cNvPr id="2" name="Rectangle 1"/>
+          <p:cNvSpPr/>
+          <p:nvPr/>
+        </p:nvSpPr>
+        <p:spPr>
+          <a:xfrm>
+            <a:off x="535612" y="308975"/>
+            <a:ext cx="2630592" cy="369332"/>
+          </a:xfrm>
+          <a:prstGeom prst="rect">
+            <a:avLst/>
+          </a:prstGeom>
+        </p:spPr>
+        <p:txBody>
+          <a:bodyPr wrap="none">
+            <a:spAutoFit/>
+          </a:bodyPr>
+          <a:lstStyle/>
+          <a:p>
+            <a:r>
+              <a:rPr lang="en-GB" dirty="0" smtClean="0"/>
+              <a:t>de </a:t>
+            </a:r>
+            <a:r>
+              <a:rPr lang="en-GB" dirty="0" err="1" smtClean="0"/>
+              <a:t>ce</a:t>
+            </a:r>
+            <a:r>
+              <a:rPr lang="en-GB" dirty="0" smtClean="0"/>
+              <a:t> spark </a:t>
+            </a:r>
+            <a:r>
+              <a:rPr lang="en-GB" dirty="0" err="1" smtClean="0"/>
+              <a:t>este</a:t>
+            </a:r>
+            <a:r>
+              <a:rPr lang="en-GB" dirty="0" smtClean="0"/>
+              <a:t> laziness </a:t>
+            </a:r>
+            <a:r>
+              <a:rPr lang="en-GB" dirty="0"/>
+              <a:t>?</a:t>
+            </a:r>
+          </a:p>
+        </p:txBody>
+      </p:sp>
+      <p:sp>
+        <p:nvSpPr>
+          <p:cNvPr id="4" name="Rectangle 3"/>
+          <p:cNvSpPr/>
+          <p:nvPr/>
+        </p:nvSpPr>
+        <p:spPr>
+          <a:xfrm>
+            <a:off x="-285403" y="1672314"/>
+            <a:ext cx="6096000" cy="646331"/>
+          </a:xfrm>
+          <a:prstGeom prst="rect">
+            <a:avLst/>
+          </a:prstGeom>
+        </p:spPr>
+        <p:txBody>
+          <a:bodyPr>
+            <a:spAutoFit/>
+          </a:bodyPr>
+          <a:lstStyle/>
+          <a:p>
+            <a:pPr lvl="2"/>
+            <a:r>
+              <a:rPr lang="en-GB" dirty="0" smtClean="0"/>
+              <a:t>o </a:t>
+            </a:r>
+            <a:r>
+              <a:rPr lang="en-GB" dirty="0" err="1"/>
+              <a:t>functie</a:t>
+            </a:r>
+            <a:r>
+              <a:rPr lang="en-GB" dirty="0"/>
+              <a:t> care </a:t>
+            </a:r>
+            <a:r>
+              <a:rPr lang="en-GB" dirty="0" err="1"/>
+              <a:t>returneaza</a:t>
+            </a:r>
+            <a:r>
+              <a:rPr lang="en-GB" dirty="0"/>
+              <a:t> un </a:t>
+            </a:r>
+            <a:r>
+              <a:rPr lang="en-GB" dirty="0" err="1"/>
+              <a:t>nou</a:t>
+            </a:r>
+            <a:r>
+              <a:rPr lang="en-GB" dirty="0"/>
+              <a:t> RDD ca </a:t>
+            </a:r>
+            <a:r>
+              <a:rPr lang="en-GB" dirty="0" err="1" smtClean="0"/>
+              <a:t>rezultat</a:t>
+            </a:r>
+            <a:endParaRPr lang="en-GB" dirty="0" smtClean="0"/>
+          </a:p>
+          <a:p>
+            <a:pPr lvl="2"/>
+            <a:r>
+              <a:rPr lang="en-GB" dirty="0" smtClean="0"/>
+              <a:t>	</a:t>
+            </a:r>
+            <a:endParaRPr lang="en-GB" dirty="0"/>
+          </a:p>
+        </p:txBody>
+      </p:sp>
+      <p:sp>
+        <p:nvSpPr>
+          <p:cNvPr id="6" name="Rectangle 5"/>
+          <p:cNvSpPr/>
+          <p:nvPr/>
+        </p:nvSpPr>
+        <p:spPr>
+          <a:xfrm>
+            <a:off x="6754605" y="1458009"/>
+            <a:ext cx="5151992" cy="646331"/>
+          </a:xfrm>
+          <a:prstGeom prst="rect">
+            <a:avLst/>
+          </a:prstGeom>
+        </p:spPr>
+        <p:txBody>
+          <a:bodyPr wrap="square">
+            <a:spAutoFit/>
+          </a:bodyPr>
+          <a:lstStyle/>
+          <a:p>
+            <a:pPr lvl="2"/>
+            <a:r>
+              <a:rPr lang="en-GB" dirty="0" smtClean="0"/>
+              <a:t>o </a:t>
+            </a:r>
+            <a:r>
+              <a:rPr lang="en-GB" dirty="0" err="1" smtClean="0"/>
+              <a:t>functie</a:t>
+            </a:r>
+            <a:r>
+              <a:rPr lang="en-GB" dirty="0" smtClean="0"/>
+              <a:t> </a:t>
+            </a:r>
+            <a:r>
+              <a:rPr lang="en-GB" dirty="0" err="1" smtClean="0"/>
+              <a:t>ce</a:t>
+            </a:r>
+            <a:r>
+              <a:rPr lang="en-GB" dirty="0" smtClean="0"/>
+              <a:t> </a:t>
+            </a:r>
+            <a:r>
+              <a:rPr lang="en-GB" dirty="0" err="1" smtClean="0"/>
+              <a:t>returneaza</a:t>
+            </a:r>
+            <a:r>
+              <a:rPr lang="en-GB" dirty="0" smtClean="0"/>
+              <a:t> </a:t>
+            </a:r>
+            <a:r>
+              <a:rPr lang="en-GB" dirty="0" err="1"/>
+              <a:t>valoare</a:t>
+            </a:r>
+            <a:r>
+              <a:rPr lang="en-GB" dirty="0"/>
+              <a:t> ca </a:t>
+            </a:r>
+            <a:r>
+              <a:rPr lang="en-GB" dirty="0" err="1"/>
+              <a:t>rezultat</a:t>
+            </a:r>
+            <a:r>
+              <a:rPr lang="en-GB" dirty="0"/>
+              <a:t> </a:t>
+            </a:r>
+            <a:r>
+              <a:rPr lang="en-GB" dirty="0" err="1"/>
+              <a:t>sau</a:t>
+            </a:r>
+            <a:r>
+              <a:rPr lang="en-GB" dirty="0"/>
+              <a:t> </a:t>
+            </a:r>
+            <a:r>
+              <a:rPr lang="en-GB" dirty="0" err="1"/>
+              <a:t>salveaza</a:t>
+            </a:r>
+            <a:r>
+              <a:rPr lang="en-GB" dirty="0"/>
+              <a:t> </a:t>
+            </a:r>
+            <a:r>
+              <a:rPr lang="en-GB" dirty="0" err="1"/>
+              <a:t>rezultatul</a:t>
+            </a:r>
+            <a:r>
+              <a:rPr lang="en-GB" dirty="0"/>
+              <a:t> </a:t>
+            </a:r>
+            <a:r>
+              <a:rPr lang="en-GB" dirty="0" err="1"/>
+              <a:t>intr</a:t>
+            </a:r>
+            <a:r>
+              <a:rPr lang="en-GB" dirty="0"/>
+              <a:t>-un </a:t>
+            </a:r>
+            <a:r>
+              <a:rPr lang="en-GB" dirty="0" err="1"/>
+              <a:t>fisier</a:t>
+            </a:r>
+            <a:endParaRPr lang="en-GB" dirty="0"/>
+          </a:p>
+        </p:txBody>
+      </p:sp>
+    </p:spTree>
+    <p:extLst>
+      <p:ext uri="{BB962C8B-B14F-4D97-AF65-F5344CB8AC3E}">
+        <p14:creationId xmlns:p14="http://schemas.microsoft.com/office/powerpoint/2010/main" val="42141853"/>
+      </p:ext>
+    </p:extLst>
+  </p:cSld>
+  <p:clrMapOvr>
+    <a:masterClrMapping/>
+  </p:clrMapOvr>
+  <p:timing>
+    <p:tnLst>
+      <p:par>
+        <p:cTn id="1" dur="indefinite" restart="never" nodeType="tmRoot"/>
+      </p:par>
+    </p:tnLst>
+  </p:timing>
+</p:sld>
+</file>
+
+<file path=ppt/slides/slide14.xml><?xml version="1.0" encoding="utf-8"?>
+<p:sld xmlns:a="http://schemas.openxmlformats.org/drawingml/2006/main" xmlns:r="http://schemas.openxmlformats.org/officeDocument/2006/relationships" xmlns:p="http://schemas.openxmlformats.org/presentationml/2006/main">
+  <p:cSld>
+    <p:spTree>
+      <p:nvGrpSpPr>
+        <p:cNvPr id="1" name=""/>
+        <p:cNvGrpSpPr/>
+        <p:nvPr/>
+      </p:nvGrpSpPr>
+      <p:grpSpPr>
+        <a:xfrm>
+          <a:off x="0" y="0"/>
+          <a:ext cx="0" cy="0"/>
+          <a:chOff x="0" y="0"/>
+          <a:chExt cx="0" cy="0"/>
+        </a:xfrm>
+      </p:grpSpPr>
+      <p:sp>
+        <p:nvSpPr>
+          <p:cNvPr id="2" name="Title 1"/>
+          <p:cNvSpPr>
+            <a:spLocks noGrp="1"/>
+          </p:cNvSpPr>
+          <p:nvPr>
+            <p:ph type="title"/>
+          </p:nvPr>
+        </p:nvSpPr>
+        <p:spPr/>
+        <p:txBody>
+          <a:bodyPr/>
+          <a:lstStyle/>
+          <a:p>
+            <a:r>
+              <a:rPr lang="en-GB" dirty="0" smtClean="0"/>
+              <a:t>demo</a:t>
+            </a:r>
+            <a:endParaRPr lang="en-GB" dirty="0"/>
+          </a:p>
+        </p:txBody>
+      </p:sp>
+      <p:pic>
+        <p:nvPicPr>
+          <p:cNvPr id="4" name="Content Placeholder 3"/>
+          <p:cNvPicPr>
+            <a:picLocks noGrp="1" noChangeAspect="1"/>
+          </p:cNvPicPr>
+          <p:nvPr>
+            <p:ph idx="1"/>
+          </p:nvPr>
+        </p:nvPicPr>
+        <p:blipFill>
+          <a:blip r:embed="rId2">
+            <a:extLst>
+              <a:ext uri="{28A0092B-C50C-407E-A947-70E740481C1C}">
+                <a14:useLocalDpi xmlns:a14="http://schemas.microsoft.com/office/drawing/2010/main" val="0"/>
+              </a:ext>
+            </a:extLst>
+          </a:blip>
+          <a:stretch>
+            <a:fillRect/>
+          </a:stretch>
+        </p:blipFill>
+        <p:spPr>
+          <a:xfrm>
+            <a:off x="716280" y="1393074"/>
+            <a:ext cx="10515600" cy="2778041"/>
+          </a:xfrm>
+        </p:spPr>
+      </p:pic>
+      <p:pic>
+        <p:nvPicPr>
+          <p:cNvPr id="5" name="Picture 4"/>
+          <p:cNvPicPr>
+            <a:picLocks noChangeAspect="1"/>
+          </p:cNvPicPr>
+          <p:nvPr/>
+        </p:nvPicPr>
+        <p:blipFill>
+          <a:blip r:embed="rId3">
+            <a:extLst>
+              <a:ext uri="{28A0092B-C50C-407E-A947-70E740481C1C}">
+                <a14:useLocalDpi xmlns:a14="http://schemas.microsoft.com/office/drawing/2010/main" val="0"/>
+              </a:ext>
+            </a:extLst>
+          </a:blip>
+          <a:stretch>
+            <a:fillRect/>
+          </a:stretch>
+        </p:blipFill>
+        <p:spPr>
+          <a:xfrm>
+            <a:off x="571500" y="4375920"/>
+            <a:ext cx="11049000" cy="2390775"/>
+          </a:xfrm>
+          <a:prstGeom prst="rect">
+            <a:avLst/>
+          </a:prstGeom>
+        </p:spPr>
+      </p:pic>
+    </p:spTree>
+    <p:extLst>
+      <p:ext uri="{BB962C8B-B14F-4D97-AF65-F5344CB8AC3E}">
+        <p14:creationId xmlns:p14="http://schemas.microsoft.com/office/powerpoint/2010/main" val="3976573275"/>
+      </p:ext>
+    </p:extLst>
+  </p:cSld>
+  <p:clrMapOvr>
+    <a:masterClrMapping/>
+  </p:clrMapOvr>
+  <p:timing>
+    <p:tnLst>
+      <p:par>
+        <p:cTn id="1" dur="indefinite" restart="never" nodeType="tmRoot"/>
+      </p:par>
+    </p:tnLst>
+  </p:timing>
+</p:sld>
+</file>
+
+<file path=ppt/slides/slide15.xml><?xml version="1.0" encoding="utf-8"?>
+<p:sld xmlns:a="http://schemas.openxmlformats.org/drawingml/2006/main" xmlns:r="http://schemas.openxmlformats.org/officeDocument/2006/relationships" xmlns:p="http://schemas.openxmlformats.org/presentationml/2006/main">
+  <p:cSld>
+    <p:spTree>
+      <p:nvGrpSpPr>
+        <p:cNvPr id="1" name=""/>
+        <p:cNvGrpSpPr/>
+        <p:nvPr/>
+      </p:nvGrpSpPr>
+      <p:grpSpPr>
+        <a:xfrm>
+          <a:off x="0" y="0"/>
+          <a:ext cx="0" cy="0"/>
+          <a:chOff x="0" y="0"/>
+          <a:chExt cx="0" cy="0"/>
+        </a:xfrm>
+      </p:grpSpPr>
+      <p:sp>
+        <p:nvSpPr>
+          <p:cNvPr id="2" name="Title 1"/>
+          <p:cNvSpPr>
+            <a:spLocks noGrp="1"/>
+          </p:cNvSpPr>
+          <p:nvPr>
+            <p:ph type="title"/>
+          </p:nvPr>
+        </p:nvSpPr>
+        <p:spPr/>
+        <p:txBody>
+          <a:bodyPr/>
+          <a:lstStyle/>
+          <a:p>
+            <a:r>
+              <a:rPr lang="en-GB" dirty="0" smtClean="0"/>
+              <a:t>caching and persistence</a:t>
+            </a:r>
+            <a:endParaRPr lang="en-GB" dirty="0"/>
+          </a:p>
+        </p:txBody>
+      </p:sp>
+      <p:pic>
+        <p:nvPicPr>
+          <p:cNvPr id="4" name="Content Placeholder 3"/>
+          <p:cNvPicPr>
+            <a:picLocks noGrp="1" noChangeAspect="1"/>
+          </p:cNvPicPr>
+          <p:nvPr>
+            <p:ph idx="1"/>
+          </p:nvPr>
+        </p:nvPicPr>
+        <p:blipFill>
+          <a:blip r:embed="rId2">
+            <a:extLst>
+              <a:ext uri="{28A0092B-C50C-407E-A947-70E740481C1C}">
+                <a14:useLocalDpi xmlns:a14="http://schemas.microsoft.com/office/drawing/2010/main" val="0"/>
+              </a:ext>
+            </a:extLst>
+          </a:blip>
+          <a:stretch>
+            <a:fillRect/>
+          </a:stretch>
+        </p:blipFill>
+        <p:spPr>
+          <a:xfrm>
+            <a:off x="729206" y="2232501"/>
+            <a:ext cx="10315575" cy="2562225"/>
+          </a:xfrm>
+        </p:spPr>
+      </p:pic>
+      <p:sp>
+        <p:nvSpPr>
+          <p:cNvPr id="3" name="TextBox 2"/>
+          <p:cNvSpPr txBox="1"/>
+          <p:nvPr/>
+        </p:nvSpPr>
+        <p:spPr>
+          <a:xfrm>
+            <a:off x="1009935" y="4558352"/>
+            <a:ext cx="11182066" cy="3139321"/>
+          </a:xfrm>
+          <a:prstGeom prst="rect">
+            <a:avLst/>
+          </a:prstGeom>
+          <a:noFill/>
+        </p:spPr>
+        <p:txBody>
+          <a:bodyPr wrap="square" rtlCol="0">
+            <a:spAutoFit/>
+          </a:bodyPr>
+          <a:lstStyle/>
+          <a:p>
+            <a:r>
+              <a:rPr lang="en-GB" dirty="0" err="1" smtClean="0"/>
+              <a:t>Sunt</a:t>
+            </a:r>
+            <a:r>
+              <a:rPr lang="en-GB" dirty="0" smtClean="0"/>
+              <a:t> </a:t>
+            </a:r>
+            <a:r>
+              <a:rPr lang="en-GB" dirty="0" err="1" smtClean="0"/>
+              <a:t>mai</a:t>
+            </a:r>
+            <a:r>
+              <a:rPr lang="en-GB" dirty="0" smtClean="0"/>
+              <a:t> </a:t>
+            </a:r>
+            <a:r>
+              <a:rPr lang="en-GB" dirty="0" err="1" smtClean="0"/>
+              <a:t>multe</a:t>
+            </a:r>
+            <a:r>
+              <a:rPr lang="en-GB" dirty="0" smtClean="0"/>
+              <a:t> </a:t>
+            </a:r>
+            <a:r>
+              <a:rPr lang="en-GB" dirty="0" err="1" smtClean="0"/>
+              <a:t>tipuri</a:t>
+            </a:r>
+            <a:r>
+              <a:rPr lang="en-GB" dirty="0" smtClean="0"/>
+              <a:t> de persist:</a:t>
+            </a:r>
+          </a:p>
+          <a:p>
+            <a:pPr marL="285750" indent="-285750">
+              <a:buFont typeface="Arial" panose="020B0604020202020204" pitchFamily="34" charset="0"/>
+              <a:buChar char="•"/>
+            </a:pPr>
+            <a:r>
+              <a:rPr lang="en-GB" dirty="0" smtClean="0"/>
+              <a:t>in </a:t>
+            </a:r>
+            <a:r>
+              <a:rPr lang="en-GB" dirty="0" err="1" smtClean="0"/>
+              <a:t>memorie</a:t>
+            </a:r>
+            <a:endParaRPr lang="en-GB" dirty="0" smtClean="0"/>
+          </a:p>
+          <a:p>
+            <a:pPr marL="285750" indent="-285750">
+              <a:buFont typeface="Arial" panose="020B0604020202020204" pitchFamily="34" charset="0"/>
+              <a:buChar char="•"/>
+            </a:pPr>
+            <a:r>
+              <a:rPr lang="en-GB" dirty="0" err="1" smtClean="0"/>
+              <a:t>pe</a:t>
+            </a:r>
+            <a:r>
+              <a:rPr lang="en-GB" dirty="0" smtClean="0"/>
+              <a:t> disc</a:t>
+            </a:r>
+          </a:p>
+          <a:p>
+            <a:pPr marL="285750" indent="-285750">
+              <a:buFont typeface="Arial" panose="020B0604020202020204" pitchFamily="34" charset="0"/>
+              <a:buChar char="•"/>
+            </a:pPr>
+            <a:r>
+              <a:rPr lang="en-GB" dirty="0" err="1" smtClean="0"/>
+              <a:t>si</a:t>
+            </a:r>
+            <a:r>
+              <a:rPr lang="en-GB" dirty="0" smtClean="0"/>
+              <a:t> in </a:t>
+            </a:r>
+            <a:r>
+              <a:rPr lang="en-GB" dirty="0" err="1" smtClean="0"/>
+              <a:t>memorie</a:t>
+            </a:r>
+            <a:r>
+              <a:rPr lang="en-GB" dirty="0" smtClean="0"/>
+              <a:t> </a:t>
+            </a:r>
+            <a:r>
+              <a:rPr lang="en-GB" dirty="0" err="1" smtClean="0"/>
+              <a:t>si</a:t>
+            </a:r>
+            <a:r>
+              <a:rPr lang="en-GB" dirty="0" smtClean="0"/>
+              <a:t> </a:t>
+            </a:r>
+            <a:r>
+              <a:rPr lang="en-GB" dirty="0" err="1" smtClean="0"/>
+              <a:t>pe</a:t>
+            </a:r>
+            <a:r>
+              <a:rPr lang="en-GB" dirty="0" smtClean="0"/>
+              <a:t> disc.</a:t>
+            </a:r>
+          </a:p>
+          <a:p>
+            <a:pPr marL="285750" indent="-285750">
+              <a:buFont typeface="Arial" panose="020B0604020202020204" pitchFamily="34" charset="0"/>
+              <a:buChar char="•"/>
+            </a:pPr>
+            <a:endParaRPr lang="en-GB" dirty="0"/>
+          </a:p>
+          <a:p>
+            <a:r>
+              <a:rPr lang="en-GB" dirty="0" err="1" smtClean="0"/>
+              <a:t>Trebuie</a:t>
+            </a:r>
+            <a:r>
+              <a:rPr lang="en-GB" dirty="0" smtClean="0"/>
+              <a:t> </a:t>
+            </a:r>
+            <a:r>
+              <a:rPr lang="en-GB" dirty="0" err="1" smtClean="0"/>
+              <a:t>sa</a:t>
+            </a:r>
+            <a:r>
+              <a:rPr lang="en-GB" dirty="0" smtClean="0"/>
+              <a:t> </a:t>
+            </a:r>
+            <a:r>
+              <a:rPr lang="en-GB" dirty="0" err="1" smtClean="0"/>
+              <a:t>tinem</a:t>
+            </a:r>
+            <a:r>
+              <a:rPr lang="en-GB" dirty="0" smtClean="0"/>
+              <a:t> </a:t>
+            </a:r>
+            <a:r>
+              <a:rPr lang="en-GB" dirty="0" err="1" smtClean="0"/>
+              <a:t>cont</a:t>
+            </a:r>
+            <a:r>
+              <a:rPr lang="en-GB" dirty="0" smtClean="0"/>
+              <a:t> de </a:t>
+            </a:r>
+            <a:r>
+              <a:rPr lang="en-GB" dirty="0" err="1" smtClean="0"/>
+              <a:t>faptul</a:t>
+            </a:r>
+            <a:r>
+              <a:rPr lang="en-GB" dirty="0" smtClean="0"/>
+              <a:t> ca </a:t>
+            </a:r>
+            <a:r>
+              <a:rPr lang="en-GB" dirty="0" err="1" smtClean="0"/>
+              <a:t>atunci</a:t>
+            </a:r>
+            <a:r>
+              <a:rPr lang="en-GB" dirty="0" smtClean="0"/>
+              <a:t> </a:t>
+            </a:r>
+            <a:r>
+              <a:rPr lang="en-GB" dirty="0" err="1" smtClean="0"/>
+              <a:t>cand</a:t>
+            </a:r>
+            <a:r>
+              <a:rPr lang="en-GB" dirty="0" smtClean="0"/>
+              <a:t> </a:t>
+            </a:r>
+            <a:r>
+              <a:rPr lang="en-GB" dirty="0" err="1" smtClean="0"/>
+              <a:t>tinem</a:t>
+            </a:r>
+            <a:r>
+              <a:rPr lang="en-GB" dirty="0" smtClean="0"/>
+              <a:t> in </a:t>
+            </a:r>
+            <a:r>
+              <a:rPr lang="en-GB" dirty="0" err="1" smtClean="0"/>
+              <a:t>memorie</a:t>
+            </a:r>
+            <a:r>
+              <a:rPr lang="en-GB" dirty="0" smtClean="0"/>
+              <a:t> </a:t>
+            </a:r>
+            <a:r>
+              <a:rPr lang="en-GB" dirty="0" err="1" smtClean="0"/>
+              <a:t>anumite</a:t>
+            </a:r>
+            <a:r>
+              <a:rPr lang="en-GB" dirty="0" smtClean="0"/>
+              <a:t> </a:t>
+            </a:r>
+            <a:r>
+              <a:rPr lang="en-GB" dirty="0" err="1" smtClean="0"/>
+              <a:t>colectii</a:t>
+            </a:r>
+            <a:r>
+              <a:rPr lang="en-GB" dirty="0" smtClean="0"/>
+              <a:t>, </a:t>
+            </a:r>
+            <a:r>
+              <a:rPr lang="en-GB" dirty="0" err="1" smtClean="0"/>
+              <a:t>vom</a:t>
+            </a:r>
+            <a:r>
+              <a:rPr lang="en-GB" dirty="0" smtClean="0"/>
+              <a:t> </a:t>
+            </a:r>
+            <a:r>
+              <a:rPr lang="en-GB" dirty="0" err="1" smtClean="0"/>
+              <a:t>avea</a:t>
+            </a:r>
+            <a:r>
+              <a:rPr lang="en-GB" dirty="0" smtClean="0"/>
+              <a:t> </a:t>
+            </a:r>
+            <a:r>
+              <a:rPr lang="en-GB" dirty="0" err="1" smtClean="0"/>
+              <a:t>mai</a:t>
+            </a:r>
+            <a:r>
+              <a:rPr lang="en-GB" dirty="0" smtClean="0"/>
+              <a:t> </a:t>
+            </a:r>
+            <a:r>
+              <a:rPr lang="en-GB" dirty="0" err="1" smtClean="0"/>
+              <a:t>putin</a:t>
+            </a:r>
+            <a:r>
+              <a:rPr lang="en-GB" dirty="0" smtClean="0"/>
+              <a:t> </a:t>
+            </a:r>
+            <a:r>
+              <a:rPr lang="en-GB" dirty="0" err="1" smtClean="0"/>
+              <a:t>loc</a:t>
+            </a:r>
+            <a:r>
+              <a:rPr lang="en-GB" dirty="0" smtClean="0"/>
+              <a:t> </a:t>
+            </a:r>
+            <a:r>
+              <a:rPr lang="en-GB" dirty="0" err="1" smtClean="0"/>
+              <a:t>pentru</a:t>
+            </a:r>
+            <a:r>
+              <a:rPr lang="en-GB" dirty="0" smtClean="0"/>
+              <a:t> </a:t>
+            </a:r>
+            <a:r>
+              <a:rPr lang="en-GB" dirty="0" err="1" smtClean="0"/>
+              <a:t>calcularea</a:t>
+            </a:r>
+            <a:r>
+              <a:rPr lang="en-GB" dirty="0" smtClean="0"/>
+              <a:t> </a:t>
+            </a:r>
+            <a:r>
+              <a:rPr lang="en-GB" dirty="0" err="1" smtClean="0"/>
+              <a:t>celolrlalte</a:t>
+            </a:r>
+            <a:r>
+              <a:rPr lang="en-GB" dirty="0" smtClean="0"/>
+              <a:t> </a:t>
+            </a:r>
+            <a:r>
+              <a:rPr lang="en-GB" dirty="0" err="1" smtClean="0"/>
+              <a:t>lucruri</a:t>
+            </a:r>
+            <a:endParaRPr lang="en-GB" dirty="0" smtClean="0"/>
+          </a:p>
+          <a:p>
+            <a:endParaRPr lang="en-GB" dirty="0"/>
+          </a:p>
+          <a:p>
+            <a:r>
+              <a:rPr lang="en-GB" dirty="0" err="1" smtClean="0"/>
+              <a:t>Atunci</a:t>
+            </a:r>
+            <a:r>
+              <a:rPr lang="en-GB" dirty="0" smtClean="0"/>
+              <a:t> </a:t>
+            </a:r>
+            <a:r>
+              <a:rPr lang="en-GB" dirty="0" err="1" smtClean="0"/>
+              <a:t>cand</a:t>
+            </a:r>
+            <a:r>
+              <a:rPr lang="en-GB" dirty="0" smtClean="0"/>
+              <a:t> </a:t>
+            </a:r>
+            <a:r>
+              <a:rPr lang="en-GB" dirty="0" err="1" smtClean="0"/>
+              <a:t>alegem</a:t>
+            </a:r>
+            <a:r>
+              <a:rPr lang="en-GB" dirty="0" smtClean="0"/>
+              <a:t> </a:t>
+            </a:r>
+            <a:r>
+              <a:rPr lang="en-GB" dirty="0" err="1" smtClean="0"/>
+              <a:t>sa</a:t>
+            </a:r>
+            <a:r>
+              <a:rPr lang="en-GB" dirty="0" smtClean="0"/>
+              <a:t> </a:t>
+            </a:r>
+            <a:r>
+              <a:rPr lang="en-GB" dirty="0" err="1" smtClean="0"/>
+              <a:t>tinem</a:t>
+            </a:r>
+            <a:r>
+              <a:rPr lang="en-GB" dirty="0" smtClean="0"/>
+              <a:t> un RDD </a:t>
+            </a:r>
+            <a:r>
+              <a:rPr lang="en-GB" dirty="0" err="1" smtClean="0"/>
+              <a:t>pe</a:t>
+            </a:r>
+            <a:r>
+              <a:rPr lang="en-GB" dirty="0" smtClean="0"/>
+              <a:t> disc </a:t>
+            </a:r>
+            <a:r>
+              <a:rPr lang="en-GB" dirty="0" err="1" smtClean="0"/>
+              <a:t>trebuie</a:t>
+            </a:r>
+            <a:r>
+              <a:rPr lang="en-GB" dirty="0" smtClean="0"/>
+              <a:t> </a:t>
+            </a:r>
+            <a:r>
+              <a:rPr lang="en-GB" dirty="0" err="1" smtClean="0"/>
+              <a:t>sa</a:t>
+            </a:r>
+            <a:r>
+              <a:rPr lang="en-GB" dirty="0" smtClean="0"/>
+              <a:t> </a:t>
+            </a:r>
+            <a:r>
+              <a:rPr lang="en-GB" dirty="0" err="1" smtClean="0"/>
+              <a:t>evaluam</a:t>
+            </a:r>
+            <a:r>
+              <a:rPr lang="en-GB" dirty="0" smtClean="0"/>
+              <a:t> </a:t>
+            </a:r>
+            <a:r>
+              <a:rPr lang="en-GB" dirty="0" err="1" smtClean="0"/>
+              <a:t>daca</a:t>
+            </a:r>
+            <a:r>
+              <a:rPr lang="en-GB" dirty="0" smtClean="0"/>
+              <a:t> </a:t>
+            </a:r>
+            <a:r>
+              <a:rPr lang="en-GB" dirty="0" err="1" smtClean="0"/>
+              <a:t>asa</a:t>
+            </a:r>
+            <a:r>
+              <a:rPr lang="en-GB" dirty="0" smtClean="0"/>
+              <a:t> e </a:t>
+            </a:r>
+            <a:r>
+              <a:rPr lang="en-GB" dirty="0" err="1" smtClean="0"/>
+              <a:t>cel</a:t>
+            </a:r>
+            <a:r>
+              <a:rPr lang="en-GB" dirty="0" smtClean="0"/>
+              <a:t> </a:t>
+            </a:r>
+            <a:r>
+              <a:rPr lang="en-GB" dirty="0" err="1" smtClean="0"/>
+              <a:t>mai</a:t>
+            </a:r>
+            <a:r>
+              <a:rPr lang="en-GB" dirty="0" smtClean="0"/>
+              <a:t> </a:t>
+            </a:r>
+            <a:r>
+              <a:rPr lang="en-GB" dirty="0" err="1" smtClean="0"/>
+              <a:t>convenabil</a:t>
+            </a:r>
+            <a:r>
+              <a:rPr lang="en-GB" dirty="0" smtClean="0"/>
+              <a:t> </a:t>
+            </a:r>
+            <a:r>
+              <a:rPr lang="en-GB" dirty="0" err="1" smtClean="0"/>
+              <a:t>si</a:t>
+            </a:r>
+            <a:r>
+              <a:rPr lang="en-GB" dirty="0" smtClean="0"/>
+              <a:t> </a:t>
+            </a:r>
+            <a:r>
+              <a:rPr lang="en-GB" dirty="0" err="1" smtClean="0"/>
+              <a:t>trebuei</a:t>
+            </a:r>
+            <a:r>
+              <a:rPr lang="en-GB" dirty="0" smtClean="0"/>
+              <a:t> </a:t>
+            </a:r>
+            <a:r>
+              <a:rPr lang="en-GB" dirty="0" err="1" smtClean="0"/>
+              <a:t>sa</a:t>
+            </a:r>
+            <a:r>
+              <a:rPr lang="en-GB" dirty="0" smtClean="0"/>
+              <a:t> </a:t>
+            </a:r>
+            <a:r>
+              <a:rPr lang="en-GB" dirty="0" err="1" smtClean="0"/>
+              <a:t>iau</a:t>
+            </a:r>
+            <a:r>
+              <a:rPr lang="en-GB" dirty="0" smtClean="0"/>
+              <a:t> in </a:t>
+            </a:r>
+            <a:r>
+              <a:rPr lang="en-GB" dirty="0" err="1" smtClean="0"/>
+              <a:t>calcul</a:t>
+            </a:r>
+            <a:r>
+              <a:rPr lang="en-GB" dirty="0" smtClean="0"/>
+              <a:t> </a:t>
+            </a:r>
+            <a:r>
+              <a:rPr lang="en-GB" dirty="0" err="1" smtClean="0"/>
+              <a:t>daca</a:t>
+            </a:r>
+            <a:r>
+              <a:rPr lang="en-GB" dirty="0" smtClean="0"/>
+              <a:t> nu </a:t>
+            </a:r>
+            <a:r>
+              <a:rPr lang="en-GB" dirty="0" err="1" smtClean="0"/>
+              <a:t>cumva</a:t>
+            </a:r>
+            <a:r>
+              <a:rPr lang="en-GB" dirty="0" smtClean="0"/>
+              <a:t> </a:t>
+            </a:r>
+            <a:r>
+              <a:rPr lang="en-GB" dirty="0" err="1" smtClean="0"/>
+              <a:t>procesul</a:t>
+            </a:r>
+            <a:r>
+              <a:rPr lang="en-GB" dirty="0" smtClean="0"/>
+              <a:t> de </a:t>
+            </a:r>
+            <a:r>
+              <a:rPr lang="en-GB" dirty="0" err="1" smtClean="0"/>
+              <a:t>scriere</a:t>
+            </a:r>
+            <a:r>
+              <a:rPr lang="en-GB" dirty="0" smtClean="0"/>
+              <a:t> </a:t>
+            </a:r>
+            <a:r>
+              <a:rPr lang="en-GB" dirty="0" err="1" smtClean="0"/>
+              <a:t>pe</a:t>
+            </a:r>
+            <a:r>
+              <a:rPr lang="en-GB" dirty="0" smtClean="0"/>
+              <a:t> disk </a:t>
+            </a:r>
+            <a:r>
+              <a:rPr lang="en-GB" dirty="0" err="1" smtClean="0"/>
+              <a:t>si</a:t>
+            </a:r>
+            <a:r>
+              <a:rPr lang="en-GB" dirty="0" smtClean="0"/>
+              <a:t> de </a:t>
+            </a:r>
+            <a:r>
+              <a:rPr lang="en-GB" dirty="0" err="1" smtClean="0"/>
+              <a:t>citire</a:t>
+            </a:r>
+            <a:r>
+              <a:rPr lang="en-GB" dirty="0" smtClean="0"/>
+              <a:t> </a:t>
+            </a:r>
+            <a:r>
+              <a:rPr lang="en-GB" dirty="0" err="1" smtClean="0"/>
+              <a:t>dureaza</a:t>
+            </a:r>
+            <a:r>
+              <a:rPr lang="en-GB" dirty="0" smtClean="0"/>
+              <a:t> </a:t>
+            </a:r>
+            <a:r>
+              <a:rPr lang="en-GB" dirty="0" err="1" smtClean="0"/>
+              <a:t>mai</a:t>
+            </a:r>
+            <a:r>
+              <a:rPr lang="en-GB" dirty="0" smtClean="0"/>
+              <a:t> </a:t>
+            </a:r>
+            <a:r>
+              <a:rPr lang="en-GB" dirty="0" err="1" smtClean="0"/>
+              <a:t>mult</a:t>
+            </a:r>
+            <a:r>
+              <a:rPr lang="en-GB" dirty="0" smtClean="0"/>
+              <a:t> </a:t>
+            </a:r>
+            <a:r>
+              <a:rPr lang="en-GB" dirty="0" err="1" smtClean="0"/>
+              <a:t>decat</a:t>
+            </a:r>
+            <a:r>
+              <a:rPr lang="en-GB" dirty="0" smtClean="0"/>
+              <a:t> </a:t>
+            </a:r>
+            <a:r>
+              <a:rPr lang="en-GB" dirty="0" err="1" smtClean="0"/>
+              <a:t>calcularea</a:t>
+            </a:r>
+            <a:r>
+              <a:rPr lang="en-GB" dirty="0" smtClean="0"/>
+              <a:t> </a:t>
+            </a:r>
+            <a:r>
+              <a:rPr lang="en-GB" dirty="0" err="1" smtClean="0"/>
+              <a:t>inca</a:t>
+            </a:r>
+            <a:r>
+              <a:rPr lang="en-GB" dirty="0" smtClean="0"/>
+              <a:t> o data a </a:t>
+            </a:r>
+            <a:r>
+              <a:rPr lang="en-GB" dirty="0" err="1" smtClean="0"/>
+              <a:t>respectivului</a:t>
+            </a:r>
+            <a:r>
+              <a:rPr lang="en-GB" dirty="0" smtClean="0"/>
+              <a:t> RDD </a:t>
+            </a:r>
+          </a:p>
+        </p:txBody>
+      </p:sp>
+    </p:spTree>
+    <p:extLst>
+      <p:ext uri="{BB962C8B-B14F-4D97-AF65-F5344CB8AC3E}">
+        <p14:creationId xmlns:p14="http://schemas.microsoft.com/office/powerpoint/2010/main" val="2562968485"/>
+      </p:ext>
+    </p:extLst>
+  </p:cSld>
+  <p:clrMapOvr>
+    <a:masterClrMapping/>
+  </p:clrMapOvr>
+  <p:timing>
+    <p:tnLst>
+      <p:par>
+        <p:cTn id="1" dur="indefinite" restart="never" nodeType="tmRoot"/>
+      </p:par>
+    </p:tnLst>
+  </p:timing>
+</p:sld>
+</file>
+
+<file path=ppt/slides/slide16.xml><?xml version="1.0" encoding="utf-8"?>
+<p:sld xmlns:a="http://schemas.openxmlformats.org/drawingml/2006/main" xmlns:r="http://schemas.openxmlformats.org/officeDocument/2006/relationships" xmlns:p="http://schemas.openxmlformats.org/presentationml/2006/main">
+  <p:cSld>
+    <p:spTree>
+      <p:nvGrpSpPr>
+        <p:cNvPr id="1" name=""/>
+        <p:cNvGrpSpPr/>
+        <p:nvPr/>
+      </p:nvGrpSpPr>
+      <p:grpSpPr>
+        <a:xfrm>
+          <a:off x="0" y="0"/>
+          <a:ext cx="0" cy="0"/>
+          <a:chOff x="0" y="0"/>
+          <a:chExt cx="0" cy="0"/>
+        </a:xfrm>
+      </p:grpSpPr>
+      <p:sp>
+        <p:nvSpPr>
+          <p:cNvPr id="2" name="Title 1"/>
+          <p:cNvSpPr>
+            <a:spLocks noGrp="1"/>
+          </p:cNvSpPr>
+          <p:nvPr>
+            <p:ph type="title"/>
+          </p:nvPr>
+        </p:nvSpPr>
+        <p:spPr/>
+        <p:txBody>
+          <a:bodyPr/>
+          <a:lstStyle/>
+          <a:p>
+            <a:r>
+              <a:rPr lang="en-GB" dirty="0" smtClean="0"/>
+              <a:t>O </a:t>
+            </a:r>
+            <a:r>
+              <a:rPr lang="en-GB" dirty="0" err="1" smtClean="0"/>
+              <a:t>noua</a:t>
+            </a:r>
+            <a:r>
+              <a:rPr lang="en-GB" dirty="0" smtClean="0"/>
+              <a:t> </a:t>
+            </a:r>
+            <a:r>
+              <a:rPr lang="en-GB" dirty="0" err="1" smtClean="0"/>
+              <a:t>abstractie</a:t>
+            </a:r>
+            <a:r>
+              <a:rPr lang="en-GB" dirty="0" smtClean="0"/>
+              <a:t> - </a:t>
+            </a:r>
+            <a:r>
+              <a:rPr lang="en-GB" dirty="0" err="1" smtClean="0"/>
+              <a:t>dataFrame</a:t>
+            </a:r>
+            <a:endParaRPr lang="en-GB" dirty="0"/>
+          </a:p>
+        </p:txBody>
+      </p:sp>
+      <p:sp>
+        <p:nvSpPr>
+          <p:cNvPr id="3" name="Content Placeholder 2"/>
+          <p:cNvSpPr>
+            <a:spLocks noGrp="1"/>
+          </p:cNvSpPr>
+          <p:nvPr>
+            <p:ph idx="1"/>
+          </p:nvPr>
+        </p:nvSpPr>
+        <p:spPr/>
+        <p:txBody>
+          <a:bodyPr/>
+          <a:lstStyle/>
+          <a:p>
+            <a:endParaRPr lang="en-GB" dirty="0" smtClean="0"/>
+          </a:p>
+          <a:p>
+            <a:r>
+              <a:rPr lang="en-GB" dirty="0" err="1" smtClean="0"/>
+              <a:t>Codul</a:t>
+            </a:r>
+            <a:r>
+              <a:rPr lang="en-GB" dirty="0" smtClean="0"/>
+              <a:t> </a:t>
+            </a:r>
+            <a:r>
+              <a:rPr lang="en-GB" dirty="0" err="1" smtClean="0"/>
+              <a:t>scris</a:t>
+            </a:r>
+            <a:r>
+              <a:rPr lang="en-GB" dirty="0" smtClean="0"/>
+              <a:t> cu </a:t>
+            </a:r>
+            <a:r>
+              <a:rPr lang="en-GB" dirty="0" err="1" smtClean="0"/>
+              <a:t>dataFrame-uri</a:t>
+            </a:r>
+            <a:r>
+              <a:rPr lang="en-GB" dirty="0" smtClean="0"/>
+              <a:t> </a:t>
+            </a:r>
+            <a:r>
+              <a:rPr lang="en-GB" dirty="0" err="1" smtClean="0"/>
+              <a:t>este</a:t>
+            </a:r>
+            <a:r>
+              <a:rPr lang="en-GB" dirty="0" smtClean="0"/>
+              <a:t> </a:t>
+            </a:r>
+            <a:r>
+              <a:rPr lang="en-GB" dirty="0" err="1" smtClean="0"/>
+              <a:t>analizat</a:t>
+            </a:r>
+            <a:r>
+              <a:rPr lang="en-GB" dirty="0" smtClean="0"/>
+              <a:t> de un </a:t>
+            </a:r>
+            <a:r>
+              <a:rPr lang="en-GB" dirty="0" err="1" smtClean="0"/>
+              <a:t>Calatizator</a:t>
+            </a:r>
+            <a:r>
+              <a:rPr lang="en-GB" dirty="0" smtClean="0"/>
+              <a:t> </a:t>
+            </a:r>
+            <a:r>
+              <a:rPr lang="en-GB" dirty="0" err="1" smtClean="0"/>
+              <a:t>si</a:t>
+            </a:r>
+            <a:r>
+              <a:rPr lang="en-GB" dirty="0" smtClean="0"/>
+              <a:t> </a:t>
+            </a:r>
+            <a:r>
+              <a:rPr lang="en-GB" dirty="0" err="1" smtClean="0"/>
+              <a:t>apoi</a:t>
+            </a:r>
+            <a:r>
+              <a:rPr lang="en-GB" dirty="0" smtClean="0"/>
+              <a:t> </a:t>
+            </a:r>
+            <a:r>
+              <a:rPr lang="en-GB" dirty="0" err="1" smtClean="0"/>
+              <a:t>este</a:t>
+            </a:r>
+            <a:r>
+              <a:rPr lang="en-GB" dirty="0" smtClean="0"/>
+              <a:t> </a:t>
+            </a:r>
+            <a:r>
+              <a:rPr lang="en-GB" dirty="0" err="1" smtClean="0"/>
+              <a:t>optimizat</a:t>
+            </a:r>
+            <a:r>
+              <a:rPr lang="en-GB" dirty="0" smtClean="0"/>
+              <a:t> </a:t>
+            </a:r>
+            <a:r>
+              <a:rPr lang="en-GB" dirty="0" err="1" smtClean="0"/>
+              <a:t>pentru</a:t>
+            </a:r>
+            <a:r>
+              <a:rPr lang="en-GB" dirty="0" smtClean="0"/>
+              <a:t> </a:t>
+            </a:r>
+            <a:r>
+              <a:rPr lang="en-GB" dirty="0" err="1" smtClean="0"/>
+              <a:t>noi</a:t>
+            </a:r>
+            <a:endParaRPr lang="en-GB" dirty="0" smtClean="0"/>
+          </a:p>
+          <a:p>
+            <a:endParaRPr lang="en-GB" dirty="0" smtClean="0"/>
+          </a:p>
+          <a:p>
+            <a:endParaRPr lang="en-GB" dirty="0" smtClean="0"/>
+          </a:p>
+          <a:p>
+            <a:r>
+              <a:rPr lang="en-GB" dirty="0" err="1" smtClean="0"/>
+              <a:t>Aceasta</a:t>
+            </a:r>
+            <a:r>
+              <a:rPr lang="en-GB" dirty="0" smtClean="0"/>
+              <a:t> </a:t>
+            </a:r>
+            <a:r>
+              <a:rPr lang="en-GB" dirty="0" err="1" smtClean="0"/>
+              <a:t>trecere</a:t>
+            </a:r>
+            <a:r>
+              <a:rPr lang="en-GB" dirty="0" smtClean="0"/>
+              <a:t> </a:t>
+            </a:r>
+            <a:r>
+              <a:rPr lang="en-GB" dirty="0" err="1" smtClean="0"/>
+              <a:t>este</a:t>
+            </a:r>
+            <a:r>
+              <a:rPr lang="en-GB" dirty="0" smtClean="0"/>
+              <a:t> </a:t>
+            </a:r>
+            <a:r>
+              <a:rPr lang="en-GB" dirty="0" err="1" smtClean="0"/>
+              <a:t>comparata</a:t>
+            </a:r>
+            <a:r>
+              <a:rPr lang="en-GB" dirty="0" smtClean="0"/>
+              <a:t> cu </a:t>
+            </a:r>
+            <a:r>
+              <a:rPr lang="en-GB" dirty="0" err="1" smtClean="0"/>
+              <a:t>trecerea</a:t>
+            </a:r>
+            <a:r>
+              <a:rPr lang="en-GB" dirty="0" smtClean="0"/>
+              <a:t> de la a </a:t>
+            </a:r>
+            <a:r>
+              <a:rPr lang="en-GB" dirty="0" err="1" smtClean="0"/>
+              <a:t>scrie</a:t>
+            </a:r>
+            <a:r>
+              <a:rPr lang="en-GB" dirty="0" smtClean="0"/>
+              <a:t> cod in assembly, la cod </a:t>
+            </a:r>
+            <a:r>
+              <a:rPr lang="en-GB" dirty="0" err="1" smtClean="0"/>
+              <a:t>compilat</a:t>
+            </a:r>
+            <a:r>
+              <a:rPr lang="en-GB" dirty="0" smtClean="0"/>
+              <a:t>.</a:t>
+            </a:r>
+            <a:endParaRPr lang="en-GB" dirty="0" smtClean="0"/>
+          </a:p>
+        </p:txBody>
+      </p:sp>
+    </p:spTree>
+    <p:extLst>
+      <p:ext uri="{BB962C8B-B14F-4D97-AF65-F5344CB8AC3E}">
+        <p14:creationId xmlns:p14="http://schemas.microsoft.com/office/powerpoint/2010/main" val="125662748"/>
+      </p:ext>
+    </p:extLst>
+  </p:cSld>
+  <p:clrMapOvr>
+    <a:masterClrMapping/>
+  </p:clrMapOvr>
+  <p:timing>
+    <p:tnLst>
+      <p:par>
+        <p:cTn id="1" dur="indefinite" restart="never" nodeType="tmRoot"/>
+      </p:par>
+    </p:tnLst>
+  </p:timing>
+</p:sld>
+</file>
+
+<file path=ppt/slides/slide17.xml><?xml version="1.0" encoding="utf-8"?>
+<p:sld xmlns:a="http://schemas.openxmlformats.org/drawingml/2006/main" xmlns:r="http://schemas.openxmlformats.org/officeDocument/2006/relationships" xmlns:p="http://schemas.openxmlformats.org/presentationml/2006/main">
+  <p:cSld>
+    <p:spTree>
+      <p:nvGrpSpPr>
+        <p:cNvPr id="1" name=""/>
+        <p:cNvGrpSpPr/>
+        <p:nvPr/>
+      </p:nvGrpSpPr>
+      <p:grpSpPr>
+        <a:xfrm>
+          <a:off x="0" y="0"/>
+          <a:ext cx="0" cy="0"/>
+          <a:chOff x="0" y="0"/>
+          <a:chExt cx="0" cy="0"/>
+        </a:xfrm>
+      </p:grpSpPr>
+      <p:sp>
+        <p:nvSpPr>
+          <p:cNvPr id="2" name="Title 1"/>
+          <p:cNvSpPr>
+            <a:spLocks noGrp="1"/>
+          </p:cNvSpPr>
+          <p:nvPr>
+            <p:ph type="title"/>
+          </p:nvPr>
+        </p:nvSpPr>
+        <p:spPr/>
+        <p:txBody>
+          <a:bodyPr/>
+          <a:lstStyle/>
+          <a:p>
+            <a:r>
+              <a:rPr lang="en-GB" dirty="0" smtClean="0"/>
+              <a:t>quiz – </a:t>
+            </a:r>
+            <a:r>
+              <a:rPr lang="en-GB" dirty="0" err="1" smtClean="0"/>
+              <a:t>ce</a:t>
+            </a:r>
+            <a:r>
+              <a:rPr lang="en-GB" dirty="0" smtClean="0"/>
+              <a:t> se </a:t>
+            </a:r>
+            <a:r>
+              <a:rPr lang="en-GB" dirty="0" err="1" smtClean="0"/>
+              <a:t>intampla</a:t>
+            </a:r>
+            <a:r>
+              <a:rPr lang="en-GB" dirty="0" smtClean="0"/>
+              <a:t> </a:t>
+            </a:r>
+            <a:r>
+              <a:rPr lang="en-GB" dirty="0" err="1" smtClean="0"/>
+              <a:t>daca</a:t>
+            </a:r>
+            <a:r>
+              <a:rPr lang="en-GB" dirty="0" smtClean="0"/>
+              <a:t> </a:t>
+            </a:r>
+            <a:r>
+              <a:rPr lang="en-GB" dirty="0" err="1" smtClean="0"/>
+              <a:t>avem</a:t>
+            </a:r>
+            <a:r>
+              <a:rPr lang="en-GB" dirty="0" smtClean="0"/>
+              <a:t> </a:t>
+            </a:r>
+            <a:r>
+              <a:rPr lang="en-GB" dirty="0" err="1" smtClean="0"/>
+              <a:t>urmatorul</a:t>
+            </a:r>
+            <a:r>
+              <a:rPr lang="en-GB" dirty="0" smtClean="0"/>
+              <a:t> cod?</a:t>
+            </a:r>
+            <a:endParaRPr lang="en-GB" dirty="0"/>
+          </a:p>
+        </p:txBody>
+      </p:sp>
+      <p:pic>
+        <p:nvPicPr>
+          <p:cNvPr id="4" name="Content Placeholder 3"/>
+          <p:cNvPicPr>
+            <a:picLocks noGrp="1" noChangeAspect="1"/>
+          </p:cNvPicPr>
+          <p:nvPr>
+            <p:ph idx="1"/>
+          </p:nvPr>
+        </p:nvPicPr>
+        <p:blipFill>
+          <a:blip r:embed="rId2">
+            <a:extLst>
+              <a:ext uri="{28A0092B-C50C-407E-A947-70E740481C1C}">
+                <a14:useLocalDpi xmlns:a14="http://schemas.microsoft.com/office/drawing/2010/main" val="0"/>
+              </a:ext>
+            </a:extLst>
+          </a:blip>
+          <a:stretch>
+            <a:fillRect/>
+          </a:stretch>
+        </p:blipFill>
+        <p:spPr>
+          <a:xfrm>
+            <a:off x="1052512" y="1877219"/>
+            <a:ext cx="10086975" cy="4248150"/>
+          </a:xfrm>
+        </p:spPr>
+      </p:pic>
+    </p:spTree>
+    <p:extLst>
+      <p:ext uri="{BB962C8B-B14F-4D97-AF65-F5344CB8AC3E}">
+        <p14:creationId xmlns:p14="http://schemas.microsoft.com/office/powerpoint/2010/main" val="3253767947"/>
+      </p:ext>
+    </p:extLst>
+  </p:cSld>
+  <p:clrMapOvr>
+    <a:masterClrMapping/>
+  </p:clrMapOvr>
+  <p:timing>
+    <p:tnLst>
+      <p:par>
+        <p:cTn id="1" dur="indefinite" restart="never" nodeType="tmRoot"/>
+      </p:par>
+    </p:tnLst>
+  </p:timing>
+</p:sld>
+</file>
+
+<file path=ppt/slides/slide18.xml><?xml version="1.0" encoding="utf-8"?>
+<p:sld xmlns:a="http://schemas.openxmlformats.org/drawingml/2006/main" xmlns:r="http://schemas.openxmlformats.org/officeDocument/2006/relationships" xmlns:p="http://schemas.openxmlformats.org/presentationml/2006/main">
+  <p:cSld>
+    <p:spTree>
+      <p:nvGrpSpPr>
+        <p:cNvPr id="1" name=""/>
+        <p:cNvGrpSpPr/>
+        <p:nvPr/>
+      </p:nvGrpSpPr>
+      <p:grpSpPr>
+        <a:xfrm>
+          <a:off x="0" y="0"/>
+          <a:ext cx="0" cy="0"/>
+          <a:chOff x="0" y="0"/>
+          <a:chExt cx="0" cy="0"/>
+        </a:xfrm>
+      </p:grpSpPr>
+      <p:sp>
+        <p:nvSpPr>
+          <p:cNvPr id="2" name="Title 1"/>
+          <p:cNvSpPr>
+            <a:spLocks noGrp="1"/>
+          </p:cNvSpPr>
+          <p:nvPr>
+            <p:ph type="title"/>
+          </p:nvPr>
+        </p:nvSpPr>
+        <p:spPr/>
+        <p:txBody>
+          <a:bodyPr/>
+          <a:lstStyle/>
+          <a:p>
+            <a:r>
+              <a:rPr lang="en-GB" dirty="0"/>
+              <a:t>quiz – </a:t>
+            </a:r>
+            <a:r>
+              <a:rPr lang="en-GB" dirty="0" err="1"/>
+              <a:t>ce</a:t>
+            </a:r>
+            <a:r>
+              <a:rPr lang="en-GB" dirty="0"/>
+              <a:t> se </a:t>
+            </a:r>
+            <a:r>
+              <a:rPr lang="en-GB" dirty="0" err="1"/>
+              <a:t>intampla</a:t>
+            </a:r>
+            <a:r>
+              <a:rPr lang="en-GB" dirty="0"/>
+              <a:t> </a:t>
+            </a:r>
+            <a:r>
+              <a:rPr lang="en-GB" dirty="0" err="1"/>
+              <a:t>daca</a:t>
+            </a:r>
+            <a:r>
+              <a:rPr lang="en-GB" dirty="0"/>
+              <a:t> </a:t>
+            </a:r>
+            <a:r>
+              <a:rPr lang="en-GB" dirty="0" err="1"/>
+              <a:t>avem</a:t>
+            </a:r>
+            <a:r>
+              <a:rPr lang="en-GB" dirty="0"/>
+              <a:t> </a:t>
+            </a:r>
+            <a:r>
+              <a:rPr lang="en-GB" dirty="0" err="1"/>
+              <a:t>urmatorul</a:t>
+            </a:r>
+            <a:r>
+              <a:rPr lang="en-GB" dirty="0"/>
+              <a:t> cod?</a:t>
+            </a:r>
+          </a:p>
+        </p:txBody>
+      </p:sp>
+      <p:pic>
+        <p:nvPicPr>
+          <p:cNvPr id="4" name="Content Placeholder 3"/>
+          <p:cNvPicPr>
+            <a:picLocks noGrp="1" noChangeAspect="1"/>
+          </p:cNvPicPr>
+          <p:nvPr>
+            <p:ph idx="1"/>
+          </p:nvPr>
+        </p:nvPicPr>
+        <p:blipFill>
+          <a:blip r:embed="rId2">
+            <a:extLst>
+              <a:ext uri="{28A0092B-C50C-407E-A947-70E740481C1C}">
+                <a14:useLocalDpi xmlns:a14="http://schemas.microsoft.com/office/drawing/2010/main" val="0"/>
+              </a:ext>
+            </a:extLst>
+          </a:blip>
+          <a:stretch>
+            <a:fillRect/>
+          </a:stretch>
+        </p:blipFill>
+        <p:spPr>
+          <a:xfrm>
+            <a:off x="1747837" y="2639219"/>
+            <a:ext cx="8696325" cy="2724150"/>
+          </a:xfrm>
+        </p:spPr>
+      </p:pic>
+    </p:spTree>
+    <p:extLst>
+      <p:ext uri="{BB962C8B-B14F-4D97-AF65-F5344CB8AC3E}">
+        <p14:creationId xmlns:p14="http://schemas.microsoft.com/office/powerpoint/2010/main" val="468091425"/>
+      </p:ext>
+    </p:extLst>
+  </p:cSld>
+  <p:clrMapOvr>
+    <a:masterClrMapping/>
+  </p:clrMapOvr>
+  <p:timing>
+    <p:tnLst>
+      <p:par>
+        <p:cTn id="1" dur="indefinite" restart="never" nodeType="tmRoot"/>
+      </p:par>
+    </p:tnLst>
+  </p:timing>
+</p:sld>
+</file>
+
+<file path=ppt/slides/slide19.xml><?xml version="1.0" encoding="utf-8"?>
+<p:sld xmlns:a="http://schemas.openxmlformats.org/drawingml/2006/main" xmlns:r="http://schemas.openxmlformats.org/officeDocument/2006/relationships" xmlns:p="http://schemas.openxmlformats.org/presentationml/2006/main">
+  <p:cSld>
+    <p:spTree>
+      <p:nvGrpSpPr>
+        <p:cNvPr id="1" name=""/>
+        <p:cNvGrpSpPr/>
+        <p:nvPr/>
+      </p:nvGrpSpPr>
+      <p:grpSpPr>
+        <a:xfrm>
+          <a:off x="0" y="0"/>
+          <a:ext cx="0" cy="0"/>
+          <a:chOff x="0" y="0"/>
+          <a:chExt cx="0" cy="0"/>
+        </a:xfrm>
+      </p:grpSpPr>
+      <p:sp>
+        <p:nvSpPr>
+          <p:cNvPr id="2" name="Title 1"/>
+          <p:cNvSpPr>
+            <a:spLocks noGrp="1"/>
+          </p:cNvSpPr>
+          <p:nvPr>
+            <p:ph type="title"/>
+          </p:nvPr>
+        </p:nvSpPr>
+        <p:spPr/>
+        <p:txBody>
+          <a:bodyPr/>
+          <a:lstStyle/>
+          <a:p>
+            <a:r>
+              <a:rPr lang="en-GB" dirty="0" err="1" smtClean="0"/>
+              <a:t>Concluzie</a:t>
+            </a:r>
+            <a:endParaRPr lang="en-GB" dirty="0"/>
+          </a:p>
+        </p:txBody>
+      </p:sp>
+      <p:sp>
+        <p:nvSpPr>
+          <p:cNvPr id="5" name="Oval 4"/>
+          <p:cNvSpPr/>
+          <p:nvPr/>
+        </p:nvSpPr>
+        <p:spPr>
+          <a:xfrm>
+            <a:off x="840776" y="1778924"/>
+            <a:ext cx="1262344" cy="1033865"/>
+          </a:xfrm>
+          <a:prstGeom prst="ellipse">
+            <a:avLst/>
+          </a:prstGeom>
+        </p:spPr>
+        <p:style>
+          <a:lnRef idx="2">
+            <a:schemeClr val="accent1">
+              <a:shade val="50000"/>
+            </a:schemeClr>
+          </a:lnRef>
+          <a:fillRef idx="1">
+            <a:schemeClr val="accent1"/>
+          </a:fillRef>
+          <a:effectRef idx="0">
+            <a:schemeClr val="accent1"/>
+          </a:effectRef>
+          <a:fontRef idx="minor">
+            <a:schemeClr val="lt1"/>
+          </a:fontRef>
+        </p:style>
+        <p:txBody>
+          <a:bodyPr rtlCol="0" anchor="ctr"/>
+          <a:lstStyle/>
+          <a:p>
+            <a:pPr algn="ctr"/>
+            <a:r>
+              <a:rPr lang="en-GB" dirty="0" err="1" smtClean="0"/>
+              <a:t>IoT</a:t>
+            </a:r>
+            <a:endParaRPr lang="en-GB" dirty="0"/>
+          </a:p>
+        </p:txBody>
+      </p:sp>
+      <p:sp>
+        <p:nvSpPr>
+          <p:cNvPr id="6" name="Oval 5"/>
+          <p:cNvSpPr/>
+          <p:nvPr/>
+        </p:nvSpPr>
+        <p:spPr>
+          <a:xfrm>
+            <a:off x="2685604" y="1833015"/>
+            <a:ext cx="1229690" cy="1087956"/>
+          </a:xfrm>
+          <a:prstGeom prst="ellipse">
+            <a:avLst/>
+          </a:prstGeom>
+        </p:spPr>
+        <p:style>
+          <a:lnRef idx="2">
+            <a:schemeClr val="accent1">
+              <a:shade val="50000"/>
+            </a:schemeClr>
+          </a:lnRef>
+          <a:fillRef idx="1">
+            <a:schemeClr val="accent1"/>
+          </a:fillRef>
+          <a:effectRef idx="0">
+            <a:schemeClr val="accent1"/>
+          </a:effectRef>
+          <a:fontRef idx="minor">
+            <a:schemeClr val="lt1"/>
+          </a:fontRef>
+        </p:style>
+        <p:txBody>
+          <a:bodyPr rtlCol="0" anchor="ctr"/>
+          <a:lstStyle/>
+          <a:p>
+            <a:pPr algn="ctr"/>
+            <a:r>
+              <a:rPr lang="en-GB" dirty="0" smtClean="0"/>
+              <a:t>Cloud</a:t>
+            </a:r>
+            <a:endParaRPr lang="en-GB" dirty="0"/>
+          </a:p>
+        </p:txBody>
+      </p:sp>
+      <p:sp>
+        <p:nvSpPr>
+          <p:cNvPr id="7" name="Oval 6"/>
+          <p:cNvSpPr/>
+          <p:nvPr/>
+        </p:nvSpPr>
+        <p:spPr>
+          <a:xfrm>
+            <a:off x="774275" y="3133899"/>
+            <a:ext cx="1328845" cy="1105290"/>
+          </a:xfrm>
+          <a:prstGeom prst="ellipse">
+            <a:avLst/>
+          </a:prstGeom>
+        </p:spPr>
+        <p:style>
+          <a:lnRef idx="2">
+            <a:schemeClr val="accent1">
+              <a:shade val="50000"/>
+            </a:schemeClr>
+          </a:lnRef>
+          <a:fillRef idx="1">
+            <a:schemeClr val="accent1"/>
+          </a:fillRef>
+          <a:effectRef idx="0">
+            <a:schemeClr val="accent1"/>
+          </a:effectRef>
+          <a:fontRef idx="minor">
+            <a:schemeClr val="lt1"/>
+          </a:fontRef>
+        </p:style>
+        <p:txBody>
+          <a:bodyPr rtlCol="0" anchor="ctr"/>
+          <a:lstStyle/>
+          <a:p>
+            <a:pPr algn="ctr"/>
+            <a:r>
+              <a:rPr lang="en-GB" dirty="0" err="1" smtClean="0"/>
+              <a:t>BigData</a:t>
+            </a:r>
+            <a:endParaRPr lang="en-GB" dirty="0"/>
+          </a:p>
+        </p:txBody>
+      </p:sp>
+      <p:sp>
+        <p:nvSpPr>
+          <p:cNvPr id="8" name="Oval 7"/>
+          <p:cNvSpPr/>
+          <p:nvPr/>
+        </p:nvSpPr>
+        <p:spPr>
+          <a:xfrm>
+            <a:off x="2400201" y="3133899"/>
+            <a:ext cx="2063733" cy="1212388"/>
+          </a:xfrm>
+          <a:prstGeom prst="ellipse">
+            <a:avLst/>
+          </a:prstGeom>
+        </p:spPr>
+        <p:style>
+          <a:lnRef idx="2">
+            <a:schemeClr val="accent1">
+              <a:shade val="50000"/>
+            </a:schemeClr>
+          </a:lnRef>
+          <a:fillRef idx="1">
+            <a:schemeClr val="accent1"/>
+          </a:fillRef>
+          <a:effectRef idx="0">
+            <a:schemeClr val="accent1"/>
+          </a:effectRef>
+          <a:fontRef idx="minor">
+            <a:schemeClr val="lt1"/>
+          </a:fontRef>
+        </p:style>
+        <p:txBody>
+          <a:bodyPr rtlCol="0" anchor="ctr"/>
+          <a:lstStyle/>
+          <a:p>
+            <a:pPr algn="ctr"/>
+            <a:r>
+              <a:rPr lang="en-GB" dirty="0" smtClean="0"/>
+              <a:t>Machine Learning</a:t>
+            </a:r>
+            <a:endParaRPr lang="en-GB" dirty="0"/>
+          </a:p>
+        </p:txBody>
+      </p:sp>
+      <p:sp>
+        <p:nvSpPr>
+          <p:cNvPr id="9" name="Oval 8"/>
+          <p:cNvSpPr/>
+          <p:nvPr/>
+        </p:nvSpPr>
+        <p:spPr>
+          <a:xfrm>
+            <a:off x="7068981" y="610262"/>
+            <a:ext cx="3611487" cy="1230283"/>
+          </a:xfrm>
+          <a:prstGeom prst="ellipse">
+            <a:avLst/>
+          </a:prstGeom>
+        </p:spPr>
+        <p:style>
+          <a:lnRef idx="2">
+            <a:schemeClr val="accent1">
+              <a:shade val="50000"/>
+            </a:schemeClr>
+          </a:lnRef>
+          <a:fillRef idx="1">
+            <a:schemeClr val="accent1"/>
+          </a:fillRef>
+          <a:effectRef idx="0">
+            <a:schemeClr val="accent1"/>
+          </a:effectRef>
+          <a:fontRef idx="minor">
+            <a:schemeClr val="lt1"/>
+          </a:fontRef>
+        </p:style>
+        <p:txBody>
+          <a:bodyPr rtlCol="0" anchor="ctr"/>
+          <a:lstStyle/>
+          <a:p>
+            <a:pPr algn="ctr"/>
+            <a:r>
+              <a:rPr lang="en-GB" dirty="0" smtClean="0"/>
+              <a:t>Data </a:t>
+            </a:r>
+            <a:r>
+              <a:rPr lang="en-GB" dirty="0"/>
+              <a:t>Science as a Service </a:t>
+            </a:r>
+            <a:endParaRPr lang="en-GB" dirty="0" smtClean="0"/>
+          </a:p>
+          <a:p>
+            <a:r>
+              <a:rPr lang="en-GB" dirty="0" smtClean="0"/>
+              <a:t>	(</a:t>
+            </a:r>
+            <a:r>
+              <a:rPr lang="en-GB" dirty="0" err="1" smtClean="0"/>
+              <a:t>DSaaS</a:t>
+            </a:r>
+            <a:r>
+              <a:rPr lang="en-GB" dirty="0" smtClean="0"/>
+              <a:t>)</a:t>
+            </a:r>
+            <a:endParaRPr lang="en-GB" dirty="0"/>
+          </a:p>
+        </p:txBody>
+      </p:sp>
+      <p:sp>
+        <p:nvSpPr>
+          <p:cNvPr id="11" name="Right Arrow 10"/>
+          <p:cNvSpPr/>
+          <p:nvPr/>
+        </p:nvSpPr>
+        <p:spPr>
+          <a:xfrm rot="20210828">
+            <a:off x="4561148" y="2344036"/>
+            <a:ext cx="2576226" cy="548640"/>
+          </a:xfrm>
+          <a:prstGeom prst="rightArrow">
+            <a:avLst/>
+          </a:prstGeom>
+        </p:spPr>
+        <p:style>
+          <a:lnRef idx="2">
+            <a:schemeClr val="accent1">
+              <a:shade val="50000"/>
+            </a:schemeClr>
+          </a:lnRef>
+          <a:fillRef idx="1">
+            <a:schemeClr val="accent1"/>
+          </a:fillRef>
+          <a:effectRef idx="0">
+            <a:schemeClr val="accent1"/>
+          </a:effectRef>
+          <a:fontRef idx="minor">
+            <a:schemeClr val="lt1"/>
+          </a:fontRef>
+        </p:style>
+        <p:txBody>
+          <a:bodyPr rtlCol="0" anchor="ctr"/>
+          <a:lstStyle/>
+          <a:p>
+            <a:pPr algn="ctr"/>
+            <a:endParaRPr lang="en-GB"/>
+          </a:p>
+        </p:txBody>
+      </p:sp>
+      <p:sp>
+        <p:nvSpPr>
+          <p:cNvPr id="12" name="Down Arrow 11"/>
+          <p:cNvSpPr/>
+          <p:nvPr/>
+        </p:nvSpPr>
+        <p:spPr>
+          <a:xfrm>
+            <a:off x="8688995" y="2203857"/>
+            <a:ext cx="371458" cy="346272"/>
+          </a:xfrm>
+          <a:prstGeom prst="downArrow">
+            <a:avLst/>
+          </a:prstGeom>
+        </p:spPr>
+        <p:style>
+          <a:lnRef idx="2">
+            <a:schemeClr val="accent1">
+              <a:shade val="50000"/>
+            </a:schemeClr>
+          </a:lnRef>
+          <a:fillRef idx="1">
+            <a:schemeClr val="accent1"/>
+          </a:fillRef>
+          <a:effectRef idx="0">
+            <a:schemeClr val="accent1"/>
+          </a:effectRef>
+          <a:fontRef idx="minor">
+            <a:schemeClr val="lt1"/>
+          </a:fontRef>
+        </p:style>
+        <p:txBody>
+          <a:bodyPr rtlCol="0" anchor="ctr"/>
+          <a:lstStyle/>
+          <a:p>
+            <a:pPr algn="ctr"/>
+            <a:endParaRPr lang="en-GB"/>
+          </a:p>
+        </p:txBody>
+      </p:sp>
+      <p:pic>
+        <p:nvPicPr>
+          <p:cNvPr id="3074" name="Picture 2" descr="https://media.licdn.com/mpr/mpr/shrinknp_800_800/AAEAAQAAAAAAAAWQAAAAJDc0NDIyNjBhLTE5NzQtNGUzZi1hZTExLTljN2ZjYjBiNmE3OA.png"/>
+          <p:cNvPicPr>
+            <a:picLocks noChangeAspect="1" noChangeArrowheads="1"/>
+          </p:cNvPicPr>
+          <p:nvPr/>
+        </p:nvPicPr>
+        <p:blipFill>
+          <a:blip r:embed="rId2">
+            <a:extLst>
+              <a:ext uri="{28A0092B-C50C-407E-A947-70E740481C1C}">
+                <a14:useLocalDpi xmlns:a14="http://schemas.microsoft.com/office/drawing/2010/main" val="0"/>
+              </a:ext>
+            </a:extLst>
+          </a:blip>
+          <a:srcRect/>
+          <a:stretch>
+            <a:fillRect/>
+          </a:stretch>
+        </p:blipFill>
+        <p:spPr bwMode="auto">
+          <a:xfrm>
+            <a:off x="6681066" y="3546024"/>
+            <a:ext cx="3510338" cy="2707348"/>
+          </a:xfrm>
+          <a:prstGeom prst="rect">
+            <a:avLst/>
+          </a:prstGeom>
+          <a:noFill/>
+          <a:extLst>
+            <a:ext uri="{909E8E84-426E-40DD-AFC4-6F175D3DCCD1}">
+              <a14:hiddenFill xmlns:a14="http://schemas.microsoft.com/office/drawing/2010/main">
+                <a:solidFill>
+                  <a:srgbClr val="FFFFFF"/>
+                </a:solidFill>
+              </a14:hiddenFill>
+            </a:ext>
+          </a:extLst>
+        </p:spPr>
+      </p:pic>
+      <p:sp>
+        <p:nvSpPr>
+          <p:cNvPr id="13" name="Oval 12"/>
+          <p:cNvSpPr/>
+          <p:nvPr/>
+        </p:nvSpPr>
+        <p:spPr>
+          <a:xfrm>
+            <a:off x="2195292" y="2780649"/>
+            <a:ext cx="59256" cy="102840"/>
+          </a:xfrm>
+          <a:prstGeom prst="ellipse">
+            <a:avLst/>
+          </a:prstGeom>
+        </p:spPr>
+        <p:style>
+          <a:lnRef idx="2">
+            <a:schemeClr val="accent1">
+              <a:shade val="50000"/>
+            </a:schemeClr>
+          </a:lnRef>
+          <a:fillRef idx="1">
+            <a:schemeClr val="accent1"/>
+          </a:fillRef>
+          <a:effectRef idx="0">
+            <a:schemeClr val="accent1"/>
+          </a:effectRef>
+          <a:fontRef idx="minor">
+            <a:schemeClr val="lt1"/>
+          </a:fontRef>
+        </p:style>
+        <p:txBody>
+          <a:bodyPr rtlCol="0" anchor="ctr"/>
+          <a:lstStyle/>
+          <a:p>
+            <a:pPr algn="ctr"/>
+            <a:endParaRPr lang="en-GB"/>
+          </a:p>
+        </p:txBody>
+      </p:sp>
+      <p:sp>
+        <p:nvSpPr>
+          <p:cNvPr id="15" name="Oval 14"/>
+          <p:cNvSpPr/>
+          <p:nvPr/>
+        </p:nvSpPr>
+        <p:spPr>
+          <a:xfrm>
+            <a:off x="2331781" y="2883489"/>
+            <a:ext cx="59256" cy="102840"/>
+          </a:xfrm>
+          <a:prstGeom prst="ellipse">
+            <a:avLst/>
+          </a:prstGeom>
+        </p:spPr>
+        <p:style>
+          <a:lnRef idx="2">
+            <a:schemeClr val="accent1">
+              <a:shade val="50000"/>
+            </a:schemeClr>
+          </a:lnRef>
+          <a:fillRef idx="1">
+            <a:schemeClr val="accent1"/>
+          </a:fillRef>
+          <a:effectRef idx="0">
+            <a:schemeClr val="accent1"/>
+          </a:effectRef>
+          <a:fontRef idx="minor">
+            <a:schemeClr val="lt1"/>
+          </a:fontRef>
+        </p:style>
+        <p:txBody>
+          <a:bodyPr rtlCol="0" anchor="ctr"/>
+          <a:lstStyle/>
+          <a:p>
+            <a:pPr algn="ctr"/>
+            <a:endParaRPr lang="en-GB"/>
+          </a:p>
+        </p:txBody>
+      </p:sp>
+      <p:sp>
+        <p:nvSpPr>
+          <p:cNvPr id="16" name="Oval 15"/>
+          <p:cNvSpPr/>
+          <p:nvPr/>
+        </p:nvSpPr>
+        <p:spPr>
+          <a:xfrm>
+            <a:off x="2043864" y="2883489"/>
+            <a:ext cx="59256" cy="102840"/>
+          </a:xfrm>
+          <a:prstGeom prst="ellipse">
+            <a:avLst/>
+          </a:prstGeom>
+        </p:spPr>
+        <p:style>
+          <a:lnRef idx="2">
+            <a:schemeClr val="accent1">
+              <a:shade val="50000"/>
+            </a:schemeClr>
+          </a:lnRef>
+          <a:fillRef idx="1">
+            <a:schemeClr val="accent1"/>
+          </a:fillRef>
+          <a:effectRef idx="0">
+            <a:schemeClr val="accent1"/>
+          </a:effectRef>
+          <a:fontRef idx="minor">
+            <a:schemeClr val="lt1"/>
+          </a:fontRef>
+        </p:style>
+        <p:txBody>
+          <a:bodyPr rtlCol="0" anchor="ctr"/>
+          <a:lstStyle/>
+          <a:p>
+            <a:pPr algn="ctr"/>
+            <a:endParaRPr lang="en-GB"/>
+          </a:p>
+        </p:txBody>
+      </p:sp>
+      <p:sp>
+        <p:nvSpPr>
+          <p:cNvPr id="17" name="Oval 16"/>
+          <p:cNvSpPr/>
+          <p:nvPr/>
+        </p:nvSpPr>
+        <p:spPr>
+          <a:xfrm>
+            <a:off x="2193642" y="2986329"/>
+            <a:ext cx="59256" cy="102840"/>
+          </a:xfrm>
+          <a:prstGeom prst="ellipse">
+            <a:avLst/>
+          </a:prstGeom>
+        </p:spPr>
+        <p:style>
+          <a:lnRef idx="2">
+            <a:schemeClr val="accent1">
+              <a:shade val="50000"/>
+            </a:schemeClr>
+          </a:lnRef>
+          <a:fillRef idx="1">
+            <a:schemeClr val="accent1"/>
+          </a:fillRef>
+          <a:effectRef idx="0">
+            <a:schemeClr val="accent1"/>
+          </a:effectRef>
+          <a:fontRef idx="minor">
+            <a:schemeClr val="lt1"/>
+          </a:fontRef>
+        </p:style>
+        <p:txBody>
+          <a:bodyPr rtlCol="0" anchor="ctr"/>
+          <a:lstStyle/>
+          <a:p>
+            <a:pPr algn="ctr"/>
+            <a:endParaRPr lang="en-GB"/>
+          </a:p>
+        </p:txBody>
+      </p:sp>
+    </p:spTree>
+    <p:extLst>
+      <p:ext uri="{BB962C8B-B14F-4D97-AF65-F5344CB8AC3E}">
+        <p14:creationId xmlns:p14="http://schemas.microsoft.com/office/powerpoint/2010/main" val="942363789"/>
+      </p:ext>
+    </p:extLst>
+  </p:cSld>
+  <p:clrMapOvr>
+    <a:masterClrMapping/>
+  </p:clrMapOvr>
+  <p:timing>
+    <p:tnLst>
+      <p:par>
+        <p:cTn id="1" dur="indefinite" restart="never" nodeType="tmRoot"/>
+      </p:par>
+    </p:tnLst>
+  </p:timing>
 </p:sld>
 </file>
 
@@ -3450,7 +6680,7 @@
       </p:grpSpPr>
       <p:sp>
         <p:nvSpPr>
-          <p:cNvPr id="4" name="Title 3"/>
+          <p:cNvPr id="2" name="Title 1"/>
           <p:cNvSpPr>
             <a:spLocks noGrp="1"/>
           </p:cNvSpPr>
@@ -3464,8 +6694,20 @@
           <a:lstStyle/>
           <a:p>
             <a:r>
-              <a:rPr lang="en-GB" dirty="0" smtClean="0"/>
-              <a:t>intro</a:t>
+              <a:rPr lang="en-GB" dirty="0" err="1" smtClean="0"/>
+              <a:t>ce</a:t>
+            </a:r>
+            <a:r>
+              <a:rPr lang="en-GB" dirty="0" smtClean="0"/>
+              <a:t> </a:t>
+            </a:r>
+            <a:r>
+              <a:rPr lang="en-GB" dirty="0" err="1" smtClean="0"/>
+              <a:t>este</a:t>
+            </a:r>
+            <a:r>
+              <a:rPr lang="en-GB" dirty="0" smtClean="0"/>
+              <a:t> spark?</a:t>
             </a:r>
             <a:endParaRPr lang="en-GB" dirty="0"/>
           </a:p>
@@ -3473,7 +6715,7 @@
       </p:sp>
       <p:sp>
         <p:nvSpPr>
-          <p:cNvPr id="5" name="Content Placeholder 4"/>
+          <p:cNvPr id="3" name="Content Placeholder 2"/>
           <p:cNvSpPr>
             <a:spLocks noGrp="1"/>
           </p:cNvSpPr>
@@ -3481,65 +6723,107 @@
             <p:ph idx="1"/>
           </p:nvPr>
         </p:nvSpPr>
-        <p:spPr>
-          <a:xfrm>
-            <a:off x="838200" y="1690688"/>
-            <a:ext cx="10515600" cy="4351338"/>
-          </a:xfrm>
-        </p:spPr>
+        <p:spPr/>
         <p:txBody>
           <a:bodyPr/>
           <a:lstStyle/>
           <a:p>
             <a:r>
-              <a:rPr lang="en-GB" dirty="0" err="1" smtClean="0"/>
-              <a:t>Avantaje</a:t>
-            </a:r>
-            <a:r>
-              <a:rPr lang="en-GB" dirty="0" smtClean="0"/>
-              <a:t> ale spark (vs </a:t>
-            </a:r>
-            <a:r>
-              <a:rPr lang="en-GB" dirty="0" err="1" smtClean="0"/>
-              <a:t>hadoop</a:t>
-            </a:r>
-            <a:r>
-              <a:rPr lang="en-GB" dirty="0" smtClean="0"/>
-              <a:t>)</a:t>
-            </a:r>
-          </a:p>
-          <a:p>
-            <a:r>
-              <a:rPr lang="en-GB" dirty="0" err="1" smtClean="0"/>
-              <a:t>sau</a:t>
-            </a:r>
-            <a:r>
-              <a:rPr lang="en-GB" dirty="0" smtClean="0"/>
-              <a:t> cum a </a:t>
-            </a:r>
-            <a:r>
-              <a:rPr lang="en-GB" dirty="0" err="1" smtClean="0"/>
+              <a:rPr lang="en-GB" i="1" dirty="0" err="1"/>
+              <a:t>Cand</a:t>
+            </a:r>
+            <a:r>
+              <a:rPr lang="en-GB" i="1" dirty="0"/>
+              <a:t> a </a:t>
+            </a:r>
+            <a:r>
+              <a:rPr lang="en-GB" i="1" dirty="0" err="1"/>
               <a:t>aparut</a:t>
             </a:r>
             <a:r>
-              <a:rPr lang="en-GB" dirty="0" smtClean="0"/>
-              <a:t> spark (</a:t>
-            </a:r>
-            <a:r>
-              <a:rPr lang="en-GB" dirty="0" err="1" smtClean="0"/>
-              <a:t>ce</a:t>
-            </a:r>
-            <a:r>
-              <a:rPr lang="en-GB" dirty="0" smtClean="0"/>
-              <a:t> problem </a:t>
-            </a:r>
-            <a:r>
-              <a:rPr lang="en-GB" dirty="0" err="1" smtClean="0"/>
-              <a:t>erau</a:t>
-            </a:r>
-            <a:r>
-              <a:rPr lang="en-GB" dirty="0" smtClean="0"/>
-              <a:t> </a:t>
+              <a:rPr lang="en-GB" i="1" dirty="0"/>
+              <a:t> </a:t>
+            </a:r>
+            <a:r>
+              <a:rPr lang="en-GB" i="1" dirty="0" err="1"/>
+              <a:t>termenul</a:t>
+            </a:r>
+            <a:r>
+              <a:rPr lang="en-GB" i="1" dirty="0"/>
+              <a:t> de Big Data, Apache </a:t>
+            </a:r>
+            <a:r>
+              <a:rPr lang="en-GB" i="1" dirty="0" err="1"/>
+              <a:t>Haddop</a:t>
+            </a:r>
+            <a:r>
+              <a:rPr lang="en-GB" i="1" dirty="0"/>
+              <a:t> nu a </a:t>
+            </a:r>
+            <a:r>
+              <a:rPr lang="en-GB" i="1" dirty="0" err="1"/>
+              <a:t>fost</a:t>
+            </a:r>
+            <a:r>
+              <a:rPr lang="en-GB" i="1" dirty="0"/>
+              <a:t> "un </a:t>
+            </a:r>
+            <a:r>
+              <a:rPr lang="en-GB" i="1" dirty="0" err="1"/>
+              <a:t>elefant</a:t>
+            </a:r>
+            <a:r>
+              <a:rPr lang="en-GB" i="1" dirty="0"/>
+              <a:t> din camera". Hadoop a </a:t>
+            </a:r>
+            <a:r>
+              <a:rPr lang="en-GB" i="1" dirty="0" err="1"/>
+              <a:t>fost</a:t>
+            </a:r>
+            <a:r>
+              <a:rPr lang="en-GB" i="1" dirty="0"/>
+              <a:t> </a:t>
+            </a:r>
+            <a:r>
+              <a:rPr lang="en-GB" i="1" dirty="0" smtClean="0"/>
+              <a:t>camera.</a:t>
+            </a:r>
+          </a:p>
+          <a:p>
+            <a:endParaRPr lang="en-GB" i="1" dirty="0"/>
+          </a:p>
+          <a:p>
+            <a:r>
+              <a:rPr lang="en-GB" dirty="0" smtClean="0"/>
+              <a:t>Spark </a:t>
+            </a:r>
+            <a:r>
+              <a:rPr lang="en-GB" dirty="0" err="1" smtClean="0"/>
+              <a:t>este</a:t>
+            </a:r>
+            <a:r>
+              <a:rPr lang="en-GB" dirty="0" smtClean="0"/>
+              <a:t> </a:t>
+            </a:r>
+            <a:r>
+              <a:rPr lang="en-GB" dirty="0" err="1" smtClean="0"/>
+              <a:t>doar</a:t>
+            </a:r>
+            <a:r>
+              <a:rPr lang="en-GB" dirty="0" smtClean="0"/>
+              <a:t> un alt framework. </a:t>
+            </a:r>
+            <a:r>
+              <a:rPr lang="en-GB" dirty="0" smtClean="0"/>
+              <a:t>La </a:t>
+            </a:r>
+            <a:r>
+              <a:rPr lang="en-GB" dirty="0" err="1" smtClean="0"/>
+              <a:t>fel</a:t>
+            </a:r>
+            <a:r>
+              <a:rPr lang="en-GB" dirty="0" smtClean="0"/>
+              <a:t> ca </a:t>
             </a:r>
             <a:r>
               <a:rPr lang="en-GB" dirty="0" err="1" smtClean="0"/>
@@ -3547,50 +6831,43 @@
             </a:r>
             <a:r>
               <a:rPr lang="en-GB" dirty="0" smtClean="0"/>
-              <a:t> cum a </a:t>
-            </a:r>
-            <a:r>
-              <a:rPr lang="en-GB" dirty="0" err="1" smtClean="0"/>
-              <a:t>incercat</a:t>
-            </a:r>
-            <a:r>
-              <a:rPr lang="en-GB" dirty="0" smtClean="0"/>
-              <a:t> </a:t>
-            </a:r>
-            <a:r>
-              <a:rPr lang="en-GB" dirty="0" err="1" smtClean="0"/>
-              <a:t>sa</a:t>
-            </a:r>
-            <a:r>
-              <a:rPr lang="en-GB" dirty="0" smtClean="0"/>
-              <a:t> le </a:t>
-            </a:r>
-            <a:r>
-              <a:rPr lang="en-GB" dirty="0" err="1" smtClean="0"/>
-              <a:t>rezolve</a:t>
-            </a:r>
-            <a:r>
-              <a:rPr lang="en-GB" dirty="0" smtClean="0"/>
-              <a:t>)</a:t>
-            </a:r>
-          </a:p>
-          <a:p>
-            <a:pPr lvl="1"/>
-            <a:r>
-              <a:rPr lang="en-GB" dirty="0" smtClean="0"/>
-              <a:t>a </a:t>
-            </a:r>
-            <a:r>
-              <a:rPr lang="en-GB" dirty="0" err="1" smtClean="0"/>
-              <a:t>fost</a:t>
-            </a:r>
-            <a:r>
-              <a:rPr lang="en-GB" dirty="0" smtClean="0"/>
-              <a:t> </a:t>
-            </a:r>
-            <a:r>
-              <a:rPr lang="en-GB" dirty="0" err="1" smtClean="0"/>
-              <a:t>lucrarea</a:t>
+              <a:t> </a:t>
+            </a:r>
+            <a:r>
+              <a:rPr lang="en-GB" dirty="0" err="1" smtClean="0"/>
+              <a:t>MapReduce</a:t>
+            </a:r>
+            <a:r>
+              <a:rPr lang="en-GB" dirty="0" smtClean="0"/>
+              <a:t>, </a:t>
+            </a:r>
+            <a:r>
+              <a:rPr lang="en-GB" dirty="0" err="1" smtClean="0"/>
+              <a:t>ruleaza</a:t>
+            </a:r>
+            <a:r>
+              <a:rPr lang="en-GB" dirty="0" smtClean="0"/>
+              <a:t> </a:t>
+            </a:r>
+            <a:r>
+              <a:rPr lang="en-GB" dirty="0" err="1" smtClean="0"/>
+              <a:t>pe</a:t>
+            </a:r>
+            <a:r>
+              <a:rPr lang="en-GB" dirty="0" smtClean="0"/>
+              <a:t> </a:t>
+            </a:r>
+            <a:r>
+              <a:rPr lang="en-GB" dirty="0" err="1" smtClean="0"/>
+              <a:t>sisteme</a:t>
+            </a:r>
+            <a:r>
+              <a:rPr lang="en-GB" dirty="0" smtClean="0"/>
+              <a:t> </a:t>
+            </a:r>
+            <a:r>
+              <a:rPr lang="en-GB" dirty="0" err="1" smtClean="0"/>
+              <a:t>distribuite</a:t>
             </a:r>
             <a:r>
               <a:rPr lang="en-GB" dirty="0" smtClean="0"/>
@@ -3598,64 +6875,120 @@
             </a:r>
             <a:r>
               <a:rPr lang="en-GB" dirty="0" err="1" smtClean="0"/>
-              <a:t>doctorat</a:t>
-            </a:r>
-            <a:r>
-              <a:rPr lang="en-GB" dirty="0" smtClean="0"/>
-              <a:t> a </a:t>
-            </a:r>
-            <a:r>
-              <a:rPr lang="en-GB" dirty="0" err="1" smtClean="0"/>
-              <a:t>unui</a:t>
-            </a:r>
-            <a:r>
-              <a:rPr lang="en-GB" dirty="0" smtClean="0"/>
-              <a:t> roman: </a:t>
-            </a:r>
-            <a:r>
-              <a:rPr lang="en-GB" dirty="0" err="1" smtClean="0"/>
-              <a:t>Matei</a:t>
-            </a:r>
-            <a:r>
-              <a:rPr lang="en-GB" dirty="0" smtClean="0"/>
-              <a:t> </a:t>
-            </a:r>
-            <a:r>
-              <a:rPr lang="en-GB" dirty="0" err="1" smtClean="0"/>
-              <a:t>Zaharia</a:t>
-            </a:r>
-            <a:endParaRPr lang="en-GB" dirty="0" smtClean="0"/>
-          </a:p>
-          <a:p>
-            <a:endParaRPr lang="en-GB" dirty="0"/>
-          </a:p>
-          <a:p>
-            <a:endParaRPr lang="en-GB" dirty="0" smtClean="0"/>
-          </a:p>
-          <a:p>
-            <a:endParaRPr lang="en-GB" dirty="0"/>
-          </a:p>
-          <a:p>
-            <a:endParaRPr lang="en-GB" dirty="0" smtClean="0"/>
-          </a:p>
-          <a:p>
-            <a:endParaRPr lang="en-GB" dirty="0"/>
-          </a:p>
-          <a:p>
-            <a:endParaRPr lang="en-GB" dirty="0" smtClean="0"/>
-          </a:p>
-          <a:p>
-            <a:endParaRPr lang="en-GB" dirty="0"/>
+              <a:t>fisier</a:t>
+            </a:r>
+            <a:r>
+              <a:rPr lang="en-GB" dirty="0" smtClean="0"/>
+              <a:t> </a:t>
+            </a:r>
+            <a:r>
+              <a:rPr lang="en-GB" dirty="0" err="1" smtClean="0"/>
+              <a:t>dintr</a:t>
+            </a:r>
+            <a:r>
+              <a:rPr lang="en-GB" dirty="0" smtClean="0"/>
+              <a:t>-un cluster </a:t>
+            </a:r>
+            <a:r>
+              <a:rPr lang="en-GB" dirty="0" err="1" smtClean="0"/>
+              <a:t>si</a:t>
+            </a:r>
+            <a:r>
+              <a:rPr lang="en-GB" dirty="0" smtClean="0"/>
+              <a:t> </a:t>
+            </a:r>
+            <a:r>
+              <a:rPr lang="en-GB" dirty="0" err="1" smtClean="0"/>
+              <a:t>proceseaza</a:t>
+            </a:r>
+            <a:r>
+              <a:rPr lang="en-GB" dirty="0" smtClean="0"/>
+              <a:t> </a:t>
+            </a:r>
+            <a:r>
+              <a:rPr lang="en-GB" dirty="0" err="1" smtClean="0"/>
+              <a:t>datele</a:t>
+            </a:r>
+            <a:r>
+              <a:rPr lang="en-GB" dirty="0" smtClean="0"/>
+              <a:t> in </a:t>
+            </a:r>
+            <a:r>
+              <a:rPr lang="en-GB" dirty="0" err="1" smtClean="0"/>
+              <a:t>paralel</a:t>
+            </a:r>
+            <a:r>
+              <a:rPr lang="en-GB" dirty="0" smtClean="0"/>
+              <a:t>.</a:t>
+            </a:r>
+          </a:p>
+        </p:txBody>
+      </p:sp>
+    </p:spTree>
+    <p:extLst>
+      <p:ext uri="{BB962C8B-B14F-4D97-AF65-F5344CB8AC3E}">
+        <p14:creationId xmlns:p14="http://schemas.microsoft.com/office/powerpoint/2010/main" val="2575032593"/>
+      </p:ext>
+    </p:extLst>
+  </p:cSld>
+  <p:clrMapOvr>
+    <a:masterClrMapping/>
+  </p:clrMapOvr>
+  <p:timing>
+    <p:tnLst>
+      <p:par>
+        <p:cTn id="1" dur="indefinite" restart="never" nodeType="tmRoot"/>
+      </p:par>
+    </p:tnLst>
+  </p:timing>
+</p:sld>
+</file>
+
+<file path=ppt/slides/slide20.xml><?xml version="1.0" encoding="utf-8"?>
+<p:sld xmlns:a="http://schemas.openxmlformats.org/drawingml/2006/main" xmlns:r="http://schemas.openxmlformats.org/officeDocument/2006/relationships" xmlns:p="http://schemas.openxmlformats.org/presentationml/2006/main">
+  <p:cSld>
+    <p:spTree>
+      <p:nvGrpSpPr>
+        <p:cNvPr id="1" name=""/>
+        <p:cNvGrpSpPr/>
+        <p:nvPr/>
+      </p:nvGrpSpPr>
+      <p:grpSpPr>
+        <a:xfrm>
+          <a:off x="0" y="0"/>
+          <a:ext cx="0" cy="0"/>
+          <a:chOff x="0" y="0"/>
+          <a:chExt cx="0" cy="0"/>
+        </a:xfrm>
+      </p:grpSpPr>
+      <p:sp>
+        <p:nvSpPr>
+          <p:cNvPr id="2" name="Title 1"/>
+          <p:cNvSpPr>
+            <a:spLocks noGrp="1"/>
+          </p:cNvSpPr>
+          <p:nvPr>
+            <p:ph type="title"/>
+          </p:nvPr>
+        </p:nvSpPr>
+        <p:spPr/>
+        <p:txBody>
+          <a:bodyPr/>
+          <a:lstStyle/>
+          <a:p>
+            <a:endParaRPr lang="en-GB"/>
           </a:p>
         </p:txBody>
       </p:sp>
       <p:pic>
         <p:nvPicPr>
-          <p:cNvPr id="6" name="Picture 5"/>
+          <p:cNvPr id="4098" name="Picture 2" descr="http://feederio.com/images/webinar/14854650534062_3541d434d8b2bd604bc75cf379350eb3.png"/>
           <p:cNvPicPr>
-            <a:picLocks noChangeAspect="1"/>
+            <a:picLocks noGrp="1" noChangeAspect="1" noChangeArrowheads="1"/>
           </p:cNvPicPr>
-          <p:nvPr/>
+          <p:nvPr>
+            <p:ph idx="1"/>
+          </p:nvPr>
         </p:nvPicPr>
         <p:blipFill>
           <a:blip r:embed="rId2">
@@ -3665,24 +6998,215 @@
               </a:ext>
             </a:extLst>
           </a:blip>
+          <a:srcRect/>
           <a:stretch>
             <a:fillRect/>
           </a:stretch>
         </p:blipFill>
-        <p:spPr>
+        <p:spPr bwMode="auto">
           <a:xfrm>
-            <a:off x="3595769" y="3826276"/>
-            <a:ext cx="4334556" cy="2773768"/>
+            <a:off x="3205932" y="1825625"/>
+            <a:ext cx="5780135" cy="4351338"/>
           </a:xfrm>
           <a:prstGeom prst="rect">
             <a:avLst/>
           </a:prstGeom>
+          <a:noFill/>
+          <a:extLst>
+            <a:ext uri="{909E8E84-426E-40DD-AFC4-6F175D3DCCD1}">
+              <a14:hiddenFill xmlns:a14="http://schemas.microsoft.com/office/drawing/2010/main">
+                <a:solidFill>
+                  <a:srgbClr val="FFFFFF"/>
+                </a:solidFill>
+              </a14:hiddenFill>
+            </a:ext>
+          </a:extLst>
         </p:spPr>
       </p:pic>
     </p:spTree>
     <p:extLst>
       <p:ext uri="{BB962C8B-B14F-4D97-AF65-F5344CB8AC3E}">
-        <p14:creationId xmlns:p14="http://schemas.microsoft.com/office/powerpoint/2010/main" val="60789758"/>
+        <p14:creationId xmlns:p14="http://schemas.microsoft.com/office/powerpoint/2010/main" val="2958968641"/>
+      </p:ext>
+    </p:extLst>
+  </p:cSld>
+  <p:clrMapOvr>
+    <a:masterClrMapping/>
+  </p:clrMapOvr>
+</p:sld>
+</file>
+
+<file path=ppt/slides/slide21.xml><?xml version="1.0" encoding="utf-8"?>
+<p:sld xmlns:a="http://schemas.openxmlformats.org/drawingml/2006/main" xmlns:r="http://schemas.openxmlformats.org/officeDocument/2006/relationships" xmlns:p="http://schemas.openxmlformats.org/presentationml/2006/main">
+  <p:cSld>
+    <p:spTree>
+      <p:nvGrpSpPr>
+        <p:cNvPr id="1" name=""/>
+        <p:cNvGrpSpPr/>
+        <p:nvPr/>
+      </p:nvGrpSpPr>
+      <p:grpSpPr>
+        <a:xfrm>
+          <a:off x="0" y="0"/>
+          <a:ext cx="0" cy="0"/>
+          <a:chOff x="0" y="0"/>
+          <a:chExt cx="0" cy="0"/>
+        </a:xfrm>
+      </p:grpSpPr>
+      <p:sp>
+        <p:nvSpPr>
+          <p:cNvPr id="2" name="Title 1"/>
+          <p:cNvSpPr>
+            <a:spLocks noGrp="1"/>
+          </p:cNvSpPr>
+          <p:nvPr>
+            <p:ph type="title"/>
+          </p:nvPr>
+        </p:nvSpPr>
+        <p:spPr/>
+        <p:txBody>
+          <a:bodyPr/>
+          <a:lstStyle/>
+          <a:p>
+            <a:r>
+              <a:rPr lang="en-GB" dirty="0" err="1" smtClean="0"/>
+              <a:t>Webografie</a:t>
+            </a:r>
+            <a:r>
+              <a:rPr lang="en-GB" dirty="0" smtClean="0"/>
+              <a:t> </a:t>
+            </a:r>
+            <a:r>
+              <a:rPr lang="en-GB" dirty="0" err="1" smtClean="0"/>
+              <a:t>si</a:t>
+            </a:r>
+            <a:r>
+              <a:rPr lang="en-GB" dirty="0" smtClean="0"/>
+              <a:t> </a:t>
+            </a:r>
+            <a:r>
+              <a:rPr lang="en-GB" dirty="0" err="1" smtClean="0"/>
+              <a:t>tutoriale</a:t>
+            </a:r>
+            <a:endParaRPr lang="en-GB" dirty="0"/>
+          </a:p>
+        </p:txBody>
+      </p:sp>
+      <p:sp>
+        <p:nvSpPr>
+          <p:cNvPr id="3" name="Content Placeholder 2"/>
+          <p:cNvSpPr>
+            <a:spLocks noGrp="1"/>
+          </p:cNvSpPr>
+          <p:nvPr>
+            <p:ph idx="1"/>
+          </p:nvPr>
+        </p:nvSpPr>
+        <p:spPr/>
+        <p:txBody>
+          <a:bodyPr/>
+          <a:lstStyle/>
+          <a:p>
+            <a:r>
+              <a:rPr lang="en-GB" dirty="0">
+                <a:hlinkClick r:id="rId2"/>
+              </a:rPr>
+              <a:t>https://</a:t>
+            </a:r>
+            <a:r>
+              <a:rPr lang="en-GB" dirty="0" smtClean="0">
+                <a:hlinkClick r:id="rId2"/>
+              </a:rPr>
+              <a:t>www.coursera.org/learn/scala-spark-big-data/home/week/1</a:t>
+            </a:r>
+            <a:endParaRPr lang="en-GB" dirty="0" smtClean="0"/>
+          </a:p>
+          <a:p>
+            <a:r>
+              <a:rPr lang="en-GB" dirty="0">
+                <a:hlinkClick r:id="rId3"/>
+              </a:rPr>
+              <a:t>https://www.supergloo.com/fieldnotes/intellij-scala-spark</a:t>
+            </a:r>
+            <a:r>
+              <a:rPr lang="en-GB" dirty="0" smtClean="0">
+                <a:hlinkClick r:id="rId3"/>
+              </a:rPr>
+              <a:t>/</a:t>
+            </a:r>
+            <a:endParaRPr lang="en-GB" dirty="0" smtClean="0"/>
+          </a:p>
+          <a:p>
+            <a:pPr marL="228600" lvl="1">
+              <a:spcBef>
+                <a:spcPts val="1000"/>
+              </a:spcBef>
+            </a:pPr>
+            <a:r>
+              <a:rPr lang="en-GB" dirty="0">
+                <a:hlinkClick r:id="rId4"/>
+              </a:rPr>
+              <a:t>http://</a:t>
+            </a:r>
+            <a:r>
+              <a:rPr lang="en-GB" dirty="0" smtClean="0">
+                <a:hlinkClick r:id="rId4"/>
+              </a:rPr>
+              <a:t>www.kdnuggets.com/2015/05/interview-matei-zaharia-creator-apache-spark.html</a:t>
+            </a:r>
+            <a:endParaRPr lang="en-GB" dirty="0" smtClean="0"/>
+          </a:p>
+          <a:p>
+            <a:pPr marL="228600" lvl="1">
+              <a:spcBef>
+                <a:spcPts val="1000"/>
+              </a:spcBef>
+            </a:pPr>
+            <a:r>
+              <a:rPr lang="en-GB" dirty="0">
+                <a:hlinkClick r:id="rId5"/>
+              </a:rPr>
+              <a:t>https://</a:t>
+            </a:r>
+            <a:r>
+              <a:rPr lang="en-GB" dirty="0" smtClean="0">
+                <a:hlinkClick r:id="rId5"/>
+              </a:rPr>
+              <a:t>www2.eecs.berkeley.edu/Pubs/TechRpts/2014/EECS-2014-12.pdf</a:t>
+            </a:r>
+            <a:endParaRPr lang="en-GB" dirty="0" smtClean="0"/>
+          </a:p>
+          <a:p>
+            <a:pPr marL="228600" lvl="1">
+              <a:spcBef>
+                <a:spcPts val="1000"/>
+              </a:spcBef>
+            </a:pPr>
+            <a:r>
+              <a:rPr lang="en-GB" dirty="0"/>
+              <a:t>https://www.newscientist.com/article/2110522-googles-neural-networks-invent-their-own-encryption/</a:t>
+            </a:r>
+          </a:p>
+          <a:p>
+            <a:pPr marL="228600" lvl="1">
+              <a:spcBef>
+                <a:spcPts val="1000"/>
+              </a:spcBef>
+            </a:pPr>
+            <a:r>
+              <a:rPr lang="en-GB" dirty="0"/>
+              <a:t>https://www.linkedin.com/pulse/why-internet-things-drive-knowledge-revolution-david-evans</a:t>
+            </a:r>
+          </a:p>
+          <a:p>
+            <a:endParaRPr lang="en-GB" dirty="0"/>
+          </a:p>
+        </p:txBody>
+      </p:sp>
+    </p:spTree>
+    <p:extLst>
+      <p:ext uri="{BB962C8B-B14F-4D97-AF65-F5344CB8AC3E}">
+        <p14:creationId xmlns:p14="http://schemas.microsoft.com/office/powerpoint/2010/main" val="3348832339"/>
       </p:ext>
     </p:extLst>
   </p:cSld>
@@ -3718,7 +7242,7 @@
       </p:grpSpPr>
       <p:sp>
         <p:nvSpPr>
-          <p:cNvPr id="2" name="Title 1"/>
+          <p:cNvPr id="4" name="Title 3"/>
           <p:cNvSpPr>
             <a:spLocks noGrp="1"/>
           </p:cNvSpPr>
@@ -3732,8 +7256,16 @@
           <a:lstStyle/>
           <a:p>
             <a:r>
-              <a:rPr lang="en-GB" dirty="0" smtClean="0"/>
-              <a:t>intro- doc</a:t>
+              <a:rPr lang="en-GB" dirty="0"/>
+              <a:t>cum a </a:t>
+            </a:r>
+            <a:r>
+              <a:rPr lang="en-GB" dirty="0" err="1" smtClean="0"/>
+              <a:t>aparut</a:t>
+            </a:r>
+            <a:r>
+              <a:rPr lang="en-GB" dirty="0" smtClean="0"/>
+              <a:t> ? </a:t>
             </a:r>
             <a:endParaRPr lang="en-GB" dirty="0"/>
           </a:p>
@@ -3741,7 +7273,7 @@
       </p:sp>
       <p:sp>
         <p:nvSpPr>
-          <p:cNvPr id="3" name="Content Placeholder 2"/>
+          <p:cNvPr id="5" name="Content Placeholder 4"/>
           <p:cNvSpPr>
             <a:spLocks noGrp="1"/>
           </p:cNvSpPr>
@@ -3749,14 +7281,34 @@
             <p:ph idx="1"/>
           </p:nvPr>
         </p:nvSpPr>
-        <p:spPr/>
+        <p:spPr>
+          <a:xfrm>
+            <a:off x="838200" y="1690688"/>
+            <a:ext cx="10515600" cy="4914828"/>
+          </a:xfrm>
+        </p:spPr>
         <p:txBody>
           <a:bodyPr/>
           <a:lstStyle/>
           <a:p>
-            <a:r>
-              <a:rPr lang="en-GB" dirty="0" err="1" smtClean="0"/>
-              <a:t>Cand</a:t>
+            <a:pPr marL="0" indent="0">
+              <a:buNone/>
+            </a:pPr>
+            <a:r>
+              <a:rPr lang="en-GB" dirty="0" err="1" smtClean="0"/>
+              <a:t>Lucrarea</a:t>
+            </a:r>
+            <a:r>
+              <a:rPr lang="en-GB" dirty="0" smtClean="0"/>
+              <a:t> </a:t>
+            </a:r>
+            <a:r>
+              <a:rPr lang="en-GB" dirty="0" smtClean="0"/>
+              <a:t>de </a:t>
+            </a:r>
+            <a:r>
+              <a:rPr lang="en-GB" dirty="0" err="1" smtClean="0"/>
+              <a:t>doctorat</a:t>
             </a:r>
             <a:r>
               <a:rPr lang="en-GB" dirty="0" smtClean="0"/>
@@ -3764,157 +7316,115 @@
             </a:r>
             <a:r>
               <a:rPr lang="en-GB" dirty="0" err="1" smtClean="0"/>
-              <a:t>aparut</a:t>
-            </a:r>
-            <a:r>
-              <a:rPr lang="en-GB" dirty="0" smtClean="0"/>
-              <a:t> </a:t>
-            </a:r>
-            <a:r>
-              <a:rPr lang="en-GB" dirty="0" err="1" smtClean="0"/>
-              <a:t>termenul</a:t>
-            </a:r>
-            <a:r>
-              <a:rPr lang="en-GB" dirty="0" smtClean="0"/>
-              <a:t> de Big Data, Apache </a:t>
-            </a:r>
-            <a:r>
-              <a:rPr lang="en-GB" dirty="0" err="1" smtClean="0"/>
-              <a:t>Haddop</a:t>
-            </a:r>
-            <a:r>
-              <a:rPr lang="en-GB" dirty="0" smtClean="0"/>
-              <a:t> nu a </a:t>
-            </a:r>
-            <a:r>
-              <a:rPr lang="en-GB" dirty="0" err="1" smtClean="0"/>
-              <a:t>fost</a:t>
-            </a:r>
-            <a:r>
-              <a:rPr lang="en-GB" dirty="0" smtClean="0"/>
-              <a:t> "un </a:t>
-            </a:r>
-            <a:r>
-              <a:rPr lang="en-GB" dirty="0" err="1" smtClean="0"/>
-              <a:t>elefant</a:t>
-            </a:r>
-            <a:r>
-              <a:rPr lang="en-GB" dirty="0" smtClean="0"/>
-              <a:t> din camera". Hadoop a </a:t>
-            </a:r>
-            <a:r>
-              <a:rPr lang="en-GB" dirty="0" err="1" smtClean="0"/>
-              <a:t>fost</a:t>
-            </a:r>
-            <a:r>
-              <a:rPr lang="en-GB" dirty="0" smtClean="0"/>
-              <a:t> camera. Dar </a:t>
-            </a:r>
-            <a:r>
-              <a:rPr lang="en-GB" dirty="0" err="1" smtClean="0"/>
-              <a:t>lucrurile</a:t>
-            </a:r>
-            <a:r>
-              <a:rPr lang="en-GB" dirty="0" smtClean="0"/>
-              <a:t> </a:t>
-            </a:r>
-            <a:r>
-              <a:rPr lang="en-GB" dirty="0" err="1" smtClean="0"/>
-              <a:t>incetul</a:t>
-            </a:r>
-            <a:r>
-              <a:rPr lang="en-GB" dirty="0" smtClean="0"/>
-              <a:t> cu </a:t>
-            </a:r>
-            <a:r>
-              <a:rPr lang="en-GB" dirty="0" err="1" smtClean="0"/>
-              <a:t>incetul</a:t>
-            </a:r>
-            <a:r>
-              <a:rPr lang="en-GB" dirty="0" smtClean="0"/>
-              <a:t> s-au </a:t>
-            </a:r>
-            <a:r>
-              <a:rPr lang="en-GB" dirty="0" err="1" smtClean="0"/>
-              <a:t>schimbat</a:t>
-            </a:r>
-            <a:r>
-              <a:rPr lang="en-GB" dirty="0" smtClean="0"/>
-              <a:t>. Si a </a:t>
-            </a:r>
-            <a:r>
-              <a:rPr lang="en-GB" dirty="0" err="1" smtClean="0"/>
-              <a:t>aparut</a:t>
-            </a:r>
-            <a:r>
-              <a:rPr lang="en-GB" dirty="0" smtClean="0"/>
-              <a:t> Apache </a:t>
-            </a:r>
-            <a:r>
-              <a:rPr lang="en-GB" dirty="0" smtClean="0"/>
-              <a:t>Spark.</a:t>
-            </a:r>
-          </a:p>
-          <a:p>
-            <a:r>
-              <a:rPr lang="en-GB" dirty="0" smtClean="0"/>
-              <a:t>La </a:t>
+              <a:t>lui</a:t>
+            </a:r>
+            <a:r>
+              <a:rPr lang="en-GB" dirty="0"/>
+              <a:t> </a:t>
+            </a:r>
+            <a:r>
+              <a:rPr lang="en-GB" dirty="0" smtClean="0"/>
+              <a:t> </a:t>
+            </a:r>
+            <a:r>
+              <a:rPr lang="en-GB" dirty="0" err="1" smtClean="0"/>
+              <a:t>Matei</a:t>
+            </a:r>
+            <a:r>
+              <a:rPr lang="en-GB" dirty="0" smtClean="0"/>
+              <a:t> </a:t>
+            </a:r>
+            <a:r>
+              <a:rPr lang="en-GB" dirty="0" err="1" smtClean="0"/>
+              <a:t>Zaharia</a:t>
             </a:r>
             <a:endParaRPr lang="en-GB" dirty="0" smtClean="0"/>
           </a:p>
           <a:p>
-            <a:r>
-              <a:rPr lang="en-GB" dirty="0" smtClean="0"/>
-              <a:t>Cum </a:t>
-            </a:r>
-            <a:r>
-              <a:rPr lang="en-GB" dirty="0" smtClean="0"/>
-              <a:t>a </a:t>
-            </a:r>
-            <a:r>
-              <a:rPr lang="en-GB" dirty="0" err="1" smtClean="0"/>
-              <a:t>aparut</a:t>
-            </a:r>
-            <a:r>
-              <a:rPr lang="en-GB" dirty="0" smtClean="0"/>
-              <a:t>? </a:t>
-            </a:r>
-          </a:p>
-          <a:p>
             <a:pPr lvl="1"/>
-            <a:r>
-              <a:rPr lang="en-GB" dirty="0" err="1" smtClean="0"/>
-              <a:t>Matei</a:t>
-            </a:r>
-            <a:r>
-              <a:rPr lang="en-GB" dirty="0" smtClean="0"/>
-              <a:t> </a:t>
-            </a:r>
-            <a:r>
-              <a:rPr lang="en-GB" dirty="0" err="1" smtClean="0"/>
-              <a:t>Zaharia</a:t>
-            </a:r>
             <a:endParaRPr lang="en-GB" dirty="0" smtClean="0"/>
           </a:p>
           <a:p>
-            <a:pPr lvl="1"/>
-            <a:r>
-              <a:rPr lang="en-GB" dirty="0"/>
-              <a:t>http://www.kdnuggets.com/2015/05/interview-matei-zaharia-creator-apache-spark.html</a:t>
-            </a:r>
-          </a:p>
-        </p:txBody>
-      </p:sp>
+            <a:endParaRPr lang="en-GB" dirty="0"/>
+          </a:p>
+          <a:p>
+            <a:endParaRPr lang="en-GB" dirty="0" smtClean="0"/>
+          </a:p>
+          <a:p>
+            <a:endParaRPr lang="en-GB" dirty="0"/>
+          </a:p>
+          <a:p>
+            <a:endParaRPr lang="en-GB" dirty="0" smtClean="0"/>
+          </a:p>
+          <a:p>
+            <a:endParaRPr lang="en-GB" dirty="0"/>
+          </a:p>
+          <a:p>
+            <a:endParaRPr lang="en-GB" dirty="0" smtClean="0"/>
+          </a:p>
+          <a:p>
+            <a:endParaRPr lang="en-GB" dirty="0"/>
+          </a:p>
+        </p:txBody>
+      </p:sp>
+      <p:pic>
+        <p:nvPicPr>
+          <p:cNvPr id="1026" name="Picture 2" descr="Matei Zaharia"/>
+          <p:cNvPicPr>
+            <a:picLocks noChangeAspect="1" noChangeArrowheads="1"/>
+          </p:cNvPicPr>
+          <p:nvPr/>
+        </p:nvPicPr>
+        <p:blipFill>
+          <a:blip r:embed="rId2" cstate="print">
+            <a:extLst>
+              <a:ext uri="{28A0092B-C50C-407E-A947-70E740481C1C}">
+                <a14:useLocalDpi xmlns:a14="http://schemas.microsoft.com/office/drawing/2010/main" val="0"/>
+              </a:ext>
+            </a:extLst>
+          </a:blip>
+          <a:srcRect/>
+          <a:stretch>
+            <a:fillRect/>
+          </a:stretch>
+        </p:blipFill>
+        <p:spPr bwMode="auto">
+          <a:xfrm>
+            <a:off x="2283633" y="2802156"/>
+            <a:ext cx="2487871" cy="2900448"/>
+          </a:xfrm>
+          <a:prstGeom prst="rect">
+            <a:avLst/>
+          </a:prstGeom>
+          <a:noFill/>
+          <a:extLst>
+            <a:ext uri="{909E8E84-426E-40DD-AFC4-6F175D3DCCD1}">
+              <a14:hiddenFill xmlns:a14="http://schemas.microsoft.com/office/drawing/2010/main">
+                <a:solidFill>
+                  <a:srgbClr val="FFFFFF"/>
+                </a:solidFill>
+              </a14:hiddenFill>
+            </a:ext>
+          </a:extLst>
+        </p:spPr>
+      </p:pic>
     </p:spTree>
     <p:extLst>
       <p:ext uri="{BB962C8B-B14F-4D97-AF65-F5344CB8AC3E}">
-        <p14:creationId xmlns:p14="http://schemas.microsoft.com/office/powerpoint/2010/main" val="3974645103"/>
+        <p14:creationId xmlns:p14="http://schemas.microsoft.com/office/powerpoint/2010/main" val="60789758"/>
       </p:ext>
     </p:extLst>
   </p:cSld>
   <p:clrMapOvr>
     <a:masterClrMapping/>
   </p:clrMapOvr>
+  <p:timing>
+    <p:tnLst>
+      <p:par>
+        <p:cTn id="1" dur="indefinite" restart="never" nodeType="tmRoot"/>
+      </p:par>
+    </p:tnLst>
+  </p:timing>
 </p:sld>
 </file>
 
@@ -3935,392 +7445,42 @@
           <a:chExt cx="0" cy="0"/>
         </a:xfrm>
       </p:grpSpPr>
-      <p:sp>
-        <p:nvSpPr>
-          <p:cNvPr id="2" name="Title 1"/>
-          <p:cNvSpPr>
-            <a:spLocks noGrp="1"/>
-          </p:cNvSpPr>
-          <p:nvPr>
-            <p:ph type="title"/>
-          </p:nvPr>
-        </p:nvSpPr>
-        <p:spPr/>
-        <p:txBody>
-          <a:bodyPr/>
-          <a:lstStyle/>
-          <a:p>
-            <a:r>
-              <a:rPr lang="en-GB" dirty="0" err="1" smtClean="0"/>
-              <a:t>ce</a:t>
-            </a:r>
-            <a:r>
-              <a:rPr lang="en-GB" dirty="0" smtClean="0"/>
-              <a:t> </a:t>
-            </a:r>
-            <a:r>
-              <a:rPr lang="en-GB" dirty="0" err="1" smtClean="0"/>
-              <a:t>este</a:t>
-            </a:r>
-            <a:r>
-              <a:rPr lang="en-GB" dirty="0" smtClean="0"/>
-              <a:t> spark?</a:t>
-            </a:r>
-            <a:endParaRPr lang="en-GB" dirty="0"/>
-          </a:p>
-        </p:txBody>
-      </p:sp>
-      <p:sp>
-        <p:nvSpPr>
-          <p:cNvPr id="3" name="Content Placeholder 2"/>
-          <p:cNvSpPr>
-            <a:spLocks noGrp="1"/>
-          </p:cNvSpPr>
+      <p:pic>
+        <p:nvPicPr>
+          <p:cNvPr id="4" name="Content Placeholder 3"/>
+          <p:cNvPicPr>
+            <a:picLocks noGrp="1" noChangeAspect="1"/>
+          </p:cNvPicPr>
           <p:nvPr>
             <p:ph idx="1"/>
           </p:nvPr>
-        </p:nvSpPr>
-        <p:spPr/>
-        <p:txBody>
-          <a:bodyPr/>
-          <a:lstStyle/>
-          <a:p>
-            <a:r>
-              <a:rPr lang="en-GB" dirty="0" smtClean="0"/>
-              <a:t>Spark </a:t>
-            </a:r>
-            <a:r>
-              <a:rPr lang="en-GB" dirty="0" err="1" smtClean="0"/>
-              <a:t>este</a:t>
-            </a:r>
-            <a:r>
-              <a:rPr lang="en-GB" dirty="0" smtClean="0"/>
-              <a:t> </a:t>
-            </a:r>
-            <a:r>
-              <a:rPr lang="en-GB" dirty="0" err="1" smtClean="0"/>
-              <a:t>doar</a:t>
-            </a:r>
-            <a:r>
-              <a:rPr lang="en-GB" dirty="0" smtClean="0"/>
-              <a:t> un alt framework. La </a:t>
-            </a:r>
-            <a:r>
-              <a:rPr lang="en-GB" dirty="0" err="1" smtClean="0"/>
-              <a:t>fel</a:t>
-            </a:r>
-            <a:r>
-              <a:rPr lang="en-GB" dirty="0" smtClean="0"/>
-              <a:t> ca </a:t>
-            </a:r>
-            <a:r>
-              <a:rPr lang="en-GB" dirty="0" err="1" smtClean="0"/>
-              <a:t>si</a:t>
-            </a:r>
-            <a:r>
-              <a:rPr lang="en-GB" dirty="0" smtClean="0"/>
-              <a:t> </a:t>
-            </a:r>
-            <a:r>
-              <a:rPr lang="en-GB" dirty="0" err="1" smtClean="0"/>
-              <a:t>MapReduce</a:t>
-            </a:r>
-            <a:r>
-              <a:rPr lang="en-GB" dirty="0" smtClean="0"/>
-              <a:t>, </a:t>
-            </a:r>
-            <a:r>
-              <a:rPr lang="en-GB" dirty="0" err="1" smtClean="0"/>
-              <a:t>ruleaza</a:t>
-            </a:r>
-            <a:r>
-              <a:rPr lang="en-GB" dirty="0" smtClean="0"/>
-              <a:t> </a:t>
-            </a:r>
-            <a:r>
-              <a:rPr lang="en-GB" dirty="0" err="1" smtClean="0"/>
-              <a:t>pe</a:t>
-            </a:r>
-            <a:r>
-              <a:rPr lang="en-GB" dirty="0" smtClean="0"/>
-              <a:t> </a:t>
-            </a:r>
-            <a:r>
-              <a:rPr lang="en-GB" dirty="0" err="1" smtClean="0"/>
-              <a:t>sisteme</a:t>
-            </a:r>
-            <a:r>
-              <a:rPr lang="en-GB" dirty="0" smtClean="0"/>
-              <a:t> </a:t>
-            </a:r>
-            <a:r>
-              <a:rPr lang="en-GB" dirty="0" err="1" smtClean="0"/>
-              <a:t>distribuite</a:t>
-            </a:r>
-            <a:r>
-              <a:rPr lang="en-GB" dirty="0" smtClean="0"/>
-              <a:t> de </a:t>
-            </a:r>
-            <a:r>
-              <a:rPr lang="en-GB" dirty="0" err="1" smtClean="0"/>
-              <a:t>fisier</a:t>
-            </a:r>
-            <a:r>
-              <a:rPr lang="en-GB" dirty="0" smtClean="0"/>
-              <a:t> </a:t>
-            </a:r>
-            <a:r>
-              <a:rPr lang="en-GB" dirty="0" err="1" smtClean="0"/>
-              <a:t>dintr</a:t>
-            </a:r>
-            <a:r>
-              <a:rPr lang="en-GB" dirty="0" smtClean="0"/>
-              <a:t>-un cluster </a:t>
-            </a:r>
-            <a:r>
-              <a:rPr lang="en-GB" dirty="0" err="1" smtClean="0"/>
-              <a:t>si</a:t>
-            </a:r>
-            <a:r>
-              <a:rPr lang="en-GB" dirty="0" smtClean="0"/>
-              <a:t> </a:t>
-            </a:r>
-            <a:r>
-              <a:rPr lang="en-GB" dirty="0" err="1" smtClean="0"/>
-              <a:t>proceseaza</a:t>
-            </a:r>
-            <a:r>
-              <a:rPr lang="en-GB" dirty="0" smtClean="0"/>
-              <a:t> </a:t>
-            </a:r>
-            <a:r>
-              <a:rPr lang="en-GB" dirty="0" err="1" smtClean="0"/>
-              <a:t>datele</a:t>
-            </a:r>
-            <a:r>
-              <a:rPr lang="en-GB" dirty="0" smtClean="0"/>
-              <a:t> in parallel.</a:t>
-            </a:r>
-          </a:p>
-          <a:p>
-            <a:pPr marL="914400" lvl="1" indent="-457200">
-              <a:buFont typeface="+mj-lt"/>
-              <a:buAutoNum type="arabicPeriod"/>
-            </a:pPr>
-            <a:r>
-              <a:rPr lang="en-GB" dirty="0" smtClean="0"/>
-              <a:t>Spark </a:t>
-            </a:r>
-            <a:r>
-              <a:rPr lang="en-GB" dirty="0" err="1" smtClean="0"/>
-              <a:t>incearca</a:t>
-            </a:r>
-            <a:r>
-              <a:rPr lang="en-GB" dirty="0" smtClean="0"/>
-              <a:t> </a:t>
-            </a:r>
-            <a:r>
-              <a:rPr lang="en-GB" dirty="0" err="1" smtClean="0"/>
-              <a:t>sa</a:t>
-            </a:r>
-            <a:r>
-              <a:rPr lang="en-GB" dirty="0" smtClean="0"/>
-              <a:t> </a:t>
-            </a:r>
-            <a:r>
-              <a:rPr lang="en-GB" dirty="0" err="1" smtClean="0"/>
-              <a:t>tina</a:t>
-            </a:r>
-            <a:r>
-              <a:rPr lang="en-GB" dirty="0" smtClean="0"/>
-              <a:t> </a:t>
-            </a:r>
-            <a:r>
-              <a:rPr lang="en-GB" dirty="0" err="1" smtClean="0"/>
-              <a:t>datele</a:t>
-            </a:r>
-            <a:r>
-              <a:rPr lang="en-GB" dirty="0" smtClean="0"/>
-              <a:t> in </a:t>
-            </a:r>
-            <a:r>
-              <a:rPr lang="en-GB" dirty="0" err="1" smtClean="0"/>
-              <a:t>memorie</a:t>
-            </a:r>
-            <a:r>
-              <a:rPr lang="en-GB" dirty="0" smtClean="0"/>
-              <a:t>, in </a:t>
-            </a:r>
-            <a:r>
-              <a:rPr lang="en-GB" dirty="0" err="1" smtClean="0"/>
-              <a:t>timp</a:t>
-            </a:r>
-            <a:r>
-              <a:rPr lang="en-GB" dirty="0" smtClean="0"/>
-              <a:t> </a:t>
-            </a:r>
-            <a:r>
-              <a:rPr lang="en-GB" dirty="0" err="1" smtClean="0"/>
-              <a:t>ce</a:t>
-            </a:r>
-            <a:r>
-              <a:rPr lang="en-GB" dirty="0" smtClean="0"/>
-              <a:t> </a:t>
-            </a:r>
-            <a:r>
-              <a:rPr lang="en-GB" dirty="0" err="1" smtClean="0"/>
-              <a:t>MapReduce</a:t>
-            </a:r>
-            <a:r>
-              <a:rPr lang="en-GB" dirty="0" smtClean="0"/>
-              <a:t> face shuffle la date din </a:t>
-            </a:r>
-            <a:r>
-              <a:rPr lang="en-GB" dirty="0" err="1" smtClean="0"/>
-              <a:t>memorie</a:t>
-            </a:r>
-            <a:r>
-              <a:rPr lang="en-GB" dirty="0" smtClean="0"/>
-              <a:t> </a:t>
-            </a:r>
-            <a:r>
-              <a:rPr lang="en-GB" dirty="0" err="1" smtClean="0"/>
-              <a:t>pe</a:t>
-            </a:r>
-            <a:r>
-              <a:rPr lang="en-GB" dirty="0" smtClean="0"/>
-              <a:t> disk </a:t>
-            </a:r>
-            <a:r>
-              <a:rPr lang="en-GB" dirty="0" err="1" smtClean="0"/>
-              <a:t>si</a:t>
-            </a:r>
-            <a:r>
-              <a:rPr lang="en-GB" dirty="0" smtClean="0"/>
-              <a:t> </a:t>
-            </a:r>
-            <a:r>
-              <a:rPr lang="en-GB" dirty="0" err="1" smtClean="0"/>
-              <a:t>apoi</a:t>
-            </a:r>
-            <a:r>
-              <a:rPr lang="en-GB" dirty="0" smtClean="0"/>
-              <a:t> invers (</a:t>
-            </a:r>
-            <a:r>
-              <a:rPr lang="en-GB" dirty="0" err="1" smtClean="0"/>
-              <a:t>desen</a:t>
-            </a:r>
-            <a:r>
-              <a:rPr lang="en-GB" dirty="0" smtClean="0"/>
-              <a:t>)</a:t>
-            </a:r>
-          </a:p>
-          <a:p>
-            <a:pPr marL="914400" lvl="1" indent="-457200">
-              <a:buFont typeface="+mj-lt"/>
-              <a:buAutoNum type="arabicPeriod"/>
-            </a:pPr>
-            <a:r>
-              <a:rPr lang="en-GB" dirty="0" smtClean="0"/>
-              <a:t>Este </a:t>
-            </a:r>
-            <a:r>
-              <a:rPr lang="en-GB" dirty="0" err="1" smtClean="0"/>
-              <a:t>mai</a:t>
-            </a:r>
-            <a:r>
-              <a:rPr lang="en-GB" dirty="0" smtClean="0"/>
-              <a:t> </a:t>
-            </a:r>
-            <a:r>
-              <a:rPr lang="en-GB" dirty="0" err="1" smtClean="0"/>
-              <a:t>usor</a:t>
-            </a:r>
-            <a:r>
-              <a:rPr lang="en-GB" dirty="0" smtClean="0"/>
-              <a:t> </a:t>
-            </a:r>
-            <a:r>
-              <a:rPr lang="en-GB" dirty="0" err="1" smtClean="0"/>
-              <a:t>sa</a:t>
-            </a:r>
-            <a:r>
-              <a:rPr lang="en-GB" dirty="0" smtClean="0"/>
-              <a:t> </a:t>
-            </a:r>
-            <a:r>
-              <a:rPr lang="en-GB" dirty="0" err="1" smtClean="0"/>
-              <a:t>scrii</a:t>
-            </a:r>
-            <a:r>
-              <a:rPr lang="en-GB" dirty="0" smtClean="0"/>
-              <a:t> cod in Spark.</a:t>
-            </a:r>
-          </a:p>
-          <a:p>
-            <a:pPr marL="1371600" lvl="2" indent="-457200">
-              <a:buFont typeface="+mj-lt"/>
-              <a:buAutoNum type="arabicPeriod"/>
-            </a:pPr>
-            <a:r>
-              <a:rPr lang="en-GB" dirty="0" smtClean="0"/>
-              <a:t>Map</a:t>
-            </a:r>
-          </a:p>
-          <a:p>
-            <a:pPr marL="1371600" lvl="2" indent="-457200">
-              <a:buFont typeface="+mj-lt"/>
-              <a:buAutoNum type="arabicPeriod"/>
-            </a:pPr>
-            <a:r>
-              <a:rPr lang="en-GB" dirty="0" smtClean="0"/>
-              <a:t>Reduce</a:t>
-            </a:r>
-          </a:p>
-          <a:p>
-            <a:pPr marL="1371600" lvl="2" indent="-457200">
-              <a:buFont typeface="+mj-lt"/>
-              <a:buAutoNum type="arabicPeriod"/>
-            </a:pPr>
-            <a:r>
-              <a:rPr lang="en-GB" dirty="0" smtClean="0"/>
-              <a:t>Filter</a:t>
-            </a:r>
-          </a:p>
-          <a:p>
-            <a:pPr marL="1371600" lvl="2" indent="-457200">
-              <a:buFont typeface="+mj-lt"/>
-              <a:buAutoNum type="arabicPeriod"/>
-            </a:pPr>
-            <a:r>
-              <a:rPr lang="en-GB" dirty="0" smtClean="0"/>
-              <a:t>Join</a:t>
-            </a:r>
-          </a:p>
-          <a:p>
-            <a:pPr marL="1371600" lvl="2" indent="-457200">
-              <a:buFont typeface="+mj-lt"/>
-              <a:buAutoNum type="arabicPeriod"/>
-            </a:pPr>
-            <a:r>
-              <a:rPr lang="en-GB" smtClean="0"/>
-              <a:t>GroupBy</a:t>
-            </a:r>
-            <a:endParaRPr lang="en-GB" dirty="0" smtClean="0"/>
-          </a:p>
-          <a:p>
-            <a:pPr marL="0" indent="0">
-              <a:buNone/>
-            </a:pPr>
-            <a:endParaRPr lang="en-GB" dirty="0"/>
-          </a:p>
-        </p:txBody>
-      </p:sp>
+        </p:nvPicPr>
+        <p:blipFill>
+          <a:blip r:embed="rId2">
+            <a:extLst>
+              <a:ext uri="{28A0092B-C50C-407E-A947-70E740481C1C}">
+                <a14:useLocalDpi xmlns:a14="http://schemas.microsoft.com/office/drawing/2010/main" val="0"/>
+              </a:ext>
+            </a:extLst>
+          </a:blip>
+          <a:stretch>
+            <a:fillRect/>
+          </a:stretch>
+        </p:blipFill>
+        <p:spPr>
+          <a:xfrm>
+            <a:off x="1895514" y="810492"/>
+            <a:ext cx="8743395" cy="5595072"/>
+          </a:xfrm>
+          <a:prstGeom prst="rect">
+            <a:avLst/>
+          </a:prstGeom>
+        </p:spPr>
+      </p:pic>
     </p:spTree>
     <p:extLst>
       <p:ext uri="{BB962C8B-B14F-4D97-AF65-F5344CB8AC3E}">
-        <p14:creationId xmlns:p14="http://schemas.microsoft.com/office/powerpoint/2010/main" val="2575032593"/>
+        <p14:creationId xmlns:p14="http://schemas.microsoft.com/office/powerpoint/2010/main" val="521264803"/>
       </p:ext>
     </p:extLst>
   </p:cSld>
@@ -4359,151 +7519,22 @@
         </p:nvSpPr>
         <p:spPr/>
         <p:txBody>
-          <a:bodyPr>
-            <a:noAutofit/>
-          </a:bodyPr>
-          <a:lstStyle/>
-          <a:p>
-            <a:r>
-              <a:rPr lang="en-GB" sz="2400" dirty="0" err="1"/>
-              <a:t>ce</a:t>
-            </a:r>
-            <a:r>
-              <a:rPr lang="en-GB" sz="2400" dirty="0"/>
-              <a:t> se </a:t>
-            </a:r>
-            <a:r>
-              <a:rPr lang="en-GB" sz="2400" dirty="0" err="1"/>
-              <a:t>intampla</a:t>
-            </a:r>
-            <a:r>
-              <a:rPr lang="en-GB" sz="2400" dirty="0"/>
-              <a:t> </a:t>
-            </a:r>
-            <a:r>
-              <a:rPr lang="en-GB" sz="2400" dirty="0" err="1"/>
-              <a:t>atunci</a:t>
-            </a:r>
-            <a:r>
-              <a:rPr lang="en-GB" sz="2400" dirty="0"/>
-              <a:t> </a:t>
-            </a:r>
-            <a:r>
-              <a:rPr lang="en-GB" sz="2400" dirty="0" err="1"/>
-              <a:t>cand</a:t>
-            </a:r>
-            <a:r>
-              <a:rPr lang="en-GB" sz="2400" dirty="0"/>
-              <a:t> </a:t>
-            </a:r>
-            <a:r>
-              <a:rPr lang="en-GB" sz="2400" dirty="0" err="1"/>
-              <a:t>lansezi</a:t>
-            </a:r>
-            <a:r>
-              <a:rPr lang="en-GB" sz="2400" dirty="0"/>
-              <a:t> o </a:t>
-            </a:r>
-            <a:r>
-              <a:rPr lang="en-GB" sz="2400" dirty="0" err="1"/>
-              <a:t>aplicatie</a:t>
-            </a:r>
-            <a:r>
-              <a:rPr lang="en-GB" sz="2400" dirty="0"/>
-              <a:t> spark ? (</a:t>
-            </a:r>
-            <a:r>
-              <a:rPr lang="en-GB" sz="2400" dirty="0" smtClean="0"/>
-              <a:t>driver/executors)</a:t>
-            </a:r>
-            <a:br>
-              <a:rPr lang="en-GB" sz="2400" dirty="0" smtClean="0"/>
-            </a:br>
-            <a:r>
-              <a:rPr lang="en-GB" sz="2400" dirty="0" smtClean="0"/>
-              <a:t> 	Cine </a:t>
-            </a:r>
-            <a:r>
-              <a:rPr lang="en-GB" sz="2400" dirty="0" err="1"/>
-              <a:t>executa</a:t>
-            </a:r>
-            <a:r>
-              <a:rPr lang="en-GB" sz="2400" dirty="0"/>
-              <a:t>, de </a:t>
-            </a:r>
-            <a:r>
-              <a:rPr lang="en-GB" sz="2400" dirty="0" err="1"/>
-              <a:t>fapt</a:t>
-            </a:r>
-            <a:r>
-              <a:rPr lang="en-GB" sz="2400" dirty="0"/>
-              <a:t>, </a:t>
-            </a:r>
-            <a:r>
-              <a:rPr lang="en-GB" sz="2400" dirty="0" err="1"/>
-              <a:t>codul</a:t>
-            </a:r>
-            <a:r>
-              <a:rPr lang="en-GB" sz="2400" dirty="0"/>
-              <a:t> ? </a:t>
-            </a:r>
-            <a:br>
-              <a:rPr lang="en-GB" sz="2400" dirty="0"/>
-            </a:br>
-            <a:r>
-              <a:rPr lang="en-GB" sz="2400" dirty="0" smtClean="0"/>
-              <a:t>	</a:t>
-            </a:r>
-            <a:r>
-              <a:rPr lang="en-GB" sz="2400" dirty="0" err="1" smtClean="0"/>
-              <a:t>partitionare</a:t>
-            </a:r>
-            <a:r>
-              <a:rPr lang="en-GB" sz="2400" dirty="0" smtClean="0"/>
-              <a:t> </a:t>
-            </a:r>
-            <a:r>
-              <a:rPr lang="en-GB" sz="2400" dirty="0"/>
-              <a:t>(</a:t>
-            </a:r>
-            <a:r>
-              <a:rPr lang="en-GB" sz="2400" dirty="0" err="1"/>
-              <a:t>daca</a:t>
-            </a:r>
-            <a:r>
-              <a:rPr lang="en-GB" sz="2400" dirty="0"/>
-              <a:t> am </a:t>
-            </a:r>
-            <a:r>
-              <a:rPr lang="en-GB" sz="2400" dirty="0" err="1"/>
-              <a:t>timp</a:t>
-            </a:r>
-            <a:r>
-              <a:rPr lang="en-GB" sz="2400" dirty="0"/>
-              <a:t>: co-</a:t>
-            </a:r>
-            <a:r>
-              <a:rPr lang="en-GB" sz="2400" dirty="0" err="1"/>
-              <a:t>partitionare</a:t>
-            </a:r>
-            <a:r>
-              <a:rPr lang="en-GB" sz="2400" dirty="0"/>
-              <a:t>)</a:t>
-            </a:r>
-            <a:br>
-              <a:rPr lang="en-GB" sz="2400" dirty="0"/>
-            </a:br>
-            <a:endParaRPr lang="en-GB" sz="2400" dirty="0"/>
+          <a:bodyPr/>
+          <a:lstStyle/>
+          <a:p>
+            <a:endParaRPr lang="en-GB" dirty="0"/>
           </a:p>
         </p:txBody>
       </p:sp>
       <p:pic>
         <p:nvPicPr>
-          <p:cNvPr id="1026" name="Picture 2" descr="Risultati immagini per spark driver workers"/>
+          <p:cNvPr id="4" name="Content Placeholder 3"/>
           <p:cNvPicPr>
-            <a:picLocks noChangeAspect="1" noChangeArrowheads="1"/>
+            <a:picLocks noGrp="1" noChangeAspect="1"/>
           </p:cNvPicPr>
-          <p:nvPr/>
+          <p:nvPr>
+            <p:ph idx="1"/>
+          </p:nvPr>
         </p:nvPicPr>
         <p:blipFill>
           <a:blip r:embed="rId2">
@@ -4513,41 +7544,64 @@
               </a:ext>
             </a:extLst>
           </a:blip>
-          <a:srcRect/>
           <a:stretch>
             <a:fillRect/>
           </a:stretch>
         </p:blipFill>
-        <p:spPr bwMode="auto">
+        <p:spPr>
           <a:xfrm>
-            <a:off x="968374" y="1817256"/>
-            <a:ext cx="7273926" cy="4093008"/>
+            <a:off x="838200" y="2426584"/>
+            <a:ext cx="10515600" cy="1486873"/>
+          </a:xfrm>
+        </p:spPr>
+      </p:pic>
+      <p:pic>
+        <p:nvPicPr>
+          <p:cNvPr id="5" name="Picture 4"/>
+          <p:cNvPicPr>
+            <a:picLocks noChangeAspect="1"/>
+          </p:cNvPicPr>
+          <p:nvPr/>
+        </p:nvPicPr>
+        <p:blipFill>
+          <a:blip r:embed="rId3">
+            <a:extLst>
+              <a:ext uri="{28A0092B-C50C-407E-A947-70E740481C1C}">
+                <a14:useLocalDpi xmlns:a14="http://schemas.microsoft.com/office/drawing/2010/main" val="0"/>
+              </a:ext>
+            </a:extLst>
+          </a:blip>
+          <a:stretch>
+            <a:fillRect/>
+          </a:stretch>
+        </p:blipFill>
+        <p:spPr>
+          <a:xfrm>
+            <a:off x="838200" y="4839133"/>
+            <a:ext cx="7419975" cy="1419225"/>
           </a:xfrm>
           <a:prstGeom prst="rect">
             <a:avLst/>
           </a:prstGeom>
-          <a:noFill/>
-          <a:extLst>
-            <a:ext uri="{909E8E84-426E-40DD-AFC4-6F175D3DCCD1}">
-              <a14:hiddenFill xmlns:a14="http://schemas.microsoft.com/office/drawing/2010/main">
-                <a:solidFill>
-                  <a:srgbClr val="FFFFFF"/>
-                </a:solidFill>
-              </a14:hiddenFill>
-            </a:ext>
-          </a:extLst>
         </p:spPr>
       </p:pic>
     </p:spTree>
     <p:extLst>
       <p:ext uri="{BB962C8B-B14F-4D97-AF65-F5344CB8AC3E}">
-        <p14:creationId xmlns:p14="http://schemas.microsoft.com/office/powerpoint/2010/main" val="2142066678"/>
+        <p14:creationId xmlns:p14="http://schemas.microsoft.com/office/powerpoint/2010/main" val="555673879"/>
       </p:ext>
     </p:extLst>
   </p:cSld>
   <p:clrMapOvr>
     <a:masterClrMapping/>
   </p:clrMapOvr>
+  <p:timing>
+    <p:tnLst>
+      <p:par>
+        <p:cTn id="1" dur="indefinite" restart="never" nodeType="tmRoot"/>
+      </p:par>
+    </p:tnLst>
+  </p:timing>
 </p:sld>
 </file>
 
@@ -4583,116 +7637,51 @@
           <a:bodyPr/>
           <a:lstStyle/>
           <a:p>
-            <a:endParaRPr lang="en-GB"/>
-          </a:p>
-        </p:txBody>
-      </p:sp>
-      <p:sp>
-        <p:nvSpPr>
-          <p:cNvPr id="3" name="Content Placeholder 2"/>
-          <p:cNvSpPr>
-            <a:spLocks noGrp="1"/>
-          </p:cNvSpPr>
+            <a:r>
+              <a:rPr lang="en-GB" dirty="0"/>
+              <a:t>Spark vs </a:t>
+            </a:r>
+            <a:r>
+              <a:rPr lang="en-GB" dirty="0" err="1"/>
+              <a:t>MapReduce</a:t>
+            </a:r>
+            <a:endParaRPr lang="en-GB" dirty="0"/>
+          </a:p>
+        </p:txBody>
+      </p:sp>
+      <p:pic>
+        <p:nvPicPr>
+          <p:cNvPr id="4" name="Content Placeholder 3"/>
+          <p:cNvPicPr>
+            <a:picLocks noGrp="1" noChangeAspect="1"/>
+          </p:cNvPicPr>
           <p:nvPr>
             <p:ph idx="1"/>
           </p:nvPr>
-        </p:nvSpPr>
-        <p:spPr/>
-        <p:txBody>
-          <a:bodyPr/>
-          <a:lstStyle/>
-          <a:p>
-            <a:r>
-              <a:rPr lang="en-GB" dirty="0" smtClean="0"/>
-              <a:t>cum se </a:t>
-            </a:r>
-            <a:r>
-              <a:rPr lang="en-GB" dirty="0" err="1" smtClean="0"/>
-              <a:t>creaza</a:t>
-            </a:r>
-            <a:r>
-              <a:rPr lang="en-GB" dirty="0" smtClean="0"/>
-              <a:t> un RDD</a:t>
-            </a:r>
-          </a:p>
-          <a:p>
-            <a:pPr lvl="1"/>
-            <a:r>
-              <a:rPr lang="en-GB" dirty="0" err="1" smtClean="0"/>
-              <a:t>citire</a:t>
-            </a:r>
-            <a:r>
-              <a:rPr lang="en-GB" dirty="0" smtClean="0"/>
-              <a:t> din </a:t>
-            </a:r>
-            <a:r>
-              <a:rPr lang="en-GB" dirty="0" err="1" smtClean="0"/>
-              <a:t>fisier</a:t>
-            </a:r>
-            <a:endParaRPr lang="en-GB" dirty="0" smtClean="0"/>
-          </a:p>
-          <a:p>
-            <a:pPr lvl="1"/>
-            <a:r>
-              <a:rPr lang="en-GB" dirty="0" err="1" smtClean="0"/>
-              <a:t>prin</a:t>
-            </a:r>
-            <a:r>
-              <a:rPr lang="en-GB" dirty="0" smtClean="0"/>
-              <a:t> </a:t>
-            </a:r>
-            <a:r>
-              <a:rPr lang="en-GB" dirty="0" err="1" smtClean="0"/>
-              <a:t>apelelarea</a:t>
-            </a:r>
-            <a:r>
-              <a:rPr lang="en-GB" dirty="0" smtClean="0"/>
-              <a:t> </a:t>
-            </a:r>
-            <a:r>
-              <a:rPr lang="en-GB" dirty="0" err="1" smtClean="0"/>
-              <a:t>metode</a:t>
-            </a:r>
-            <a:r>
-              <a:rPr lang="en-GB" dirty="0" smtClean="0"/>
-              <a:t> </a:t>
-            </a:r>
-            <a:r>
-              <a:rPr lang="en-GB" dirty="0" err="1" smtClean="0"/>
-              <a:t>paralalize</a:t>
-            </a:r>
-            <a:r>
-              <a:rPr lang="en-GB" dirty="0" smtClean="0"/>
-              <a:t>() </a:t>
-            </a:r>
-            <a:r>
-              <a:rPr lang="en-GB" dirty="0" err="1" smtClean="0"/>
-              <a:t>asupra</a:t>
-            </a:r>
-            <a:r>
-              <a:rPr lang="en-GB" dirty="0" smtClean="0"/>
-              <a:t> </a:t>
-            </a:r>
-            <a:r>
-              <a:rPr lang="en-GB" dirty="0" err="1" smtClean="0"/>
-              <a:t>unei</a:t>
-            </a:r>
-            <a:r>
-              <a:rPr lang="en-GB" dirty="0" smtClean="0"/>
-              <a:t> </a:t>
-            </a:r>
-            <a:r>
-              <a:rPr lang="en-GB" dirty="0" err="1" smtClean="0"/>
-              <a:t>colectii</a:t>
-            </a:r>
-            <a:endParaRPr lang="en-GB" dirty="0" smtClean="0"/>
-          </a:p>
-        </p:txBody>
-      </p:sp>
+        </p:nvPicPr>
+        <p:blipFill>
+          <a:blip r:embed="rId2">
+            <a:extLst>
+              <a:ext uri="{28A0092B-C50C-407E-A947-70E740481C1C}">
+                <a14:useLocalDpi xmlns:a14="http://schemas.microsoft.com/office/drawing/2010/main" val="0"/>
+              </a:ext>
+            </a:extLst>
+          </a:blip>
+          <a:stretch>
+            <a:fillRect/>
+          </a:stretch>
+        </p:blipFill>
+        <p:spPr>
+          <a:xfrm>
+            <a:off x="838200" y="1790790"/>
+            <a:ext cx="4867968" cy="4351338"/>
+          </a:xfrm>
+        </p:spPr>
+      </p:pic>
     </p:spTree>
     <p:extLst>
       <p:ext uri="{BB962C8B-B14F-4D97-AF65-F5344CB8AC3E}">
-        <p14:creationId xmlns:p14="http://schemas.microsoft.com/office/powerpoint/2010/main" val="1350773838"/>
+        <p14:creationId xmlns:p14="http://schemas.microsoft.com/office/powerpoint/2010/main" val="3011740382"/>
       </p:ext>
     </p:extLst>
   </p:cSld>
@@ -4742,8 +7731,43 @@
           <a:lstStyle/>
           <a:p>
             <a:r>
+              <a:rPr lang="en-GB" dirty="0" smtClean="0"/>
+              <a:t>spark vs </a:t>
+            </a:r>
+            <a:r>
+              <a:rPr lang="en-GB" dirty="0" err="1" smtClean="0"/>
+              <a:t>MapReduce</a:t>
+            </a:r>
+            <a:endParaRPr lang="en-GB" dirty="0"/>
+          </a:p>
+        </p:txBody>
+      </p:sp>
+      <p:sp>
+        <p:nvSpPr>
+          <p:cNvPr id="3" name="Content Placeholder 2"/>
+          <p:cNvSpPr>
+            <a:spLocks noGrp="1"/>
+          </p:cNvSpPr>
+          <p:nvPr>
+            <p:ph idx="1"/>
+          </p:nvPr>
+        </p:nvSpPr>
+        <p:spPr/>
+        <p:txBody>
+          <a:bodyPr/>
+          <a:lstStyle/>
+          <a:p>
+            <a:pPr marL="914400" lvl="1" indent="-457200">
+              <a:buFont typeface="+mj-lt"/>
+              <a:buAutoNum type="arabicPeriod"/>
+            </a:pPr>
+            <a:r>
+              <a:rPr lang="en-GB" dirty="0"/>
+              <a:t>Este </a:t>
+            </a:r>
+            <a:r>
               <a:rPr lang="en-GB" dirty="0" err="1"/>
-              <a:t>ce</a:t>
+              <a:t>mai</a:t>
             </a:r>
             <a:r>
               <a:rPr lang="en-GB" dirty="0"/>
@@ -4751,110 +7775,181 @@
             </a:r>
             <a:r>
               <a:rPr lang="en-GB" dirty="0" err="1"/>
-              <a:t>inseamna</a:t>
+              <a:t>usor</a:t>
             </a:r>
             <a:r>
               <a:rPr lang="en-GB" dirty="0"/>
-              <a:t> ca spark </a:t>
+              <a:t> </a:t>
             </a:r>
             <a:r>
               <a:rPr lang="en-GB" dirty="0" err="1"/>
-              <a:t>este</a:t>
+              <a:t>sa</a:t>
             </a:r>
             <a:r>
               <a:rPr lang="en-GB" dirty="0"/>
-              <a:t> laziness ?</a:t>
-            </a:r>
-            <a:br>
+              <a:t> </a:t>
+            </a:r>
+            <a:r>
+              <a:rPr lang="en-GB" dirty="0" err="1"/>
+              <a:t>scrii</a:t>
+            </a:r>
+            <a:r>
               <a:rPr lang="en-GB" dirty="0"/>
-            </a:br>
+              <a:t> cod in Spark.</a:t>
+            </a:r>
+          </a:p>
+          <a:p>
+            <a:pPr marL="1371600" lvl="2" indent="-457200">
+              <a:buFont typeface="+mj-lt"/>
+              <a:buAutoNum type="arabicPeriod"/>
+            </a:pPr>
+            <a:r>
+              <a:rPr lang="en-GB" dirty="0"/>
+              <a:t>map</a:t>
+            </a:r>
+          </a:p>
+          <a:p>
+            <a:pPr marL="1371600" lvl="2" indent="-457200">
+              <a:buFont typeface="+mj-lt"/>
+              <a:buAutoNum type="arabicPeriod"/>
+            </a:pPr>
+            <a:r>
+              <a:rPr lang="en-GB" dirty="0" err="1"/>
+              <a:t>flatMap</a:t>
+            </a:r>
             <a:endParaRPr lang="en-GB" dirty="0"/>
           </a:p>
-        </p:txBody>
-      </p:sp>
-      <p:sp>
-        <p:nvSpPr>
-          <p:cNvPr id="3" name="Content Placeholder 2"/>
-          <p:cNvSpPr>
-            <a:spLocks noGrp="1"/>
-          </p:cNvSpPr>
-          <p:nvPr>
-            <p:ph idx="1"/>
-          </p:nvPr>
-        </p:nvSpPr>
-        <p:spPr/>
-        <p:txBody>
-          <a:bodyPr/>
-          <a:lstStyle/>
-          <a:p>
-            <a:pPr lvl="1"/>
-            <a:r>
-              <a:rPr lang="en-GB" dirty="0" err="1" smtClean="0"/>
-              <a:t>ce</a:t>
-            </a:r>
-            <a:r>
-              <a:rPr lang="en-GB" dirty="0" smtClean="0"/>
-              <a:t> </a:t>
-            </a:r>
-            <a:r>
-              <a:rPr lang="en-GB" dirty="0" err="1"/>
-              <a:t>este</a:t>
-            </a:r>
+          <a:p>
+            <a:pPr marL="1371600" lvl="2" indent="-457200">
+              <a:buFont typeface="+mj-lt"/>
+              <a:buAutoNum type="arabicPeriod"/>
+            </a:pPr>
             <a:r>
               <a:rPr lang="en-GB" dirty="0"/>
-              <a:t> o </a:t>
-            </a:r>
-            <a:r>
-              <a:rPr lang="en-GB" dirty="0" err="1"/>
-              <a:t>transformare</a:t>
-            </a:r>
+              <a:t>filter</a:t>
+            </a:r>
+          </a:p>
+          <a:p>
+            <a:pPr marL="1371600" lvl="2" indent="-457200">
+              <a:buFont typeface="+mj-lt"/>
+              <a:buAutoNum type="arabicPeriod"/>
+            </a:pPr>
             <a:r>
               <a:rPr lang="en-GB" dirty="0"/>
-              <a:t>?</a:t>
-            </a:r>
-          </a:p>
-          <a:p>
-            <a:pPr lvl="1"/>
-            <a:r>
-              <a:rPr lang="en-GB" dirty="0" err="1"/>
-              <a:t>ce</a:t>
-            </a:r>
+              <a:t>reduce</a:t>
+            </a:r>
+          </a:p>
+          <a:p>
+            <a:pPr marL="1371600" lvl="2" indent="-457200">
+              <a:buFont typeface="+mj-lt"/>
+              <a:buAutoNum type="arabicPeriod"/>
+            </a:pPr>
             <a:r>
               <a:rPr lang="en-GB" dirty="0"/>
-              <a:t> </a:t>
-            </a:r>
-            <a:r>
-              <a:rPr lang="en-GB" dirty="0" err="1"/>
-              <a:t>este</a:t>
-            </a:r>
-            <a:r>
-              <a:rPr lang="en-GB" dirty="0"/>
-              <a:t> o </a:t>
-            </a:r>
-            <a:r>
-              <a:rPr lang="en-GB" dirty="0" err="1"/>
-              <a:t>actiune</a:t>
-            </a:r>
-            <a:r>
-              <a:rPr lang="en-GB" dirty="0"/>
-              <a:t>?</a:t>
-            </a:r>
-          </a:p>
-          <a:p>
+              <a:t>fold</a:t>
+            </a:r>
+          </a:p>
+          <a:p>
+            <a:pPr marL="1371600" lvl="2" indent="-457200">
+              <a:buFont typeface="+mj-lt"/>
+              <a:buAutoNum type="arabicPeriod"/>
+            </a:pPr>
+            <a:r>
+              <a:rPr lang="en-GB" dirty="0" smtClean="0"/>
+              <a:t>aggregate</a:t>
+            </a:r>
+          </a:p>
+          <a:p>
+            <a:pPr marL="1828800" lvl="3" indent="-457200">
+              <a:buFont typeface="+mj-lt"/>
+              <a:buAutoNum type="arabicPeriod"/>
+            </a:pPr>
+            <a:r>
+              <a:rPr lang="en-GB" dirty="0" err="1" smtClean="0"/>
+              <a:t>permite</a:t>
+            </a:r>
+            <a:r>
+              <a:rPr lang="en-GB" dirty="0" smtClean="0"/>
+              <a:t> </a:t>
+            </a:r>
+            <a:r>
+              <a:rPr lang="en-GB" dirty="0" err="1" smtClean="0"/>
+              <a:t>schimbare</a:t>
+            </a:r>
+            <a:r>
+              <a:rPr lang="en-GB" dirty="0" smtClean="0"/>
+              <a:t> de tip a </a:t>
+            </a:r>
+            <a:r>
+              <a:rPr lang="en-GB" dirty="0" err="1" smtClean="0"/>
+              <a:t>elementelor</a:t>
+            </a:r>
+            <a:r>
+              <a:rPr lang="en-GB" dirty="0" smtClean="0"/>
+              <a:t> din RDD </a:t>
+            </a:r>
             <a:endParaRPr lang="en-GB" dirty="0"/>
           </a:p>
         </p:txBody>
       </p:sp>
+      <p:pic>
+        <p:nvPicPr>
+          <p:cNvPr id="2050" name="Picture 2" descr="Risultati immagini per briceag images"/>
+          <p:cNvPicPr>
+            <a:picLocks noChangeAspect="1" noChangeArrowheads="1"/>
+          </p:cNvPicPr>
+          <p:nvPr/>
+        </p:nvPicPr>
+        <p:blipFill>
+          <a:blip r:embed="rId2">
+            <a:extLst>
+              <a:ext uri="{28A0092B-C50C-407E-A947-70E740481C1C}">
+                <a14:useLocalDpi xmlns:a14="http://schemas.microsoft.com/office/drawing/2010/main" val="0"/>
+              </a:ext>
+            </a:extLst>
+          </a:blip>
+          <a:srcRect/>
+          <a:stretch>
+            <a:fillRect/>
+          </a:stretch>
+        </p:blipFill>
+        <p:spPr bwMode="auto">
+          <a:xfrm>
+            <a:off x="5824112" y="1999329"/>
+            <a:ext cx="4047251" cy="4312571"/>
+          </a:xfrm>
+          <a:prstGeom prst="rect">
+            <a:avLst/>
+          </a:prstGeom>
+          <a:noFill/>
+          <a:extLst>
+            <a:ext uri="{909E8E84-426E-40DD-AFC4-6F175D3DCCD1}">
+              <a14:hiddenFill xmlns:a14="http://schemas.microsoft.com/office/drawing/2010/main">
+                <a:solidFill>
+                  <a:srgbClr val="FFFFFF"/>
+                </a:solidFill>
+              </a14:hiddenFill>
+            </a:ext>
+          </a:extLst>
+        </p:spPr>
+      </p:pic>
     </p:spTree>
     <p:extLst>
       <p:ext uri="{BB962C8B-B14F-4D97-AF65-F5344CB8AC3E}">
-        <p14:creationId xmlns:p14="http://schemas.microsoft.com/office/powerpoint/2010/main" val="715009465"/>
+        <p14:creationId xmlns:p14="http://schemas.microsoft.com/office/powerpoint/2010/main" val="187827556"/>
       </p:ext>
     </p:extLst>
   </p:cSld>
   <p:clrMapOvr>
     <a:masterClrMapping/>
   </p:clrMapOvr>
+  <p:timing>
+    <p:tnLst>
+      <p:par>
+        <p:cTn id="1" dur="indefinite" restart="never" nodeType="tmRoot"/>
+      </p:par>
+    </p:tnLst>
+  </p:timing>
 </p:sld>
 </file>
 
@@ -4885,166 +7980,264 @@
             <p:ph type="title"/>
           </p:nvPr>
         </p:nvSpPr>
-        <p:spPr/>
+        <p:spPr>
+          <a:xfrm>
+            <a:off x="599542" y="144600"/>
+            <a:ext cx="10515600" cy="1325563"/>
+          </a:xfrm>
+        </p:spPr>
         <p:txBody>
           <a:bodyPr/>
           <a:lstStyle/>
           <a:p>
             <a:r>
-              <a:rPr lang="en-GB" dirty="0"/>
-              <a:t>Word count (</a:t>
-            </a:r>
-            <a:r>
-              <a:rPr lang="en-GB" dirty="0" err="1"/>
-              <a:t>exemplul</a:t>
-            </a:r>
-            <a:r>
-              <a:rPr lang="en-GB" dirty="0"/>
-              <a:t> </a:t>
-            </a:r>
-            <a:r>
-              <a:rPr lang="en-GB" dirty="0" err="1"/>
-              <a:t>tipic</a:t>
-            </a:r>
-            <a:r>
-              <a:rPr lang="en-GB" dirty="0"/>
-              <a:t>) demo</a:t>
-            </a:r>
-            <a:br>
-              <a:rPr lang="en-GB" dirty="0"/>
-            </a:br>
+              <a:rPr lang="en-GB" dirty="0" err="1" smtClean="0"/>
+              <a:t>Procesarea</a:t>
+            </a:r>
+            <a:r>
+              <a:rPr lang="en-GB" dirty="0" smtClean="0"/>
+              <a:t> </a:t>
+            </a:r>
+            <a:r>
+              <a:rPr lang="en-GB" dirty="0" err="1" smtClean="0"/>
+              <a:t>datelor</a:t>
+            </a:r>
             <a:endParaRPr lang="en-GB" dirty="0"/>
           </a:p>
         </p:txBody>
       </p:sp>
-      <p:sp>
-        <p:nvSpPr>
-          <p:cNvPr id="3" name="Content Placeholder 2"/>
-          <p:cNvSpPr>
-            <a:spLocks noGrp="1"/>
-          </p:cNvSpPr>
-          <p:nvPr>
-            <p:ph idx="1"/>
-          </p:nvPr>
-        </p:nvSpPr>
-        <p:spPr/>
-        <p:txBody>
-          <a:bodyPr/>
-          <a:lstStyle/>
-          <a:p>
-            <a:pPr marL="457200" lvl="1" indent="0">
-              <a:buNone/>
+      <p:pic>
+        <p:nvPicPr>
+          <p:cNvPr id="4" name="Picture 3"/>
+          <p:cNvPicPr>
+            <a:picLocks noChangeAspect="1"/>
+          </p:cNvPicPr>
+          <p:nvPr/>
+        </p:nvPicPr>
+        <p:blipFill>
+          <a:blip r:embed="rId2">
+            <a:extLst>
+              <a:ext uri="{28A0092B-C50C-407E-A947-70E740481C1C}">
+                <a14:useLocalDpi xmlns:a14="http://schemas.microsoft.com/office/drawing/2010/main" val="0"/>
+              </a:ext>
+            </a:extLst>
+          </a:blip>
+          <a:stretch>
+            <a:fillRect/>
+          </a:stretch>
+        </p:blipFill>
+        <p:spPr>
+          <a:xfrm>
+            <a:off x="977900" y="1515081"/>
+            <a:ext cx="2730500" cy="2558554"/>
+          </a:xfrm>
+          <a:prstGeom prst="snip2DiagRect">
+            <a:avLst/>
+          </a:prstGeom>
+          <a:solidFill>
+            <a:srgbClr val="FFFFFF">
+              <a:shade val="85000"/>
+            </a:srgbClr>
+          </a:solidFill>
+          <a:ln w="88900" cap="sq">
+            <a:solidFill>
+              <a:srgbClr val="FFFFFF"/>
+            </a:solidFill>
+            <a:miter lim="800000"/>
+          </a:ln>
+          <a:effectLst>
+            <a:outerShdw blurRad="88900" algn="tl" rotWithShape="0">
+              <a:srgbClr val="000000">
+                <a:alpha val="45000"/>
+              </a:srgbClr>
+            </a:outerShdw>
+          </a:effectLst>
+          <a:scene3d>
+            <a:camera prst="orthographicFront"/>
+            <a:lightRig rig="twoPt" dir="t">
+              <a:rot lat="0" lon="0" rev="7200000"/>
+            </a:lightRig>
+          </a:scene3d>
+          <a:sp3d>
+            <a:bevelT w="25400" h="19050"/>
+            <a:contourClr>
+              <a:srgbClr val="FFFFFF"/>
+            </a:contourClr>
+          </a:sp3d>
+        </p:spPr>
+      </p:pic>
+      <p:pic>
+        <p:nvPicPr>
+          <p:cNvPr id="5" name="Picture 4"/>
+          <p:cNvPicPr>
+            <a:picLocks noChangeAspect="1"/>
+          </p:cNvPicPr>
+          <p:nvPr/>
+        </p:nvPicPr>
+        <p:blipFill>
+          <a:blip r:embed="rId3">
+            <a:extLst>
+              <a:ext uri="{28A0092B-C50C-407E-A947-70E740481C1C}">
+                <a14:useLocalDpi xmlns:a14="http://schemas.microsoft.com/office/drawing/2010/main" val="0"/>
+              </a:ext>
+            </a:extLst>
+          </a:blip>
+          <a:stretch>
+            <a:fillRect/>
+          </a:stretch>
+        </p:blipFill>
+        <p:spPr>
+          <a:xfrm>
+            <a:off x="977900" y="4394200"/>
+            <a:ext cx="3389933" cy="2133600"/>
+          </a:xfrm>
+          <a:prstGeom prst="snip2DiagRect">
+            <a:avLst/>
+          </a:prstGeom>
+          <a:solidFill>
+            <a:srgbClr val="FFFFFF">
+              <a:shade val="85000"/>
+            </a:srgbClr>
+          </a:solidFill>
+          <a:ln w="88900" cap="sq">
+            <a:solidFill>
+              <a:srgbClr val="FFFFFF"/>
+            </a:solidFill>
+            <a:miter lim="800000"/>
+          </a:ln>
+          <a:effectLst>
+            <a:outerShdw blurRad="88900" algn="tl" rotWithShape="0">
+              <a:srgbClr val="000000">
+                <a:alpha val="45000"/>
+              </a:srgbClr>
+            </a:outerShdw>
+          </a:effectLst>
+          <a:scene3d>
+            <a:camera prst="orthographicFront"/>
+            <a:lightRig rig="twoPt" dir="t">
+              <a:rot lat="0" lon="0" rev="7200000"/>
+            </a:lightRig>
+          </a:scene3d>
+          <a:sp3d>
+            <a:bevelT w="25400" h="19050"/>
+            <a:contourClr>
+              <a:srgbClr val="FFFFFF"/>
+            </a:contourClr>
+          </a:sp3d>
+        </p:spPr>
+      </p:pic>
+      <p:pic>
+        <p:nvPicPr>
+          <p:cNvPr id="6" name="Picture 5"/>
+          <p:cNvPicPr>
+            <a:picLocks noChangeAspect="1"/>
+          </p:cNvPicPr>
+          <p:nvPr/>
+        </p:nvPicPr>
+        <p:blipFill>
+          <a:blip r:embed="rId4">
+            <a:extLst>
+              <a:ext uri="{28A0092B-C50C-407E-A947-70E740481C1C}">
+                <a14:useLocalDpi xmlns:a14="http://schemas.microsoft.com/office/drawing/2010/main" val="0"/>
+              </a:ext>
+            </a:extLst>
+          </a:blip>
+          <a:stretch>
+            <a:fillRect/>
+          </a:stretch>
+        </p:blipFill>
+        <p:spPr>
+          <a:xfrm>
+            <a:off x="6015231" y="1664782"/>
+            <a:ext cx="3961272" cy="3796218"/>
+          </a:xfrm>
+          <a:prstGeom prst="snip2DiagRect">
+            <a:avLst/>
+          </a:prstGeom>
+          <a:solidFill>
+            <a:srgbClr val="FFFFFF">
+              <a:shade val="85000"/>
+            </a:srgbClr>
+          </a:solidFill>
+          <a:ln w="88900" cap="sq">
+            <a:solidFill>
+              <a:srgbClr val="FFFFFF"/>
+            </a:solidFill>
+            <a:miter lim="800000"/>
+          </a:ln>
+          <a:effectLst>
+            <a:outerShdw blurRad="88900" algn="tl" rotWithShape="0">
+              <a:srgbClr val="000000">
+                <a:alpha val="45000"/>
+              </a:srgbClr>
+            </a:outerShdw>
+          </a:effectLst>
+          <a:scene3d>
+            <a:camera prst="orthographicFront"/>
+            <a:lightRig rig="twoPt" dir="t">
+              <a:rot lat="0" lon="0" rev="7200000"/>
+            </a:lightRig>
+          </a:scene3d>
+          <a:sp3d>
+            <a:bevelT w="25400" h="19050"/>
+            <a:contourClr>
+              <a:srgbClr val="FFFFFF"/>
+            </a:contourClr>
+          </a:sp3d>
+        </p:spPr>
+      </p:pic>
+      <p:sp>
+        <p:nvSpPr>
+          <p:cNvPr id="8" name="TextBox 7"/>
+          <p:cNvSpPr txBox="1"/>
+          <p:nvPr/>
+        </p:nvSpPr>
+        <p:spPr>
+          <a:xfrm>
+            <a:off x="7000322" y="6019832"/>
+            <a:ext cx="2838994" cy="646331"/>
+          </a:xfrm>
+          <a:prstGeom prst="rect">
+            <a:avLst/>
+          </a:prstGeom>
+          <a:noFill/>
+        </p:spPr>
+        <p:txBody>
+          <a:bodyPr wrap="square" rtlCol="0">
+            <a:spAutoFit/>
+          </a:bodyPr>
+          <a:lstStyle/>
+          <a:p>
+            <a:pPr marL="285750" indent="-285750">
+              <a:buFont typeface="Arial" panose="020B0604020202020204" pitchFamily="34" charset="0"/>
+              <a:buChar char="•"/>
             </a:pPr>
             <a:r>
-              <a:rPr lang="en-GB" dirty="0" err="1" smtClean="0"/>
-              <a:t>sa</a:t>
-            </a:r>
-            <a:r>
-              <a:rPr lang="en-GB" dirty="0" smtClean="0"/>
-              <a:t> </a:t>
-            </a:r>
-            <a:r>
-              <a:rPr lang="en-GB" dirty="0"/>
-              <a:t>pun </a:t>
-            </a:r>
-            <a:r>
-              <a:rPr lang="en-GB" dirty="0" err="1"/>
-              <a:t>mai</a:t>
-            </a:r>
-            <a:r>
-              <a:rPr lang="en-GB" dirty="0"/>
-              <a:t> </a:t>
-            </a:r>
-            <a:r>
-              <a:rPr lang="en-GB" dirty="0" err="1"/>
-              <a:t>multe</a:t>
-            </a:r>
-            <a:r>
-              <a:rPr lang="en-GB" dirty="0"/>
-              <a:t> </a:t>
-            </a:r>
-            <a:r>
-              <a:rPr lang="en-GB" dirty="0" err="1"/>
-              <a:t>actiuni</a:t>
-            </a:r>
-            <a:r>
-              <a:rPr lang="en-GB" dirty="0"/>
-              <a:t> </a:t>
-            </a:r>
-            <a:r>
-              <a:rPr lang="en-GB" dirty="0" err="1"/>
-              <a:t>pe</a:t>
-            </a:r>
-            <a:r>
-              <a:rPr lang="en-GB" dirty="0"/>
-              <a:t> </a:t>
-            </a:r>
-            <a:r>
-              <a:rPr lang="en-GB" dirty="0" err="1"/>
-              <a:t>acelasi</a:t>
-            </a:r>
-            <a:r>
-              <a:rPr lang="en-GB" dirty="0"/>
-              <a:t> </a:t>
-            </a:r>
-            <a:r>
-              <a:rPr lang="en-GB" dirty="0" err="1"/>
-              <a:t>rdd</a:t>
-            </a:r>
-            <a:r>
-              <a:rPr lang="en-GB" dirty="0"/>
-              <a:t> (se </a:t>
-            </a:r>
-            <a:r>
-              <a:rPr lang="en-GB" dirty="0" err="1"/>
-              <a:t>va</a:t>
-            </a:r>
-            <a:r>
-              <a:rPr lang="en-GB" dirty="0"/>
-              <a:t> </a:t>
-            </a:r>
-            <a:r>
-              <a:rPr lang="en-GB" dirty="0" err="1"/>
-              <a:t>calcula</a:t>
-            </a:r>
-            <a:r>
-              <a:rPr lang="en-GB" dirty="0"/>
-              <a:t> </a:t>
-            </a:r>
-            <a:r>
-              <a:rPr lang="en-GB" dirty="0" err="1"/>
-              <a:t>totul</a:t>
-            </a:r>
-            <a:r>
-              <a:rPr lang="en-GB" dirty="0"/>
-              <a:t> de </a:t>
-            </a:r>
-            <a:r>
-              <a:rPr lang="en-GB" dirty="0" err="1"/>
-              <a:t>mai</a:t>
-            </a:r>
-            <a:r>
-              <a:rPr lang="en-GB" dirty="0"/>
-              <a:t> </a:t>
-            </a:r>
-            <a:r>
-              <a:rPr lang="en-GB" dirty="0" err="1"/>
-              <a:t>multe</a:t>
-            </a:r>
-            <a:r>
-              <a:rPr lang="en-GB" dirty="0"/>
-              <a:t> </a:t>
-            </a:r>
-            <a:r>
-              <a:rPr lang="en-GB" dirty="0" err="1"/>
-              <a:t>ori</a:t>
-            </a:r>
-            <a:r>
-              <a:rPr lang="en-GB" dirty="0"/>
-              <a:t>)</a:t>
-            </a:r>
-          </a:p>
-          <a:p>
+              <a:rPr lang="en-GB" dirty="0" smtClean="0"/>
+              <a:t>O </a:t>
+            </a:r>
+            <a:r>
+              <a:rPr lang="en-GB" dirty="0" err="1" smtClean="0"/>
+              <a:t>masina</a:t>
+            </a:r>
+            <a:r>
+              <a:rPr lang="en-GB" dirty="0" smtClean="0"/>
+              <a:t> cade</a:t>
+            </a:r>
+          </a:p>
+          <a:p>
+            <a:pPr marL="285750" indent="-285750">
+              <a:buFont typeface="Arial" panose="020B0604020202020204" pitchFamily="34" charset="0"/>
+              <a:buChar char="•"/>
+            </a:pPr>
+            <a:r>
+              <a:rPr lang="en-GB" dirty="0" err="1" smtClean="0"/>
+              <a:t>Latenta</a:t>
+            </a:r>
+            <a:r>
+              <a:rPr lang="en-GB" dirty="0" smtClean="0"/>
+              <a:t> </a:t>
+            </a:r>
             <a:endParaRPr lang="en-GB" dirty="0"/>
           </a:p>
         </p:txBody>
@@ -5052,13 +8245,20 @@
     </p:spTree>
     <p:extLst>
       <p:ext uri="{BB962C8B-B14F-4D97-AF65-F5344CB8AC3E}">
-        <p14:creationId xmlns:p14="http://schemas.microsoft.com/office/powerpoint/2010/main" val="4261092623"/>
+        <p14:creationId xmlns:p14="http://schemas.microsoft.com/office/powerpoint/2010/main" val="631021761"/>
       </p:ext>
     </p:extLst>
   </p:cSld>
   <p:clrMapOvr>
     <a:masterClrMapping/>
   </p:clrMapOvr>
+  <p:timing>
+    <p:tnLst>
+      <p:par>
+        <p:cTn id="1" dur="indefinite" restart="never" nodeType="tmRoot"/>
+      </p:par>
+    </p:tnLst>
+  </p:timing>
 </p:sld>
 </file>
 
@@ -5094,243 +8294,93 @@
           <a:bodyPr/>
           <a:lstStyle/>
           <a:p>
-            <a:endParaRPr lang="en-GB"/>
-          </a:p>
-        </p:txBody>
-      </p:sp>
-      <p:sp>
-        <p:nvSpPr>
-          <p:cNvPr id="3" name="Content Placeholder 2"/>
-          <p:cNvSpPr>
-            <a:spLocks noGrp="1"/>
-          </p:cNvSpPr>
+            <a:r>
+              <a:rPr lang="en-GB" dirty="0" smtClean="0"/>
+              <a:t>RDD</a:t>
+            </a:r>
+            <a:endParaRPr lang="en-GB" dirty="0"/>
+          </a:p>
+        </p:txBody>
+      </p:sp>
+      <p:pic>
+        <p:nvPicPr>
+          <p:cNvPr id="4" name="Content Placeholder 3"/>
+          <p:cNvPicPr>
+            <a:picLocks noGrp="1" noChangeAspect="1"/>
+          </p:cNvPicPr>
           <p:nvPr>
             <p:ph idx="1"/>
           </p:nvPr>
-        </p:nvSpPr>
-        <p:spPr/>
-        <p:txBody>
-          <a:bodyPr/>
-          <a:lstStyle/>
-          <a:p>
-            <a:r>
-              <a:rPr lang="en-GB" dirty="0"/>
-              <a:t>map/ </a:t>
-            </a:r>
-            <a:r>
-              <a:rPr lang="en-GB" dirty="0" err="1"/>
-              <a:t>flatMap</a:t>
-            </a:r>
-            <a:r>
-              <a:rPr lang="en-GB" dirty="0"/>
-              <a:t>/ </a:t>
-            </a:r>
-            <a:r>
-              <a:rPr lang="en-GB" dirty="0" err="1"/>
-              <a:t>reducebyKey</a:t>
-            </a:r>
-            <a:r>
-              <a:rPr lang="en-GB" dirty="0"/>
-              <a:t>/ </a:t>
-            </a:r>
-            <a:r>
-              <a:rPr lang="en-GB" dirty="0" err="1"/>
-              <a:t>aggregateByKey</a:t>
-            </a:r>
-            <a:r>
-              <a:rPr lang="en-GB" dirty="0"/>
-              <a:t>/ </a:t>
-            </a:r>
-            <a:r>
-              <a:rPr lang="en-GB" dirty="0" err="1"/>
-              <a:t>groupByKey</a:t>
-            </a:r>
-            <a:r>
-              <a:rPr lang="en-GB" dirty="0"/>
-              <a:t> etc.</a:t>
-            </a:r>
-          </a:p>
-          <a:p>
-            <a:pPr lvl="1"/>
-            <a:r>
-              <a:rPr lang="en-GB" dirty="0"/>
-              <a:t>de </a:t>
-            </a:r>
-            <a:r>
-              <a:rPr lang="en-GB" dirty="0" err="1"/>
-              <a:t>ce</a:t>
-            </a:r>
-            <a:r>
-              <a:rPr lang="en-GB" dirty="0"/>
-              <a:t> nu e bine </a:t>
-            </a:r>
-            <a:r>
-              <a:rPr lang="en-GB" dirty="0" err="1"/>
-              <a:t>sa</a:t>
-            </a:r>
-            <a:r>
-              <a:rPr lang="en-GB" dirty="0"/>
-              <a:t> </a:t>
-            </a:r>
-            <a:r>
-              <a:rPr lang="en-GB" dirty="0" err="1"/>
-              <a:t>folosesti</a:t>
-            </a:r>
-            <a:r>
-              <a:rPr lang="en-GB" dirty="0"/>
-              <a:t> </a:t>
-            </a:r>
-            <a:r>
-              <a:rPr lang="en-GB" dirty="0" err="1" smtClean="0"/>
-              <a:t>grouoByKey</a:t>
-            </a:r>
-            <a:endParaRPr lang="en-GB" dirty="0" smtClean="0"/>
-          </a:p>
-          <a:p>
-            <a:pPr lvl="1"/>
-            <a:r>
-              <a:rPr lang="en-GB" dirty="0"/>
-              <a:t>map vs </a:t>
-            </a:r>
-            <a:r>
-              <a:rPr lang="en-GB" dirty="0" err="1"/>
-              <a:t>mapValues</a:t>
-            </a:r>
-            <a:endParaRPr lang="en-GB" dirty="0" smtClean="0"/>
-          </a:p>
-          <a:p>
-            <a:r>
-              <a:rPr lang="en-GB" dirty="0" smtClean="0"/>
-              <a:t>narrow </a:t>
-            </a:r>
-            <a:r>
-              <a:rPr lang="en-GB" dirty="0"/>
-              <a:t>shuffle / wide shuffle</a:t>
-            </a:r>
-          </a:p>
-          <a:p>
-            <a:r>
-              <a:rPr lang="en-GB" dirty="0" smtClean="0"/>
-              <a:t>Ce </a:t>
-            </a:r>
-            <a:r>
-              <a:rPr lang="en-GB" dirty="0"/>
-              <a:t>e un DAG</a:t>
-            </a:r>
-            <a:r>
-              <a:rPr lang="en-GB" dirty="0" smtClean="0"/>
-              <a:t>?</a:t>
-            </a:r>
-          </a:p>
-          <a:p>
-            <a:endParaRPr lang="en-GB" dirty="0" smtClean="0"/>
-          </a:p>
-          <a:p>
-            <a:r>
-              <a:rPr lang="en-GB" dirty="0" smtClean="0"/>
-              <a:t>A </a:t>
-            </a:r>
-            <a:r>
-              <a:rPr lang="en-GB" dirty="0" err="1" smtClean="0"/>
-              <a:t>fost</a:t>
-            </a:r>
-            <a:r>
-              <a:rPr lang="en-GB" dirty="0" smtClean="0"/>
-              <a:t> </a:t>
-            </a:r>
-            <a:r>
-              <a:rPr lang="en-GB" dirty="0" err="1" smtClean="0"/>
-              <a:t>creat</a:t>
-            </a:r>
-            <a:r>
-              <a:rPr lang="en-GB" dirty="0" smtClean="0"/>
-              <a:t> API-</a:t>
-            </a:r>
-            <a:r>
-              <a:rPr lang="en-GB" dirty="0" err="1" smtClean="0"/>
-              <a:t>ul</a:t>
-            </a:r>
-            <a:r>
-              <a:rPr lang="en-GB" dirty="0" smtClean="0"/>
-              <a:t> </a:t>
-            </a:r>
-            <a:r>
-              <a:rPr lang="en-GB" dirty="0" err="1" smtClean="0"/>
-              <a:t>pentru</a:t>
-            </a:r>
-            <a:r>
-              <a:rPr lang="en-GB" dirty="0" smtClean="0"/>
-              <a:t> </a:t>
-            </a:r>
-            <a:r>
-              <a:rPr lang="en-GB" dirty="0" err="1" smtClean="0"/>
-              <a:t>DataFrame-uri</a:t>
-            </a:r>
-            <a:r>
-              <a:rPr lang="en-GB" dirty="0" smtClean="0"/>
-              <a:t> =&gt; </a:t>
-            </a:r>
-            <a:r>
-              <a:rPr lang="en-GB" dirty="0" err="1" smtClean="0"/>
-              <a:t>Optimizeaza</a:t>
-            </a:r>
-            <a:r>
-              <a:rPr lang="en-GB" dirty="0" smtClean="0"/>
-              <a:t> el </a:t>
-            </a:r>
-            <a:r>
-              <a:rPr lang="en-GB" dirty="0" err="1" smtClean="0"/>
-              <a:t>codul</a:t>
-            </a:r>
-            <a:r>
-              <a:rPr lang="en-GB" dirty="0" smtClean="0"/>
-              <a:t> </a:t>
-            </a:r>
-            <a:r>
-              <a:rPr lang="en-GB" dirty="0" err="1" smtClean="0"/>
-              <a:t>pentru</a:t>
-            </a:r>
-            <a:r>
-              <a:rPr lang="en-GB" dirty="0" smtClean="0"/>
-              <a:t> </a:t>
-            </a:r>
-            <a:r>
-              <a:rPr lang="en-GB" dirty="0" err="1" smtClean="0"/>
-              <a:t>noi</a:t>
-            </a:r>
-            <a:r>
-              <a:rPr lang="en-GB" dirty="0" smtClean="0"/>
-              <a:t>, exact cum se </a:t>
-            </a:r>
-            <a:r>
-              <a:rPr lang="en-GB" dirty="0" err="1" smtClean="0"/>
-              <a:t>intampla</a:t>
-            </a:r>
-            <a:r>
-              <a:rPr lang="en-GB" dirty="0" smtClean="0"/>
-              <a:t> in </a:t>
-            </a:r>
-            <a:r>
-              <a:rPr lang="en-GB" dirty="0" err="1" smtClean="0"/>
-              <a:t>cazul</a:t>
-            </a:r>
-            <a:r>
-              <a:rPr lang="en-GB" dirty="0" smtClean="0"/>
-              <a:t> SQL</a:t>
-            </a:r>
-          </a:p>
-        </p:txBody>
-      </p:sp>
+        </p:nvPicPr>
+        <p:blipFill>
+          <a:blip r:embed="rId2">
+            <a:extLst>
+              <a:ext uri="{28A0092B-C50C-407E-A947-70E740481C1C}">
+                <a14:useLocalDpi xmlns:a14="http://schemas.microsoft.com/office/drawing/2010/main" val="0"/>
+              </a:ext>
+            </a:extLst>
+          </a:blip>
+          <a:stretch>
+            <a:fillRect/>
+          </a:stretch>
+        </p:blipFill>
+        <p:spPr>
+          <a:xfrm>
+            <a:off x="3203641" y="1690688"/>
+            <a:ext cx="4353250" cy="4189712"/>
+          </a:xfrm>
+          <a:prstGeom prst="snip2DiagRect">
+            <a:avLst/>
+          </a:prstGeom>
+          <a:solidFill>
+            <a:srgbClr val="FFFFFF">
+              <a:shade val="85000"/>
+            </a:srgbClr>
+          </a:solidFill>
+          <a:ln w="88900" cap="sq">
+            <a:solidFill>
+              <a:srgbClr val="FFFFFF"/>
+            </a:solidFill>
+            <a:miter lim="800000"/>
+          </a:ln>
+          <a:effectLst>
+            <a:outerShdw blurRad="88900" algn="tl" rotWithShape="0">
+              <a:srgbClr val="000000">
+                <a:alpha val="45000"/>
+              </a:srgbClr>
+            </a:outerShdw>
+          </a:effectLst>
+          <a:scene3d>
+            <a:camera prst="orthographicFront"/>
+            <a:lightRig rig="twoPt" dir="t">
+              <a:rot lat="0" lon="0" rev="7200000"/>
+            </a:lightRig>
+          </a:scene3d>
+          <a:sp3d>
+            <a:bevelT w="25400" h="19050"/>
+            <a:contourClr>
+              <a:srgbClr val="FFFFFF"/>
+            </a:contourClr>
+          </a:sp3d>
+        </p:spPr>
+      </p:pic>
     </p:spTree>
     <p:extLst>
       <p:ext uri="{BB962C8B-B14F-4D97-AF65-F5344CB8AC3E}">
-        <p14:creationId xmlns:p14="http://schemas.microsoft.com/office/powerpoint/2010/main" val="125662748"/>
+        <p14:creationId xmlns:p14="http://schemas.microsoft.com/office/powerpoint/2010/main" val="556526400"/>
       </p:ext>
     </p:extLst>
   </p:cSld>
   <p:clrMapOvr>
     <a:masterClrMapping/>
   </p:clrMapOvr>
+  <p:timing>
+    <p:tnLst>
+      <p:par>
+        <p:cTn id="1" dur="indefinite" restart="never" nodeType="tmRoot"/>
+      </p:par>
+    </p:tnLst>
+  </p:timing>
 </p:sld>
 </file>
 

--- a/scala-spark.pptx
+++ b/scala-spark.pptx
@@ -15,17 +15,18 @@
     <p:sldId id="268" r:id="rId9"/>
     <p:sldId id="279" r:id="rId10"/>
     <p:sldId id="263" r:id="rId11"/>
-    <p:sldId id="258" r:id="rId12"/>
-    <p:sldId id="267" r:id="rId13"/>
-    <p:sldId id="270" r:id="rId14"/>
-    <p:sldId id="271" r:id="rId15"/>
-    <p:sldId id="273" r:id="rId16"/>
+    <p:sldId id="283" r:id="rId12"/>
+    <p:sldId id="270" r:id="rId13"/>
+    <p:sldId id="267" r:id="rId14"/>
+    <p:sldId id="285" r:id="rId15"/>
+    <p:sldId id="288" r:id="rId16"/>
     <p:sldId id="260" r:id="rId17"/>
-    <p:sldId id="274" r:id="rId18"/>
-    <p:sldId id="275" r:id="rId19"/>
+    <p:sldId id="289" r:id="rId18"/>
+    <p:sldId id="290" r:id="rId19"/>
     <p:sldId id="261" r:id="rId20"/>
     <p:sldId id="281" r:id="rId21"/>
-    <p:sldId id="277" r:id="rId22"/>
+    <p:sldId id="293" r:id="rId22"/>
+    <p:sldId id="277" r:id="rId23"/>
   </p:sldIdLst>
   <p:sldSz cx="12192000" cy="6858000"/>
   <p:notesSz cx="6858000" cy="9144000"/>
@@ -130,6 +131,2702 @@
     </p:ext>
   </p:extLst>
 </p:presentation>
+</file>
+
+<file path=ppt/diagrams/colors1.xml><?xml version="1.0" encoding="utf-8"?>
+<dgm:colorsDef xmlns:dgm="http://schemas.openxmlformats.org/drawingml/2006/diagram" xmlns:a="http://schemas.openxmlformats.org/drawingml/2006/main" uniqueId="urn:microsoft.com/office/officeart/2005/8/colors/accent1_2">
+  <dgm:title val=""/>
+  <dgm:desc val=""/>
+  <dgm:catLst>
+    <dgm:cat type="accent1" pri="11200"/>
+  </dgm:catLst>
+  <dgm:styleLbl name="node0">
+    <dgm:fillClrLst meth="repeat">
+      <a:schemeClr val="accent1"/>
+    </dgm:fillClrLst>
+    <dgm:linClrLst meth="repeat">
+      <a:schemeClr val="lt1"/>
+    </dgm:linClrLst>
+    <dgm:effectClrLst/>
+    <dgm:txLinClrLst/>
+    <dgm:txFillClrLst/>
+    <dgm:txEffectClrLst/>
+  </dgm:styleLbl>
+  <dgm:styleLbl name="alignNode1">
+    <dgm:fillClrLst meth="repeat">
+      <a:schemeClr val="accent1"/>
+    </dgm:fillClrLst>
+    <dgm:linClrLst meth="repeat">
+      <a:schemeClr val="accent1"/>
+    </dgm:linClrLst>
+    <dgm:effectClrLst/>
+    <dgm:txLinClrLst/>
+    <dgm:txFillClrLst/>
+    <dgm:txEffectClrLst/>
+  </dgm:styleLbl>
+  <dgm:styleLbl name="node1">
+    <dgm:fillClrLst meth="repeat">
+      <a:schemeClr val="accent1"/>
+    </dgm:fillClrLst>
+    <dgm:linClrLst meth="repeat">
+      <a:schemeClr val="lt1"/>
+    </dgm:linClrLst>
+    <dgm:effectClrLst/>
+    <dgm:txLinClrLst/>
+    <dgm:txFillClrLst/>
+    <dgm:txEffectClrLst/>
+  </dgm:styleLbl>
+  <dgm:styleLbl name="lnNode1">
+    <dgm:fillClrLst meth="repeat">
+      <a:schemeClr val="accent1"/>
+    </dgm:fillClrLst>
+    <dgm:linClrLst meth="repeat">
+      <a:schemeClr val="lt1"/>
+    </dgm:linClrLst>
+    <dgm:effectClrLst/>
+    <dgm:txLinClrLst/>
+    <dgm:txFillClrLst/>
+    <dgm:txEffectClrLst/>
+  </dgm:styleLbl>
+  <dgm:styleLbl name="vennNode1">
+    <dgm:fillClrLst meth="repeat">
+      <a:schemeClr val="accent1">
+        <a:alpha val="50000"/>
+      </a:schemeClr>
+    </dgm:fillClrLst>
+    <dgm:linClrLst meth="repeat">
+      <a:schemeClr val="lt1"/>
+    </dgm:linClrLst>
+    <dgm:effectClrLst/>
+    <dgm:txLinClrLst/>
+    <dgm:txFillClrLst/>
+    <dgm:txEffectClrLst/>
+  </dgm:styleLbl>
+  <dgm:styleLbl name="node2">
+    <dgm:fillClrLst meth="repeat">
+      <a:schemeClr val="accent1"/>
+    </dgm:fillClrLst>
+    <dgm:linClrLst meth="repeat">
+      <a:schemeClr val="lt1"/>
+    </dgm:linClrLst>
+    <dgm:effectClrLst/>
+    <dgm:txLinClrLst/>
+    <dgm:txFillClrLst/>
+    <dgm:txEffectClrLst/>
+  </dgm:styleLbl>
+  <dgm:styleLbl name="node3">
+    <dgm:fillClrLst meth="repeat">
+      <a:schemeClr val="accent1"/>
+    </dgm:fillClrLst>
+    <dgm:linClrLst meth="repeat">
+      <a:schemeClr val="lt1"/>
+    </dgm:linClrLst>
+    <dgm:effectClrLst/>
+    <dgm:txLinClrLst/>
+    <dgm:txFillClrLst/>
+    <dgm:txEffectClrLst/>
+  </dgm:styleLbl>
+  <dgm:styleLbl name="node4">
+    <dgm:fillClrLst meth="repeat">
+      <a:schemeClr val="accent1"/>
+    </dgm:fillClrLst>
+    <dgm:linClrLst meth="repeat">
+      <a:schemeClr val="lt1"/>
+    </dgm:linClrLst>
+    <dgm:effectClrLst/>
+    <dgm:txLinClrLst/>
+    <dgm:txFillClrLst/>
+    <dgm:txEffectClrLst/>
+  </dgm:styleLbl>
+  <dgm:styleLbl name="fgImgPlace1">
+    <dgm:fillClrLst meth="repeat">
+      <a:schemeClr val="accent1">
+        <a:tint val="50000"/>
+      </a:schemeClr>
+    </dgm:fillClrLst>
+    <dgm:linClrLst meth="repeat">
+      <a:schemeClr val="lt1"/>
+    </dgm:linClrLst>
+    <dgm:effectClrLst/>
+    <dgm:txLinClrLst/>
+    <dgm:txFillClrLst meth="repeat">
+      <a:schemeClr val="lt1"/>
+    </dgm:txFillClrLst>
+    <dgm:txEffectClrLst/>
+  </dgm:styleLbl>
+  <dgm:styleLbl name="alignImgPlace1">
+    <dgm:fillClrLst meth="repeat">
+      <a:schemeClr val="accent1">
+        <a:tint val="50000"/>
+      </a:schemeClr>
+    </dgm:fillClrLst>
+    <dgm:linClrLst meth="repeat">
+      <a:schemeClr val="lt1"/>
+    </dgm:linClrLst>
+    <dgm:effectClrLst/>
+    <dgm:txLinClrLst/>
+    <dgm:txFillClrLst meth="repeat">
+      <a:schemeClr val="lt1"/>
+    </dgm:txFillClrLst>
+    <dgm:txEffectClrLst/>
+  </dgm:styleLbl>
+  <dgm:styleLbl name="bgImgPlace1">
+    <dgm:fillClrLst meth="repeat">
+      <a:schemeClr val="accent1">
+        <a:tint val="50000"/>
+      </a:schemeClr>
+    </dgm:fillClrLst>
+    <dgm:linClrLst meth="repeat">
+      <a:schemeClr val="lt1"/>
+    </dgm:linClrLst>
+    <dgm:effectClrLst/>
+    <dgm:txLinClrLst/>
+    <dgm:txFillClrLst meth="repeat">
+      <a:schemeClr val="lt1"/>
+    </dgm:txFillClrLst>
+    <dgm:txEffectClrLst/>
+  </dgm:styleLbl>
+  <dgm:styleLbl name="sibTrans2D1">
+    <dgm:fillClrLst meth="repeat">
+      <a:schemeClr val="accent1">
+        <a:tint val="60000"/>
+      </a:schemeClr>
+    </dgm:fillClrLst>
+    <dgm:linClrLst meth="repeat">
+      <a:schemeClr val="accent1">
+        <a:tint val="60000"/>
+      </a:schemeClr>
+    </dgm:linClrLst>
+    <dgm:effectClrLst/>
+    <dgm:txLinClrLst/>
+    <dgm:txFillClrLst/>
+    <dgm:txEffectClrLst/>
+  </dgm:styleLbl>
+  <dgm:styleLbl name="fgSibTrans2D1">
+    <dgm:fillClrLst meth="repeat">
+      <a:schemeClr val="accent1">
+        <a:tint val="60000"/>
+      </a:schemeClr>
+    </dgm:fillClrLst>
+    <dgm:linClrLst meth="repeat">
+      <a:schemeClr val="accent1">
+        <a:tint val="60000"/>
+      </a:schemeClr>
+    </dgm:linClrLst>
+    <dgm:effectClrLst/>
+    <dgm:txLinClrLst/>
+    <dgm:txFillClrLst/>
+    <dgm:txEffectClrLst/>
+  </dgm:styleLbl>
+  <dgm:styleLbl name="bgSibTrans2D1">
+    <dgm:fillClrLst meth="repeat">
+      <a:schemeClr val="accent1">
+        <a:tint val="60000"/>
+      </a:schemeClr>
+    </dgm:fillClrLst>
+    <dgm:linClrLst meth="repeat">
+      <a:schemeClr val="accent1">
+        <a:tint val="60000"/>
+      </a:schemeClr>
+    </dgm:linClrLst>
+    <dgm:effectClrLst/>
+    <dgm:txLinClrLst/>
+    <dgm:txFillClrLst/>
+    <dgm:txEffectClrLst/>
+  </dgm:styleLbl>
+  <dgm:styleLbl name="sibTrans1D1">
+    <dgm:fillClrLst meth="repeat">
+      <a:schemeClr val="accent1"/>
+    </dgm:fillClrLst>
+    <dgm:linClrLst meth="repeat">
+      <a:schemeClr val="accent1"/>
+    </dgm:linClrLst>
+    <dgm:effectClrLst/>
+    <dgm:txLinClrLst/>
+    <dgm:txFillClrLst meth="repeat">
+      <a:schemeClr val="tx1"/>
+    </dgm:txFillClrLst>
+    <dgm:txEffectClrLst/>
+  </dgm:styleLbl>
+  <dgm:styleLbl name="callout">
+    <dgm:fillClrLst meth="repeat">
+      <a:schemeClr val="accent1"/>
+    </dgm:fillClrLst>
+    <dgm:linClrLst meth="repeat">
+      <a:schemeClr val="accent1">
+        <a:tint val="50000"/>
+      </a:schemeClr>
+    </dgm:linClrLst>
+    <dgm:effectClrLst/>
+    <dgm:txLinClrLst/>
+    <dgm:txFillClrLst meth="repeat">
+      <a:schemeClr val="tx1"/>
+    </dgm:txFillClrLst>
+    <dgm:txEffectClrLst/>
+  </dgm:styleLbl>
+  <dgm:styleLbl name="asst0">
+    <dgm:fillClrLst meth="repeat">
+      <a:schemeClr val="accent1"/>
+    </dgm:fillClrLst>
+    <dgm:linClrLst meth="repeat">
+      <a:schemeClr val="lt1"/>
+    </dgm:linClrLst>
+    <dgm:effectClrLst/>
+    <dgm:txLinClrLst/>
+    <dgm:txFillClrLst/>
+    <dgm:txEffectClrLst/>
+  </dgm:styleLbl>
+  <dgm:styleLbl name="asst1">
+    <dgm:fillClrLst meth="repeat">
+      <a:schemeClr val="accent1"/>
+    </dgm:fillClrLst>
+    <dgm:linClrLst meth="repeat">
+      <a:schemeClr val="lt1"/>
+    </dgm:linClrLst>
+    <dgm:effectClrLst/>
+    <dgm:txLinClrLst/>
+    <dgm:txFillClrLst/>
+    <dgm:txEffectClrLst/>
+  </dgm:styleLbl>
+  <dgm:styleLbl name="asst2">
+    <dgm:fillClrLst meth="repeat">
+      <a:schemeClr val="accent1"/>
+    </dgm:fillClrLst>
+    <dgm:linClrLst meth="repeat">
+      <a:schemeClr val="lt1"/>
+    </dgm:linClrLst>
+    <dgm:effectClrLst/>
+    <dgm:txLinClrLst/>
+    <dgm:txFillClrLst/>
+    <dgm:txEffectClrLst/>
+  </dgm:styleLbl>
+  <dgm:styleLbl name="asst3">
+    <dgm:fillClrLst meth="repeat">
+      <a:schemeClr val="accent1"/>
+    </dgm:fillClrLst>
+    <dgm:linClrLst meth="repeat">
+      <a:schemeClr val="lt1"/>
+    </dgm:linClrLst>
+    <dgm:effectClrLst/>
+    <dgm:txLinClrLst/>
+    <dgm:txFillClrLst/>
+    <dgm:txEffectClrLst/>
+  </dgm:styleLbl>
+  <dgm:styleLbl name="asst4">
+    <dgm:fillClrLst meth="repeat">
+      <a:schemeClr val="accent1"/>
+    </dgm:fillClrLst>
+    <dgm:linClrLst meth="repeat">
+      <a:schemeClr val="lt1"/>
+    </dgm:linClrLst>
+    <dgm:effectClrLst/>
+    <dgm:txLinClrLst/>
+    <dgm:txFillClrLst/>
+    <dgm:txEffectClrLst/>
+  </dgm:styleLbl>
+  <dgm:styleLbl name="parChTrans2D1">
+    <dgm:fillClrLst meth="repeat">
+      <a:schemeClr val="accent1">
+        <a:tint val="60000"/>
+      </a:schemeClr>
+    </dgm:fillClrLst>
+    <dgm:linClrLst meth="repeat">
+      <a:schemeClr val="accent1">
+        <a:tint val="60000"/>
+      </a:schemeClr>
+    </dgm:linClrLst>
+    <dgm:effectClrLst/>
+    <dgm:txLinClrLst/>
+    <dgm:txFillClrLst meth="repeat">
+      <a:schemeClr val="lt1"/>
+    </dgm:txFillClrLst>
+    <dgm:txEffectClrLst/>
+  </dgm:styleLbl>
+  <dgm:styleLbl name="parChTrans2D2">
+    <dgm:fillClrLst meth="repeat">
+      <a:schemeClr val="accent1"/>
+    </dgm:fillClrLst>
+    <dgm:linClrLst meth="repeat">
+      <a:schemeClr val="accent1"/>
+    </dgm:linClrLst>
+    <dgm:effectClrLst/>
+    <dgm:txLinClrLst/>
+    <dgm:txFillClrLst meth="repeat">
+      <a:schemeClr val="lt1"/>
+    </dgm:txFillClrLst>
+    <dgm:txEffectClrLst/>
+  </dgm:styleLbl>
+  <dgm:styleLbl name="parChTrans2D3">
+    <dgm:fillClrLst meth="repeat">
+      <a:schemeClr val="accent1"/>
+    </dgm:fillClrLst>
+    <dgm:linClrLst meth="repeat">
+      <a:schemeClr val="accent1"/>
+    </dgm:linClrLst>
+    <dgm:effectClrLst/>
+    <dgm:txLinClrLst/>
+    <dgm:txFillClrLst meth="repeat">
+      <a:schemeClr val="lt1"/>
+    </dgm:txFillClrLst>
+    <dgm:txEffectClrLst/>
+  </dgm:styleLbl>
+  <dgm:styleLbl name="parChTrans2D4">
+    <dgm:fillClrLst meth="repeat">
+      <a:schemeClr val="accent1"/>
+    </dgm:fillClrLst>
+    <dgm:linClrLst meth="repeat">
+      <a:schemeClr val="accent1"/>
+    </dgm:linClrLst>
+    <dgm:effectClrLst/>
+    <dgm:txLinClrLst/>
+    <dgm:txFillClrLst meth="repeat">
+      <a:schemeClr val="lt1"/>
+    </dgm:txFillClrLst>
+    <dgm:txEffectClrLst/>
+  </dgm:styleLbl>
+  <dgm:styleLbl name="parChTrans1D1">
+    <dgm:fillClrLst meth="repeat">
+      <a:schemeClr val="accent1"/>
+    </dgm:fillClrLst>
+    <dgm:linClrLst meth="repeat">
+      <a:schemeClr val="accent1">
+        <a:shade val="60000"/>
+      </a:schemeClr>
+    </dgm:linClrLst>
+    <dgm:effectClrLst/>
+    <dgm:txLinClrLst/>
+    <dgm:txFillClrLst meth="repeat">
+      <a:schemeClr val="tx1"/>
+    </dgm:txFillClrLst>
+    <dgm:txEffectClrLst/>
+  </dgm:styleLbl>
+  <dgm:styleLbl name="parChTrans1D2">
+    <dgm:fillClrLst meth="repeat">
+      <a:schemeClr val="accent1"/>
+    </dgm:fillClrLst>
+    <dgm:linClrLst meth="repeat">
+      <a:schemeClr val="accent1">
+        <a:shade val="60000"/>
+      </a:schemeClr>
+    </dgm:linClrLst>
+    <dgm:effectClrLst/>
+    <dgm:txLinClrLst/>
+    <dgm:txFillClrLst meth="repeat">
+      <a:schemeClr val="tx1"/>
+    </dgm:txFillClrLst>
+    <dgm:txEffectClrLst/>
+  </dgm:styleLbl>
+  <dgm:styleLbl name="parChTrans1D3">
+    <dgm:fillClrLst meth="repeat">
+      <a:schemeClr val="accent1"/>
+    </dgm:fillClrLst>
+    <dgm:linClrLst meth="repeat">
+      <a:schemeClr val="accent1">
+        <a:shade val="80000"/>
+      </a:schemeClr>
+    </dgm:linClrLst>
+    <dgm:effectClrLst/>
+    <dgm:txLinClrLst/>
+    <dgm:txFillClrLst meth="repeat">
+      <a:schemeClr val="tx1"/>
+    </dgm:txFillClrLst>
+    <dgm:txEffectClrLst/>
+  </dgm:styleLbl>
+  <dgm:styleLbl name="parChTrans1D4">
+    <dgm:fillClrLst meth="repeat">
+      <a:schemeClr val="accent1"/>
+    </dgm:fillClrLst>
+    <dgm:linClrLst meth="repeat">
+      <a:schemeClr val="accent1">
+        <a:shade val="80000"/>
+      </a:schemeClr>
+    </dgm:linClrLst>
+    <dgm:effectClrLst/>
+    <dgm:txLinClrLst/>
+    <dgm:txFillClrLst meth="repeat">
+      <a:schemeClr val="tx1"/>
+    </dgm:txFillClrLst>
+    <dgm:txEffectClrLst/>
+  </dgm:styleLbl>
+  <dgm:styleLbl name="fgAcc1">
+    <dgm:fillClrLst meth="repeat">
+      <a:schemeClr val="lt1">
+        <a:alpha val="90000"/>
+      </a:schemeClr>
+    </dgm:fillClrLst>
+    <dgm:linClrLst meth="repeat">
+      <a:schemeClr val="accent1"/>
+    </dgm:linClrLst>
+    <dgm:effectClrLst/>
+    <dgm:txLinClrLst/>
+    <dgm:txFillClrLst meth="repeat">
+      <a:schemeClr val="dk1"/>
+    </dgm:txFillClrLst>
+    <dgm:txEffectClrLst/>
+  </dgm:styleLbl>
+  <dgm:styleLbl name="conFgAcc1">
+    <dgm:fillClrLst meth="repeat">
+      <a:schemeClr val="lt1">
+        <a:alpha val="90000"/>
+      </a:schemeClr>
+    </dgm:fillClrLst>
+    <dgm:linClrLst meth="repeat">
+      <a:schemeClr val="accent1"/>
+    </dgm:linClrLst>
+    <dgm:effectClrLst/>
+    <dgm:txLinClrLst/>
+    <dgm:txFillClrLst meth="repeat">
+      <a:schemeClr val="dk1"/>
+    </dgm:txFillClrLst>
+    <dgm:txEffectClrLst/>
+  </dgm:styleLbl>
+  <dgm:styleLbl name="alignAcc1">
+    <dgm:fillClrLst meth="repeat">
+      <a:schemeClr val="lt1">
+        <a:alpha val="90000"/>
+      </a:schemeClr>
+    </dgm:fillClrLst>
+    <dgm:linClrLst meth="repeat">
+      <a:schemeClr val="accent1"/>
+    </dgm:linClrLst>
+    <dgm:effectClrLst/>
+    <dgm:txLinClrLst/>
+    <dgm:txFillClrLst meth="repeat">
+      <a:schemeClr val="dk1"/>
+    </dgm:txFillClrLst>
+    <dgm:txEffectClrLst/>
+  </dgm:styleLbl>
+  <dgm:styleLbl name="trAlignAcc1">
+    <dgm:fillClrLst meth="repeat">
+      <a:schemeClr val="lt1">
+        <a:alpha val="40000"/>
+      </a:schemeClr>
+    </dgm:fillClrLst>
+    <dgm:linClrLst meth="repeat">
+      <a:schemeClr val="accent1"/>
+    </dgm:linClrLst>
+    <dgm:effectClrLst/>
+    <dgm:txLinClrLst/>
+    <dgm:txFillClrLst meth="repeat">
+      <a:schemeClr val="dk1"/>
+    </dgm:txFillClrLst>
+    <dgm:txEffectClrLst/>
+  </dgm:styleLbl>
+  <dgm:styleLbl name="bgAcc1">
+    <dgm:fillClrLst meth="repeat">
+      <a:schemeClr val="lt1">
+        <a:alpha val="90000"/>
+      </a:schemeClr>
+    </dgm:fillClrLst>
+    <dgm:linClrLst meth="repeat">
+      <a:schemeClr val="accent1"/>
+    </dgm:linClrLst>
+    <dgm:effectClrLst/>
+    <dgm:txLinClrLst/>
+    <dgm:txFillClrLst meth="repeat">
+      <a:schemeClr val="dk1"/>
+    </dgm:txFillClrLst>
+    <dgm:txEffectClrLst/>
+  </dgm:styleLbl>
+  <dgm:styleLbl name="solidFgAcc1">
+    <dgm:fillClrLst meth="repeat">
+      <a:schemeClr val="lt1"/>
+    </dgm:fillClrLst>
+    <dgm:linClrLst meth="repeat">
+      <a:schemeClr val="accent1"/>
+    </dgm:linClrLst>
+    <dgm:effectClrLst/>
+    <dgm:txLinClrLst/>
+    <dgm:txFillClrLst meth="repeat">
+      <a:schemeClr val="dk1"/>
+    </dgm:txFillClrLst>
+    <dgm:txEffectClrLst/>
+  </dgm:styleLbl>
+  <dgm:styleLbl name="solidAlignAcc1">
+    <dgm:fillClrLst meth="repeat">
+      <a:schemeClr val="lt1"/>
+    </dgm:fillClrLst>
+    <dgm:linClrLst meth="repeat">
+      <a:schemeClr val="accent1"/>
+    </dgm:linClrLst>
+    <dgm:effectClrLst/>
+    <dgm:txLinClrLst/>
+    <dgm:txFillClrLst meth="repeat">
+      <a:schemeClr val="dk1"/>
+    </dgm:txFillClrLst>
+    <dgm:txEffectClrLst/>
+  </dgm:styleLbl>
+  <dgm:styleLbl name="solidBgAcc1">
+    <dgm:fillClrLst meth="repeat">
+      <a:schemeClr val="lt1"/>
+    </dgm:fillClrLst>
+    <dgm:linClrLst meth="repeat">
+      <a:schemeClr val="accent1"/>
+    </dgm:linClrLst>
+    <dgm:effectClrLst/>
+    <dgm:txLinClrLst/>
+    <dgm:txFillClrLst meth="repeat">
+      <a:schemeClr val="dk1"/>
+    </dgm:txFillClrLst>
+    <dgm:txEffectClrLst/>
+  </dgm:styleLbl>
+  <dgm:styleLbl name="fgAccFollowNode1">
+    <dgm:fillClrLst meth="repeat">
+      <a:schemeClr val="accent1">
+        <a:alpha val="90000"/>
+        <a:tint val="40000"/>
+      </a:schemeClr>
+    </dgm:fillClrLst>
+    <dgm:linClrLst meth="repeat">
+      <a:schemeClr val="accent1">
+        <a:alpha val="90000"/>
+        <a:tint val="40000"/>
+      </a:schemeClr>
+    </dgm:linClrLst>
+    <dgm:effectClrLst/>
+    <dgm:txLinClrLst/>
+    <dgm:txFillClrLst meth="repeat">
+      <a:schemeClr val="dk1"/>
+    </dgm:txFillClrLst>
+    <dgm:txEffectClrLst/>
+  </dgm:styleLbl>
+  <dgm:styleLbl name="alignAccFollowNode1">
+    <dgm:fillClrLst meth="repeat">
+      <a:schemeClr val="accent1">
+        <a:alpha val="90000"/>
+        <a:tint val="40000"/>
+      </a:schemeClr>
+    </dgm:fillClrLst>
+    <dgm:linClrLst meth="repeat">
+      <a:schemeClr val="accent1">
+        <a:alpha val="90000"/>
+        <a:tint val="40000"/>
+      </a:schemeClr>
+    </dgm:linClrLst>
+    <dgm:effectClrLst/>
+    <dgm:txLinClrLst/>
+    <dgm:txFillClrLst meth="repeat">
+      <a:schemeClr val="dk1"/>
+    </dgm:txFillClrLst>
+    <dgm:txEffectClrLst/>
+  </dgm:styleLbl>
+  <dgm:styleLbl name="bgAccFollowNode1">
+    <dgm:fillClrLst meth="repeat">
+      <a:schemeClr val="accent1">
+        <a:alpha val="90000"/>
+        <a:tint val="40000"/>
+      </a:schemeClr>
+    </dgm:fillClrLst>
+    <dgm:linClrLst meth="repeat">
+      <a:schemeClr val="accent1">
+        <a:alpha val="90000"/>
+        <a:tint val="40000"/>
+      </a:schemeClr>
+    </dgm:linClrLst>
+    <dgm:effectClrLst/>
+    <dgm:txLinClrLst/>
+    <dgm:txFillClrLst meth="repeat">
+      <a:schemeClr val="dk1"/>
+    </dgm:txFillClrLst>
+    <dgm:txEffectClrLst/>
+  </dgm:styleLbl>
+  <dgm:styleLbl name="fgAcc0">
+    <dgm:fillClrLst meth="repeat">
+      <a:schemeClr val="lt1">
+        <a:alpha val="90000"/>
+      </a:schemeClr>
+    </dgm:fillClrLst>
+    <dgm:linClrLst meth="repeat">
+      <a:schemeClr val="accent1"/>
+    </dgm:linClrLst>
+    <dgm:effectClrLst/>
+    <dgm:txLinClrLst/>
+    <dgm:txFillClrLst meth="repeat">
+      <a:schemeClr val="dk1"/>
+    </dgm:txFillClrLst>
+    <dgm:txEffectClrLst/>
+  </dgm:styleLbl>
+  <dgm:styleLbl name="fgAcc2">
+    <dgm:fillClrLst meth="repeat">
+      <a:schemeClr val="lt1">
+        <a:alpha val="90000"/>
+      </a:schemeClr>
+    </dgm:fillClrLst>
+    <dgm:linClrLst meth="repeat">
+      <a:schemeClr val="accent1"/>
+    </dgm:linClrLst>
+    <dgm:effectClrLst/>
+    <dgm:txLinClrLst/>
+    <dgm:txFillClrLst meth="repeat">
+      <a:schemeClr val="dk1"/>
+    </dgm:txFillClrLst>
+    <dgm:txEffectClrLst/>
+  </dgm:styleLbl>
+  <dgm:styleLbl name="fgAcc3">
+    <dgm:fillClrLst meth="repeat">
+      <a:schemeClr val="lt1">
+        <a:alpha val="90000"/>
+      </a:schemeClr>
+    </dgm:fillClrLst>
+    <dgm:linClrLst meth="repeat">
+      <a:schemeClr val="accent1"/>
+    </dgm:linClrLst>
+    <dgm:effectClrLst/>
+    <dgm:txLinClrLst/>
+    <dgm:txFillClrLst meth="repeat">
+      <a:schemeClr val="dk1"/>
+    </dgm:txFillClrLst>
+    <dgm:txEffectClrLst/>
+  </dgm:styleLbl>
+  <dgm:styleLbl name="fgAcc4">
+    <dgm:fillClrLst meth="repeat">
+      <a:schemeClr val="lt1">
+        <a:alpha val="90000"/>
+      </a:schemeClr>
+    </dgm:fillClrLst>
+    <dgm:linClrLst meth="repeat">
+      <a:schemeClr val="accent1"/>
+    </dgm:linClrLst>
+    <dgm:effectClrLst/>
+    <dgm:txLinClrLst/>
+    <dgm:txFillClrLst meth="repeat">
+      <a:schemeClr val="dk1"/>
+    </dgm:txFillClrLst>
+    <dgm:txEffectClrLst/>
+  </dgm:styleLbl>
+  <dgm:styleLbl name="bgShp">
+    <dgm:fillClrLst meth="repeat">
+      <a:schemeClr val="accent1">
+        <a:tint val="40000"/>
+      </a:schemeClr>
+    </dgm:fillClrLst>
+    <dgm:linClrLst meth="repeat">
+      <a:schemeClr val="accent1"/>
+    </dgm:linClrLst>
+    <dgm:effectClrLst/>
+    <dgm:txLinClrLst/>
+    <dgm:txFillClrLst meth="repeat">
+      <a:schemeClr val="dk1"/>
+    </dgm:txFillClrLst>
+    <dgm:txEffectClrLst/>
+  </dgm:styleLbl>
+  <dgm:styleLbl name="dkBgShp">
+    <dgm:fillClrLst meth="repeat">
+      <a:schemeClr val="accent1">
+        <a:shade val="80000"/>
+      </a:schemeClr>
+    </dgm:fillClrLst>
+    <dgm:linClrLst meth="repeat">
+      <a:schemeClr val="accent1"/>
+    </dgm:linClrLst>
+    <dgm:effectClrLst/>
+    <dgm:txLinClrLst/>
+    <dgm:txFillClrLst meth="repeat">
+      <a:schemeClr val="lt1"/>
+    </dgm:txFillClrLst>
+    <dgm:txEffectClrLst/>
+  </dgm:styleLbl>
+  <dgm:styleLbl name="trBgShp">
+    <dgm:fillClrLst meth="repeat">
+      <a:schemeClr val="accent1">
+        <a:tint val="50000"/>
+        <a:alpha val="40000"/>
+      </a:schemeClr>
+    </dgm:fillClrLst>
+    <dgm:linClrLst meth="repeat">
+      <a:schemeClr val="accent1"/>
+    </dgm:linClrLst>
+    <dgm:effectClrLst/>
+    <dgm:txLinClrLst/>
+    <dgm:txFillClrLst meth="repeat">
+      <a:schemeClr val="lt1"/>
+    </dgm:txFillClrLst>
+    <dgm:txEffectClrLst/>
+  </dgm:styleLbl>
+  <dgm:styleLbl name="fgShp">
+    <dgm:fillClrLst meth="repeat">
+      <a:schemeClr val="accent1">
+        <a:tint val="60000"/>
+      </a:schemeClr>
+    </dgm:fillClrLst>
+    <dgm:linClrLst meth="repeat">
+      <a:schemeClr val="lt1"/>
+    </dgm:linClrLst>
+    <dgm:effectClrLst/>
+    <dgm:txLinClrLst/>
+    <dgm:txFillClrLst meth="repeat">
+      <a:schemeClr val="dk1"/>
+    </dgm:txFillClrLst>
+    <dgm:txEffectClrLst/>
+  </dgm:styleLbl>
+  <dgm:styleLbl name="revTx">
+    <dgm:fillClrLst meth="repeat">
+      <a:schemeClr val="lt1">
+        <a:alpha val="0"/>
+      </a:schemeClr>
+    </dgm:fillClrLst>
+    <dgm:linClrLst meth="repeat">
+      <a:schemeClr val="dk1">
+        <a:alpha val="0"/>
+      </a:schemeClr>
+    </dgm:linClrLst>
+    <dgm:effectClrLst/>
+    <dgm:txLinClrLst/>
+    <dgm:txFillClrLst meth="repeat">
+      <a:schemeClr val="tx1"/>
+    </dgm:txFillClrLst>
+    <dgm:txEffectClrLst/>
+  </dgm:styleLbl>
+</dgm:colorsDef>
+</file>
+
+<file path=ppt/diagrams/data1.xml><?xml version="1.0" encoding="utf-8"?>
+<dgm:dataModel xmlns:dgm="http://schemas.openxmlformats.org/drawingml/2006/diagram" xmlns:a="http://schemas.openxmlformats.org/drawingml/2006/main">
+  <dgm:ptLst>
+    <dgm:pt modelId="{FF0204BD-D19D-4BB0-AB60-3782DFA22020}" type="doc">
+      <dgm:prSet loTypeId="urn:diagrams.loki3.com/VaryingWidthList" loCatId="list" qsTypeId="urn:microsoft.com/office/officeart/2005/8/quickstyle/simple1" qsCatId="simple" csTypeId="urn:microsoft.com/office/officeart/2005/8/colors/accent1_2" csCatId="accent1" phldr="1"/>
+      <dgm:spPr/>
+    </dgm:pt>
+    <dgm:pt modelId="{64EAC5C7-A313-4EDC-9D4F-2211E76E5DCC}">
+      <dgm:prSet phldrT="[Text]"/>
+      <dgm:spPr/>
+      <dgm:t>
+        <a:bodyPr/>
+        <a:lstStyle/>
+        <a:p>
+          <a:r>
+            <a:rPr lang="en-US" dirty="0" smtClean="0"/>
+            <a:t>map</a:t>
+          </a:r>
+          <a:endParaRPr lang="en-US" dirty="0"/>
+        </a:p>
+      </dgm:t>
+    </dgm:pt>
+    <dgm:pt modelId="{6F9F7F1B-4AD8-4176-8E05-0C752419F1C8}" type="parTrans" cxnId="{C76E44DC-6ECC-48E5-B5A2-2FB6E1086606}">
+      <dgm:prSet/>
+      <dgm:spPr/>
+      <dgm:t>
+        <a:bodyPr/>
+        <a:lstStyle/>
+        <a:p>
+          <a:endParaRPr lang="en-US"/>
+        </a:p>
+      </dgm:t>
+    </dgm:pt>
+    <dgm:pt modelId="{907BF978-75FA-40AA-83E1-95DD16B6A83F}" type="sibTrans" cxnId="{C76E44DC-6ECC-48E5-B5A2-2FB6E1086606}">
+      <dgm:prSet/>
+      <dgm:spPr/>
+      <dgm:t>
+        <a:bodyPr/>
+        <a:lstStyle/>
+        <a:p>
+          <a:endParaRPr lang="en-US"/>
+        </a:p>
+      </dgm:t>
+    </dgm:pt>
+    <dgm:pt modelId="{CD55A5CF-F8A0-488C-8ABC-4D4E3C5843C3}">
+      <dgm:prSet phldrT="[Text]"/>
+      <dgm:spPr/>
+      <dgm:t>
+        <a:bodyPr/>
+        <a:lstStyle/>
+        <a:p>
+          <a:r>
+            <a:rPr lang="en-US" dirty="0" err="1" smtClean="0"/>
+            <a:t>flatMap</a:t>
+          </a:r>
+          <a:endParaRPr lang="en-US" dirty="0"/>
+        </a:p>
+      </dgm:t>
+    </dgm:pt>
+    <dgm:pt modelId="{1ED3FA94-D13F-4C8D-AB5F-E63D3A577F36}" type="parTrans" cxnId="{A3F569E0-B393-48D6-8F2F-4E06722C1778}">
+      <dgm:prSet/>
+      <dgm:spPr/>
+      <dgm:t>
+        <a:bodyPr/>
+        <a:lstStyle/>
+        <a:p>
+          <a:endParaRPr lang="en-US"/>
+        </a:p>
+      </dgm:t>
+    </dgm:pt>
+    <dgm:pt modelId="{6C8B61B9-A326-4061-8591-49C7DCAF975E}" type="sibTrans" cxnId="{A3F569E0-B393-48D6-8F2F-4E06722C1778}">
+      <dgm:prSet/>
+      <dgm:spPr/>
+      <dgm:t>
+        <a:bodyPr/>
+        <a:lstStyle/>
+        <a:p>
+          <a:endParaRPr lang="en-US"/>
+        </a:p>
+      </dgm:t>
+    </dgm:pt>
+    <dgm:pt modelId="{6B8DE446-4272-4C11-B825-83A0035E3FE8}">
+      <dgm:prSet phldrT="[Text]"/>
+      <dgm:spPr/>
+      <dgm:t>
+        <a:bodyPr/>
+        <a:lstStyle/>
+        <a:p>
+          <a:r>
+            <a:rPr lang="en-US" dirty="0" smtClean="0"/>
+            <a:t>Filter</a:t>
+          </a:r>
+          <a:endParaRPr lang="en-US" dirty="0"/>
+        </a:p>
+      </dgm:t>
+    </dgm:pt>
+    <dgm:pt modelId="{12E6408B-0BFC-4FC5-8286-7D95DAD34B78}" type="parTrans" cxnId="{1FD786AE-6392-4E9D-8296-230A8908AE73}">
+      <dgm:prSet/>
+      <dgm:spPr/>
+      <dgm:t>
+        <a:bodyPr/>
+        <a:lstStyle/>
+        <a:p>
+          <a:endParaRPr lang="en-US"/>
+        </a:p>
+      </dgm:t>
+    </dgm:pt>
+    <dgm:pt modelId="{08FB9033-00C8-4779-83B1-A41025930B59}" type="sibTrans" cxnId="{1FD786AE-6392-4E9D-8296-230A8908AE73}">
+      <dgm:prSet/>
+      <dgm:spPr/>
+      <dgm:t>
+        <a:bodyPr/>
+        <a:lstStyle/>
+        <a:p>
+          <a:endParaRPr lang="en-US"/>
+        </a:p>
+      </dgm:t>
+    </dgm:pt>
+    <dgm:pt modelId="{3A3461EA-E284-452A-B39B-08EC1C5BEB17}">
+      <dgm:prSet phldrT="[Text]"/>
+      <dgm:spPr/>
+      <dgm:t>
+        <a:bodyPr/>
+        <a:lstStyle/>
+        <a:p>
+          <a:r>
+            <a:rPr lang="en-US" dirty="0" smtClean="0"/>
+            <a:t>Reduce</a:t>
+          </a:r>
+          <a:endParaRPr lang="en-US" dirty="0"/>
+        </a:p>
+      </dgm:t>
+    </dgm:pt>
+    <dgm:pt modelId="{814F7A12-969F-46DD-8DDB-2BFDCE5AC4B8}" type="parTrans" cxnId="{99A955F2-FF0E-4341-85A3-7CBB12105F59}">
+      <dgm:prSet/>
+      <dgm:spPr/>
+      <dgm:t>
+        <a:bodyPr/>
+        <a:lstStyle/>
+        <a:p>
+          <a:endParaRPr lang="en-US"/>
+        </a:p>
+      </dgm:t>
+    </dgm:pt>
+    <dgm:pt modelId="{4FB84196-750E-41AC-A1A4-6A24B64810AB}" type="sibTrans" cxnId="{99A955F2-FF0E-4341-85A3-7CBB12105F59}">
+      <dgm:prSet/>
+      <dgm:spPr/>
+      <dgm:t>
+        <a:bodyPr/>
+        <a:lstStyle/>
+        <a:p>
+          <a:endParaRPr lang="en-US"/>
+        </a:p>
+      </dgm:t>
+    </dgm:pt>
+    <dgm:pt modelId="{0E35138E-EB48-4019-A8F6-AB6730A87CCF}">
+      <dgm:prSet phldrT="[Text]"/>
+      <dgm:spPr/>
+      <dgm:t>
+        <a:bodyPr/>
+        <a:lstStyle/>
+        <a:p>
+          <a:r>
+            <a:rPr lang="en-US" dirty="0" smtClean="0"/>
+            <a:t>Fold</a:t>
+          </a:r>
+          <a:endParaRPr lang="en-US" dirty="0"/>
+        </a:p>
+      </dgm:t>
+    </dgm:pt>
+    <dgm:pt modelId="{DF813F92-0216-40EC-BB00-A73DDAED16AC}" type="parTrans" cxnId="{52D76DD9-7A40-4473-BA4A-D3A5C2986F40}">
+      <dgm:prSet/>
+      <dgm:spPr/>
+      <dgm:t>
+        <a:bodyPr/>
+        <a:lstStyle/>
+        <a:p>
+          <a:endParaRPr lang="en-US"/>
+        </a:p>
+      </dgm:t>
+    </dgm:pt>
+    <dgm:pt modelId="{F0172BFA-42EE-4C19-A4D1-21212285FB96}" type="sibTrans" cxnId="{52D76DD9-7A40-4473-BA4A-D3A5C2986F40}">
+      <dgm:prSet/>
+      <dgm:spPr/>
+      <dgm:t>
+        <a:bodyPr/>
+        <a:lstStyle/>
+        <a:p>
+          <a:endParaRPr lang="en-US"/>
+        </a:p>
+      </dgm:t>
+    </dgm:pt>
+    <dgm:pt modelId="{DB300085-E395-4F8D-BCC7-9B70B0E5F999}">
+      <dgm:prSet phldrT="[Text]"/>
+      <dgm:spPr/>
+      <dgm:t>
+        <a:bodyPr/>
+        <a:lstStyle/>
+        <a:p>
+          <a:r>
+            <a:rPr lang="en-US" dirty="0" smtClean="0"/>
+            <a:t>Aggregate</a:t>
+          </a:r>
+          <a:endParaRPr lang="en-US" dirty="0"/>
+        </a:p>
+      </dgm:t>
+    </dgm:pt>
+    <dgm:pt modelId="{CBC6DC3D-48F6-4740-B049-516FA07B6478}" type="parTrans" cxnId="{87F6A883-AD21-434E-8C37-947BB2B18514}">
+      <dgm:prSet/>
+      <dgm:spPr/>
+      <dgm:t>
+        <a:bodyPr/>
+        <a:lstStyle/>
+        <a:p>
+          <a:endParaRPr lang="en-US"/>
+        </a:p>
+      </dgm:t>
+    </dgm:pt>
+    <dgm:pt modelId="{66080567-15B1-405B-AECA-E96588144AC8}" type="sibTrans" cxnId="{87F6A883-AD21-434E-8C37-947BB2B18514}">
+      <dgm:prSet/>
+      <dgm:spPr/>
+      <dgm:t>
+        <a:bodyPr/>
+        <a:lstStyle/>
+        <a:p>
+          <a:endParaRPr lang="en-US"/>
+        </a:p>
+      </dgm:t>
+    </dgm:pt>
+    <dgm:pt modelId="{EA1BACF7-1831-4E71-83A1-767E4331E6CF}" type="pres">
+      <dgm:prSet presAssocID="{FF0204BD-D19D-4BB0-AB60-3782DFA22020}" presName="Name0" presStyleCnt="0">
+        <dgm:presLayoutVars>
+          <dgm:resizeHandles/>
+        </dgm:presLayoutVars>
+      </dgm:prSet>
+      <dgm:spPr/>
+    </dgm:pt>
+    <dgm:pt modelId="{A0901F89-7A69-4E2E-AD5B-6E1185206EFE}" type="pres">
+      <dgm:prSet presAssocID="{64EAC5C7-A313-4EDC-9D4F-2211E76E5DCC}" presName="text" presStyleLbl="node1" presStyleIdx="0" presStyleCnt="6" custScaleX="163942">
+        <dgm:presLayoutVars>
+          <dgm:bulletEnabled val="1"/>
+        </dgm:presLayoutVars>
+      </dgm:prSet>
+      <dgm:spPr/>
+    </dgm:pt>
+    <dgm:pt modelId="{7022026A-763B-4296-9921-B30E02545F05}" type="pres">
+      <dgm:prSet presAssocID="{907BF978-75FA-40AA-83E1-95DD16B6A83F}" presName="space" presStyleCnt="0"/>
+      <dgm:spPr/>
+    </dgm:pt>
+    <dgm:pt modelId="{D07153A0-856B-4C4D-96F7-1C780D465CD4}" type="pres">
+      <dgm:prSet presAssocID="{CD55A5CF-F8A0-488C-8ABC-4D4E3C5843C3}" presName="text" presStyleLbl="node1" presStyleIdx="1" presStyleCnt="6">
+        <dgm:presLayoutVars>
+          <dgm:bulletEnabled val="1"/>
+        </dgm:presLayoutVars>
+      </dgm:prSet>
+      <dgm:spPr/>
+    </dgm:pt>
+    <dgm:pt modelId="{85B1E6D5-421A-4F96-AEAC-CB5A6A1AA60A}" type="pres">
+      <dgm:prSet presAssocID="{6C8B61B9-A326-4061-8591-49C7DCAF975E}" presName="space" presStyleCnt="0"/>
+      <dgm:spPr/>
+    </dgm:pt>
+    <dgm:pt modelId="{D00F641D-DA5A-43F4-9755-90B63B2BFC52}" type="pres">
+      <dgm:prSet presAssocID="{6B8DE446-4272-4C11-B825-83A0035E3FE8}" presName="text" presStyleLbl="node1" presStyleIdx="2" presStyleCnt="6" custScaleX="151118">
+        <dgm:presLayoutVars>
+          <dgm:bulletEnabled val="1"/>
+        </dgm:presLayoutVars>
+      </dgm:prSet>
+      <dgm:spPr/>
+      <dgm:t>
+        <a:bodyPr/>
+        <a:lstStyle/>
+        <a:p>
+          <a:endParaRPr lang="en-US"/>
+        </a:p>
+      </dgm:t>
+    </dgm:pt>
+    <dgm:pt modelId="{0E13702E-D585-4721-A7B3-C3A4678253EE}" type="pres">
+      <dgm:prSet presAssocID="{08FB9033-00C8-4779-83B1-A41025930B59}" presName="space" presStyleCnt="0"/>
+      <dgm:spPr/>
+    </dgm:pt>
+    <dgm:pt modelId="{7532DB3A-BD6C-4FDF-B000-1E6165F9B085}" type="pres">
+      <dgm:prSet presAssocID="{3A3461EA-E284-452A-B39B-08EC1C5BEB17}" presName="text" presStyleLbl="node1" presStyleIdx="3" presStyleCnt="6" custScaleX="111639">
+        <dgm:presLayoutVars>
+          <dgm:bulletEnabled val="1"/>
+        </dgm:presLayoutVars>
+      </dgm:prSet>
+      <dgm:spPr/>
+    </dgm:pt>
+    <dgm:pt modelId="{B17DABA8-A1FD-442D-A980-00CBA90FDDDD}" type="pres">
+      <dgm:prSet presAssocID="{4FB84196-750E-41AC-A1A4-6A24B64810AB}" presName="space" presStyleCnt="0"/>
+      <dgm:spPr/>
+    </dgm:pt>
+    <dgm:pt modelId="{543F2587-DE16-4C56-B6AA-F9495350E1D6}" type="pres">
+      <dgm:prSet presAssocID="{0E35138E-EB48-4019-A8F6-AB6730A87CCF}" presName="text" presStyleLbl="node1" presStyleIdx="4" presStyleCnt="6" custScaleX="174366">
+        <dgm:presLayoutVars>
+          <dgm:bulletEnabled val="1"/>
+        </dgm:presLayoutVars>
+      </dgm:prSet>
+      <dgm:spPr/>
+    </dgm:pt>
+    <dgm:pt modelId="{BE508014-28EB-47D9-B215-F40EF8677FE8}" type="pres">
+      <dgm:prSet presAssocID="{F0172BFA-42EE-4C19-A4D1-21212285FB96}" presName="space" presStyleCnt="0"/>
+      <dgm:spPr/>
+    </dgm:pt>
+    <dgm:pt modelId="{05B449AE-3CD0-4DF5-895A-FDBD11955977}" type="pres">
+      <dgm:prSet presAssocID="{DB300085-E395-4F8D-BCC7-9B70B0E5F999}" presName="text" presStyleLbl="node1" presStyleIdx="5" presStyleCnt="6">
+        <dgm:presLayoutVars>
+          <dgm:bulletEnabled val="1"/>
+        </dgm:presLayoutVars>
+      </dgm:prSet>
+      <dgm:spPr/>
+    </dgm:pt>
+  </dgm:ptLst>
+  <dgm:cxnLst>
+    <dgm:cxn modelId="{BC07A327-C0CB-489A-94A9-69EEB3AECEA6}" type="presOf" srcId="{CD55A5CF-F8A0-488C-8ABC-4D4E3C5843C3}" destId="{D07153A0-856B-4C4D-96F7-1C780D465CD4}" srcOrd="0" destOrd="0" presId="urn:diagrams.loki3.com/VaryingWidthList"/>
+    <dgm:cxn modelId="{87F6A883-AD21-434E-8C37-947BB2B18514}" srcId="{FF0204BD-D19D-4BB0-AB60-3782DFA22020}" destId="{DB300085-E395-4F8D-BCC7-9B70B0E5F999}" srcOrd="5" destOrd="0" parTransId="{CBC6DC3D-48F6-4740-B049-516FA07B6478}" sibTransId="{66080567-15B1-405B-AECA-E96588144AC8}"/>
+    <dgm:cxn modelId="{1FD786AE-6392-4E9D-8296-230A8908AE73}" srcId="{FF0204BD-D19D-4BB0-AB60-3782DFA22020}" destId="{6B8DE446-4272-4C11-B825-83A0035E3FE8}" srcOrd="2" destOrd="0" parTransId="{12E6408B-0BFC-4FC5-8286-7D95DAD34B78}" sibTransId="{08FB9033-00C8-4779-83B1-A41025930B59}"/>
+    <dgm:cxn modelId="{C76E44DC-6ECC-48E5-B5A2-2FB6E1086606}" srcId="{FF0204BD-D19D-4BB0-AB60-3782DFA22020}" destId="{64EAC5C7-A313-4EDC-9D4F-2211E76E5DCC}" srcOrd="0" destOrd="0" parTransId="{6F9F7F1B-4AD8-4176-8E05-0C752419F1C8}" sibTransId="{907BF978-75FA-40AA-83E1-95DD16B6A83F}"/>
+    <dgm:cxn modelId="{FE1E0A3D-5BDE-455D-9A09-2C7A01FA835F}" type="presOf" srcId="{0E35138E-EB48-4019-A8F6-AB6730A87CCF}" destId="{543F2587-DE16-4C56-B6AA-F9495350E1D6}" srcOrd="0" destOrd="0" presId="urn:diagrams.loki3.com/VaryingWidthList"/>
+    <dgm:cxn modelId="{94DE5267-891B-4334-AEBF-3F3ABA25FB5B}" type="presOf" srcId="{64EAC5C7-A313-4EDC-9D4F-2211E76E5DCC}" destId="{A0901F89-7A69-4E2E-AD5B-6E1185206EFE}" srcOrd="0" destOrd="0" presId="urn:diagrams.loki3.com/VaryingWidthList"/>
+    <dgm:cxn modelId="{52D76DD9-7A40-4473-BA4A-D3A5C2986F40}" srcId="{FF0204BD-D19D-4BB0-AB60-3782DFA22020}" destId="{0E35138E-EB48-4019-A8F6-AB6730A87CCF}" srcOrd="4" destOrd="0" parTransId="{DF813F92-0216-40EC-BB00-A73DDAED16AC}" sibTransId="{F0172BFA-42EE-4C19-A4D1-21212285FB96}"/>
+    <dgm:cxn modelId="{AA7B8734-646E-4546-ADBE-DE1664A43C53}" type="presOf" srcId="{3A3461EA-E284-452A-B39B-08EC1C5BEB17}" destId="{7532DB3A-BD6C-4FDF-B000-1E6165F9B085}" srcOrd="0" destOrd="0" presId="urn:diagrams.loki3.com/VaryingWidthList"/>
+    <dgm:cxn modelId="{2FD77BB6-1BE0-4EA2-804B-35C3CA6AFB40}" type="presOf" srcId="{DB300085-E395-4F8D-BCC7-9B70B0E5F999}" destId="{05B449AE-3CD0-4DF5-895A-FDBD11955977}" srcOrd="0" destOrd="0" presId="urn:diagrams.loki3.com/VaryingWidthList"/>
+    <dgm:cxn modelId="{A3F569E0-B393-48D6-8F2F-4E06722C1778}" srcId="{FF0204BD-D19D-4BB0-AB60-3782DFA22020}" destId="{CD55A5CF-F8A0-488C-8ABC-4D4E3C5843C3}" srcOrd="1" destOrd="0" parTransId="{1ED3FA94-D13F-4C8D-AB5F-E63D3A577F36}" sibTransId="{6C8B61B9-A326-4061-8591-49C7DCAF975E}"/>
+    <dgm:cxn modelId="{00DA9495-A4DC-4BC2-927B-4485F51414F4}" type="presOf" srcId="{6B8DE446-4272-4C11-B825-83A0035E3FE8}" destId="{D00F641D-DA5A-43F4-9755-90B63B2BFC52}" srcOrd="0" destOrd="0" presId="urn:diagrams.loki3.com/VaryingWidthList"/>
+    <dgm:cxn modelId="{99A955F2-FF0E-4341-85A3-7CBB12105F59}" srcId="{FF0204BD-D19D-4BB0-AB60-3782DFA22020}" destId="{3A3461EA-E284-452A-B39B-08EC1C5BEB17}" srcOrd="3" destOrd="0" parTransId="{814F7A12-969F-46DD-8DDB-2BFDCE5AC4B8}" sibTransId="{4FB84196-750E-41AC-A1A4-6A24B64810AB}"/>
+    <dgm:cxn modelId="{66E81C48-DC6C-420C-B8F7-9634514E6E59}" type="presOf" srcId="{FF0204BD-D19D-4BB0-AB60-3782DFA22020}" destId="{EA1BACF7-1831-4E71-83A1-767E4331E6CF}" srcOrd="0" destOrd="0" presId="urn:diagrams.loki3.com/VaryingWidthList"/>
+    <dgm:cxn modelId="{A8845447-92D3-4C5D-B7B3-4565A105C1AC}" type="presParOf" srcId="{EA1BACF7-1831-4E71-83A1-767E4331E6CF}" destId="{A0901F89-7A69-4E2E-AD5B-6E1185206EFE}" srcOrd="0" destOrd="0" presId="urn:diagrams.loki3.com/VaryingWidthList"/>
+    <dgm:cxn modelId="{718CE325-3924-4FC7-B934-E4A79B6A0C81}" type="presParOf" srcId="{EA1BACF7-1831-4E71-83A1-767E4331E6CF}" destId="{7022026A-763B-4296-9921-B30E02545F05}" srcOrd="1" destOrd="0" presId="urn:diagrams.loki3.com/VaryingWidthList"/>
+    <dgm:cxn modelId="{478AB89A-7C86-4AF6-9A48-4A5930C74D72}" type="presParOf" srcId="{EA1BACF7-1831-4E71-83A1-767E4331E6CF}" destId="{D07153A0-856B-4C4D-96F7-1C780D465CD4}" srcOrd="2" destOrd="0" presId="urn:diagrams.loki3.com/VaryingWidthList"/>
+    <dgm:cxn modelId="{A2D7659F-331F-4FC7-BC0E-4481E86EB402}" type="presParOf" srcId="{EA1BACF7-1831-4E71-83A1-767E4331E6CF}" destId="{85B1E6D5-421A-4F96-AEAC-CB5A6A1AA60A}" srcOrd="3" destOrd="0" presId="urn:diagrams.loki3.com/VaryingWidthList"/>
+    <dgm:cxn modelId="{AB3D3058-0332-41C3-ADF1-BEB8C7E07ECD}" type="presParOf" srcId="{EA1BACF7-1831-4E71-83A1-767E4331E6CF}" destId="{D00F641D-DA5A-43F4-9755-90B63B2BFC52}" srcOrd="4" destOrd="0" presId="urn:diagrams.loki3.com/VaryingWidthList"/>
+    <dgm:cxn modelId="{F3CADE46-3B1C-4992-A2D2-8D3C80387F2D}" type="presParOf" srcId="{EA1BACF7-1831-4E71-83A1-767E4331E6CF}" destId="{0E13702E-D585-4721-A7B3-C3A4678253EE}" srcOrd="5" destOrd="0" presId="urn:diagrams.loki3.com/VaryingWidthList"/>
+    <dgm:cxn modelId="{0FCBB8B5-5D36-49D6-8B55-D3B389B1D5A1}" type="presParOf" srcId="{EA1BACF7-1831-4E71-83A1-767E4331E6CF}" destId="{7532DB3A-BD6C-4FDF-B000-1E6165F9B085}" srcOrd="6" destOrd="0" presId="urn:diagrams.loki3.com/VaryingWidthList"/>
+    <dgm:cxn modelId="{D47C0B26-A7A2-4EE5-9656-534635A4683C}" type="presParOf" srcId="{EA1BACF7-1831-4E71-83A1-767E4331E6CF}" destId="{B17DABA8-A1FD-442D-A980-00CBA90FDDDD}" srcOrd="7" destOrd="0" presId="urn:diagrams.loki3.com/VaryingWidthList"/>
+    <dgm:cxn modelId="{7D76575D-59BD-4A79-80CC-C7912CED0E00}" type="presParOf" srcId="{EA1BACF7-1831-4E71-83A1-767E4331E6CF}" destId="{543F2587-DE16-4C56-B6AA-F9495350E1D6}" srcOrd="8" destOrd="0" presId="urn:diagrams.loki3.com/VaryingWidthList"/>
+    <dgm:cxn modelId="{F948C960-FAF2-4D00-B754-51DC56FE5A03}" type="presParOf" srcId="{EA1BACF7-1831-4E71-83A1-767E4331E6CF}" destId="{BE508014-28EB-47D9-B215-F40EF8677FE8}" srcOrd="9" destOrd="0" presId="urn:diagrams.loki3.com/VaryingWidthList"/>
+    <dgm:cxn modelId="{F7173833-9AB6-4185-9D2E-E4FD984FD603}" type="presParOf" srcId="{EA1BACF7-1831-4E71-83A1-767E4331E6CF}" destId="{05B449AE-3CD0-4DF5-895A-FDBD11955977}" srcOrd="10" destOrd="0" presId="urn:diagrams.loki3.com/VaryingWidthList"/>
+  </dgm:cxnLst>
+  <dgm:bg/>
+  <dgm:whole/>
+  <dgm:extLst>
+    <a:ext uri="http://schemas.microsoft.com/office/drawing/2008/diagram">
+      <dsp:dataModelExt xmlns:dsp="http://schemas.microsoft.com/office/drawing/2008/diagram" relId="rId7" minVer="http://schemas.openxmlformats.org/drawingml/2006/diagram"/>
+    </a:ext>
+  </dgm:extLst>
+</dgm:dataModel>
+</file>
+
+<file path=ppt/diagrams/drawing1.xml><?xml version="1.0" encoding="utf-8"?>
+<dsp:drawing xmlns:dgm="http://schemas.openxmlformats.org/drawingml/2006/diagram" xmlns:dsp="http://schemas.microsoft.com/office/drawing/2008/diagram" xmlns:a="http://schemas.openxmlformats.org/drawingml/2006/main">
+  <dsp:spTree>
+    <dsp:nvGrpSpPr>
+      <dsp:cNvPr id="0" name=""/>
+      <dsp:cNvGrpSpPr/>
+    </dsp:nvGrpSpPr>
+    <dsp:grpSpPr/>
+    <dsp:sp modelId="{A0901F89-7A69-4E2E-AD5B-6E1185206EFE}">
+      <dsp:nvSpPr>
+        <dsp:cNvPr id="0" name=""/>
+        <dsp:cNvSpPr/>
+      </dsp:nvSpPr>
+      <dsp:spPr>
+        <a:xfrm>
+          <a:off x="1583138" y="1071"/>
+          <a:ext cx="1475478" cy="623673"/>
+        </a:xfrm>
+        <a:prstGeom prst="rect">
+          <a:avLst/>
+        </a:prstGeom>
+        <a:solidFill>
+          <a:schemeClr val="accent1">
+            <a:hueOff val="0"/>
+            <a:satOff val="0"/>
+            <a:lumOff val="0"/>
+            <a:alphaOff val="0"/>
+          </a:schemeClr>
+        </a:solidFill>
+        <a:ln w="12700" cap="flat" cmpd="sng" algn="ctr">
+          <a:solidFill>
+            <a:schemeClr val="lt1">
+              <a:hueOff val="0"/>
+              <a:satOff val="0"/>
+              <a:lumOff val="0"/>
+              <a:alphaOff val="0"/>
+            </a:schemeClr>
+          </a:solidFill>
+          <a:prstDash val="solid"/>
+          <a:miter lim="800000"/>
+        </a:ln>
+        <a:effectLst/>
+      </dsp:spPr>
+      <dsp:style>
+        <a:lnRef idx="2">
+          <a:scrgbClr r="0" g="0" b="0"/>
+        </a:lnRef>
+        <a:fillRef idx="1">
+          <a:scrgbClr r="0" g="0" b="0"/>
+        </a:fillRef>
+        <a:effectRef idx="0">
+          <a:scrgbClr r="0" g="0" b="0"/>
+        </a:effectRef>
+        <a:fontRef idx="minor">
+          <a:schemeClr val="lt1"/>
+        </a:fontRef>
+      </dsp:style>
+      <dsp:txBody>
+        <a:bodyPr spcFirstLastPara="0" vert="horz" wrap="square" lIns="81280" tIns="81280" rIns="81280" bIns="81280" numCol="1" spcCol="1270" anchor="ctr" anchorCtr="0">
+          <a:noAutofit/>
+        </a:bodyPr>
+        <a:lstStyle/>
+        <a:p>
+          <a:pPr lvl="0" algn="ctr" defTabSz="1422400">
+            <a:lnSpc>
+              <a:spcPct val="90000"/>
+            </a:lnSpc>
+            <a:spcBef>
+              <a:spcPct val="0"/>
+            </a:spcBef>
+            <a:spcAft>
+              <a:spcPct val="35000"/>
+            </a:spcAft>
+          </a:pPr>
+          <a:r>
+            <a:rPr lang="en-US" sz="3200" kern="1200" dirty="0" smtClean="0"/>
+            <a:t>map</a:t>
+          </a:r>
+          <a:endParaRPr lang="en-US" sz="3200" kern="1200" dirty="0"/>
+        </a:p>
+      </dsp:txBody>
+      <dsp:txXfrm>
+        <a:off x="1583138" y="1071"/>
+        <a:ext cx="1475478" cy="623673"/>
+      </dsp:txXfrm>
+    </dsp:sp>
+    <dsp:sp modelId="{D07153A0-856B-4C4D-96F7-1C780D465CD4}">
+      <dsp:nvSpPr>
+        <dsp:cNvPr id="0" name=""/>
+        <dsp:cNvSpPr/>
+      </dsp:nvSpPr>
+      <dsp:spPr>
+        <a:xfrm>
+          <a:off x="1578377" y="655928"/>
+          <a:ext cx="1485000" cy="623673"/>
+        </a:xfrm>
+        <a:prstGeom prst="rect">
+          <a:avLst/>
+        </a:prstGeom>
+        <a:solidFill>
+          <a:schemeClr val="accent1">
+            <a:hueOff val="0"/>
+            <a:satOff val="0"/>
+            <a:lumOff val="0"/>
+            <a:alphaOff val="0"/>
+          </a:schemeClr>
+        </a:solidFill>
+        <a:ln w="12700" cap="flat" cmpd="sng" algn="ctr">
+          <a:solidFill>
+            <a:schemeClr val="lt1">
+              <a:hueOff val="0"/>
+              <a:satOff val="0"/>
+              <a:lumOff val="0"/>
+              <a:alphaOff val="0"/>
+            </a:schemeClr>
+          </a:solidFill>
+          <a:prstDash val="solid"/>
+          <a:miter lim="800000"/>
+        </a:ln>
+        <a:effectLst/>
+      </dsp:spPr>
+      <dsp:style>
+        <a:lnRef idx="2">
+          <a:scrgbClr r="0" g="0" b="0"/>
+        </a:lnRef>
+        <a:fillRef idx="1">
+          <a:scrgbClr r="0" g="0" b="0"/>
+        </a:fillRef>
+        <a:effectRef idx="0">
+          <a:scrgbClr r="0" g="0" b="0"/>
+        </a:effectRef>
+        <a:fontRef idx="minor">
+          <a:schemeClr val="lt1"/>
+        </a:fontRef>
+      </dsp:style>
+      <dsp:txBody>
+        <a:bodyPr spcFirstLastPara="0" vert="horz" wrap="square" lIns="81280" tIns="81280" rIns="81280" bIns="81280" numCol="1" spcCol="1270" anchor="ctr" anchorCtr="0">
+          <a:noAutofit/>
+        </a:bodyPr>
+        <a:lstStyle/>
+        <a:p>
+          <a:pPr lvl="0" algn="ctr" defTabSz="1422400">
+            <a:lnSpc>
+              <a:spcPct val="90000"/>
+            </a:lnSpc>
+            <a:spcBef>
+              <a:spcPct val="0"/>
+            </a:spcBef>
+            <a:spcAft>
+              <a:spcPct val="35000"/>
+            </a:spcAft>
+          </a:pPr>
+          <a:r>
+            <a:rPr lang="en-US" sz="3200" kern="1200" dirty="0" err="1" smtClean="0"/>
+            <a:t>flatMap</a:t>
+          </a:r>
+          <a:endParaRPr lang="en-US" sz="3200" kern="1200" dirty="0"/>
+        </a:p>
+      </dsp:txBody>
+      <dsp:txXfrm>
+        <a:off x="1578377" y="655928"/>
+        <a:ext cx="1485000" cy="623673"/>
+      </dsp:txXfrm>
+    </dsp:sp>
+    <dsp:sp modelId="{D00F641D-DA5A-43F4-9755-90B63B2BFC52}">
+      <dsp:nvSpPr>
+        <dsp:cNvPr id="0" name=""/>
+        <dsp:cNvSpPr/>
+      </dsp:nvSpPr>
+      <dsp:spPr>
+        <a:xfrm>
+          <a:off x="1555842" y="1310784"/>
+          <a:ext cx="1530069" cy="623673"/>
+        </a:xfrm>
+        <a:prstGeom prst="rect">
+          <a:avLst/>
+        </a:prstGeom>
+        <a:solidFill>
+          <a:schemeClr val="accent1">
+            <a:hueOff val="0"/>
+            <a:satOff val="0"/>
+            <a:lumOff val="0"/>
+            <a:alphaOff val="0"/>
+          </a:schemeClr>
+        </a:solidFill>
+        <a:ln w="12700" cap="flat" cmpd="sng" algn="ctr">
+          <a:solidFill>
+            <a:schemeClr val="lt1">
+              <a:hueOff val="0"/>
+              <a:satOff val="0"/>
+              <a:lumOff val="0"/>
+              <a:alphaOff val="0"/>
+            </a:schemeClr>
+          </a:solidFill>
+          <a:prstDash val="solid"/>
+          <a:miter lim="800000"/>
+        </a:ln>
+        <a:effectLst/>
+      </dsp:spPr>
+      <dsp:style>
+        <a:lnRef idx="2">
+          <a:scrgbClr r="0" g="0" b="0"/>
+        </a:lnRef>
+        <a:fillRef idx="1">
+          <a:scrgbClr r="0" g="0" b="0"/>
+        </a:fillRef>
+        <a:effectRef idx="0">
+          <a:scrgbClr r="0" g="0" b="0"/>
+        </a:effectRef>
+        <a:fontRef idx="minor">
+          <a:schemeClr val="lt1"/>
+        </a:fontRef>
+      </dsp:style>
+      <dsp:txBody>
+        <a:bodyPr spcFirstLastPara="0" vert="horz" wrap="square" lIns="81280" tIns="81280" rIns="81280" bIns="81280" numCol="1" spcCol="1270" anchor="ctr" anchorCtr="0">
+          <a:noAutofit/>
+        </a:bodyPr>
+        <a:lstStyle/>
+        <a:p>
+          <a:pPr lvl="0" algn="ctr" defTabSz="1422400">
+            <a:lnSpc>
+              <a:spcPct val="90000"/>
+            </a:lnSpc>
+            <a:spcBef>
+              <a:spcPct val="0"/>
+            </a:spcBef>
+            <a:spcAft>
+              <a:spcPct val="35000"/>
+            </a:spcAft>
+          </a:pPr>
+          <a:r>
+            <a:rPr lang="en-US" sz="3200" kern="1200" dirty="0" smtClean="0"/>
+            <a:t>Filter</a:t>
+          </a:r>
+          <a:endParaRPr lang="en-US" sz="3200" kern="1200" dirty="0"/>
+        </a:p>
+      </dsp:txBody>
+      <dsp:txXfrm>
+        <a:off x="1555842" y="1310784"/>
+        <a:ext cx="1530069" cy="623673"/>
+      </dsp:txXfrm>
+    </dsp:sp>
+    <dsp:sp modelId="{7532DB3A-BD6C-4FDF-B000-1E6165F9B085}">
+      <dsp:nvSpPr>
+        <dsp:cNvPr id="0" name=""/>
+        <dsp:cNvSpPr/>
+      </dsp:nvSpPr>
+      <dsp:spPr>
+        <a:xfrm>
+          <a:off x="1542195" y="1965641"/>
+          <a:ext cx="1557364" cy="623673"/>
+        </a:xfrm>
+        <a:prstGeom prst="rect">
+          <a:avLst/>
+        </a:prstGeom>
+        <a:solidFill>
+          <a:schemeClr val="accent1">
+            <a:hueOff val="0"/>
+            <a:satOff val="0"/>
+            <a:lumOff val="0"/>
+            <a:alphaOff val="0"/>
+          </a:schemeClr>
+        </a:solidFill>
+        <a:ln w="12700" cap="flat" cmpd="sng" algn="ctr">
+          <a:solidFill>
+            <a:schemeClr val="lt1">
+              <a:hueOff val="0"/>
+              <a:satOff val="0"/>
+              <a:lumOff val="0"/>
+              <a:alphaOff val="0"/>
+            </a:schemeClr>
+          </a:solidFill>
+          <a:prstDash val="solid"/>
+          <a:miter lim="800000"/>
+        </a:ln>
+        <a:effectLst/>
+      </dsp:spPr>
+      <dsp:style>
+        <a:lnRef idx="2">
+          <a:scrgbClr r="0" g="0" b="0"/>
+        </a:lnRef>
+        <a:fillRef idx="1">
+          <a:scrgbClr r="0" g="0" b="0"/>
+        </a:fillRef>
+        <a:effectRef idx="0">
+          <a:scrgbClr r="0" g="0" b="0"/>
+        </a:effectRef>
+        <a:fontRef idx="minor">
+          <a:schemeClr val="lt1"/>
+        </a:fontRef>
+      </dsp:style>
+      <dsp:txBody>
+        <a:bodyPr spcFirstLastPara="0" vert="horz" wrap="square" lIns="81280" tIns="81280" rIns="81280" bIns="81280" numCol="1" spcCol="1270" anchor="ctr" anchorCtr="0">
+          <a:noAutofit/>
+        </a:bodyPr>
+        <a:lstStyle/>
+        <a:p>
+          <a:pPr lvl="0" algn="ctr" defTabSz="1422400">
+            <a:lnSpc>
+              <a:spcPct val="90000"/>
+            </a:lnSpc>
+            <a:spcBef>
+              <a:spcPct val="0"/>
+            </a:spcBef>
+            <a:spcAft>
+              <a:spcPct val="35000"/>
+            </a:spcAft>
+          </a:pPr>
+          <a:r>
+            <a:rPr lang="en-US" sz="3200" kern="1200" dirty="0" smtClean="0"/>
+            <a:t>Reduce</a:t>
+          </a:r>
+          <a:endParaRPr lang="en-US" sz="3200" kern="1200" dirty="0"/>
+        </a:p>
+      </dsp:txBody>
+      <dsp:txXfrm>
+        <a:off x="1542195" y="1965641"/>
+        <a:ext cx="1557364" cy="623673"/>
+      </dsp:txXfrm>
+    </dsp:sp>
+    <dsp:sp modelId="{543F2587-DE16-4C56-B6AA-F9495350E1D6}">
+      <dsp:nvSpPr>
+        <dsp:cNvPr id="0" name=""/>
+        <dsp:cNvSpPr/>
+      </dsp:nvSpPr>
+      <dsp:spPr>
+        <a:xfrm>
+          <a:off x="1555846" y="2620498"/>
+          <a:ext cx="1530061" cy="623673"/>
+        </a:xfrm>
+        <a:prstGeom prst="rect">
+          <a:avLst/>
+        </a:prstGeom>
+        <a:solidFill>
+          <a:schemeClr val="accent1">
+            <a:hueOff val="0"/>
+            <a:satOff val="0"/>
+            <a:lumOff val="0"/>
+            <a:alphaOff val="0"/>
+          </a:schemeClr>
+        </a:solidFill>
+        <a:ln w="12700" cap="flat" cmpd="sng" algn="ctr">
+          <a:solidFill>
+            <a:schemeClr val="lt1">
+              <a:hueOff val="0"/>
+              <a:satOff val="0"/>
+              <a:lumOff val="0"/>
+              <a:alphaOff val="0"/>
+            </a:schemeClr>
+          </a:solidFill>
+          <a:prstDash val="solid"/>
+          <a:miter lim="800000"/>
+        </a:ln>
+        <a:effectLst/>
+      </dsp:spPr>
+      <dsp:style>
+        <a:lnRef idx="2">
+          <a:scrgbClr r="0" g="0" b="0"/>
+        </a:lnRef>
+        <a:fillRef idx="1">
+          <a:scrgbClr r="0" g="0" b="0"/>
+        </a:fillRef>
+        <a:effectRef idx="0">
+          <a:scrgbClr r="0" g="0" b="0"/>
+        </a:effectRef>
+        <a:fontRef idx="minor">
+          <a:schemeClr val="lt1"/>
+        </a:fontRef>
+      </dsp:style>
+      <dsp:txBody>
+        <a:bodyPr spcFirstLastPara="0" vert="horz" wrap="square" lIns="81280" tIns="81280" rIns="81280" bIns="81280" numCol="1" spcCol="1270" anchor="ctr" anchorCtr="0">
+          <a:noAutofit/>
+        </a:bodyPr>
+        <a:lstStyle/>
+        <a:p>
+          <a:pPr lvl="0" algn="ctr" defTabSz="1422400">
+            <a:lnSpc>
+              <a:spcPct val="90000"/>
+            </a:lnSpc>
+            <a:spcBef>
+              <a:spcPct val="0"/>
+            </a:spcBef>
+            <a:spcAft>
+              <a:spcPct val="35000"/>
+            </a:spcAft>
+          </a:pPr>
+          <a:r>
+            <a:rPr lang="en-US" sz="3200" kern="1200" dirty="0" smtClean="0"/>
+            <a:t>Fold</a:t>
+          </a:r>
+          <a:endParaRPr lang="en-US" sz="3200" kern="1200" dirty="0"/>
+        </a:p>
+      </dsp:txBody>
+      <dsp:txXfrm>
+        <a:off x="1555846" y="2620498"/>
+        <a:ext cx="1530061" cy="623673"/>
+      </dsp:txXfrm>
+    </dsp:sp>
+    <dsp:sp modelId="{05B449AE-3CD0-4DF5-895A-FDBD11955977}">
+      <dsp:nvSpPr>
+        <dsp:cNvPr id="0" name=""/>
+        <dsp:cNvSpPr/>
+      </dsp:nvSpPr>
+      <dsp:spPr>
+        <a:xfrm>
+          <a:off x="1398377" y="3275355"/>
+          <a:ext cx="1845000" cy="623673"/>
+        </a:xfrm>
+        <a:prstGeom prst="rect">
+          <a:avLst/>
+        </a:prstGeom>
+        <a:solidFill>
+          <a:schemeClr val="accent1">
+            <a:hueOff val="0"/>
+            <a:satOff val="0"/>
+            <a:lumOff val="0"/>
+            <a:alphaOff val="0"/>
+          </a:schemeClr>
+        </a:solidFill>
+        <a:ln w="12700" cap="flat" cmpd="sng" algn="ctr">
+          <a:solidFill>
+            <a:schemeClr val="lt1">
+              <a:hueOff val="0"/>
+              <a:satOff val="0"/>
+              <a:lumOff val="0"/>
+              <a:alphaOff val="0"/>
+            </a:schemeClr>
+          </a:solidFill>
+          <a:prstDash val="solid"/>
+          <a:miter lim="800000"/>
+        </a:ln>
+        <a:effectLst/>
+      </dsp:spPr>
+      <dsp:style>
+        <a:lnRef idx="2">
+          <a:scrgbClr r="0" g="0" b="0"/>
+        </a:lnRef>
+        <a:fillRef idx="1">
+          <a:scrgbClr r="0" g="0" b="0"/>
+        </a:fillRef>
+        <a:effectRef idx="0">
+          <a:scrgbClr r="0" g="0" b="0"/>
+        </a:effectRef>
+        <a:fontRef idx="minor">
+          <a:schemeClr val="lt1"/>
+        </a:fontRef>
+      </dsp:style>
+      <dsp:txBody>
+        <a:bodyPr spcFirstLastPara="0" vert="horz" wrap="square" lIns="81280" tIns="81280" rIns="81280" bIns="81280" numCol="1" spcCol="1270" anchor="ctr" anchorCtr="0">
+          <a:noAutofit/>
+        </a:bodyPr>
+        <a:lstStyle/>
+        <a:p>
+          <a:pPr lvl="0" algn="ctr" defTabSz="1422400">
+            <a:lnSpc>
+              <a:spcPct val="90000"/>
+            </a:lnSpc>
+            <a:spcBef>
+              <a:spcPct val="0"/>
+            </a:spcBef>
+            <a:spcAft>
+              <a:spcPct val="35000"/>
+            </a:spcAft>
+          </a:pPr>
+          <a:r>
+            <a:rPr lang="en-US" sz="3200" kern="1200" dirty="0" smtClean="0"/>
+            <a:t>Aggregate</a:t>
+          </a:r>
+          <a:endParaRPr lang="en-US" sz="3200" kern="1200" dirty="0"/>
+        </a:p>
+      </dsp:txBody>
+      <dsp:txXfrm>
+        <a:off x="1398377" y="3275355"/>
+        <a:ext cx="1845000" cy="623673"/>
+      </dsp:txXfrm>
+    </dsp:sp>
+  </dsp:spTree>
+</dsp:drawing>
+</file>
+
+<file path=ppt/diagrams/layout1.xml><?xml version="1.0" encoding="utf-8"?>
+<dgm:layoutDef xmlns:dgm="http://schemas.openxmlformats.org/drawingml/2006/diagram" xmlns:a="http://schemas.openxmlformats.org/drawingml/2006/main" uniqueId="urn:diagrams.loki3.com/VaryingWidthList">
+  <dgm:title val="Varying Width List"/>
+  <dgm:desc val="Use for emphasizing items of different weights.  Good for large amounts of Level 1 text.  The width of each shape is independently determined based on its text."/>
+  <dgm:catLst>
+    <dgm:cat type="list" pri="4160"/>
+    <dgm:cat type="officeonline" pri="5000"/>
+  </dgm:catLst>
+  <dgm:sampData useDef="1">
+    <dgm:dataModel>
+      <dgm:ptLst/>
+      <dgm:bg/>
+      <dgm:whole/>
+    </dgm:dataModel>
+  </dgm:sampData>
+  <dgm:styleData useDef="1">
+    <dgm:dataModel>
+      <dgm:ptLst/>
+      <dgm:bg/>
+      <dgm:whole/>
+    </dgm:dataModel>
+  </dgm:styleData>
+  <dgm:clrData useDef="1">
+    <dgm:dataModel>
+      <dgm:ptLst/>
+      <dgm:bg/>
+      <dgm:whole/>
+    </dgm:dataModel>
+  </dgm:clrData>
+  <dgm:layoutNode name="Name0">
+    <dgm:varLst>
+      <dgm:resizeHandles/>
+    </dgm:varLst>
+    <dgm:alg type="lin">
+      <dgm:param type="linDir" val="fromT"/>
+    </dgm:alg>
+    <dgm:shape xmlns:r="http://schemas.openxmlformats.org/officeDocument/2006/relationships" r:blip="">
+      <dgm:adjLst/>
+    </dgm:shape>
+    <dgm:presOf/>
+    <dgm:constrLst>
+      <dgm:constr type="w" for="ch" forName="text" val="20"/>
+      <dgm:constr type="h" for="ch" forName="text" refType="h"/>
+      <dgm:constr type="primFontSz" for="ch" forName="text" op="equ" val="65"/>
+      <dgm:constr type="h" for="ch" forName="space" refType="h" fact="0.05"/>
+    </dgm:constrLst>
+    <dgm:forEach name="Name1" axis="ch" ptType="node">
+      <dgm:layoutNode name="text" styleLbl="node1">
+        <dgm:varLst>
+          <dgm:bulletEnabled val="1"/>
+        </dgm:varLst>
+        <dgm:alg type="tx"/>
+        <dgm:shape xmlns:r="http://schemas.openxmlformats.org/officeDocument/2006/relationships" type="rect" r:blip="">
+          <dgm:adjLst/>
+        </dgm:shape>
+        <dgm:presOf axis="desOrSelf" ptType="node"/>
+        <dgm:constrLst>
+          <dgm:constr type="tMarg" refType="primFontSz" fact="0.2"/>
+          <dgm:constr type="bMarg" refType="primFontSz" fact="0.2"/>
+          <dgm:constr type="lMarg" refType="primFontSz" fact="0.2"/>
+          <dgm:constr type="rMarg" refType="primFontSz" fact="0.2"/>
+        </dgm:constrLst>
+        <dgm:ruleLst>
+          <dgm:rule type="w" val="INF" fact="NaN" max="NaN"/>
+          <dgm:rule type="primFontSz" val="5" fact="NaN" max="NaN"/>
+        </dgm:ruleLst>
+      </dgm:layoutNode>
+      <dgm:choose name="Name2">
+        <dgm:if name="Name3" axis="par ch" ptType="doc node" func="cnt" op="gte" val="2">
+          <dgm:forEach name="Name4" axis="followSib" ptType="sibTrans" cnt="1">
+            <dgm:layoutNode name="space">
+              <dgm:alg type="sp"/>
+              <dgm:shape xmlns:r="http://schemas.openxmlformats.org/officeDocument/2006/relationships" r:blip="">
+                <dgm:adjLst/>
+              </dgm:shape>
+              <dgm:presOf/>
+            </dgm:layoutNode>
+          </dgm:forEach>
+        </dgm:if>
+        <dgm:else name="Name5"/>
+      </dgm:choose>
+    </dgm:forEach>
+  </dgm:layoutNode>
+</dgm:layoutDef>
+</file>
+
+<file path=ppt/diagrams/quickStyle1.xml><?xml version="1.0" encoding="utf-8"?>
+<dgm:styleDef xmlns:dgm="http://schemas.openxmlformats.org/drawingml/2006/diagram" xmlns:a="http://schemas.openxmlformats.org/drawingml/2006/main" uniqueId="urn:microsoft.com/office/officeart/2005/8/quickstyle/simple1">
+  <dgm:title val=""/>
+  <dgm:desc val=""/>
+  <dgm:catLst>
+    <dgm:cat type="simple" pri="10100"/>
+  </dgm:catLst>
+  <dgm:scene3d>
+    <a:camera prst="orthographicFront"/>
+    <a:lightRig rig="threePt" dir="t"/>
+  </dgm:scene3d>
+  <dgm:styleLbl name="node0">
+    <dgm:scene3d>
+      <a:camera prst="orthographicFront"/>
+      <a:lightRig rig="threePt" dir="t"/>
+    </dgm:scene3d>
+    <dgm:sp3d/>
+    <dgm:txPr/>
+    <dgm:style>
+      <a:lnRef idx="2">
+        <a:scrgbClr r="0" g="0" b="0"/>
+      </a:lnRef>
+      <a:fillRef idx="1">
+        <a:scrgbClr r="0" g="0" b="0"/>
+      </a:fillRef>
+      <a:effectRef idx="0">
+        <a:scrgbClr r="0" g="0" b="0"/>
+      </a:effectRef>
+      <a:fontRef idx="minor">
+        <a:schemeClr val="lt1"/>
+      </a:fontRef>
+    </dgm:style>
+  </dgm:styleLbl>
+  <dgm:styleLbl name="lnNode1">
+    <dgm:scene3d>
+      <a:camera prst="orthographicFront"/>
+      <a:lightRig rig="threePt" dir="t"/>
+    </dgm:scene3d>
+    <dgm:sp3d/>
+    <dgm:txPr/>
+    <dgm:style>
+      <a:lnRef idx="2">
+        <a:scrgbClr r="0" g="0" b="0"/>
+      </a:lnRef>
+      <a:fillRef idx="1">
+        <a:scrgbClr r="0" g="0" b="0"/>
+      </a:fillRef>
+      <a:effectRef idx="0">
+        <a:scrgbClr r="0" g="0" b="0"/>
+      </a:effectRef>
+      <a:fontRef idx="minor">
+        <a:schemeClr val="lt1"/>
+      </a:fontRef>
+    </dgm:style>
+  </dgm:styleLbl>
+  <dgm:styleLbl name="vennNode1">
+    <dgm:scene3d>
+      <a:camera prst="orthographicFront"/>
+      <a:lightRig rig="threePt" dir="t"/>
+    </dgm:scene3d>
+    <dgm:sp3d/>
+    <dgm:txPr/>
+    <dgm:style>
+      <a:lnRef idx="2">
+        <a:scrgbClr r="0" g="0" b="0"/>
+      </a:lnRef>
+      <a:fillRef idx="1">
+        <a:scrgbClr r="0" g="0" b="0"/>
+      </a:fillRef>
+      <a:effectRef idx="0">
+        <a:scrgbClr r="0" g="0" b="0"/>
+      </a:effectRef>
+      <a:fontRef idx="minor">
+        <a:schemeClr val="tx1"/>
+      </a:fontRef>
+    </dgm:style>
+  </dgm:styleLbl>
+  <dgm:styleLbl name="alignNode1">
+    <dgm:scene3d>
+      <a:camera prst="orthographicFront"/>
+      <a:lightRig rig="threePt" dir="t"/>
+    </dgm:scene3d>
+    <dgm:sp3d/>
+    <dgm:txPr/>
+    <dgm:style>
+      <a:lnRef idx="2">
+        <a:scrgbClr r="0" g="0" b="0"/>
+      </a:lnRef>
+      <a:fillRef idx="1">
+        <a:scrgbClr r="0" g="0" b="0"/>
+      </a:fillRef>
+      <a:effectRef idx="0">
+        <a:scrgbClr r="0" g="0" b="0"/>
+      </a:effectRef>
+      <a:fontRef idx="minor">
+        <a:schemeClr val="lt1"/>
+      </a:fontRef>
+    </dgm:style>
+  </dgm:styleLbl>
+  <dgm:styleLbl name="node1">
+    <dgm:scene3d>
+      <a:camera prst="orthographicFront"/>
+      <a:lightRig rig="threePt" dir="t"/>
+    </dgm:scene3d>
+    <dgm:sp3d/>
+    <dgm:txPr/>
+    <dgm:style>
+      <a:lnRef idx="2">
+        <a:scrgbClr r="0" g="0" b="0"/>
+      </a:lnRef>
+      <a:fillRef idx="1">
+        <a:scrgbClr r="0" g="0" b="0"/>
+      </a:fillRef>
+      <a:effectRef idx="0">
+        <a:scrgbClr r="0" g="0" b="0"/>
+      </a:effectRef>
+      <a:fontRef idx="minor">
+        <a:schemeClr val="lt1"/>
+      </a:fontRef>
+    </dgm:style>
+  </dgm:styleLbl>
+  <dgm:styleLbl name="node2">
+    <dgm:scene3d>
+      <a:camera prst="orthographicFront"/>
+      <a:lightRig rig="threePt" dir="t"/>
+    </dgm:scene3d>
+    <dgm:sp3d/>
+    <dgm:txPr/>
+    <dgm:style>
+      <a:lnRef idx="2">
+        <a:scrgbClr r="0" g="0" b="0"/>
+      </a:lnRef>
+      <a:fillRef idx="1">
+        <a:scrgbClr r="0" g="0" b="0"/>
+      </a:fillRef>
+      <a:effectRef idx="0">
+        <a:scrgbClr r="0" g="0" b="0"/>
+      </a:effectRef>
+      <a:fontRef idx="minor">
+        <a:schemeClr val="lt1"/>
+      </a:fontRef>
+    </dgm:style>
+  </dgm:styleLbl>
+  <dgm:styleLbl name="node3">
+    <dgm:scene3d>
+      <a:camera prst="orthographicFront"/>
+      <a:lightRig rig="threePt" dir="t"/>
+    </dgm:scene3d>
+    <dgm:sp3d/>
+    <dgm:txPr/>
+    <dgm:style>
+      <a:lnRef idx="2">
+        <a:scrgbClr r="0" g="0" b="0"/>
+      </a:lnRef>
+      <a:fillRef idx="1">
+        <a:scrgbClr r="0" g="0" b="0"/>
+      </a:fillRef>
+      <a:effectRef idx="0">
+        <a:scrgbClr r="0" g="0" b="0"/>
+      </a:effectRef>
+      <a:fontRef idx="minor">
+        <a:schemeClr val="lt1"/>
+      </a:fontRef>
+    </dgm:style>
+  </dgm:styleLbl>
+  <dgm:styleLbl name="node4">
+    <dgm:scene3d>
+      <a:camera prst="orthographicFront"/>
+      <a:lightRig rig="threePt" dir="t"/>
+    </dgm:scene3d>
+    <dgm:sp3d/>
+    <dgm:txPr/>
+    <dgm:style>
+      <a:lnRef idx="2">
+        <a:scrgbClr r="0" g="0" b="0"/>
+      </a:lnRef>
+      <a:fillRef idx="1">
+        <a:scrgbClr r="0" g="0" b="0"/>
+      </a:fillRef>
+      <a:effectRef idx="0">
+        <a:scrgbClr r="0" g="0" b="0"/>
+      </a:effectRef>
+      <a:fontRef idx="minor">
+        <a:schemeClr val="lt1"/>
+      </a:fontRef>
+    </dgm:style>
+  </dgm:styleLbl>
+  <dgm:styleLbl name="fgImgPlace1">
+    <dgm:scene3d>
+      <a:camera prst="orthographicFront"/>
+      <a:lightRig rig="threePt" dir="t"/>
+    </dgm:scene3d>
+    <dgm:sp3d/>
+    <dgm:txPr/>
+    <dgm:style>
+      <a:lnRef idx="2">
+        <a:scrgbClr r="0" g="0" b="0"/>
+      </a:lnRef>
+      <a:fillRef idx="1">
+        <a:scrgbClr r="0" g="0" b="0"/>
+      </a:fillRef>
+      <a:effectRef idx="0">
+        <a:scrgbClr r="0" g="0" b="0"/>
+      </a:effectRef>
+      <a:fontRef idx="minor"/>
+    </dgm:style>
+  </dgm:styleLbl>
+  <dgm:styleLbl name="alignImgPlace1">
+    <dgm:scene3d>
+      <a:camera prst="orthographicFront"/>
+      <a:lightRig rig="threePt" dir="t"/>
+    </dgm:scene3d>
+    <dgm:sp3d/>
+    <dgm:txPr/>
+    <dgm:style>
+      <a:lnRef idx="2">
+        <a:scrgbClr r="0" g="0" b="0"/>
+      </a:lnRef>
+      <a:fillRef idx="1">
+        <a:scrgbClr r="0" g="0" b="0"/>
+      </a:fillRef>
+      <a:effectRef idx="0">
+        <a:scrgbClr r="0" g="0" b="0"/>
+      </a:effectRef>
+      <a:fontRef idx="minor"/>
+    </dgm:style>
+  </dgm:styleLbl>
+  <dgm:styleLbl name="bgImgPlace1">
+    <dgm:scene3d>
+      <a:camera prst="orthographicFront"/>
+      <a:lightRig rig="threePt" dir="t"/>
+    </dgm:scene3d>
+    <dgm:sp3d/>
+    <dgm:txPr/>
+    <dgm:style>
+      <a:lnRef idx="2">
+        <a:scrgbClr r="0" g="0" b="0"/>
+      </a:lnRef>
+      <a:fillRef idx="1">
+        <a:scrgbClr r="0" g="0" b="0"/>
+      </a:fillRef>
+      <a:effectRef idx="0">
+        <a:scrgbClr r="0" g="0" b="0"/>
+      </a:effectRef>
+      <a:fontRef idx="minor"/>
+    </dgm:style>
+  </dgm:styleLbl>
+  <dgm:styleLbl name="sibTrans2D1">
+    <dgm:scene3d>
+      <a:camera prst="orthographicFront"/>
+      <a:lightRig rig="threePt" dir="t"/>
+    </dgm:scene3d>
+    <dgm:sp3d/>
+    <dgm:txPr/>
+    <dgm:style>
+      <a:lnRef idx="0">
+        <a:scrgbClr r="0" g="0" b="0"/>
+      </a:lnRef>
+      <a:fillRef idx="1">
+        <a:scrgbClr r="0" g="0" b="0"/>
+      </a:fillRef>
+      <a:effectRef idx="0">
+        <a:scrgbClr r="0" g="0" b="0"/>
+      </a:effectRef>
+      <a:fontRef idx="minor">
+        <a:schemeClr val="lt1"/>
+      </a:fontRef>
+    </dgm:style>
+  </dgm:styleLbl>
+  <dgm:styleLbl name="fgSibTrans2D1">
+    <dgm:scene3d>
+      <a:camera prst="orthographicFront"/>
+      <a:lightRig rig="threePt" dir="t"/>
+    </dgm:scene3d>
+    <dgm:sp3d/>
+    <dgm:txPr/>
+    <dgm:style>
+      <a:lnRef idx="0">
+        <a:scrgbClr r="0" g="0" b="0"/>
+      </a:lnRef>
+      <a:fillRef idx="1">
+        <a:scrgbClr r="0" g="0" b="0"/>
+      </a:fillRef>
+      <a:effectRef idx="0">
+        <a:scrgbClr r="0" g="0" b="0"/>
+      </a:effectRef>
+      <a:fontRef idx="minor">
+        <a:schemeClr val="lt1"/>
+      </a:fontRef>
+    </dgm:style>
+  </dgm:styleLbl>
+  <dgm:styleLbl name="bgSibTrans2D1">
+    <dgm:scene3d>
+      <a:camera prst="orthographicFront"/>
+      <a:lightRig rig="threePt" dir="t"/>
+    </dgm:scene3d>
+    <dgm:sp3d/>
+    <dgm:txPr/>
+    <dgm:style>
+      <a:lnRef idx="0">
+        <a:scrgbClr r="0" g="0" b="0"/>
+      </a:lnRef>
+      <a:fillRef idx="1">
+        <a:scrgbClr r="0" g="0" b="0"/>
+      </a:fillRef>
+      <a:effectRef idx="0">
+        <a:scrgbClr r="0" g="0" b="0"/>
+      </a:effectRef>
+      <a:fontRef idx="minor">
+        <a:schemeClr val="lt1"/>
+      </a:fontRef>
+    </dgm:style>
+  </dgm:styleLbl>
+  <dgm:styleLbl name="sibTrans1D1">
+    <dgm:scene3d>
+      <a:camera prst="orthographicFront"/>
+      <a:lightRig rig="threePt" dir="t"/>
+    </dgm:scene3d>
+    <dgm:sp3d/>
+    <dgm:txPr/>
+    <dgm:style>
+      <a:lnRef idx="1">
+        <a:scrgbClr r="0" g="0" b="0"/>
+      </a:lnRef>
+      <a:fillRef idx="0">
+        <a:scrgbClr r="0" g="0" b="0"/>
+      </a:fillRef>
+      <a:effectRef idx="0">
+        <a:scrgbClr r="0" g="0" b="0"/>
+      </a:effectRef>
+      <a:fontRef idx="minor"/>
+    </dgm:style>
+  </dgm:styleLbl>
+  <dgm:styleLbl name="callout">
+    <dgm:scene3d>
+      <a:camera prst="orthographicFront"/>
+      <a:lightRig rig="threePt" dir="t"/>
+    </dgm:scene3d>
+    <dgm:sp3d/>
+    <dgm:txPr/>
+    <dgm:style>
+      <a:lnRef idx="2">
+        <a:scrgbClr r="0" g="0" b="0"/>
+      </a:lnRef>
+      <a:fillRef idx="1">
+        <a:scrgbClr r="0" g="0" b="0"/>
+      </a:fillRef>
+      <a:effectRef idx="0">
+        <a:scrgbClr r="0" g="0" b="0"/>
+      </a:effectRef>
+      <a:fontRef idx="minor"/>
+    </dgm:style>
+  </dgm:styleLbl>
+  <dgm:styleLbl name="asst0">
+    <dgm:scene3d>
+      <a:camera prst="orthographicFront"/>
+      <a:lightRig rig="threePt" dir="t"/>
+    </dgm:scene3d>
+    <dgm:sp3d/>
+    <dgm:txPr/>
+    <dgm:style>
+      <a:lnRef idx="2">
+        <a:scrgbClr r="0" g="0" b="0"/>
+      </a:lnRef>
+      <a:fillRef idx="1">
+        <a:scrgbClr r="0" g="0" b="0"/>
+      </a:fillRef>
+      <a:effectRef idx="0">
+        <a:scrgbClr r="0" g="0" b="0"/>
+      </a:effectRef>
+      <a:fontRef idx="minor">
+        <a:schemeClr val="lt1"/>
+      </a:fontRef>
+    </dgm:style>
+  </dgm:styleLbl>
+  <dgm:styleLbl name="asst1">
+    <dgm:scene3d>
+      <a:camera prst="orthographicFront"/>
+      <a:lightRig rig="threePt" dir="t"/>
+    </dgm:scene3d>
+    <dgm:sp3d/>
+    <dgm:txPr/>
+    <dgm:style>
+      <a:lnRef idx="2">
+        <a:scrgbClr r="0" g="0" b="0"/>
+      </a:lnRef>
+      <a:fillRef idx="1">
+        <a:scrgbClr r="0" g="0" b="0"/>
+      </a:fillRef>
+      <a:effectRef idx="0">
+        <a:scrgbClr r="0" g="0" b="0"/>
+      </a:effectRef>
+      <a:fontRef idx="minor">
+        <a:schemeClr val="lt1"/>
+      </a:fontRef>
+    </dgm:style>
+  </dgm:styleLbl>
+  <dgm:styleLbl name="asst2">
+    <dgm:scene3d>
+      <a:camera prst="orthographicFront"/>
+      <a:lightRig rig="threePt" dir="t"/>
+    </dgm:scene3d>
+    <dgm:sp3d/>
+    <dgm:txPr/>
+    <dgm:style>
+      <a:lnRef idx="2">
+        <a:scrgbClr r="0" g="0" b="0"/>
+      </a:lnRef>
+      <a:fillRef idx="1">
+        <a:scrgbClr r="0" g="0" b="0"/>
+      </a:fillRef>
+      <a:effectRef idx="0">
+        <a:scrgbClr r="0" g="0" b="0"/>
+      </a:effectRef>
+      <a:fontRef idx="minor">
+        <a:schemeClr val="lt1"/>
+      </a:fontRef>
+    </dgm:style>
+  </dgm:styleLbl>
+  <dgm:styleLbl name="asst3">
+    <dgm:scene3d>
+      <a:camera prst="orthographicFront"/>
+      <a:lightRig rig="threePt" dir="t"/>
+    </dgm:scene3d>
+    <dgm:sp3d/>
+    <dgm:txPr/>
+    <dgm:style>
+      <a:lnRef idx="2">
+        <a:scrgbClr r="0" g="0" b="0"/>
+      </a:lnRef>
+      <a:fillRef idx="1">
+        <a:scrgbClr r="0" g="0" b="0"/>
+      </a:fillRef>
+      <a:effectRef idx="0">
+        <a:scrgbClr r="0" g="0" b="0"/>
+      </a:effectRef>
+      <a:fontRef idx="minor">
+        <a:schemeClr val="lt1"/>
+      </a:fontRef>
+    </dgm:style>
+  </dgm:styleLbl>
+  <dgm:styleLbl name="asst4">
+    <dgm:scene3d>
+      <a:camera prst="orthographicFront"/>
+      <a:lightRig rig="threePt" dir="t"/>
+    </dgm:scene3d>
+    <dgm:sp3d/>
+    <dgm:txPr/>
+    <dgm:style>
+      <a:lnRef idx="2">
+        <a:scrgbClr r="0" g="0" b="0"/>
+      </a:lnRef>
+      <a:fillRef idx="1">
+        <a:scrgbClr r="0" g="0" b="0"/>
+      </a:fillRef>
+      <a:effectRef idx="0">
+        <a:scrgbClr r="0" g="0" b="0"/>
+      </a:effectRef>
+      <a:fontRef idx="minor">
+        <a:schemeClr val="lt1"/>
+      </a:fontRef>
+    </dgm:style>
+  </dgm:styleLbl>
+  <dgm:styleLbl name="parChTrans2D1">
+    <dgm:scene3d>
+      <a:camera prst="orthographicFront"/>
+      <a:lightRig rig="threePt" dir="t"/>
+    </dgm:scene3d>
+    <dgm:sp3d/>
+    <dgm:txPr/>
+    <dgm:style>
+      <a:lnRef idx="2">
+        <a:scrgbClr r="0" g="0" b="0"/>
+      </a:lnRef>
+      <a:fillRef idx="1">
+        <a:scrgbClr r="0" g="0" b="0"/>
+      </a:fillRef>
+      <a:effectRef idx="0">
+        <a:scrgbClr r="0" g="0" b="0"/>
+      </a:effectRef>
+      <a:fontRef idx="minor">
+        <a:schemeClr val="lt1"/>
+      </a:fontRef>
+    </dgm:style>
+  </dgm:styleLbl>
+  <dgm:styleLbl name="parChTrans2D2">
+    <dgm:scene3d>
+      <a:camera prst="orthographicFront"/>
+      <a:lightRig rig="threePt" dir="t"/>
+    </dgm:scene3d>
+    <dgm:sp3d/>
+    <dgm:txPr/>
+    <dgm:style>
+      <a:lnRef idx="2">
+        <a:scrgbClr r="0" g="0" b="0"/>
+      </a:lnRef>
+      <a:fillRef idx="1">
+        <a:scrgbClr r="0" g="0" b="0"/>
+      </a:fillRef>
+      <a:effectRef idx="0">
+        <a:scrgbClr r="0" g="0" b="0"/>
+      </a:effectRef>
+      <a:fontRef idx="minor">
+        <a:schemeClr val="lt1"/>
+      </a:fontRef>
+    </dgm:style>
+  </dgm:styleLbl>
+  <dgm:styleLbl name="parChTrans2D3">
+    <dgm:scene3d>
+      <a:camera prst="orthographicFront"/>
+      <a:lightRig rig="threePt" dir="t"/>
+    </dgm:scene3d>
+    <dgm:sp3d/>
+    <dgm:txPr/>
+    <dgm:style>
+      <a:lnRef idx="2">
+        <a:scrgbClr r="0" g="0" b="0"/>
+      </a:lnRef>
+      <a:fillRef idx="1">
+        <a:scrgbClr r="0" g="0" b="0"/>
+      </a:fillRef>
+      <a:effectRef idx="0">
+        <a:scrgbClr r="0" g="0" b="0"/>
+      </a:effectRef>
+      <a:fontRef idx="minor">
+        <a:schemeClr val="lt1"/>
+      </a:fontRef>
+    </dgm:style>
+  </dgm:styleLbl>
+  <dgm:styleLbl name="parChTrans2D4">
+    <dgm:scene3d>
+      <a:camera prst="orthographicFront"/>
+      <a:lightRig rig="threePt" dir="t"/>
+    </dgm:scene3d>
+    <dgm:sp3d/>
+    <dgm:txPr/>
+    <dgm:style>
+      <a:lnRef idx="2">
+        <a:scrgbClr r="0" g="0" b="0"/>
+      </a:lnRef>
+      <a:fillRef idx="1">
+        <a:scrgbClr r="0" g="0" b="0"/>
+      </a:fillRef>
+      <a:effectRef idx="0">
+        <a:scrgbClr r="0" g="0" b="0"/>
+      </a:effectRef>
+      <a:fontRef idx="minor">
+        <a:schemeClr val="lt1"/>
+      </a:fontRef>
+    </dgm:style>
+  </dgm:styleLbl>
+  <dgm:styleLbl name="parChTrans1D1">
+    <dgm:scene3d>
+      <a:camera prst="orthographicFront"/>
+      <a:lightRig rig="threePt" dir="t"/>
+    </dgm:scene3d>
+    <dgm:sp3d/>
+    <dgm:txPr/>
+    <dgm:style>
+      <a:lnRef idx="2">
+        <a:scrgbClr r="0" g="0" b="0"/>
+      </a:lnRef>
+      <a:fillRef idx="0">
+        <a:scrgbClr r="0" g="0" b="0"/>
+      </a:fillRef>
+      <a:effectRef idx="0">
+        <a:scrgbClr r="0" g="0" b="0"/>
+      </a:effectRef>
+      <a:fontRef idx="minor"/>
+    </dgm:style>
+  </dgm:styleLbl>
+  <dgm:styleLbl name="parChTrans1D2">
+    <dgm:scene3d>
+      <a:camera prst="orthographicFront"/>
+      <a:lightRig rig="threePt" dir="t"/>
+    </dgm:scene3d>
+    <dgm:sp3d/>
+    <dgm:txPr/>
+    <dgm:style>
+      <a:lnRef idx="2">
+        <a:scrgbClr r="0" g="0" b="0"/>
+      </a:lnRef>
+      <a:fillRef idx="0">
+        <a:scrgbClr r="0" g="0" b="0"/>
+      </a:fillRef>
+      <a:effectRef idx="0">
+        <a:scrgbClr r="0" g="0" b="0"/>
+      </a:effectRef>
+      <a:fontRef idx="minor"/>
+    </dgm:style>
+  </dgm:styleLbl>
+  <dgm:styleLbl name="parChTrans1D3">
+    <dgm:scene3d>
+      <a:camera prst="orthographicFront"/>
+      <a:lightRig rig="threePt" dir="t"/>
+    </dgm:scene3d>
+    <dgm:sp3d/>
+    <dgm:txPr/>
+    <dgm:style>
+      <a:lnRef idx="2">
+        <a:scrgbClr r="0" g="0" b="0"/>
+      </a:lnRef>
+      <a:fillRef idx="0">
+        <a:scrgbClr r="0" g="0" b="0"/>
+      </a:fillRef>
+      <a:effectRef idx="0">
+        <a:scrgbClr r="0" g="0" b="0"/>
+      </a:effectRef>
+      <a:fontRef idx="minor"/>
+    </dgm:style>
+  </dgm:styleLbl>
+  <dgm:styleLbl name="parChTrans1D4">
+    <dgm:scene3d>
+      <a:camera prst="orthographicFront"/>
+      <a:lightRig rig="threePt" dir="t"/>
+    </dgm:scene3d>
+    <dgm:sp3d/>
+    <dgm:txPr/>
+    <dgm:style>
+      <a:lnRef idx="2">
+        <a:scrgbClr r="0" g="0" b="0"/>
+      </a:lnRef>
+      <a:fillRef idx="0">
+        <a:scrgbClr r="0" g="0" b="0"/>
+      </a:fillRef>
+      <a:effectRef idx="0">
+        <a:scrgbClr r="0" g="0" b="0"/>
+      </a:effectRef>
+      <a:fontRef idx="minor"/>
+    </dgm:style>
+  </dgm:styleLbl>
+  <dgm:styleLbl name="fgAcc1">
+    <dgm:scene3d>
+      <a:camera prst="orthographicFront"/>
+      <a:lightRig rig="threePt" dir="t"/>
+    </dgm:scene3d>
+    <dgm:sp3d/>
+    <dgm:txPr/>
+    <dgm:style>
+      <a:lnRef idx="2">
+        <a:scrgbClr r="0" g="0" b="0"/>
+      </a:lnRef>
+      <a:fillRef idx="1">
+        <a:scrgbClr r="0" g="0" b="0"/>
+      </a:fillRef>
+      <a:effectRef idx="0">
+        <a:scrgbClr r="0" g="0" b="0"/>
+      </a:effectRef>
+      <a:fontRef idx="minor"/>
+    </dgm:style>
+  </dgm:styleLbl>
+  <dgm:styleLbl name="conFgAcc1">
+    <dgm:scene3d>
+      <a:camera prst="orthographicFront"/>
+      <a:lightRig rig="threePt" dir="t"/>
+    </dgm:scene3d>
+    <dgm:sp3d/>
+    <dgm:txPr/>
+    <dgm:style>
+      <a:lnRef idx="2">
+        <a:scrgbClr r="0" g="0" b="0"/>
+      </a:lnRef>
+      <a:fillRef idx="1">
+        <a:scrgbClr r="0" g="0" b="0"/>
+      </a:fillRef>
+      <a:effectRef idx="0">
+        <a:scrgbClr r="0" g="0" b="0"/>
+      </a:effectRef>
+      <a:fontRef idx="minor"/>
+    </dgm:style>
+  </dgm:styleLbl>
+  <dgm:styleLbl name="alignAcc1">
+    <dgm:scene3d>
+      <a:camera prst="orthographicFront"/>
+      <a:lightRig rig="threePt" dir="t"/>
+    </dgm:scene3d>
+    <dgm:sp3d/>
+    <dgm:txPr/>
+    <dgm:style>
+      <a:lnRef idx="2">
+        <a:scrgbClr r="0" g="0" b="0"/>
+      </a:lnRef>
+      <a:fillRef idx="1">
+        <a:scrgbClr r="0" g="0" b="0"/>
+      </a:fillRef>
+      <a:effectRef idx="0">
+        <a:scrgbClr r="0" g="0" b="0"/>
+      </a:effectRef>
+      <a:fontRef idx="minor"/>
+    </dgm:style>
+  </dgm:styleLbl>
+  <dgm:styleLbl name="trAlignAcc1">
+    <dgm:scene3d>
+      <a:camera prst="orthographicFront"/>
+      <a:lightRig rig="threePt" dir="t"/>
+    </dgm:scene3d>
+    <dgm:sp3d/>
+    <dgm:txPr/>
+    <dgm:style>
+      <a:lnRef idx="1">
+        <a:scrgbClr r="0" g="0" b="0"/>
+      </a:lnRef>
+      <a:fillRef idx="1">
+        <a:scrgbClr r="0" g="0" b="0"/>
+      </a:fillRef>
+      <a:effectRef idx="0">
+        <a:scrgbClr r="0" g="0" b="0"/>
+      </a:effectRef>
+      <a:fontRef idx="minor"/>
+    </dgm:style>
+  </dgm:styleLbl>
+  <dgm:styleLbl name="bgAcc1">
+    <dgm:scene3d>
+      <a:camera prst="orthographicFront"/>
+      <a:lightRig rig="threePt" dir="t"/>
+    </dgm:scene3d>
+    <dgm:sp3d/>
+    <dgm:txPr/>
+    <dgm:style>
+      <a:lnRef idx="2">
+        <a:scrgbClr r="0" g="0" b="0"/>
+      </a:lnRef>
+      <a:fillRef idx="1">
+        <a:scrgbClr r="0" g="0" b="0"/>
+      </a:fillRef>
+      <a:effectRef idx="0">
+        <a:scrgbClr r="0" g="0" b="0"/>
+      </a:effectRef>
+      <a:fontRef idx="minor"/>
+    </dgm:style>
+  </dgm:styleLbl>
+  <dgm:styleLbl name="solidFgAcc1">
+    <dgm:scene3d>
+      <a:camera prst="orthographicFront"/>
+      <a:lightRig rig="threePt" dir="t"/>
+    </dgm:scene3d>
+    <dgm:sp3d/>
+    <dgm:txPr/>
+    <dgm:style>
+      <a:lnRef idx="2">
+        <a:scrgbClr r="0" g="0" b="0"/>
+      </a:lnRef>
+      <a:fillRef idx="1">
+        <a:scrgbClr r="0" g="0" b="0"/>
+      </a:fillRef>
+      <a:effectRef idx="0">
+        <a:scrgbClr r="0" g="0" b="0"/>
+      </a:effectRef>
+      <a:fontRef idx="minor"/>
+    </dgm:style>
+  </dgm:styleLbl>
+  <dgm:styleLbl name="solidAlignAcc1">
+    <dgm:scene3d>
+      <a:camera prst="orthographicFront"/>
+      <a:lightRig rig="threePt" dir="t"/>
+    </dgm:scene3d>
+    <dgm:sp3d/>
+    <dgm:txPr/>
+    <dgm:style>
+      <a:lnRef idx="2">
+        <a:scrgbClr r="0" g="0" b="0"/>
+      </a:lnRef>
+      <a:fillRef idx="1">
+        <a:scrgbClr r="0" g="0" b="0"/>
+      </a:fillRef>
+      <a:effectRef idx="0">
+        <a:scrgbClr r="0" g="0" b="0"/>
+      </a:effectRef>
+      <a:fontRef idx="minor"/>
+    </dgm:style>
+  </dgm:styleLbl>
+  <dgm:styleLbl name="solidBgAcc1">
+    <dgm:scene3d>
+      <a:camera prst="orthographicFront"/>
+      <a:lightRig rig="threePt" dir="t"/>
+    </dgm:scene3d>
+    <dgm:sp3d/>
+    <dgm:txPr/>
+    <dgm:style>
+      <a:lnRef idx="2">
+        <a:scrgbClr r="0" g="0" b="0"/>
+      </a:lnRef>
+      <a:fillRef idx="1">
+        <a:scrgbClr r="0" g="0" b="0"/>
+      </a:fillRef>
+      <a:effectRef idx="0">
+        <a:scrgbClr r="0" g="0" b="0"/>
+      </a:effectRef>
+      <a:fontRef idx="minor"/>
+    </dgm:style>
+  </dgm:styleLbl>
+  <dgm:styleLbl name="fgAccFollowNode1">
+    <dgm:scene3d>
+      <a:camera prst="orthographicFront"/>
+      <a:lightRig rig="threePt" dir="t"/>
+    </dgm:scene3d>
+    <dgm:sp3d/>
+    <dgm:txPr/>
+    <dgm:style>
+      <a:lnRef idx="2">
+        <a:scrgbClr r="0" g="0" b="0"/>
+      </a:lnRef>
+      <a:fillRef idx="1">
+        <a:scrgbClr r="0" g="0" b="0"/>
+      </a:fillRef>
+      <a:effectRef idx="0">
+        <a:scrgbClr r="0" g="0" b="0"/>
+      </a:effectRef>
+      <a:fontRef idx="minor"/>
+    </dgm:style>
+  </dgm:styleLbl>
+  <dgm:styleLbl name="alignAccFollowNode1">
+    <dgm:scene3d>
+      <a:camera prst="orthographicFront"/>
+      <a:lightRig rig="threePt" dir="t"/>
+    </dgm:scene3d>
+    <dgm:sp3d/>
+    <dgm:txPr/>
+    <dgm:style>
+      <a:lnRef idx="2">
+        <a:scrgbClr r="0" g="0" b="0"/>
+      </a:lnRef>
+      <a:fillRef idx="1">
+        <a:scrgbClr r="0" g="0" b="0"/>
+      </a:fillRef>
+      <a:effectRef idx="0">
+        <a:scrgbClr r="0" g="0" b="0"/>
+      </a:effectRef>
+      <a:fontRef idx="minor"/>
+    </dgm:style>
+  </dgm:styleLbl>
+  <dgm:styleLbl name="bgAccFollowNode1">
+    <dgm:scene3d>
+      <a:camera prst="orthographicFront"/>
+      <a:lightRig rig="threePt" dir="t"/>
+    </dgm:scene3d>
+    <dgm:sp3d/>
+    <dgm:txPr/>
+    <dgm:style>
+      <a:lnRef idx="2">
+        <a:scrgbClr r="0" g="0" b="0"/>
+      </a:lnRef>
+      <a:fillRef idx="1">
+        <a:scrgbClr r="0" g="0" b="0"/>
+      </a:fillRef>
+      <a:effectRef idx="0">
+        <a:scrgbClr r="0" g="0" b="0"/>
+      </a:effectRef>
+      <a:fontRef idx="minor"/>
+    </dgm:style>
+  </dgm:styleLbl>
+  <dgm:styleLbl name="fgAcc0">
+    <dgm:scene3d>
+      <a:camera prst="orthographicFront"/>
+      <a:lightRig rig="threePt" dir="t"/>
+    </dgm:scene3d>
+    <dgm:sp3d/>
+    <dgm:txPr/>
+    <dgm:style>
+      <a:lnRef idx="2">
+        <a:scrgbClr r="0" g="0" b="0"/>
+      </a:lnRef>
+      <a:fillRef idx="1">
+        <a:scrgbClr r="0" g="0" b="0"/>
+      </a:fillRef>
+      <a:effectRef idx="0">
+        <a:scrgbClr r="0" g="0" b="0"/>
+      </a:effectRef>
+      <a:fontRef idx="minor"/>
+    </dgm:style>
+  </dgm:styleLbl>
+  <dgm:styleLbl name="fgAcc2">
+    <dgm:scene3d>
+      <a:camera prst="orthographicFront"/>
+      <a:lightRig rig="threePt" dir="t"/>
+    </dgm:scene3d>
+    <dgm:sp3d/>
+    <dgm:txPr/>
+    <dgm:style>
+      <a:lnRef idx="2">
+        <a:scrgbClr r="0" g="0" b="0"/>
+      </a:lnRef>
+      <a:fillRef idx="1">
+        <a:scrgbClr r="0" g="0" b="0"/>
+      </a:fillRef>
+      <a:effectRef idx="0">
+        <a:scrgbClr r="0" g="0" b="0"/>
+      </a:effectRef>
+      <a:fontRef idx="minor"/>
+    </dgm:style>
+  </dgm:styleLbl>
+  <dgm:styleLbl name="fgAcc3">
+    <dgm:scene3d>
+      <a:camera prst="orthographicFront"/>
+      <a:lightRig rig="threePt" dir="t"/>
+    </dgm:scene3d>
+    <dgm:sp3d/>
+    <dgm:txPr/>
+    <dgm:style>
+      <a:lnRef idx="2">
+        <a:scrgbClr r="0" g="0" b="0"/>
+      </a:lnRef>
+      <a:fillRef idx="1">
+        <a:scrgbClr r="0" g="0" b="0"/>
+      </a:fillRef>
+      <a:effectRef idx="0">
+        <a:scrgbClr r="0" g="0" b="0"/>
+      </a:effectRef>
+      <a:fontRef idx="minor"/>
+    </dgm:style>
+  </dgm:styleLbl>
+  <dgm:styleLbl name="fgAcc4">
+    <dgm:scene3d>
+      <a:camera prst="orthographicFront"/>
+      <a:lightRig rig="threePt" dir="t"/>
+    </dgm:scene3d>
+    <dgm:sp3d/>
+    <dgm:txPr/>
+    <dgm:style>
+      <a:lnRef idx="2">
+        <a:scrgbClr r="0" g="0" b="0"/>
+      </a:lnRef>
+      <a:fillRef idx="1">
+        <a:scrgbClr r="0" g="0" b="0"/>
+      </a:fillRef>
+      <a:effectRef idx="0">
+        <a:scrgbClr r="0" g="0" b="0"/>
+      </a:effectRef>
+      <a:fontRef idx="minor"/>
+    </dgm:style>
+  </dgm:styleLbl>
+  <dgm:styleLbl name="bgShp">
+    <dgm:scene3d>
+      <a:camera prst="orthographicFront"/>
+      <a:lightRig rig="threePt" dir="t"/>
+    </dgm:scene3d>
+    <dgm:sp3d/>
+    <dgm:txPr/>
+    <dgm:style>
+      <a:lnRef idx="0">
+        <a:scrgbClr r="0" g="0" b="0"/>
+      </a:lnRef>
+      <a:fillRef idx="1">
+        <a:scrgbClr r="0" g="0" b="0"/>
+      </a:fillRef>
+      <a:effectRef idx="0">
+        <a:scrgbClr r="0" g="0" b="0"/>
+      </a:effectRef>
+      <a:fontRef idx="minor"/>
+    </dgm:style>
+  </dgm:styleLbl>
+  <dgm:styleLbl name="dkBgShp">
+    <dgm:scene3d>
+      <a:camera prst="orthographicFront"/>
+      <a:lightRig rig="threePt" dir="t"/>
+    </dgm:scene3d>
+    <dgm:sp3d/>
+    <dgm:txPr/>
+    <dgm:style>
+      <a:lnRef idx="0">
+        <a:scrgbClr r="0" g="0" b="0"/>
+      </a:lnRef>
+      <a:fillRef idx="1">
+        <a:scrgbClr r="0" g="0" b="0"/>
+      </a:fillRef>
+      <a:effectRef idx="0">
+        <a:scrgbClr r="0" g="0" b="0"/>
+      </a:effectRef>
+      <a:fontRef idx="minor"/>
+    </dgm:style>
+  </dgm:styleLbl>
+  <dgm:styleLbl name="trBgShp">
+    <dgm:scene3d>
+      <a:camera prst="orthographicFront"/>
+      <a:lightRig rig="threePt" dir="t"/>
+    </dgm:scene3d>
+    <dgm:sp3d/>
+    <dgm:txPr/>
+    <dgm:style>
+      <a:lnRef idx="0">
+        <a:scrgbClr r="0" g="0" b="0"/>
+      </a:lnRef>
+      <a:fillRef idx="1">
+        <a:scrgbClr r="0" g="0" b="0"/>
+      </a:fillRef>
+      <a:effectRef idx="0">
+        <a:scrgbClr r="0" g="0" b="0"/>
+      </a:effectRef>
+      <a:fontRef idx="minor"/>
+    </dgm:style>
+  </dgm:styleLbl>
+  <dgm:styleLbl name="fgShp">
+    <dgm:scene3d>
+      <a:camera prst="orthographicFront"/>
+      <a:lightRig rig="threePt" dir="t"/>
+    </dgm:scene3d>
+    <dgm:sp3d/>
+    <dgm:txPr/>
+    <dgm:style>
+      <a:lnRef idx="2">
+        <a:scrgbClr r="0" g="0" b="0"/>
+      </a:lnRef>
+      <a:fillRef idx="1">
+        <a:scrgbClr r="0" g="0" b="0"/>
+      </a:fillRef>
+      <a:effectRef idx="0">
+        <a:scrgbClr r="0" g="0" b="0"/>
+      </a:effectRef>
+      <a:fontRef idx="minor"/>
+    </dgm:style>
+  </dgm:styleLbl>
+  <dgm:styleLbl name="revTx">
+    <dgm:scene3d>
+      <a:camera prst="orthographicFront"/>
+      <a:lightRig rig="threePt" dir="t"/>
+    </dgm:scene3d>
+    <dgm:sp3d/>
+    <dgm:txPr/>
+    <dgm:style>
+      <a:lnRef idx="0">
+        <a:scrgbClr r="0" g="0" b="0"/>
+      </a:lnRef>
+      <a:fillRef idx="0">
+        <a:scrgbClr r="0" g="0" b="0"/>
+      </a:fillRef>
+      <a:effectRef idx="0">
+        <a:scrgbClr r="0" g="0" b="0"/>
+      </a:effectRef>
+      <a:fontRef idx="minor"/>
+    </dgm:style>
+  </dgm:styleLbl>
+</dgm:styleDef>
 </file>
 
 <file path=ppt/slideLayouts/slideLayout1.xml><?xml version="1.0" encoding="utf-8"?>
@@ -3998,116 +6695,1040 @@
           <a:bodyPr/>
           <a:lstStyle/>
           <a:p>
-            <a:endParaRPr lang="en-GB"/>
+            <a:r>
+              <a:rPr lang="en-GB" dirty="0"/>
+              <a:t>cum se </a:t>
+            </a:r>
+            <a:r>
+              <a:rPr lang="en-GB" dirty="0" err="1"/>
+              <a:t>creaza</a:t>
+            </a:r>
+            <a:r>
+              <a:rPr lang="en-GB" dirty="0"/>
+              <a:t> un RDD?</a:t>
+            </a:r>
+            <a:endParaRPr lang="en-US" dirty="0"/>
           </a:p>
         </p:txBody>
       </p:sp>
       <p:sp>
         <p:nvSpPr>
-          <p:cNvPr id="3" name="Content Placeholder 2"/>
+          <p:cNvPr id="3" name="Text Placeholder 2"/>
           <p:cNvSpPr>
             <a:spLocks noGrp="1"/>
           </p:cNvSpPr>
           <p:nvPr>
-            <p:ph idx="1"/>
+            <p:ph type="body" idx="1"/>
           </p:nvPr>
         </p:nvSpPr>
-        <p:spPr/>
+        <p:spPr>
+          <a:xfrm>
+            <a:off x="0" y="1925582"/>
+            <a:ext cx="5157787" cy="823912"/>
+          </a:xfrm>
+        </p:spPr>
         <p:txBody>
           <a:bodyPr/>
           <a:lstStyle/>
           <a:p>
+            <a:pPr lvl="1"/>
             <a:r>
               <a:rPr lang="en-GB" dirty="0" smtClean="0"/>
-              <a:t>cum se </a:t>
-            </a:r>
-            <a:r>
-              <a:rPr lang="en-GB" dirty="0" err="1" smtClean="0"/>
-              <a:t>creaza</a:t>
-            </a:r>
-            <a:r>
-              <a:rPr lang="en-GB" dirty="0" smtClean="0"/>
-              <a:t> un RDD</a:t>
-            </a:r>
-          </a:p>
-          <a:p>
-            <a:pPr lvl="1"/>
+              <a:t>1. </a:t>
+            </a:r>
             <a:r>
               <a:rPr lang="en-GB" dirty="0" err="1" smtClean="0"/>
               <a:t>citire</a:t>
             </a:r>
             <a:r>
               <a:rPr lang="en-GB" dirty="0" smtClean="0"/>
-              <a:t> din </a:t>
+              <a:t> </a:t>
+            </a:r>
+            <a:r>
+              <a:rPr lang="en-GB" dirty="0"/>
+              <a:t>din </a:t>
+            </a:r>
+            <a:r>
+              <a:rPr lang="en-GB" dirty="0" err="1"/>
+              <a:t>fisier</a:t>
+            </a:r>
+            <a:endParaRPr lang="en-GB" dirty="0"/>
+          </a:p>
+        </p:txBody>
+      </p:sp>
+      <p:sp>
+        <p:nvSpPr>
+          <p:cNvPr id="5" name="Text Placeholder 4"/>
+          <p:cNvSpPr>
+            <a:spLocks noGrp="1"/>
+          </p:cNvSpPr>
+          <p:nvPr>
+            <p:ph type="body" sz="quarter" idx="3"/>
+          </p:nvPr>
+        </p:nvSpPr>
+        <p:spPr>
+          <a:xfrm>
+            <a:off x="-25401" y="3990726"/>
+            <a:ext cx="7809524" cy="823912"/>
+          </a:xfrm>
+        </p:spPr>
+        <p:txBody>
+          <a:bodyPr/>
+          <a:lstStyle/>
+          <a:p>
+            <a:pPr lvl="1"/>
+            <a:r>
+              <a:rPr lang="en-GB" dirty="0" smtClean="0"/>
+              <a:t>2.prin </a:t>
+            </a:r>
+            <a:r>
+              <a:rPr lang="en-GB" dirty="0" err="1"/>
+              <a:t>apelelarea</a:t>
+            </a:r>
+            <a:r>
+              <a:rPr lang="en-GB" dirty="0"/>
+              <a:t> </a:t>
+            </a:r>
+            <a:r>
+              <a:rPr lang="en-GB" dirty="0" err="1"/>
+              <a:t>metode</a:t>
+            </a:r>
+            <a:r>
+              <a:rPr lang="en-GB" dirty="0"/>
+              <a:t> </a:t>
+            </a:r>
+            <a:r>
+              <a:rPr lang="en-GB" dirty="0" err="1"/>
+              <a:t>sc.paralalize</a:t>
+            </a:r>
+            <a:r>
+              <a:rPr lang="en-GB" dirty="0" smtClean="0"/>
+              <a:t>() </a:t>
             </a:r>
             <a:r>
               <a:rPr lang="en-GB" dirty="0" err="1" smtClean="0"/>
-              <a:t>fisier</a:t>
-            </a:r>
-            <a:endParaRPr lang="en-GB" dirty="0" smtClean="0"/>
-          </a:p>
-          <a:p>
-            <a:pPr lvl="1"/>
-            <a:r>
-              <a:rPr lang="en-GB" dirty="0" err="1" smtClean="0"/>
-              <a:t>prin</a:t>
+              <a:t>asupra</a:t>
             </a:r>
             <a:r>
               <a:rPr lang="en-GB" dirty="0" smtClean="0"/>
               <a:t> </a:t>
             </a:r>
             <a:r>
-              <a:rPr lang="en-GB" dirty="0" err="1" smtClean="0"/>
-              <a:t>apelelarea</a:t>
-            </a:r>
-            <a:r>
-              <a:rPr lang="en-GB" dirty="0" smtClean="0"/>
+              <a:rPr lang="en-GB" dirty="0" err="1"/>
+              <a:t>unei</a:t>
+            </a:r>
+            <a:r>
+              <a:rPr lang="en-GB" dirty="0"/>
               <a:t> </a:t>
             </a:r>
             <a:r>
-              <a:rPr lang="en-GB" dirty="0" err="1" smtClean="0"/>
-              <a:t>metode</a:t>
-            </a:r>
-            <a:r>
-              <a:rPr lang="en-GB" dirty="0" smtClean="0"/>
+              <a:rPr lang="en-GB" dirty="0" err="1"/>
+              <a:t>colectii</a:t>
+            </a:r>
+            <a:endParaRPr lang="en-GB" dirty="0"/>
+          </a:p>
+        </p:txBody>
+      </p:sp>
+      <p:sp>
+        <p:nvSpPr>
+          <p:cNvPr id="7" name="Rectangle 2"/>
+          <p:cNvSpPr>
+            <a:spLocks noGrp="1" noChangeArrowheads="1"/>
+          </p:cNvSpPr>
+          <p:nvPr>
+            <p:ph sz="half" idx="2"/>
+          </p:nvPr>
+        </p:nvSpPr>
+        <p:spPr bwMode="auto">
+          <a:xfrm>
+            <a:off x="2578893" y="2898720"/>
+            <a:ext cx="6246812" cy="707886"/>
+          </a:xfrm>
+          <a:prstGeom prst="rect">
+            <a:avLst/>
+          </a:prstGeom>
+          <a:solidFill>
+            <a:srgbClr val="2B2B2B"/>
+          </a:solidFill>
+          <a:ln>
+            <a:noFill/>
+          </a:ln>
+          <a:effectLst/>
+          <a:extLst>
+            <a:ext uri="{91240B29-F687-4F45-9708-019B960494DF}">
+              <a14:hiddenLine xmlns:a14="http://schemas.microsoft.com/office/drawing/2010/main" w="9525">
+                <a:solidFill>
+                  <a:schemeClr val="tx1"/>
+                </a:solidFill>
+                <a:miter lim="800000"/>
+                <a:headEnd/>
+                <a:tailEnd/>
+              </a14:hiddenLine>
+            </a:ext>
+            <a:ext uri="{AF507438-7753-43E0-B8FC-AC1667EBCBE1}">
+              <a14:hiddenEffects xmlns:a14="http://schemas.microsoft.com/office/drawing/2010/main">
+                <a:effectLst>
+                  <a:outerShdw dist="35921" dir="2700000" algn="ctr" rotWithShape="0">
+                    <a:schemeClr val="bg2"/>
+                  </a:outerShdw>
+                </a:effectLst>
+              </a14:hiddenEffects>
+            </a:ext>
+          </a:extLst>
+        </p:spPr>
+        <p:txBody>
+          <a:bodyPr vert="horz" wrap="square" lIns="91440" tIns="45720" rIns="91440" bIns="45720" numCol="1" anchor="ctr" anchorCtr="0" compatLnSpc="1">
+            <a:prstTxWarp prst="textNoShape">
+              <a:avLst/>
+            </a:prstTxWarp>
+            <a:spAutoFit/>
+          </a:bodyPr>
+          <a:lstStyle/>
+          <a:p>
+            <a:pPr marL="0" marR="0" lvl="0" indent="0" algn="l" defTabSz="914400" rtl="0" eaLnBrk="0" fontAlgn="base" latinLnBrk="0" hangingPunct="0">
+              <a:lnSpc>
+                <a:spcPct val="100000"/>
+              </a:lnSpc>
+              <a:spcBef>
+                <a:spcPct val="0"/>
+              </a:spcBef>
+              <a:spcAft>
+                <a:spcPct val="0"/>
+              </a:spcAft>
+              <a:buClrTx/>
+              <a:buSzTx/>
+              <a:buFontTx/>
+              <a:buNone/>
+              <a:tabLst/>
+            </a:pPr>
+            <a:r>
+              <a:rPr kumimoji="0" lang="en-US" altLang="en-US" sz="2000" b="1" i="0" u="none" strike="noStrike" cap="none" normalizeH="0" baseline="0" dirty="0" err="1" smtClean="0">
+                <a:ln>
+                  <a:noFill/>
+                </a:ln>
+                <a:solidFill>
+                  <a:srgbClr val="CC7832"/>
+                </a:solidFill>
+                <a:effectLst/>
+                <a:latin typeface="Courier New" panose="02070309020205020404" pitchFamily="49" charset="0"/>
+                <a:cs typeface="Courier New" panose="02070309020205020404" pitchFamily="49" charset="0"/>
+              </a:rPr>
+              <a:t>val</a:t>
+            </a:r>
+            <a:r>
+              <a:rPr kumimoji="0" lang="en-US" altLang="en-US" sz="2000" b="1" i="0" u="none" strike="noStrike" cap="none" normalizeH="0" baseline="0" dirty="0" smtClean="0">
+                <a:ln>
+                  <a:noFill/>
+                </a:ln>
+                <a:solidFill>
+                  <a:srgbClr val="CC7832"/>
+                </a:solidFill>
+                <a:effectLst/>
+                <a:latin typeface="Courier New" panose="02070309020205020404" pitchFamily="49" charset="0"/>
+                <a:cs typeface="Courier New" panose="02070309020205020404" pitchFamily="49" charset="0"/>
+              </a:rPr>
               <a:t> </a:t>
             </a:r>
             <a:r>
-              <a:rPr lang="en-GB" dirty="0" err="1" smtClean="0"/>
-              <a:t>sc.paralalize</a:t>
-            </a:r>
-            <a:r>
-              <a:rPr lang="en-GB" dirty="0" smtClean="0"/>
-              <a:t>() </a:t>
-            </a:r>
-            <a:r>
-              <a:rPr lang="en-GB" dirty="0" err="1" smtClean="0"/>
-              <a:t>asupra</a:t>
-            </a:r>
-            <a:r>
-              <a:rPr lang="en-GB" dirty="0" smtClean="0"/>
+              <a:rPr kumimoji="0" lang="en-US" altLang="en-US" sz="2000" b="0" i="0" u="none" strike="noStrike" cap="none" normalizeH="0" baseline="0" dirty="0" err="1" smtClean="0">
+                <a:ln>
+                  <a:noFill/>
+                </a:ln>
+                <a:solidFill>
+                  <a:srgbClr val="A9B7C6"/>
+                </a:solidFill>
+                <a:effectLst/>
+                <a:latin typeface="Courier New" panose="02070309020205020404" pitchFamily="49" charset="0"/>
+                <a:cs typeface="Courier New" panose="02070309020205020404" pitchFamily="49" charset="0"/>
+              </a:rPr>
+              <a:t>sc</a:t>
+            </a:r>
+            <a:r>
+              <a:rPr kumimoji="0" lang="en-US" altLang="en-US" sz="2000" b="0" i="0" u="none" strike="noStrike" cap="none" normalizeH="0" baseline="0" dirty="0" smtClean="0">
+                <a:ln>
+                  <a:noFill/>
+                </a:ln>
+                <a:solidFill>
+                  <a:srgbClr val="A9B7C6"/>
+                </a:solidFill>
+                <a:effectLst/>
+                <a:latin typeface="Courier New" panose="02070309020205020404" pitchFamily="49" charset="0"/>
+                <a:cs typeface="Courier New" panose="02070309020205020404" pitchFamily="49" charset="0"/>
+              </a:rPr>
+              <a:t> = </a:t>
+            </a:r>
+            <a:r>
+              <a:rPr kumimoji="0" lang="en-US" altLang="en-US" sz="2000" b="1" i="0" u="none" strike="noStrike" cap="none" normalizeH="0" baseline="0" dirty="0" smtClean="0">
+                <a:ln>
+                  <a:noFill/>
+                </a:ln>
+                <a:solidFill>
+                  <a:srgbClr val="CC7832"/>
+                </a:solidFill>
+                <a:effectLst/>
+                <a:latin typeface="Courier New" panose="02070309020205020404" pitchFamily="49" charset="0"/>
+                <a:cs typeface="Courier New" panose="02070309020205020404" pitchFamily="49" charset="0"/>
+              </a:rPr>
+              <a:t>new </a:t>
+            </a:r>
+            <a:r>
+              <a:rPr kumimoji="0" lang="en-US" altLang="en-US" sz="2000" b="0" i="0" u="none" strike="noStrike" cap="none" normalizeH="0" baseline="0" dirty="0" err="1" smtClean="0">
+                <a:ln>
+                  <a:noFill/>
+                </a:ln>
+                <a:solidFill>
+                  <a:srgbClr val="A9B7C6"/>
+                </a:solidFill>
+                <a:effectLst/>
+                <a:latin typeface="Courier New" panose="02070309020205020404" pitchFamily="49" charset="0"/>
+                <a:cs typeface="Courier New" panose="02070309020205020404" pitchFamily="49" charset="0"/>
+              </a:rPr>
+              <a:t>SparkContext</a:t>
+            </a:r>
+            <a:r>
+              <a:rPr kumimoji="0" lang="en-US" altLang="en-US" sz="2000" b="0" i="0" u="none" strike="noStrike" cap="none" normalizeH="0" baseline="0" dirty="0" smtClean="0">
+                <a:ln>
+                  <a:noFill/>
+                </a:ln>
+                <a:solidFill>
+                  <a:srgbClr val="A9B7C6"/>
+                </a:solidFill>
+                <a:effectLst/>
+                <a:latin typeface="Courier New" panose="02070309020205020404" pitchFamily="49" charset="0"/>
+                <a:cs typeface="Courier New" panose="02070309020205020404" pitchFamily="49" charset="0"/>
+              </a:rPr>
+              <a:t>(</a:t>
+            </a:r>
+            <a:r>
+              <a:rPr kumimoji="0" lang="en-US" altLang="en-US" sz="2000" b="0" i="0" u="none" strike="noStrike" cap="none" normalizeH="0" baseline="0" dirty="0" err="1" smtClean="0">
+                <a:ln>
+                  <a:noFill/>
+                </a:ln>
+                <a:solidFill>
+                  <a:srgbClr val="A9B7C6"/>
+                </a:solidFill>
+                <a:effectLst/>
+                <a:latin typeface="Courier New" panose="02070309020205020404" pitchFamily="49" charset="0"/>
+                <a:cs typeface="Courier New" panose="02070309020205020404" pitchFamily="49" charset="0"/>
+              </a:rPr>
+              <a:t>conf</a:t>
+            </a:r>
+            <a:r>
+              <a:rPr kumimoji="0" lang="en-US" altLang="en-US" sz="2000" b="0" i="0" u="none" strike="noStrike" cap="none" normalizeH="0" baseline="0" dirty="0" smtClean="0">
+                <a:ln>
+                  <a:noFill/>
+                </a:ln>
+                <a:solidFill>
+                  <a:srgbClr val="A9B7C6"/>
+                </a:solidFill>
+                <a:effectLst/>
+                <a:latin typeface="Courier New" panose="02070309020205020404" pitchFamily="49" charset="0"/>
+                <a:cs typeface="Courier New" panose="02070309020205020404" pitchFamily="49" charset="0"/>
+              </a:rPr>
+              <a:t>)</a:t>
+            </a:r>
+            <a:br>
+              <a:rPr kumimoji="0" lang="en-US" altLang="en-US" sz="2000" b="0" i="0" u="none" strike="noStrike" cap="none" normalizeH="0" baseline="0" dirty="0" smtClean="0">
+                <a:ln>
+                  <a:noFill/>
+                </a:ln>
+                <a:solidFill>
+                  <a:srgbClr val="A9B7C6"/>
+                </a:solidFill>
+                <a:effectLst/>
+                <a:latin typeface="Courier New" panose="02070309020205020404" pitchFamily="49" charset="0"/>
+                <a:cs typeface="Courier New" panose="02070309020205020404" pitchFamily="49" charset="0"/>
+              </a:rPr>
+            </a:br>
+            <a:r>
+              <a:rPr kumimoji="0" lang="en-US" altLang="en-US" sz="2000" b="1" i="0" u="none" strike="noStrike" cap="none" normalizeH="0" baseline="0" dirty="0" err="1" smtClean="0">
+                <a:ln>
+                  <a:noFill/>
+                </a:ln>
+                <a:solidFill>
+                  <a:srgbClr val="CC7832"/>
+                </a:solidFill>
+                <a:effectLst/>
+                <a:latin typeface="Courier New" panose="02070309020205020404" pitchFamily="49" charset="0"/>
+                <a:cs typeface="Courier New" panose="02070309020205020404" pitchFamily="49" charset="0"/>
+              </a:rPr>
+              <a:t>val</a:t>
+            </a:r>
+            <a:r>
+              <a:rPr kumimoji="0" lang="en-US" altLang="en-US" sz="2000" b="1" i="0" u="none" strike="noStrike" cap="none" normalizeH="0" baseline="0" dirty="0" smtClean="0">
+                <a:ln>
+                  <a:noFill/>
+                </a:ln>
+                <a:solidFill>
+                  <a:srgbClr val="CC7832"/>
+                </a:solidFill>
+                <a:effectLst/>
+                <a:latin typeface="Courier New" panose="02070309020205020404" pitchFamily="49" charset="0"/>
+                <a:cs typeface="Courier New" panose="02070309020205020404" pitchFamily="49" charset="0"/>
+              </a:rPr>
               <a:t> </a:t>
             </a:r>
             <a:r>
-              <a:rPr lang="en-GB" dirty="0" err="1" smtClean="0"/>
-              <a:t>unei</a:t>
-            </a:r>
-            <a:r>
-              <a:rPr lang="en-GB" dirty="0" smtClean="0"/>
+              <a:rPr kumimoji="0" lang="en-US" altLang="en-US" sz="2000" b="0" i="0" u="none" strike="noStrike" cap="none" normalizeH="0" baseline="0" dirty="0" err="1" smtClean="0">
+                <a:ln>
+                  <a:noFill/>
+                </a:ln>
+                <a:solidFill>
+                  <a:srgbClr val="A9B7C6"/>
+                </a:solidFill>
+                <a:effectLst/>
+                <a:latin typeface="Courier New" panose="02070309020205020404" pitchFamily="49" charset="0"/>
+                <a:cs typeface="Courier New" panose="02070309020205020404" pitchFamily="49" charset="0"/>
+              </a:rPr>
+              <a:t>fileRDD</a:t>
+            </a:r>
+            <a:r>
+              <a:rPr kumimoji="0" lang="en-US" altLang="en-US" sz="2000" b="0" i="0" u="none" strike="noStrike" cap="none" normalizeH="0" baseline="0" dirty="0" smtClean="0">
+                <a:ln>
+                  <a:noFill/>
+                </a:ln>
+                <a:solidFill>
+                  <a:srgbClr val="A9B7C6"/>
+                </a:solidFill>
+                <a:effectLst/>
+                <a:latin typeface="Courier New" panose="02070309020205020404" pitchFamily="49" charset="0"/>
+                <a:cs typeface="Courier New" panose="02070309020205020404" pitchFamily="49" charset="0"/>
+              </a:rPr>
+              <a:t> = </a:t>
+            </a:r>
+            <a:r>
+              <a:rPr kumimoji="0" lang="en-US" altLang="en-US" sz="2000" b="0" i="0" u="none" strike="noStrike" cap="none" normalizeH="0" baseline="0" dirty="0" err="1" smtClean="0">
+                <a:ln>
+                  <a:noFill/>
+                </a:ln>
+                <a:solidFill>
+                  <a:srgbClr val="A9B7C6"/>
+                </a:solidFill>
+                <a:effectLst/>
+                <a:latin typeface="Courier New" panose="02070309020205020404" pitchFamily="49" charset="0"/>
+                <a:cs typeface="Courier New" panose="02070309020205020404" pitchFamily="49" charset="0"/>
+              </a:rPr>
+              <a:t>sc.textFile</a:t>
+            </a:r>
+            <a:r>
+              <a:rPr kumimoji="0" lang="en-US" altLang="en-US" sz="2000" b="0" i="0" u="none" strike="noStrike" cap="none" normalizeH="0" baseline="0" dirty="0" smtClean="0">
+                <a:ln>
+                  <a:noFill/>
+                </a:ln>
+                <a:solidFill>
+                  <a:srgbClr val="A9B7C6"/>
+                </a:solidFill>
+                <a:effectLst/>
+                <a:latin typeface="Courier New" panose="02070309020205020404" pitchFamily="49" charset="0"/>
+                <a:cs typeface="Courier New" panose="02070309020205020404" pitchFamily="49" charset="0"/>
+              </a:rPr>
+              <a:t>(</a:t>
+            </a:r>
+            <a:r>
+              <a:rPr kumimoji="0" lang="en-US" altLang="en-US" sz="2000" b="0" i="0" u="none" strike="noStrike" cap="none" normalizeH="0" baseline="0" dirty="0" smtClean="0">
+                <a:ln>
+                  <a:noFill/>
+                </a:ln>
+                <a:solidFill>
+                  <a:srgbClr val="6A8759"/>
+                </a:solidFill>
+                <a:effectLst/>
+                <a:latin typeface="Courier New" panose="02070309020205020404" pitchFamily="49" charset="0"/>
+                <a:cs typeface="Courier New" panose="02070309020205020404" pitchFamily="49" charset="0"/>
+              </a:rPr>
+              <a:t>"input.txt"</a:t>
+            </a:r>
+            <a:r>
+              <a:rPr kumimoji="0" lang="en-US" altLang="en-US" sz="2000" b="0" i="0" u="none" strike="noStrike" cap="none" normalizeH="0" baseline="0" dirty="0" smtClean="0">
+                <a:ln>
+                  <a:noFill/>
+                </a:ln>
+                <a:solidFill>
+                  <a:srgbClr val="A9B7C6"/>
+                </a:solidFill>
+                <a:effectLst/>
+                <a:latin typeface="Courier New" panose="02070309020205020404" pitchFamily="49" charset="0"/>
+                <a:cs typeface="Courier New" panose="02070309020205020404" pitchFamily="49" charset="0"/>
+              </a:rPr>
+              <a:t>)</a:t>
+            </a:r>
+            <a:endParaRPr kumimoji="0" lang="en-US" altLang="en-US" sz="4800" b="0" i="0" u="none" strike="noStrike" cap="none" normalizeH="0" baseline="0" dirty="0" smtClean="0">
+              <a:ln>
+                <a:noFill/>
+              </a:ln>
+              <a:solidFill>
+                <a:schemeClr val="tx1"/>
+              </a:solidFill>
+              <a:effectLst/>
+              <a:latin typeface="Arial" panose="020B0604020202020204" pitchFamily="34" charset="0"/>
+            </a:endParaRPr>
+          </a:p>
+        </p:txBody>
+      </p:sp>
+      <p:sp>
+        <p:nvSpPr>
+          <p:cNvPr id="8" name="Rectangle 1"/>
+          <p:cNvSpPr>
+            <a:spLocks noGrp="1" noChangeArrowheads="1"/>
+          </p:cNvSpPr>
+          <p:nvPr>
+            <p:ph sz="quarter" idx="4"/>
+          </p:nvPr>
+        </p:nvSpPr>
+        <p:spPr bwMode="auto">
+          <a:xfrm>
+            <a:off x="2158048" y="5198758"/>
+            <a:ext cx="7879080" cy="707886"/>
+          </a:xfrm>
+          <a:prstGeom prst="rect">
+            <a:avLst/>
+          </a:prstGeom>
+          <a:solidFill>
+            <a:srgbClr val="2B2B2B"/>
+          </a:solidFill>
+          <a:ln>
+            <a:noFill/>
+          </a:ln>
+          <a:effectLst/>
+          <a:extLst>
+            <a:ext uri="{91240B29-F687-4F45-9708-019B960494DF}">
+              <a14:hiddenLine xmlns:a14="http://schemas.microsoft.com/office/drawing/2010/main" w="9525">
+                <a:solidFill>
+                  <a:schemeClr val="tx1"/>
+                </a:solidFill>
+                <a:miter lim="800000"/>
+                <a:headEnd/>
+                <a:tailEnd/>
+              </a14:hiddenLine>
+            </a:ext>
+            <a:ext uri="{AF507438-7753-43E0-B8FC-AC1667EBCBE1}">
+              <a14:hiddenEffects xmlns:a14="http://schemas.microsoft.com/office/drawing/2010/main">
+                <a:effectLst>
+                  <a:outerShdw dist="35921" dir="2700000" algn="ctr" rotWithShape="0">
+                    <a:schemeClr val="bg2"/>
+                  </a:outerShdw>
+                </a:effectLst>
+              </a14:hiddenEffects>
+            </a:ext>
+          </a:extLst>
+        </p:spPr>
+        <p:txBody>
+          <a:bodyPr vert="horz" wrap="none" lIns="91440" tIns="45720" rIns="91440" bIns="45720" numCol="1" anchor="ctr" anchorCtr="0" compatLnSpc="1">
+            <a:prstTxWarp prst="textNoShape">
+              <a:avLst/>
+            </a:prstTxWarp>
+            <a:spAutoFit/>
+          </a:bodyPr>
+          <a:lstStyle/>
+          <a:p>
+            <a:pPr marL="0" marR="0" lvl="0" indent="0" algn="l" defTabSz="914400" rtl="0" eaLnBrk="0" fontAlgn="base" latinLnBrk="0" hangingPunct="0">
+              <a:lnSpc>
+                <a:spcPct val="100000"/>
+              </a:lnSpc>
+              <a:spcBef>
+                <a:spcPct val="0"/>
+              </a:spcBef>
+              <a:spcAft>
+                <a:spcPct val="0"/>
+              </a:spcAft>
+              <a:buClrTx/>
+              <a:buSzTx/>
+              <a:buFontTx/>
+              <a:buNone/>
+              <a:tabLst/>
+            </a:pPr>
+            <a:r>
+              <a:rPr kumimoji="0" lang="en-US" altLang="en-US" sz="2000" b="1" i="0" u="none" strike="noStrike" cap="none" normalizeH="0" baseline="0" dirty="0" err="1" smtClean="0">
+                <a:ln>
+                  <a:noFill/>
+                </a:ln>
+                <a:solidFill>
+                  <a:srgbClr val="CC7832"/>
+                </a:solidFill>
+                <a:effectLst/>
+                <a:latin typeface="Courier New" panose="02070309020205020404" pitchFamily="49" charset="0"/>
+                <a:cs typeface="Courier New" panose="02070309020205020404" pitchFamily="49" charset="0"/>
+              </a:rPr>
+              <a:t>val</a:t>
+            </a:r>
+            <a:r>
+              <a:rPr kumimoji="0" lang="en-US" altLang="en-US" sz="2000" b="1" i="0" u="none" strike="noStrike" cap="none" normalizeH="0" baseline="0" dirty="0" smtClean="0">
+                <a:ln>
+                  <a:noFill/>
+                </a:ln>
+                <a:solidFill>
+                  <a:srgbClr val="CC7832"/>
+                </a:solidFill>
+                <a:effectLst/>
+                <a:latin typeface="Courier New" panose="02070309020205020404" pitchFamily="49" charset="0"/>
+                <a:cs typeface="Courier New" panose="02070309020205020404" pitchFamily="49" charset="0"/>
+              </a:rPr>
               <a:t> </a:t>
             </a:r>
             <a:r>
-              <a:rPr lang="en-GB" dirty="0" err="1" smtClean="0"/>
-              <a:t>colectii</a:t>
-            </a:r>
-            <a:endParaRPr lang="en-GB" dirty="0" smtClean="0"/>
+              <a:rPr kumimoji="0" lang="en-US" altLang="en-US" sz="2000" b="0" i="0" u="none" strike="noStrike" cap="none" normalizeH="0" baseline="0" dirty="0" err="1" smtClean="0">
+                <a:ln>
+                  <a:noFill/>
+                </a:ln>
+                <a:solidFill>
+                  <a:srgbClr val="A9B7C6"/>
+                </a:solidFill>
+                <a:effectLst/>
+                <a:latin typeface="Courier New" panose="02070309020205020404" pitchFamily="49" charset="0"/>
+                <a:cs typeface="Courier New" panose="02070309020205020404" pitchFamily="49" charset="0"/>
+              </a:rPr>
+              <a:t>sc</a:t>
+            </a:r>
+            <a:r>
+              <a:rPr kumimoji="0" lang="en-US" altLang="en-US" sz="2000" b="0" i="0" u="none" strike="noStrike" cap="none" normalizeH="0" baseline="0" dirty="0" smtClean="0">
+                <a:ln>
+                  <a:noFill/>
+                </a:ln>
+                <a:solidFill>
+                  <a:srgbClr val="A9B7C6"/>
+                </a:solidFill>
+                <a:effectLst/>
+                <a:latin typeface="Courier New" panose="02070309020205020404" pitchFamily="49" charset="0"/>
+                <a:cs typeface="Courier New" panose="02070309020205020404" pitchFamily="49" charset="0"/>
+              </a:rPr>
+              <a:t> = </a:t>
+            </a:r>
+            <a:r>
+              <a:rPr kumimoji="0" lang="en-US" altLang="en-US" sz="2000" b="1" i="0" u="none" strike="noStrike" cap="none" normalizeH="0" baseline="0" dirty="0" smtClean="0">
+                <a:ln>
+                  <a:noFill/>
+                </a:ln>
+                <a:solidFill>
+                  <a:srgbClr val="CC7832"/>
+                </a:solidFill>
+                <a:effectLst/>
+                <a:latin typeface="Courier New" panose="02070309020205020404" pitchFamily="49" charset="0"/>
+                <a:cs typeface="Courier New" panose="02070309020205020404" pitchFamily="49" charset="0"/>
+              </a:rPr>
+              <a:t>new </a:t>
+            </a:r>
+            <a:r>
+              <a:rPr kumimoji="0" lang="en-US" altLang="en-US" sz="2000" b="0" i="0" u="none" strike="noStrike" cap="none" normalizeH="0" baseline="0" dirty="0" err="1" smtClean="0">
+                <a:ln>
+                  <a:noFill/>
+                </a:ln>
+                <a:solidFill>
+                  <a:srgbClr val="A9B7C6"/>
+                </a:solidFill>
+                <a:effectLst/>
+                <a:latin typeface="Courier New" panose="02070309020205020404" pitchFamily="49" charset="0"/>
+                <a:cs typeface="Courier New" panose="02070309020205020404" pitchFamily="49" charset="0"/>
+              </a:rPr>
+              <a:t>SparkContext</a:t>
+            </a:r>
+            <a:r>
+              <a:rPr kumimoji="0" lang="en-US" altLang="en-US" sz="2000" b="0" i="0" u="none" strike="noStrike" cap="none" normalizeH="0" baseline="0" dirty="0" smtClean="0">
+                <a:ln>
+                  <a:noFill/>
+                </a:ln>
+                <a:solidFill>
+                  <a:srgbClr val="A9B7C6"/>
+                </a:solidFill>
+                <a:effectLst/>
+                <a:latin typeface="Courier New" panose="02070309020205020404" pitchFamily="49" charset="0"/>
+                <a:cs typeface="Courier New" panose="02070309020205020404" pitchFamily="49" charset="0"/>
+              </a:rPr>
+              <a:t>(</a:t>
+            </a:r>
+            <a:r>
+              <a:rPr kumimoji="0" lang="en-US" altLang="en-US" sz="2000" b="0" i="0" u="none" strike="noStrike" cap="none" normalizeH="0" baseline="0" dirty="0" err="1" smtClean="0">
+                <a:ln>
+                  <a:noFill/>
+                </a:ln>
+                <a:solidFill>
+                  <a:srgbClr val="A9B7C6"/>
+                </a:solidFill>
+                <a:effectLst/>
+                <a:latin typeface="Courier New" panose="02070309020205020404" pitchFamily="49" charset="0"/>
+                <a:cs typeface="Courier New" panose="02070309020205020404" pitchFamily="49" charset="0"/>
+              </a:rPr>
+              <a:t>conf</a:t>
+            </a:r>
+            <a:r>
+              <a:rPr kumimoji="0" lang="en-US" altLang="en-US" sz="2000" b="0" i="0" u="none" strike="noStrike" cap="none" normalizeH="0" baseline="0" dirty="0" smtClean="0">
+                <a:ln>
+                  <a:noFill/>
+                </a:ln>
+                <a:solidFill>
+                  <a:srgbClr val="A9B7C6"/>
+                </a:solidFill>
+                <a:effectLst/>
+                <a:latin typeface="Courier New" panose="02070309020205020404" pitchFamily="49" charset="0"/>
+                <a:cs typeface="Courier New" panose="02070309020205020404" pitchFamily="49" charset="0"/>
+              </a:rPr>
+              <a:t>)</a:t>
+            </a:r>
+            <a:br>
+              <a:rPr kumimoji="0" lang="en-US" altLang="en-US" sz="2000" b="0" i="0" u="none" strike="noStrike" cap="none" normalizeH="0" baseline="0" dirty="0" smtClean="0">
+                <a:ln>
+                  <a:noFill/>
+                </a:ln>
+                <a:solidFill>
+                  <a:srgbClr val="A9B7C6"/>
+                </a:solidFill>
+                <a:effectLst/>
+                <a:latin typeface="Courier New" panose="02070309020205020404" pitchFamily="49" charset="0"/>
+                <a:cs typeface="Courier New" panose="02070309020205020404" pitchFamily="49" charset="0"/>
+              </a:rPr>
+            </a:br>
+            <a:r>
+              <a:rPr kumimoji="0" lang="en-US" altLang="en-US" sz="2000" b="1" i="0" u="none" strike="noStrike" cap="none" normalizeH="0" baseline="0" dirty="0" err="1" smtClean="0">
+                <a:ln>
+                  <a:noFill/>
+                </a:ln>
+                <a:solidFill>
+                  <a:srgbClr val="CC7832"/>
+                </a:solidFill>
+                <a:effectLst/>
+                <a:latin typeface="Courier New" panose="02070309020205020404" pitchFamily="49" charset="0"/>
+                <a:cs typeface="Courier New" panose="02070309020205020404" pitchFamily="49" charset="0"/>
+              </a:rPr>
+              <a:t>val</a:t>
+            </a:r>
+            <a:r>
+              <a:rPr kumimoji="0" lang="en-US" altLang="en-US" sz="2000" b="1" i="0" u="none" strike="noStrike" cap="none" normalizeH="0" baseline="0" dirty="0" smtClean="0">
+                <a:ln>
+                  <a:noFill/>
+                </a:ln>
+                <a:solidFill>
+                  <a:srgbClr val="CC7832"/>
+                </a:solidFill>
+                <a:effectLst/>
+                <a:latin typeface="Courier New" panose="02070309020205020404" pitchFamily="49" charset="0"/>
+                <a:cs typeface="Courier New" panose="02070309020205020404" pitchFamily="49" charset="0"/>
+              </a:rPr>
+              <a:t> </a:t>
+            </a:r>
+            <a:r>
+              <a:rPr kumimoji="0" lang="en-US" altLang="en-US" sz="2000" b="0" i="0" u="none" strike="noStrike" cap="none" normalizeH="0" baseline="0" dirty="0" err="1" smtClean="0">
+                <a:ln>
+                  <a:noFill/>
+                </a:ln>
+                <a:solidFill>
+                  <a:srgbClr val="A9B7C6"/>
+                </a:solidFill>
+                <a:effectLst/>
+                <a:latin typeface="Courier New" panose="02070309020205020404" pitchFamily="49" charset="0"/>
+                <a:cs typeface="Courier New" panose="02070309020205020404" pitchFamily="49" charset="0"/>
+              </a:rPr>
+              <a:t>parRDD</a:t>
+            </a:r>
+            <a:r>
+              <a:rPr kumimoji="0" lang="en-US" altLang="en-US" sz="2000" b="0" i="0" u="none" strike="noStrike" cap="none" normalizeH="0" baseline="0" dirty="0" smtClean="0">
+                <a:ln>
+                  <a:noFill/>
+                </a:ln>
+                <a:solidFill>
+                  <a:srgbClr val="A9B7C6"/>
+                </a:solidFill>
+                <a:effectLst/>
+                <a:latin typeface="Courier New" panose="02070309020205020404" pitchFamily="49" charset="0"/>
+                <a:cs typeface="Courier New" panose="02070309020205020404" pitchFamily="49" charset="0"/>
+              </a:rPr>
+              <a:t> = </a:t>
+            </a:r>
+            <a:r>
+              <a:rPr kumimoji="0" lang="en-US" altLang="en-US" sz="2000" b="0" i="0" u="none" strike="noStrike" cap="none" normalizeH="0" baseline="0" dirty="0" err="1" smtClean="0">
+                <a:ln>
+                  <a:noFill/>
+                </a:ln>
+                <a:solidFill>
+                  <a:srgbClr val="A9B7C6"/>
+                </a:solidFill>
+                <a:effectLst/>
+                <a:latin typeface="Courier New" panose="02070309020205020404" pitchFamily="49" charset="0"/>
+                <a:cs typeface="Courier New" panose="02070309020205020404" pitchFamily="49" charset="0"/>
+              </a:rPr>
+              <a:t>sc.parallelize</a:t>
+            </a:r>
+            <a:r>
+              <a:rPr kumimoji="0" lang="en-US" altLang="en-US" sz="2000" b="0" i="0" u="none" strike="noStrike" cap="none" normalizeH="0" baseline="0" dirty="0" smtClean="0">
+                <a:ln>
+                  <a:noFill/>
+                </a:ln>
+                <a:solidFill>
+                  <a:srgbClr val="A9B7C6"/>
+                </a:solidFill>
+                <a:effectLst/>
+                <a:latin typeface="Courier New" panose="02070309020205020404" pitchFamily="49" charset="0"/>
+                <a:cs typeface="Courier New" panose="02070309020205020404" pitchFamily="49" charset="0"/>
+              </a:rPr>
+              <a:t>(</a:t>
+            </a:r>
+            <a:r>
+              <a:rPr kumimoji="0" lang="en-US" altLang="en-US" sz="2000" b="0" i="1" u="none" strike="noStrike" cap="none" normalizeH="0" baseline="0" dirty="0" smtClean="0">
+                <a:ln>
+                  <a:noFill/>
+                </a:ln>
+                <a:solidFill>
+                  <a:srgbClr val="9876AA"/>
+                </a:solidFill>
+                <a:effectLst/>
+                <a:latin typeface="Courier New" panose="02070309020205020404" pitchFamily="49" charset="0"/>
+                <a:cs typeface="Courier New" panose="02070309020205020404" pitchFamily="49" charset="0"/>
+              </a:rPr>
+              <a:t>List</a:t>
+            </a:r>
+            <a:r>
+              <a:rPr kumimoji="0" lang="en-US" altLang="en-US" sz="2000" b="0" i="0" u="none" strike="noStrike" cap="none" normalizeH="0" baseline="0" dirty="0" smtClean="0">
+                <a:ln>
+                  <a:noFill/>
+                </a:ln>
+                <a:solidFill>
+                  <a:srgbClr val="A9B7C6"/>
+                </a:solidFill>
+                <a:effectLst/>
+                <a:latin typeface="Courier New" panose="02070309020205020404" pitchFamily="49" charset="0"/>
+                <a:cs typeface="Courier New" panose="02070309020205020404" pitchFamily="49" charset="0"/>
+              </a:rPr>
+              <a:t>(</a:t>
+            </a:r>
+            <a:r>
+              <a:rPr kumimoji="0" lang="en-US" altLang="en-US" sz="2000" b="0" i="0" u="none" strike="noStrike" cap="none" normalizeH="0" baseline="0" dirty="0" smtClean="0">
+                <a:ln>
+                  <a:noFill/>
+                </a:ln>
+                <a:solidFill>
+                  <a:srgbClr val="6897BB"/>
+                </a:solidFill>
+                <a:effectLst/>
+                <a:latin typeface="Courier New" panose="02070309020205020404" pitchFamily="49" charset="0"/>
+                <a:cs typeface="Courier New" panose="02070309020205020404" pitchFamily="49" charset="0"/>
+              </a:rPr>
+              <a:t>1</a:t>
+            </a:r>
+            <a:r>
+              <a:rPr kumimoji="0" lang="en-US" altLang="en-US" sz="2000" b="0" i="0" u="none" strike="noStrike" cap="none" normalizeH="0" baseline="0" dirty="0" smtClean="0">
+                <a:ln>
+                  <a:noFill/>
+                </a:ln>
+                <a:solidFill>
+                  <a:srgbClr val="CC7832"/>
+                </a:solidFill>
+                <a:effectLst/>
+                <a:latin typeface="Courier New" panose="02070309020205020404" pitchFamily="49" charset="0"/>
+                <a:cs typeface="Courier New" panose="02070309020205020404" pitchFamily="49" charset="0"/>
+              </a:rPr>
+              <a:t>,</a:t>
+            </a:r>
+            <a:r>
+              <a:rPr kumimoji="0" lang="en-US" altLang="en-US" sz="2000" b="0" i="0" u="none" strike="noStrike" cap="none" normalizeH="0" baseline="0" dirty="0" smtClean="0">
+                <a:ln>
+                  <a:noFill/>
+                </a:ln>
+                <a:solidFill>
+                  <a:srgbClr val="6897BB"/>
+                </a:solidFill>
+                <a:effectLst/>
+                <a:latin typeface="Courier New" panose="02070309020205020404" pitchFamily="49" charset="0"/>
+                <a:cs typeface="Courier New" panose="02070309020205020404" pitchFamily="49" charset="0"/>
+              </a:rPr>
+              <a:t>2</a:t>
+            </a:r>
+            <a:r>
+              <a:rPr kumimoji="0" lang="en-US" altLang="en-US" sz="2000" b="0" i="0" u="none" strike="noStrike" cap="none" normalizeH="0" baseline="0" dirty="0" smtClean="0">
+                <a:ln>
+                  <a:noFill/>
+                </a:ln>
+                <a:solidFill>
+                  <a:srgbClr val="CC7832"/>
+                </a:solidFill>
+                <a:effectLst/>
+                <a:latin typeface="Courier New" panose="02070309020205020404" pitchFamily="49" charset="0"/>
+                <a:cs typeface="Courier New" panose="02070309020205020404" pitchFamily="49" charset="0"/>
+              </a:rPr>
+              <a:t>,</a:t>
+            </a:r>
+            <a:r>
+              <a:rPr kumimoji="0" lang="en-US" altLang="en-US" sz="2000" b="0" i="0" u="none" strike="noStrike" cap="none" normalizeH="0" baseline="0" dirty="0" smtClean="0">
+                <a:ln>
+                  <a:noFill/>
+                </a:ln>
+                <a:solidFill>
+                  <a:srgbClr val="6897BB"/>
+                </a:solidFill>
+                <a:effectLst/>
+                <a:latin typeface="Courier New" panose="02070309020205020404" pitchFamily="49" charset="0"/>
+                <a:cs typeface="Courier New" panose="02070309020205020404" pitchFamily="49" charset="0"/>
+              </a:rPr>
+              <a:t>3</a:t>
+            </a:r>
+            <a:r>
+              <a:rPr kumimoji="0" lang="en-US" altLang="en-US" sz="2000" b="0" i="0" u="none" strike="noStrike" cap="none" normalizeH="0" baseline="0" dirty="0" smtClean="0">
+                <a:ln>
+                  <a:noFill/>
+                </a:ln>
+                <a:solidFill>
+                  <a:srgbClr val="CC7832"/>
+                </a:solidFill>
+                <a:effectLst/>
+                <a:latin typeface="Courier New" panose="02070309020205020404" pitchFamily="49" charset="0"/>
+                <a:cs typeface="Courier New" panose="02070309020205020404" pitchFamily="49" charset="0"/>
+              </a:rPr>
+              <a:t>,</a:t>
+            </a:r>
+            <a:r>
+              <a:rPr kumimoji="0" lang="en-US" altLang="en-US" sz="2000" b="0" i="0" u="none" strike="noStrike" cap="none" normalizeH="0" baseline="0" dirty="0" smtClean="0">
+                <a:ln>
+                  <a:noFill/>
+                </a:ln>
+                <a:solidFill>
+                  <a:srgbClr val="6897BB"/>
+                </a:solidFill>
+                <a:effectLst/>
+                <a:latin typeface="Courier New" panose="02070309020205020404" pitchFamily="49" charset="0"/>
+                <a:cs typeface="Courier New" panose="02070309020205020404" pitchFamily="49" charset="0"/>
+              </a:rPr>
+              <a:t>4</a:t>
+            </a:r>
+            <a:r>
+              <a:rPr kumimoji="0" lang="en-US" altLang="en-US" sz="2000" b="0" i="0" u="none" strike="noStrike" cap="none" normalizeH="0" baseline="0" dirty="0" smtClean="0">
+                <a:ln>
+                  <a:noFill/>
+                </a:ln>
+                <a:solidFill>
+                  <a:srgbClr val="CC7832"/>
+                </a:solidFill>
+                <a:effectLst/>
+                <a:latin typeface="Courier New" panose="02070309020205020404" pitchFamily="49" charset="0"/>
+                <a:cs typeface="Courier New" panose="02070309020205020404" pitchFamily="49" charset="0"/>
+              </a:rPr>
+              <a:t>,</a:t>
+            </a:r>
+            <a:r>
+              <a:rPr kumimoji="0" lang="en-US" altLang="en-US" sz="2000" b="0" i="0" u="none" strike="noStrike" cap="none" normalizeH="0" baseline="0" dirty="0" smtClean="0">
+                <a:ln>
+                  <a:noFill/>
+                </a:ln>
+                <a:solidFill>
+                  <a:srgbClr val="6897BB"/>
+                </a:solidFill>
+                <a:effectLst/>
+                <a:latin typeface="Courier New" panose="02070309020205020404" pitchFamily="49" charset="0"/>
+                <a:cs typeface="Courier New" panose="02070309020205020404" pitchFamily="49" charset="0"/>
+              </a:rPr>
+              <a:t>5</a:t>
+            </a:r>
+            <a:r>
+              <a:rPr kumimoji="0" lang="en-US" altLang="en-US" sz="2000" b="0" i="0" u="none" strike="noStrike" cap="none" normalizeH="0" baseline="0" dirty="0" smtClean="0">
+                <a:ln>
+                  <a:noFill/>
+                </a:ln>
+                <a:solidFill>
+                  <a:srgbClr val="CC7832"/>
+                </a:solidFill>
+                <a:effectLst/>
+                <a:latin typeface="Courier New" panose="02070309020205020404" pitchFamily="49" charset="0"/>
+                <a:cs typeface="Courier New" panose="02070309020205020404" pitchFamily="49" charset="0"/>
+              </a:rPr>
+              <a:t>,</a:t>
+            </a:r>
+            <a:r>
+              <a:rPr kumimoji="0" lang="en-US" altLang="en-US" sz="2000" b="0" i="0" u="none" strike="noStrike" cap="none" normalizeH="0" baseline="0" dirty="0" smtClean="0">
+                <a:ln>
+                  <a:noFill/>
+                </a:ln>
+                <a:solidFill>
+                  <a:srgbClr val="6897BB"/>
+                </a:solidFill>
+                <a:effectLst/>
+                <a:latin typeface="Courier New" panose="02070309020205020404" pitchFamily="49" charset="0"/>
+                <a:cs typeface="Courier New" panose="02070309020205020404" pitchFamily="49" charset="0"/>
+              </a:rPr>
+              <a:t>6</a:t>
+            </a:r>
+            <a:r>
+              <a:rPr kumimoji="0" lang="en-US" altLang="en-US" sz="2000" b="0" i="0" u="none" strike="noStrike" cap="none" normalizeH="0" baseline="0" dirty="0" smtClean="0">
+                <a:ln>
+                  <a:noFill/>
+                </a:ln>
+                <a:solidFill>
+                  <a:srgbClr val="CC7832"/>
+                </a:solidFill>
+                <a:effectLst/>
+                <a:latin typeface="Courier New" panose="02070309020205020404" pitchFamily="49" charset="0"/>
+                <a:cs typeface="Courier New" panose="02070309020205020404" pitchFamily="49" charset="0"/>
+              </a:rPr>
+              <a:t>,</a:t>
+            </a:r>
+            <a:r>
+              <a:rPr kumimoji="0" lang="en-US" altLang="en-US" sz="2000" b="0" i="0" u="none" strike="noStrike" cap="none" normalizeH="0" baseline="0" dirty="0" smtClean="0">
+                <a:ln>
+                  <a:noFill/>
+                </a:ln>
+                <a:solidFill>
+                  <a:srgbClr val="6897BB"/>
+                </a:solidFill>
+                <a:effectLst/>
+                <a:latin typeface="Courier New" panose="02070309020205020404" pitchFamily="49" charset="0"/>
+                <a:cs typeface="Courier New" panose="02070309020205020404" pitchFamily="49" charset="0"/>
+              </a:rPr>
+              <a:t>7</a:t>
+            </a:r>
+            <a:r>
+              <a:rPr kumimoji="0" lang="en-US" altLang="en-US" sz="2000" b="0" i="0" u="none" strike="noStrike" cap="none" normalizeH="0" baseline="0" dirty="0" smtClean="0">
+                <a:ln>
+                  <a:noFill/>
+                </a:ln>
+                <a:solidFill>
+                  <a:srgbClr val="CC7832"/>
+                </a:solidFill>
+                <a:effectLst/>
+                <a:latin typeface="Courier New" panose="02070309020205020404" pitchFamily="49" charset="0"/>
+                <a:cs typeface="Courier New" panose="02070309020205020404" pitchFamily="49" charset="0"/>
+              </a:rPr>
+              <a:t>,</a:t>
+            </a:r>
+            <a:r>
+              <a:rPr kumimoji="0" lang="en-US" altLang="en-US" sz="2000" b="0" i="0" u="none" strike="noStrike" cap="none" normalizeH="0" baseline="0" dirty="0" smtClean="0">
+                <a:ln>
+                  <a:noFill/>
+                </a:ln>
+                <a:solidFill>
+                  <a:srgbClr val="6897BB"/>
+                </a:solidFill>
+                <a:effectLst/>
+                <a:latin typeface="Courier New" panose="02070309020205020404" pitchFamily="49" charset="0"/>
+                <a:cs typeface="Courier New" panose="02070309020205020404" pitchFamily="49" charset="0"/>
+              </a:rPr>
+              <a:t>8</a:t>
+            </a:r>
+            <a:r>
+              <a:rPr kumimoji="0" lang="en-US" altLang="en-US" sz="2000" b="0" i="0" u="none" strike="noStrike" cap="none" normalizeH="0" baseline="0" dirty="0" smtClean="0">
+                <a:ln>
+                  <a:noFill/>
+                </a:ln>
+                <a:solidFill>
+                  <a:srgbClr val="A9B7C6"/>
+                </a:solidFill>
+                <a:effectLst/>
+                <a:latin typeface="Courier New" panose="02070309020205020404" pitchFamily="49" charset="0"/>
+                <a:cs typeface="Courier New" panose="02070309020205020404" pitchFamily="49" charset="0"/>
+              </a:rPr>
+              <a:t>))</a:t>
+            </a:r>
+            <a:endParaRPr kumimoji="0" lang="en-US" altLang="en-US" sz="4800" b="0" i="0" u="none" strike="noStrike" cap="none" normalizeH="0" baseline="0" dirty="0" smtClean="0">
+              <a:ln>
+                <a:noFill/>
+              </a:ln>
+              <a:solidFill>
+                <a:schemeClr val="tx1"/>
+              </a:solidFill>
+              <a:effectLst/>
+              <a:latin typeface="Arial" panose="020B0604020202020204" pitchFamily="34" charset="0"/>
+            </a:endParaRPr>
           </a:p>
         </p:txBody>
       </p:sp>
     </p:spTree>
     <p:extLst>
       <p:ext uri="{BB962C8B-B14F-4D97-AF65-F5344CB8AC3E}">
-        <p14:creationId xmlns:p14="http://schemas.microsoft.com/office/powerpoint/2010/main" val="1350773838"/>
+        <p14:creationId xmlns:p14="http://schemas.microsoft.com/office/powerpoint/2010/main" val="3524707788"/>
       </p:ext>
     </p:extLst>
   </p:cSld>
@@ -4125,217 +7746,6 @@
 </file>
 
 <file path=ppt/slides/slide12.xml><?xml version="1.0" encoding="utf-8"?>
-<p:sld xmlns:a="http://schemas.openxmlformats.org/drawingml/2006/main" xmlns:r="http://schemas.openxmlformats.org/officeDocument/2006/relationships" xmlns:p="http://schemas.openxmlformats.org/presentationml/2006/main">
-  <p:cSld>
-    <p:spTree>
-      <p:nvGrpSpPr>
-        <p:cNvPr id="1" name=""/>
-        <p:cNvGrpSpPr/>
-        <p:nvPr/>
-      </p:nvGrpSpPr>
-      <p:grpSpPr>
-        <a:xfrm>
-          <a:off x="0" y="0"/>
-          <a:ext cx="0" cy="0"/>
-          <a:chOff x="0" y="0"/>
-          <a:chExt cx="0" cy="0"/>
-        </a:xfrm>
-      </p:grpSpPr>
-      <p:sp>
-        <p:nvSpPr>
-          <p:cNvPr id="2" name="Title 1"/>
-          <p:cNvSpPr>
-            <a:spLocks noGrp="1"/>
-          </p:cNvSpPr>
-          <p:nvPr>
-            <p:ph type="title"/>
-          </p:nvPr>
-        </p:nvSpPr>
-        <p:spPr/>
-        <p:txBody>
-          <a:bodyPr/>
-          <a:lstStyle/>
-          <a:p>
-            <a:r>
-              <a:rPr lang="en-GB" dirty="0"/>
-              <a:t>Word count (</a:t>
-            </a:r>
-            <a:r>
-              <a:rPr lang="en-GB" dirty="0" err="1"/>
-              <a:t>exemplul</a:t>
-            </a:r>
-            <a:r>
-              <a:rPr lang="en-GB" dirty="0"/>
-              <a:t> </a:t>
-            </a:r>
-            <a:r>
-              <a:rPr lang="en-GB" dirty="0" err="1"/>
-              <a:t>tipic</a:t>
-            </a:r>
-            <a:r>
-              <a:rPr lang="en-GB" dirty="0"/>
-              <a:t>) demo</a:t>
-            </a:r>
-            <a:br>
-              <a:rPr lang="en-GB" dirty="0"/>
-            </a:br>
-            <a:endParaRPr lang="en-GB" dirty="0"/>
-          </a:p>
-        </p:txBody>
-      </p:sp>
-      <p:sp>
-        <p:nvSpPr>
-          <p:cNvPr id="3" name="Content Placeholder 2"/>
-          <p:cNvSpPr>
-            <a:spLocks noGrp="1"/>
-          </p:cNvSpPr>
-          <p:nvPr>
-            <p:ph idx="1"/>
-          </p:nvPr>
-        </p:nvSpPr>
-        <p:spPr/>
-        <p:txBody>
-          <a:bodyPr/>
-          <a:lstStyle/>
-          <a:p>
-            <a:pPr marL="457200" lvl="1" indent="0">
-              <a:buNone/>
-            </a:pPr>
-            <a:r>
-              <a:rPr lang="en-GB" dirty="0" err="1" smtClean="0"/>
-              <a:t>sa</a:t>
-            </a:r>
-            <a:r>
-              <a:rPr lang="en-GB" dirty="0" smtClean="0"/>
-              <a:t> </a:t>
-            </a:r>
-            <a:r>
-              <a:rPr lang="en-GB" dirty="0"/>
-              <a:t>pun </a:t>
-            </a:r>
-            <a:r>
-              <a:rPr lang="en-GB" dirty="0" err="1"/>
-              <a:t>mai</a:t>
-            </a:r>
-            <a:r>
-              <a:rPr lang="en-GB" dirty="0"/>
-              <a:t> </a:t>
-            </a:r>
-            <a:r>
-              <a:rPr lang="en-GB" dirty="0" err="1"/>
-              <a:t>multe</a:t>
-            </a:r>
-            <a:r>
-              <a:rPr lang="en-GB" dirty="0"/>
-              <a:t> </a:t>
-            </a:r>
-            <a:r>
-              <a:rPr lang="en-GB" dirty="0" err="1"/>
-              <a:t>actiuni</a:t>
-            </a:r>
-            <a:r>
-              <a:rPr lang="en-GB" dirty="0"/>
-              <a:t> </a:t>
-            </a:r>
-            <a:r>
-              <a:rPr lang="en-GB" dirty="0" err="1"/>
-              <a:t>pe</a:t>
-            </a:r>
-            <a:r>
-              <a:rPr lang="en-GB" dirty="0"/>
-              <a:t> </a:t>
-            </a:r>
-            <a:r>
-              <a:rPr lang="en-GB" dirty="0" err="1"/>
-              <a:t>acelasi</a:t>
-            </a:r>
-            <a:r>
-              <a:rPr lang="en-GB" dirty="0"/>
-              <a:t> </a:t>
-            </a:r>
-            <a:r>
-              <a:rPr lang="en-GB" dirty="0" err="1"/>
-              <a:t>rdd</a:t>
-            </a:r>
-            <a:r>
-              <a:rPr lang="en-GB" dirty="0"/>
-              <a:t> (se </a:t>
-            </a:r>
-            <a:r>
-              <a:rPr lang="en-GB" dirty="0" err="1"/>
-              <a:t>va</a:t>
-            </a:r>
-            <a:r>
-              <a:rPr lang="en-GB" dirty="0"/>
-              <a:t> </a:t>
-            </a:r>
-            <a:r>
-              <a:rPr lang="en-GB" dirty="0" err="1"/>
-              <a:t>calcula</a:t>
-            </a:r>
-            <a:r>
-              <a:rPr lang="en-GB" dirty="0"/>
-              <a:t> </a:t>
-            </a:r>
-            <a:r>
-              <a:rPr lang="en-GB" dirty="0" err="1"/>
-              <a:t>totul</a:t>
-            </a:r>
-            <a:r>
-              <a:rPr lang="en-GB" dirty="0"/>
-              <a:t> de </a:t>
-            </a:r>
-            <a:r>
-              <a:rPr lang="en-GB" dirty="0" err="1"/>
-              <a:t>mai</a:t>
-            </a:r>
-            <a:r>
-              <a:rPr lang="en-GB" dirty="0"/>
-              <a:t> </a:t>
-            </a:r>
-            <a:r>
-              <a:rPr lang="en-GB" dirty="0" err="1"/>
-              <a:t>multe</a:t>
-            </a:r>
-            <a:r>
-              <a:rPr lang="en-GB" dirty="0"/>
-              <a:t> </a:t>
-            </a:r>
-            <a:r>
-              <a:rPr lang="en-GB" dirty="0" err="1"/>
-              <a:t>ori</a:t>
-            </a:r>
-            <a:r>
-              <a:rPr lang="en-GB" dirty="0"/>
-              <a:t>)</a:t>
-            </a:r>
-          </a:p>
-          <a:p>
-            <a:endParaRPr lang="en-GB" dirty="0"/>
-          </a:p>
-        </p:txBody>
-      </p:sp>
-    </p:spTree>
-    <p:extLst>
-      <p:ext uri="{BB962C8B-B14F-4D97-AF65-F5344CB8AC3E}">
-        <p14:creationId xmlns:p14="http://schemas.microsoft.com/office/powerpoint/2010/main" val="4261092623"/>
-      </p:ext>
-    </p:extLst>
-  </p:cSld>
-  <p:clrMapOvr>
-    <a:masterClrMapping/>
-  </p:clrMapOvr>
-  <p:timing>
-    <p:tnLst>
-      <p:par>
-        <p:cTn id="1" dur="indefinite" restart="never" nodeType="tmRoot"/>
-      </p:par>
-    </p:tnLst>
-  </p:timing>
-</p:sld>
-</file>
-
-<file path=ppt/slides/slide13.xml><?xml version="1.0" encoding="utf-8"?>
 <p:sld xmlns:a="http://schemas.openxmlformats.org/drawingml/2006/main" xmlns:r="http://schemas.openxmlformats.org/officeDocument/2006/relationships" xmlns:p="http://schemas.openxmlformats.org/presentationml/2006/main">
   <p:cSld>
     <p:spTree>
@@ -4566,8 +7976,8 @@
         </p:nvSpPr>
         <p:spPr>
           <a:xfrm>
-            <a:off x="535612" y="308975"/>
-            <a:ext cx="2630592" cy="369332"/>
+            <a:off x="2949881" y="122275"/>
+            <a:ext cx="6095387" cy="769441"/>
           </a:xfrm>
           <a:prstGeom prst="rect">
             <a:avLst/>
@@ -4579,28 +7989,53 @@
           </a:bodyPr>
           <a:lstStyle/>
           <a:p>
-            <a:r>
-              <a:rPr lang="en-GB" dirty="0" smtClean="0"/>
+            <a:pPr algn="ctr"/>
+            <a:r>
+              <a:rPr lang="en-GB" sz="4400" dirty="0">
+                <a:latin typeface="+mj-lt"/>
+                <a:ea typeface="+mj-ea"/>
+                <a:cs typeface="+mj-cs"/>
+              </a:rPr>
               <a:t>de </a:t>
             </a:r>
             <a:r>
-              <a:rPr lang="en-GB" dirty="0" err="1" smtClean="0"/>
+              <a:rPr lang="en-GB" sz="4400" dirty="0" err="1">
+                <a:latin typeface="+mj-lt"/>
+                <a:ea typeface="+mj-ea"/>
+                <a:cs typeface="+mj-cs"/>
+              </a:rPr>
               <a:t>ce</a:t>
             </a:r>
             <a:r>
-              <a:rPr lang="en-GB" dirty="0" smtClean="0"/>
+              <a:rPr lang="en-GB" sz="4400" dirty="0">
+                <a:latin typeface="+mj-lt"/>
+                <a:ea typeface="+mj-ea"/>
+                <a:cs typeface="+mj-cs"/>
+              </a:rPr>
               <a:t> spark </a:t>
             </a:r>
             <a:r>
-              <a:rPr lang="en-GB" dirty="0" err="1" smtClean="0"/>
+              <a:rPr lang="en-GB" sz="4400" dirty="0" err="1">
+                <a:latin typeface="+mj-lt"/>
+                <a:ea typeface="+mj-ea"/>
+                <a:cs typeface="+mj-cs"/>
+              </a:rPr>
               <a:t>este</a:t>
             </a:r>
             <a:r>
-              <a:rPr lang="en-GB" dirty="0" smtClean="0"/>
+              <a:rPr lang="en-GB" sz="4400" dirty="0">
+                <a:latin typeface="+mj-lt"/>
+                <a:ea typeface="+mj-ea"/>
+                <a:cs typeface="+mj-cs"/>
+              </a:rPr>
               <a:t> laziness </a:t>
             </a:r>
             <a:r>
-              <a:rPr lang="en-GB" dirty="0"/>
+              <a:rPr lang="en-GB" sz="4400" dirty="0">
+                <a:latin typeface="+mj-lt"/>
+                <a:ea typeface="+mj-ea"/>
+                <a:cs typeface="+mj-cs"/>
+              </a:rPr>
               <a:t>?</a:t>
             </a:r>
           </a:p>
@@ -4782,6 +8217,842 @@
     <p:extLst>
       <p:ext uri="{BB962C8B-B14F-4D97-AF65-F5344CB8AC3E}">
         <p14:creationId xmlns:p14="http://schemas.microsoft.com/office/powerpoint/2010/main" val="42141853"/>
+      </p:ext>
+    </p:extLst>
+  </p:cSld>
+  <p:clrMapOvr>
+    <a:masterClrMapping/>
+  </p:clrMapOvr>
+  <p:timing>
+    <p:tnLst>
+      <p:par>
+        <p:cTn id="1" dur="indefinite" restart="never" nodeType="tmRoot"/>
+      </p:par>
+    </p:tnLst>
+  </p:timing>
+</p:sld>
+</file>
+
+<file path=ppt/slides/slide13.xml><?xml version="1.0" encoding="utf-8"?>
+<p:sld xmlns:a="http://schemas.openxmlformats.org/drawingml/2006/main" xmlns:r="http://schemas.openxmlformats.org/officeDocument/2006/relationships" xmlns:p="http://schemas.openxmlformats.org/presentationml/2006/main">
+  <p:cSld>
+    <p:spTree>
+      <p:nvGrpSpPr>
+        <p:cNvPr id="1" name=""/>
+        <p:cNvGrpSpPr/>
+        <p:nvPr/>
+      </p:nvGrpSpPr>
+      <p:grpSpPr>
+        <a:xfrm>
+          <a:off x="0" y="0"/>
+          <a:ext cx="0" cy="0"/>
+          <a:chOff x="0" y="0"/>
+          <a:chExt cx="0" cy="0"/>
+        </a:xfrm>
+      </p:grpSpPr>
+      <p:sp>
+        <p:nvSpPr>
+          <p:cNvPr id="2" name="Title 1"/>
+          <p:cNvSpPr>
+            <a:spLocks noGrp="1"/>
+          </p:cNvSpPr>
+          <p:nvPr>
+            <p:ph type="title"/>
+          </p:nvPr>
+        </p:nvSpPr>
+        <p:spPr/>
+        <p:txBody>
+          <a:bodyPr/>
+          <a:lstStyle/>
+          <a:p>
+            <a:r>
+              <a:rPr lang="en-GB" dirty="0"/>
+              <a:t>Word count </a:t>
+            </a:r>
+            <a:r>
+              <a:rPr lang="en-GB" dirty="0" smtClean="0"/>
+              <a:t>- demo</a:t>
+            </a:r>
+            <a:r>
+              <a:rPr lang="en-GB" dirty="0"/>
+              <a:t/>
+            </a:r>
+            <a:br>
+              <a:rPr lang="en-GB" dirty="0"/>
+            </a:br>
+            <a:endParaRPr lang="en-GB" dirty="0"/>
+          </a:p>
+        </p:txBody>
+      </p:sp>
+      <p:sp>
+        <p:nvSpPr>
+          <p:cNvPr id="4" name="Rectangle 1"/>
+          <p:cNvSpPr>
+            <a:spLocks noGrp="1" noChangeArrowheads="1"/>
+          </p:cNvSpPr>
+          <p:nvPr>
+            <p:ph idx="1"/>
+          </p:nvPr>
+        </p:nvSpPr>
+        <p:spPr bwMode="auto">
+          <a:xfrm>
+            <a:off x="838200" y="2659547"/>
+            <a:ext cx="8742528" cy="2246769"/>
+          </a:xfrm>
+          <a:prstGeom prst="rect">
+            <a:avLst/>
+          </a:prstGeom>
+          <a:solidFill>
+            <a:srgbClr val="2B2B2B"/>
+          </a:solidFill>
+          <a:ln>
+            <a:noFill/>
+          </a:ln>
+          <a:effectLst/>
+          <a:extLst>
+            <a:ext uri="{91240B29-F687-4F45-9708-019B960494DF}">
+              <a14:hiddenLine xmlns:a14="http://schemas.microsoft.com/office/drawing/2010/main" w="9525">
+                <a:solidFill>
+                  <a:schemeClr val="tx1"/>
+                </a:solidFill>
+                <a:miter lim="800000"/>
+                <a:headEnd/>
+                <a:tailEnd/>
+              </a14:hiddenLine>
+            </a:ext>
+            <a:ext uri="{AF507438-7753-43E0-B8FC-AC1667EBCBE1}">
+              <a14:hiddenEffects xmlns:a14="http://schemas.microsoft.com/office/drawing/2010/main">
+                <a:effectLst>
+                  <a:outerShdw dist="35921" dir="2700000" algn="ctr" rotWithShape="0">
+                    <a:schemeClr val="bg2"/>
+                  </a:outerShdw>
+                </a:effectLst>
+              </a14:hiddenEffects>
+            </a:ext>
+          </a:extLst>
+        </p:spPr>
+        <p:txBody>
+          <a:bodyPr vert="horz" wrap="square" lIns="91440" tIns="45720" rIns="91440" bIns="45720" numCol="1" anchor="ctr" anchorCtr="0" compatLnSpc="1">
+            <a:prstTxWarp prst="textNoShape">
+              <a:avLst/>
+            </a:prstTxWarp>
+            <a:spAutoFit/>
+          </a:bodyPr>
+          <a:lstStyle/>
+          <a:p>
+            <a:pPr marL="0" marR="0" lvl="0" indent="0" algn="l" defTabSz="914400" rtl="0" eaLnBrk="0" fontAlgn="base" latinLnBrk="0" hangingPunct="0">
+              <a:lnSpc>
+                <a:spcPct val="100000"/>
+              </a:lnSpc>
+              <a:spcBef>
+                <a:spcPct val="0"/>
+              </a:spcBef>
+              <a:spcAft>
+                <a:spcPct val="0"/>
+              </a:spcAft>
+              <a:buClrTx/>
+              <a:buSzTx/>
+              <a:buFontTx/>
+              <a:buNone/>
+              <a:tabLst/>
+            </a:pPr>
+            <a:r>
+              <a:rPr kumimoji="0" lang="en-US" altLang="en-US" sz="2000" b="1" i="0" u="none" strike="noStrike" cap="none" normalizeH="0" baseline="0" dirty="0" err="1" smtClean="0">
+                <a:ln>
+                  <a:noFill/>
+                </a:ln>
+                <a:solidFill>
+                  <a:srgbClr val="CC7832"/>
+                </a:solidFill>
+                <a:effectLst/>
+                <a:latin typeface="Courier New" panose="02070309020205020404" pitchFamily="49" charset="0"/>
+                <a:cs typeface="Courier New" panose="02070309020205020404" pitchFamily="49" charset="0"/>
+              </a:rPr>
+              <a:t>val</a:t>
+            </a:r>
+            <a:r>
+              <a:rPr kumimoji="0" lang="en-US" altLang="en-US" sz="2000" b="1" i="0" u="none" strike="noStrike" cap="none" normalizeH="0" baseline="0" dirty="0" smtClean="0">
+                <a:ln>
+                  <a:noFill/>
+                </a:ln>
+                <a:solidFill>
+                  <a:srgbClr val="CC7832"/>
+                </a:solidFill>
+                <a:effectLst/>
+                <a:latin typeface="Courier New" panose="02070309020205020404" pitchFamily="49" charset="0"/>
+                <a:cs typeface="Courier New" panose="02070309020205020404" pitchFamily="49" charset="0"/>
+              </a:rPr>
+              <a:t> </a:t>
+            </a:r>
+            <a:r>
+              <a:rPr kumimoji="0" lang="en-US" altLang="en-US" sz="2000" b="0" i="0" u="none" strike="noStrike" cap="none" normalizeH="0" baseline="0" dirty="0" err="1" smtClean="0">
+                <a:ln>
+                  <a:noFill/>
+                </a:ln>
+                <a:solidFill>
+                  <a:srgbClr val="A9B7C6"/>
+                </a:solidFill>
+                <a:effectLst/>
+                <a:latin typeface="Courier New" panose="02070309020205020404" pitchFamily="49" charset="0"/>
+                <a:cs typeface="Courier New" panose="02070309020205020404" pitchFamily="49" charset="0"/>
+              </a:rPr>
+              <a:t>sc</a:t>
+            </a:r>
+            <a:r>
+              <a:rPr kumimoji="0" lang="en-US" altLang="en-US" sz="2000" b="0" i="0" u="none" strike="noStrike" cap="none" normalizeH="0" baseline="0" dirty="0" smtClean="0">
+                <a:ln>
+                  <a:noFill/>
+                </a:ln>
+                <a:solidFill>
+                  <a:srgbClr val="A9B7C6"/>
+                </a:solidFill>
+                <a:effectLst/>
+                <a:latin typeface="Courier New" panose="02070309020205020404" pitchFamily="49" charset="0"/>
+                <a:cs typeface="Courier New" panose="02070309020205020404" pitchFamily="49" charset="0"/>
+              </a:rPr>
+              <a:t> = </a:t>
+            </a:r>
+            <a:r>
+              <a:rPr kumimoji="0" lang="en-US" altLang="en-US" sz="2000" b="1" i="0" u="none" strike="noStrike" cap="none" normalizeH="0" baseline="0" dirty="0" smtClean="0">
+                <a:ln>
+                  <a:noFill/>
+                </a:ln>
+                <a:solidFill>
+                  <a:srgbClr val="CC7832"/>
+                </a:solidFill>
+                <a:effectLst/>
+                <a:latin typeface="Courier New" panose="02070309020205020404" pitchFamily="49" charset="0"/>
+                <a:cs typeface="Courier New" panose="02070309020205020404" pitchFamily="49" charset="0"/>
+              </a:rPr>
+              <a:t>new </a:t>
+            </a:r>
+            <a:r>
+              <a:rPr kumimoji="0" lang="en-US" altLang="en-US" sz="2000" b="0" i="0" u="none" strike="noStrike" cap="none" normalizeH="0" baseline="0" dirty="0" err="1" smtClean="0">
+                <a:ln>
+                  <a:noFill/>
+                </a:ln>
+                <a:solidFill>
+                  <a:srgbClr val="A9B7C6"/>
+                </a:solidFill>
+                <a:effectLst/>
+                <a:latin typeface="Courier New" panose="02070309020205020404" pitchFamily="49" charset="0"/>
+                <a:cs typeface="Courier New" panose="02070309020205020404" pitchFamily="49" charset="0"/>
+              </a:rPr>
+              <a:t>SparkContext</a:t>
+            </a:r>
+            <a:r>
+              <a:rPr kumimoji="0" lang="en-US" altLang="en-US" sz="2000" b="0" i="0" u="none" strike="noStrike" cap="none" normalizeH="0" baseline="0" dirty="0" smtClean="0">
+                <a:ln>
+                  <a:noFill/>
+                </a:ln>
+                <a:solidFill>
+                  <a:srgbClr val="A9B7C6"/>
+                </a:solidFill>
+                <a:effectLst/>
+                <a:latin typeface="Courier New" panose="02070309020205020404" pitchFamily="49" charset="0"/>
+                <a:cs typeface="Courier New" panose="02070309020205020404" pitchFamily="49" charset="0"/>
+              </a:rPr>
+              <a:t>(</a:t>
+            </a:r>
+            <a:r>
+              <a:rPr kumimoji="0" lang="en-US" altLang="en-US" sz="2000" b="0" i="0" u="none" strike="noStrike" cap="none" normalizeH="0" baseline="0" dirty="0" err="1" smtClean="0">
+                <a:ln>
+                  <a:noFill/>
+                </a:ln>
+                <a:solidFill>
+                  <a:srgbClr val="A9B7C6"/>
+                </a:solidFill>
+                <a:effectLst/>
+                <a:latin typeface="Courier New" panose="02070309020205020404" pitchFamily="49" charset="0"/>
+                <a:cs typeface="Courier New" panose="02070309020205020404" pitchFamily="49" charset="0"/>
+              </a:rPr>
+              <a:t>conf</a:t>
+            </a:r>
+            <a:r>
+              <a:rPr kumimoji="0" lang="en-US" altLang="en-US" sz="2000" b="0" i="0" u="none" strike="noStrike" cap="none" normalizeH="0" baseline="0" dirty="0" smtClean="0">
+                <a:ln>
+                  <a:noFill/>
+                </a:ln>
+                <a:solidFill>
+                  <a:srgbClr val="A9B7C6"/>
+                </a:solidFill>
+                <a:effectLst/>
+                <a:latin typeface="Courier New" panose="02070309020205020404" pitchFamily="49" charset="0"/>
+                <a:cs typeface="Courier New" panose="02070309020205020404" pitchFamily="49" charset="0"/>
+              </a:rPr>
+              <a:t>)</a:t>
+            </a:r>
+            <a:br>
+              <a:rPr kumimoji="0" lang="en-US" altLang="en-US" sz="2000" b="0" i="0" u="none" strike="noStrike" cap="none" normalizeH="0" baseline="0" dirty="0" smtClean="0">
+                <a:ln>
+                  <a:noFill/>
+                </a:ln>
+                <a:solidFill>
+                  <a:srgbClr val="A9B7C6"/>
+                </a:solidFill>
+                <a:effectLst/>
+                <a:latin typeface="Courier New" panose="02070309020205020404" pitchFamily="49" charset="0"/>
+                <a:cs typeface="Courier New" panose="02070309020205020404" pitchFamily="49" charset="0"/>
+              </a:rPr>
+            </a:br>
+            <a:r>
+              <a:rPr kumimoji="0" lang="en-US" altLang="en-US" sz="2000" b="1" i="0" u="none" strike="noStrike" cap="none" normalizeH="0" baseline="0" dirty="0" err="1" smtClean="0">
+                <a:ln>
+                  <a:noFill/>
+                </a:ln>
+                <a:solidFill>
+                  <a:srgbClr val="CC7832"/>
+                </a:solidFill>
+                <a:effectLst/>
+                <a:latin typeface="Courier New" panose="02070309020205020404" pitchFamily="49" charset="0"/>
+                <a:cs typeface="Courier New" panose="02070309020205020404" pitchFamily="49" charset="0"/>
+              </a:rPr>
+              <a:t>val</a:t>
+            </a:r>
+            <a:r>
+              <a:rPr kumimoji="0" lang="en-US" altLang="en-US" sz="2000" b="1" i="0" u="none" strike="noStrike" cap="none" normalizeH="0" baseline="0" dirty="0" smtClean="0">
+                <a:ln>
+                  <a:noFill/>
+                </a:ln>
+                <a:solidFill>
+                  <a:srgbClr val="CC7832"/>
+                </a:solidFill>
+                <a:effectLst/>
+                <a:latin typeface="Courier New" panose="02070309020205020404" pitchFamily="49" charset="0"/>
+                <a:cs typeface="Courier New" panose="02070309020205020404" pitchFamily="49" charset="0"/>
+              </a:rPr>
+              <a:t> </a:t>
+            </a:r>
+            <a:r>
+              <a:rPr kumimoji="0" lang="en-US" altLang="en-US" sz="2000" b="0" i="0" u="none" strike="noStrike" cap="none" normalizeH="0" baseline="0" dirty="0" err="1" smtClean="0">
+                <a:ln>
+                  <a:noFill/>
+                </a:ln>
+                <a:solidFill>
+                  <a:srgbClr val="A9B7C6"/>
+                </a:solidFill>
+                <a:effectLst/>
+                <a:latin typeface="Courier New" panose="02070309020205020404" pitchFamily="49" charset="0"/>
+                <a:cs typeface="Courier New" panose="02070309020205020404" pitchFamily="49" charset="0"/>
+              </a:rPr>
+              <a:t>inputRDD</a:t>
+            </a:r>
+            <a:r>
+              <a:rPr kumimoji="0" lang="en-US" altLang="en-US" sz="2000" b="0" i="0" u="none" strike="noStrike" cap="none" normalizeH="0" baseline="0" dirty="0" smtClean="0">
+                <a:ln>
+                  <a:noFill/>
+                </a:ln>
+                <a:solidFill>
+                  <a:srgbClr val="A9B7C6"/>
+                </a:solidFill>
+                <a:effectLst/>
+                <a:latin typeface="Courier New" panose="02070309020205020404" pitchFamily="49" charset="0"/>
+                <a:cs typeface="Courier New" panose="02070309020205020404" pitchFamily="49" charset="0"/>
+              </a:rPr>
+              <a:t> = </a:t>
+            </a:r>
+            <a:r>
+              <a:rPr kumimoji="0" lang="en-US" altLang="en-US" sz="2000" b="0" i="0" u="none" strike="noStrike" cap="none" normalizeH="0" baseline="0" dirty="0" err="1" smtClean="0">
+                <a:ln>
+                  <a:noFill/>
+                </a:ln>
+                <a:solidFill>
+                  <a:srgbClr val="A9B7C6"/>
+                </a:solidFill>
+                <a:effectLst/>
+                <a:latin typeface="Courier New" panose="02070309020205020404" pitchFamily="49" charset="0"/>
+                <a:cs typeface="Courier New" panose="02070309020205020404" pitchFamily="49" charset="0"/>
+              </a:rPr>
+              <a:t>sc.textFile</a:t>
+            </a:r>
+            <a:r>
+              <a:rPr kumimoji="0" lang="en-US" altLang="en-US" sz="2000" b="0" i="0" u="none" strike="noStrike" cap="none" normalizeH="0" baseline="0" dirty="0" smtClean="0">
+                <a:ln>
+                  <a:noFill/>
+                </a:ln>
+                <a:solidFill>
+                  <a:srgbClr val="A9B7C6"/>
+                </a:solidFill>
+                <a:effectLst/>
+                <a:latin typeface="Courier New" panose="02070309020205020404" pitchFamily="49" charset="0"/>
+                <a:cs typeface="Courier New" panose="02070309020205020404" pitchFamily="49" charset="0"/>
+              </a:rPr>
+              <a:t>(</a:t>
+            </a:r>
+            <a:r>
+              <a:rPr kumimoji="0" lang="en-US" altLang="en-US" sz="2000" b="0" i="0" u="none" strike="noStrike" cap="none" normalizeH="0" baseline="0" dirty="0" smtClean="0">
+                <a:ln>
+                  <a:noFill/>
+                </a:ln>
+                <a:solidFill>
+                  <a:srgbClr val="6A8759"/>
+                </a:solidFill>
+                <a:effectLst/>
+                <a:latin typeface="Courier New" panose="02070309020205020404" pitchFamily="49" charset="0"/>
+                <a:cs typeface="Courier New" panose="02070309020205020404" pitchFamily="49" charset="0"/>
+              </a:rPr>
+              <a:t>"input.txt"</a:t>
+            </a:r>
+            <a:r>
+              <a:rPr kumimoji="0" lang="en-US" altLang="en-US" sz="2000" b="0" i="0" u="none" strike="noStrike" cap="none" normalizeH="0" baseline="0" dirty="0" smtClean="0">
+                <a:ln>
+                  <a:noFill/>
+                </a:ln>
+                <a:solidFill>
+                  <a:srgbClr val="A9B7C6"/>
+                </a:solidFill>
+                <a:effectLst/>
+                <a:latin typeface="Courier New" panose="02070309020205020404" pitchFamily="49" charset="0"/>
+                <a:cs typeface="Courier New" panose="02070309020205020404" pitchFamily="49" charset="0"/>
+              </a:rPr>
+              <a:t>)</a:t>
+            </a:r>
+            <a:br>
+              <a:rPr kumimoji="0" lang="en-US" altLang="en-US" sz="2000" b="0" i="0" u="none" strike="noStrike" cap="none" normalizeH="0" baseline="0" dirty="0" smtClean="0">
+                <a:ln>
+                  <a:noFill/>
+                </a:ln>
+                <a:solidFill>
+                  <a:srgbClr val="A9B7C6"/>
+                </a:solidFill>
+                <a:effectLst/>
+                <a:latin typeface="Courier New" panose="02070309020205020404" pitchFamily="49" charset="0"/>
+                <a:cs typeface="Courier New" panose="02070309020205020404" pitchFamily="49" charset="0"/>
+              </a:rPr>
+            </a:br>
+            <a:r>
+              <a:rPr kumimoji="0" lang="en-US" altLang="en-US" sz="2000" b="1" i="0" u="none" strike="noStrike" cap="none" normalizeH="0" baseline="0" dirty="0" err="1" smtClean="0">
+                <a:ln>
+                  <a:noFill/>
+                </a:ln>
+                <a:solidFill>
+                  <a:srgbClr val="CC7832"/>
+                </a:solidFill>
+                <a:effectLst/>
+                <a:latin typeface="Courier New" panose="02070309020205020404" pitchFamily="49" charset="0"/>
+                <a:cs typeface="Courier New" panose="02070309020205020404" pitchFamily="49" charset="0"/>
+              </a:rPr>
+              <a:t>val</a:t>
+            </a:r>
+            <a:r>
+              <a:rPr kumimoji="0" lang="en-US" altLang="en-US" sz="2000" b="1" i="0" u="none" strike="noStrike" cap="none" normalizeH="0" baseline="0" dirty="0" smtClean="0">
+                <a:ln>
+                  <a:noFill/>
+                </a:ln>
+                <a:solidFill>
+                  <a:srgbClr val="CC7832"/>
+                </a:solidFill>
+                <a:effectLst/>
+                <a:latin typeface="Courier New" panose="02070309020205020404" pitchFamily="49" charset="0"/>
+                <a:cs typeface="Courier New" panose="02070309020205020404" pitchFamily="49" charset="0"/>
+              </a:rPr>
+              <a:t> </a:t>
+            </a:r>
+            <a:r>
+              <a:rPr kumimoji="0" lang="en-US" altLang="en-US" sz="2000" b="0" i="0" u="none" strike="noStrike" cap="none" normalizeH="0" baseline="0" dirty="0" smtClean="0">
+                <a:ln>
+                  <a:noFill/>
+                </a:ln>
+                <a:solidFill>
+                  <a:srgbClr val="A9B7C6"/>
+                </a:solidFill>
+                <a:effectLst/>
+                <a:latin typeface="Courier New" panose="02070309020205020404" pitchFamily="49" charset="0"/>
+                <a:cs typeface="Courier New" panose="02070309020205020404" pitchFamily="49" charset="0"/>
+              </a:rPr>
+              <a:t>words = </a:t>
+            </a:r>
+            <a:r>
+              <a:rPr kumimoji="0" lang="en-US" altLang="en-US" sz="2000" b="0" i="0" u="none" strike="noStrike" cap="none" normalizeH="0" baseline="0" dirty="0" err="1" smtClean="0">
+                <a:ln>
+                  <a:noFill/>
+                </a:ln>
+                <a:solidFill>
+                  <a:srgbClr val="A9B7C6"/>
+                </a:solidFill>
+                <a:effectLst/>
+                <a:latin typeface="Courier New" panose="02070309020205020404" pitchFamily="49" charset="0"/>
+                <a:cs typeface="Courier New" panose="02070309020205020404" pitchFamily="49" charset="0"/>
+              </a:rPr>
+              <a:t>inputRDD.flatMap</a:t>
+            </a:r>
+            <a:r>
+              <a:rPr kumimoji="0" lang="en-US" altLang="en-US" sz="2000" b="0" i="0" u="none" strike="noStrike" cap="none" normalizeH="0" baseline="0" dirty="0" smtClean="0">
+                <a:ln>
+                  <a:noFill/>
+                </a:ln>
+                <a:solidFill>
+                  <a:srgbClr val="A9B7C6"/>
+                </a:solidFill>
+                <a:effectLst/>
+                <a:latin typeface="Courier New" panose="02070309020205020404" pitchFamily="49" charset="0"/>
+                <a:cs typeface="Courier New" panose="02070309020205020404" pitchFamily="49" charset="0"/>
+              </a:rPr>
+              <a:t>(line =&gt; </a:t>
+            </a:r>
+            <a:r>
+              <a:rPr kumimoji="0" lang="en-US" altLang="en-US" sz="2000" b="0" i="0" u="none" strike="noStrike" cap="none" normalizeH="0" baseline="0" dirty="0" err="1" smtClean="0">
+                <a:ln>
+                  <a:noFill/>
+                </a:ln>
+                <a:solidFill>
+                  <a:srgbClr val="A9B7C6"/>
+                </a:solidFill>
+                <a:effectLst/>
+                <a:latin typeface="Courier New" panose="02070309020205020404" pitchFamily="49" charset="0"/>
+                <a:cs typeface="Courier New" panose="02070309020205020404" pitchFamily="49" charset="0"/>
+              </a:rPr>
+              <a:t>line.split</a:t>
+            </a:r>
+            <a:r>
+              <a:rPr kumimoji="0" lang="en-US" altLang="en-US" sz="2000" b="0" i="0" u="none" strike="noStrike" cap="none" normalizeH="0" baseline="0" dirty="0" smtClean="0">
+                <a:ln>
+                  <a:noFill/>
+                </a:ln>
+                <a:solidFill>
+                  <a:srgbClr val="A9B7C6"/>
+                </a:solidFill>
+                <a:effectLst/>
+                <a:latin typeface="Courier New" panose="02070309020205020404" pitchFamily="49" charset="0"/>
+                <a:cs typeface="Courier New" panose="02070309020205020404" pitchFamily="49" charset="0"/>
+              </a:rPr>
+              <a:t>(</a:t>
+            </a:r>
+            <a:r>
+              <a:rPr kumimoji="0" lang="en-US" altLang="en-US" sz="2000" b="0" i="0" u="none" strike="noStrike" cap="none" normalizeH="0" baseline="0" dirty="0" smtClean="0">
+                <a:ln>
+                  <a:noFill/>
+                </a:ln>
+                <a:solidFill>
+                  <a:srgbClr val="6A8759"/>
+                </a:solidFill>
+                <a:effectLst/>
+                <a:latin typeface="Courier New" panose="02070309020205020404" pitchFamily="49" charset="0"/>
+                <a:cs typeface="Courier New" panose="02070309020205020404" pitchFamily="49" charset="0"/>
+              </a:rPr>
+              <a:t>" "</a:t>
+            </a:r>
+            <a:r>
+              <a:rPr kumimoji="0" lang="en-US" altLang="en-US" sz="2000" b="0" i="0" u="none" strike="noStrike" cap="none" normalizeH="0" baseline="0" dirty="0" smtClean="0">
+                <a:ln>
+                  <a:noFill/>
+                </a:ln>
+                <a:solidFill>
+                  <a:srgbClr val="A9B7C6"/>
+                </a:solidFill>
+                <a:effectLst/>
+                <a:latin typeface="Courier New" panose="02070309020205020404" pitchFamily="49" charset="0"/>
+                <a:cs typeface="Courier New" panose="02070309020205020404" pitchFamily="49" charset="0"/>
+              </a:rPr>
+              <a:t>))</a:t>
+            </a:r>
+            <a:br>
+              <a:rPr kumimoji="0" lang="en-US" altLang="en-US" sz="2000" b="0" i="0" u="none" strike="noStrike" cap="none" normalizeH="0" baseline="0" dirty="0" smtClean="0">
+                <a:ln>
+                  <a:noFill/>
+                </a:ln>
+                <a:solidFill>
+                  <a:srgbClr val="A9B7C6"/>
+                </a:solidFill>
+                <a:effectLst/>
+                <a:latin typeface="Courier New" panose="02070309020205020404" pitchFamily="49" charset="0"/>
+                <a:cs typeface="Courier New" panose="02070309020205020404" pitchFamily="49" charset="0"/>
+              </a:rPr>
+            </a:br>
+            <a:r>
+              <a:rPr kumimoji="0" lang="en-US" altLang="en-US" sz="2000" b="0" i="0" u="none" strike="noStrike" cap="none" normalizeH="0" baseline="0" dirty="0" smtClean="0">
+                <a:ln>
+                  <a:noFill/>
+                </a:ln>
+                <a:solidFill>
+                  <a:srgbClr val="A9B7C6"/>
+                </a:solidFill>
+                <a:effectLst/>
+                <a:latin typeface="Courier New" panose="02070309020205020404" pitchFamily="49" charset="0"/>
+                <a:cs typeface="Courier New" panose="02070309020205020404" pitchFamily="49" charset="0"/>
+              </a:rPr>
+              <a:t>  .map(word =&gt; (word</a:t>
+            </a:r>
+            <a:r>
+              <a:rPr kumimoji="0" lang="en-US" altLang="en-US" sz="2000" b="0" i="0" u="none" strike="noStrike" cap="none" normalizeH="0" baseline="0" dirty="0" smtClean="0">
+                <a:ln>
+                  <a:noFill/>
+                </a:ln>
+                <a:solidFill>
+                  <a:srgbClr val="CC7832"/>
+                </a:solidFill>
+                <a:effectLst/>
+                <a:latin typeface="Courier New" panose="02070309020205020404" pitchFamily="49" charset="0"/>
+                <a:cs typeface="Courier New" panose="02070309020205020404" pitchFamily="49" charset="0"/>
+              </a:rPr>
+              <a:t>, </a:t>
+            </a:r>
+            <a:r>
+              <a:rPr kumimoji="0" lang="en-US" altLang="en-US" sz="2000" b="0" i="0" u="none" strike="noStrike" cap="none" normalizeH="0" baseline="0" dirty="0" smtClean="0">
+                <a:ln>
+                  <a:noFill/>
+                </a:ln>
+                <a:solidFill>
+                  <a:srgbClr val="6897BB"/>
+                </a:solidFill>
+                <a:effectLst/>
+                <a:latin typeface="Courier New" panose="02070309020205020404" pitchFamily="49" charset="0"/>
+                <a:cs typeface="Courier New" panose="02070309020205020404" pitchFamily="49" charset="0"/>
+              </a:rPr>
+              <a:t>1</a:t>
+            </a:r>
+            <a:r>
+              <a:rPr kumimoji="0" lang="en-US" altLang="en-US" sz="2000" b="0" i="0" u="none" strike="noStrike" cap="none" normalizeH="0" baseline="0" dirty="0" smtClean="0">
+                <a:ln>
+                  <a:noFill/>
+                </a:ln>
+                <a:solidFill>
+                  <a:srgbClr val="A9B7C6"/>
+                </a:solidFill>
+                <a:effectLst/>
+                <a:latin typeface="Courier New" panose="02070309020205020404" pitchFamily="49" charset="0"/>
+                <a:cs typeface="Courier New" panose="02070309020205020404" pitchFamily="49" charset="0"/>
+              </a:rPr>
+              <a:t>))</a:t>
+            </a:r>
+            <a:br>
+              <a:rPr kumimoji="0" lang="en-US" altLang="en-US" sz="2000" b="0" i="0" u="none" strike="noStrike" cap="none" normalizeH="0" baseline="0" dirty="0" smtClean="0">
+                <a:ln>
+                  <a:noFill/>
+                </a:ln>
+                <a:solidFill>
+                  <a:srgbClr val="A9B7C6"/>
+                </a:solidFill>
+                <a:effectLst/>
+                <a:latin typeface="Courier New" panose="02070309020205020404" pitchFamily="49" charset="0"/>
+                <a:cs typeface="Courier New" panose="02070309020205020404" pitchFamily="49" charset="0"/>
+              </a:rPr>
+            </a:br>
+            <a:r>
+              <a:rPr kumimoji="0" lang="en-US" altLang="en-US" sz="2000" b="0" i="0" u="none" strike="noStrike" cap="none" normalizeH="0" baseline="0" dirty="0" smtClean="0">
+                <a:ln>
+                  <a:noFill/>
+                </a:ln>
+                <a:solidFill>
+                  <a:srgbClr val="A9B7C6"/>
+                </a:solidFill>
+                <a:effectLst/>
+                <a:latin typeface="Courier New" panose="02070309020205020404" pitchFamily="49" charset="0"/>
+                <a:cs typeface="Courier New" panose="02070309020205020404" pitchFamily="49" charset="0"/>
+              </a:rPr>
+              <a:t>  .</a:t>
+            </a:r>
+            <a:r>
+              <a:rPr kumimoji="0" lang="en-US" altLang="en-US" sz="2000" b="0" i="0" u="none" strike="noStrike" cap="none" normalizeH="0" baseline="0" dirty="0" err="1" smtClean="0">
+                <a:ln>
+                  <a:noFill/>
+                </a:ln>
+                <a:solidFill>
+                  <a:srgbClr val="A9B7C6"/>
+                </a:solidFill>
+                <a:effectLst/>
+                <a:latin typeface="Courier New" panose="02070309020205020404" pitchFamily="49" charset="0"/>
+                <a:cs typeface="Courier New" panose="02070309020205020404" pitchFamily="49" charset="0"/>
+              </a:rPr>
+              <a:t>reduceByKey</a:t>
+            </a:r>
+            <a:r>
+              <a:rPr kumimoji="0" lang="en-US" altLang="en-US" sz="2000" b="0" i="0" u="none" strike="noStrike" cap="none" normalizeH="0" baseline="0" dirty="0" smtClean="0">
+                <a:ln>
+                  <a:noFill/>
+                </a:ln>
+                <a:solidFill>
+                  <a:srgbClr val="A9B7C6"/>
+                </a:solidFill>
+                <a:effectLst/>
+                <a:latin typeface="Courier New" panose="02070309020205020404" pitchFamily="49" charset="0"/>
+                <a:cs typeface="Courier New" panose="02070309020205020404" pitchFamily="49" charset="0"/>
+              </a:rPr>
+              <a:t>(_ + _)</a:t>
+            </a:r>
+            <a:br>
+              <a:rPr kumimoji="0" lang="en-US" altLang="en-US" sz="2000" b="0" i="0" u="none" strike="noStrike" cap="none" normalizeH="0" baseline="0" dirty="0" smtClean="0">
+                <a:ln>
+                  <a:noFill/>
+                </a:ln>
+                <a:solidFill>
+                  <a:srgbClr val="A9B7C6"/>
+                </a:solidFill>
+                <a:effectLst/>
+                <a:latin typeface="Courier New" panose="02070309020205020404" pitchFamily="49" charset="0"/>
+                <a:cs typeface="Courier New" panose="02070309020205020404" pitchFamily="49" charset="0"/>
+              </a:rPr>
+            </a:br>
+            <a:r>
+              <a:rPr kumimoji="0" lang="en-US" altLang="en-US" sz="2000" b="1" i="0" u="none" strike="noStrike" cap="none" normalizeH="0" baseline="0" dirty="0" err="1" smtClean="0">
+                <a:ln>
+                  <a:noFill/>
+                </a:ln>
+                <a:solidFill>
+                  <a:srgbClr val="CC7832"/>
+                </a:solidFill>
+                <a:effectLst/>
+                <a:latin typeface="Courier New" panose="02070309020205020404" pitchFamily="49" charset="0"/>
+                <a:cs typeface="Courier New" panose="02070309020205020404" pitchFamily="49" charset="0"/>
+              </a:rPr>
+              <a:t>val</a:t>
+            </a:r>
+            <a:r>
+              <a:rPr kumimoji="0" lang="en-US" altLang="en-US" sz="2000" b="1" i="0" u="none" strike="noStrike" cap="none" normalizeH="0" baseline="0" dirty="0" smtClean="0">
+                <a:ln>
+                  <a:noFill/>
+                </a:ln>
+                <a:solidFill>
+                  <a:srgbClr val="CC7832"/>
+                </a:solidFill>
+                <a:effectLst/>
+                <a:latin typeface="Courier New" panose="02070309020205020404" pitchFamily="49" charset="0"/>
+                <a:cs typeface="Courier New" panose="02070309020205020404" pitchFamily="49" charset="0"/>
+              </a:rPr>
+              <a:t> </a:t>
+            </a:r>
+            <a:r>
+              <a:rPr kumimoji="0" lang="en-US" altLang="en-US" sz="2000" b="0" i="0" u="none" strike="noStrike" cap="none" normalizeH="0" baseline="0" dirty="0" err="1" smtClean="0">
+                <a:ln>
+                  <a:noFill/>
+                </a:ln>
+                <a:solidFill>
+                  <a:srgbClr val="A9B7C6"/>
+                </a:solidFill>
+                <a:effectLst/>
+                <a:latin typeface="Courier New" panose="02070309020205020404" pitchFamily="49" charset="0"/>
+                <a:cs typeface="Courier New" panose="02070309020205020404" pitchFamily="49" charset="0"/>
+              </a:rPr>
+              <a:t>wordCount</a:t>
+            </a:r>
+            <a:r>
+              <a:rPr kumimoji="0" lang="en-US" altLang="en-US" sz="2000" b="0" i="0" u="none" strike="noStrike" cap="none" normalizeH="0" baseline="0" dirty="0" smtClean="0">
+                <a:ln>
+                  <a:noFill/>
+                </a:ln>
+                <a:solidFill>
+                  <a:srgbClr val="A9B7C6"/>
+                </a:solidFill>
+                <a:effectLst/>
+                <a:latin typeface="Courier New" panose="02070309020205020404" pitchFamily="49" charset="0"/>
+                <a:cs typeface="Courier New" panose="02070309020205020404" pitchFamily="49" charset="0"/>
+              </a:rPr>
+              <a:t> = </a:t>
+            </a:r>
+            <a:r>
+              <a:rPr kumimoji="0" lang="en-US" altLang="en-US" sz="2000" b="0" i="0" u="none" strike="noStrike" cap="none" normalizeH="0" baseline="0" dirty="0" err="1" smtClean="0">
+                <a:ln>
+                  <a:noFill/>
+                </a:ln>
+                <a:solidFill>
+                  <a:srgbClr val="A9B7C6"/>
+                </a:solidFill>
+                <a:effectLst/>
+                <a:latin typeface="Courier New" panose="02070309020205020404" pitchFamily="49" charset="0"/>
+                <a:cs typeface="Courier New" panose="02070309020205020404" pitchFamily="49" charset="0"/>
+              </a:rPr>
+              <a:t>words.count</a:t>
+            </a:r>
+            <a:r>
+              <a:rPr kumimoji="0" lang="en-US" altLang="en-US" sz="2000" b="0" i="0" u="none" strike="noStrike" cap="none" normalizeH="0" baseline="0" dirty="0" smtClean="0">
+                <a:ln>
+                  <a:noFill/>
+                </a:ln>
+                <a:solidFill>
+                  <a:srgbClr val="A9B7C6"/>
+                </a:solidFill>
+                <a:effectLst/>
+                <a:latin typeface="Courier New" panose="02070309020205020404" pitchFamily="49" charset="0"/>
+                <a:cs typeface="Courier New" panose="02070309020205020404" pitchFamily="49" charset="0"/>
+              </a:rPr>
+              <a:t/>
+            </a:r>
+            <a:br>
+              <a:rPr kumimoji="0" lang="en-US" altLang="en-US" sz="2000" b="0" i="0" u="none" strike="noStrike" cap="none" normalizeH="0" baseline="0" dirty="0" smtClean="0">
+                <a:ln>
+                  <a:noFill/>
+                </a:ln>
+                <a:solidFill>
+                  <a:srgbClr val="A9B7C6"/>
+                </a:solidFill>
+                <a:effectLst/>
+                <a:latin typeface="Courier New" panose="02070309020205020404" pitchFamily="49" charset="0"/>
+                <a:cs typeface="Courier New" panose="02070309020205020404" pitchFamily="49" charset="0"/>
+              </a:rPr>
+            </a:br>
+            <a:r>
+              <a:rPr kumimoji="0" lang="en-US" altLang="en-US" sz="2000" b="0" i="1" u="none" strike="noStrike" cap="none" normalizeH="0" baseline="0" dirty="0" err="1" smtClean="0">
+                <a:ln>
+                  <a:noFill/>
+                </a:ln>
+                <a:solidFill>
+                  <a:srgbClr val="A9B7C6"/>
+                </a:solidFill>
+                <a:effectLst/>
+                <a:latin typeface="Courier New" panose="02070309020205020404" pitchFamily="49" charset="0"/>
+                <a:cs typeface="Courier New" panose="02070309020205020404" pitchFamily="49" charset="0"/>
+              </a:rPr>
+              <a:t>println</a:t>
+            </a:r>
+            <a:r>
+              <a:rPr kumimoji="0" lang="en-US" altLang="en-US" sz="2000" b="0" i="0" u="none" strike="noStrike" cap="none" normalizeH="0" baseline="0" dirty="0" smtClean="0">
+                <a:ln>
+                  <a:noFill/>
+                </a:ln>
+                <a:solidFill>
+                  <a:srgbClr val="A9B7C6"/>
+                </a:solidFill>
+                <a:effectLst/>
+                <a:latin typeface="Courier New" panose="02070309020205020404" pitchFamily="49" charset="0"/>
+                <a:cs typeface="Courier New" panose="02070309020205020404" pitchFamily="49" charset="0"/>
+              </a:rPr>
+              <a:t>(</a:t>
+            </a:r>
+            <a:r>
+              <a:rPr kumimoji="0" lang="en-US" altLang="en-US" sz="2000" b="0" i="0" u="none" strike="noStrike" cap="none" normalizeH="0" baseline="0" dirty="0" err="1" smtClean="0">
+                <a:ln>
+                  <a:noFill/>
+                </a:ln>
+                <a:solidFill>
+                  <a:srgbClr val="A9B7C6"/>
+                </a:solidFill>
+                <a:effectLst/>
+                <a:latin typeface="Courier New" panose="02070309020205020404" pitchFamily="49" charset="0"/>
+                <a:cs typeface="Courier New" panose="02070309020205020404" pitchFamily="49" charset="0"/>
+              </a:rPr>
+              <a:t>wordCount</a:t>
+            </a:r>
+            <a:r>
+              <a:rPr kumimoji="0" lang="en-US" altLang="en-US" sz="2000" b="0" i="0" u="none" strike="noStrike" cap="none" normalizeH="0" baseline="0" dirty="0" smtClean="0">
+                <a:ln>
+                  <a:noFill/>
+                </a:ln>
+                <a:solidFill>
+                  <a:srgbClr val="A9B7C6"/>
+                </a:solidFill>
+                <a:effectLst/>
+                <a:latin typeface="Courier New" panose="02070309020205020404" pitchFamily="49" charset="0"/>
+                <a:cs typeface="Courier New" panose="02070309020205020404" pitchFamily="49" charset="0"/>
+              </a:rPr>
+              <a:t>)</a:t>
+            </a:r>
+            <a:endParaRPr kumimoji="0" lang="en-US" altLang="en-US" sz="4800" b="0" i="0" u="none" strike="noStrike" cap="none" normalizeH="0" baseline="0" dirty="0" smtClean="0">
+              <a:ln>
+                <a:noFill/>
+              </a:ln>
+              <a:solidFill>
+                <a:schemeClr val="tx1"/>
+              </a:solidFill>
+              <a:effectLst/>
+              <a:latin typeface="Arial" panose="020B0604020202020204" pitchFamily="34" charset="0"/>
+            </a:endParaRPr>
+          </a:p>
+        </p:txBody>
+      </p:sp>
+    </p:spTree>
+    <p:extLst>
+      <p:ext uri="{BB962C8B-B14F-4D97-AF65-F5344CB8AC3E}">
+        <p14:creationId xmlns:p14="http://schemas.microsoft.com/office/powerpoint/2010/main" val="4261092623"/>
       </p:ext>
     </p:extLst>
   </p:cSld>
@@ -4831,89 +9102,1189 @@
           <a:lstStyle/>
           <a:p>
             <a:r>
-              <a:rPr lang="en-GB" dirty="0" smtClean="0"/>
-              <a:t>demo</a:t>
-            </a:r>
-            <a:endParaRPr lang="en-GB" dirty="0"/>
+              <a:rPr lang="en-US" dirty="0" smtClean="0"/>
+              <a:t>Code examples</a:t>
+            </a:r>
+            <a:endParaRPr lang="en-US" dirty="0"/>
           </a:p>
         </p:txBody>
       </p:sp>
-      <p:pic>
-        <p:nvPicPr>
-          <p:cNvPr id="4" name="Content Placeholder 3"/>
-          <p:cNvPicPr>
-            <a:picLocks noGrp="1" noChangeAspect="1"/>
-          </p:cNvPicPr>
+      <p:sp>
+        <p:nvSpPr>
+          <p:cNvPr id="3" name="Text Placeholder 2"/>
+          <p:cNvSpPr>
+            <a:spLocks noGrp="1"/>
+          </p:cNvSpPr>
           <p:nvPr>
-            <p:ph idx="1"/>
+            <p:ph type="body" idx="1"/>
           </p:nvPr>
-        </p:nvPicPr>
-        <p:blipFill>
-          <a:blip r:embed="rId2">
-            <a:extLst>
-              <a:ext uri="{28A0092B-C50C-407E-A947-70E740481C1C}">
-                <a14:useLocalDpi xmlns:a14="http://schemas.microsoft.com/office/drawing/2010/main" val="0"/>
-              </a:ext>
-            </a:extLst>
-          </a:blip>
-          <a:stretch>
-            <a:fillRect/>
-          </a:stretch>
-        </p:blipFill>
+        </p:nvSpPr>
         <p:spPr>
           <a:xfrm>
-            <a:off x="716280" y="1393074"/>
-            <a:ext cx="10515600" cy="2778041"/>
+            <a:off x="171638" y="1174054"/>
+            <a:ext cx="10344027" cy="823912"/>
           </a:xfrm>
         </p:spPr>
-      </p:pic>
-      <p:pic>
-        <p:nvPicPr>
-          <p:cNvPr id="5" name="Picture 4"/>
-          <p:cNvPicPr>
-            <a:picLocks noChangeAspect="1"/>
-          </p:cNvPicPr>
-          <p:nvPr/>
-        </p:nvPicPr>
-        <p:blipFill>
-          <a:blip r:embed="rId3">
-            <a:extLst>
-              <a:ext uri="{28A0092B-C50C-407E-A947-70E740481C1C}">
-                <a14:useLocalDpi xmlns:a14="http://schemas.microsoft.com/office/drawing/2010/main" val="0"/>
-              </a:ext>
-            </a:extLst>
-          </a:blip>
-          <a:stretch>
-            <a:fillRect/>
-          </a:stretch>
-        </p:blipFill>
+        <p:txBody>
+          <a:bodyPr/>
+          <a:lstStyle/>
+          <a:p>
+            <a:r>
+              <a:rPr lang="en-US" dirty="0" smtClean="0"/>
+              <a:t>Cum </a:t>
+            </a:r>
+            <a:r>
+              <a:rPr lang="en-US" dirty="0" err="1" smtClean="0"/>
+              <a:t>poti</a:t>
+            </a:r>
+            <a:r>
+              <a:rPr lang="en-US" dirty="0" smtClean="0"/>
+              <a:t> </a:t>
+            </a:r>
+            <a:r>
+              <a:rPr lang="en-US" dirty="0" err="1" smtClean="0"/>
+              <a:t>sa</a:t>
+            </a:r>
+            <a:r>
+              <a:rPr lang="en-US" dirty="0" smtClean="0"/>
+              <a:t> determine </a:t>
+            </a:r>
+            <a:r>
+              <a:rPr lang="en-US" dirty="0" err="1" smtClean="0"/>
+              <a:t>numarul</a:t>
+            </a:r>
+            <a:r>
+              <a:rPr lang="en-US" dirty="0" smtClean="0"/>
+              <a:t> de log-</a:t>
+            </a:r>
+            <a:r>
+              <a:rPr lang="en-US" dirty="0" err="1" smtClean="0"/>
+              <a:t>uri</a:t>
+            </a:r>
+            <a:r>
+              <a:rPr lang="en-US" dirty="0" smtClean="0"/>
+              <a:t> din </a:t>
+            </a:r>
+            <a:r>
+              <a:rPr lang="en-US" dirty="0" err="1" smtClean="0"/>
+              <a:t>decembrie</a:t>
+            </a:r>
+            <a:r>
+              <a:rPr lang="en-US" dirty="0" smtClean="0"/>
+              <a:t> 2016 care au </a:t>
+            </a:r>
+            <a:r>
+              <a:rPr lang="en-US" dirty="0" err="1" smtClean="0"/>
+              <a:t>eroare</a:t>
+            </a:r>
+            <a:r>
+              <a:rPr lang="en-US" dirty="0" smtClean="0"/>
+              <a:t>? </a:t>
+            </a:r>
+            <a:endParaRPr lang="en-US" dirty="0"/>
+          </a:p>
+        </p:txBody>
+      </p:sp>
+      <p:sp>
+        <p:nvSpPr>
+          <p:cNvPr id="5" name="Text Placeholder 4"/>
+          <p:cNvSpPr>
+            <a:spLocks noGrp="1"/>
+          </p:cNvSpPr>
+          <p:nvPr>
+            <p:ph type="body" sz="quarter" idx="3"/>
+          </p:nvPr>
+        </p:nvSpPr>
         <p:spPr>
           <a:xfrm>
-            <a:off x="571500" y="4375920"/>
-            <a:ext cx="11049000" cy="2390775"/>
+            <a:off x="171638" y="4391058"/>
+            <a:ext cx="5183188" cy="823912"/>
+          </a:xfrm>
+        </p:spPr>
+        <p:txBody>
+          <a:bodyPr/>
+          <a:lstStyle/>
+          <a:p>
+            <a:r>
+              <a:rPr lang="en-US" dirty="0" err="1" smtClean="0"/>
+              <a:t>Avantajul</a:t>
+            </a:r>
+            <a:r>
+              <a:rPr lang="en-US" dirty="0" smtClean="0"/>
+              <a:t> de a fi lazy</a:t>
+            </a:r>
+            <a:endParaRPr lang="en-US" dirty="0"/>
+          </a:p>
+        </p:txBody>
+      </p:sp>
+      <p:sp>
+        <p:nvSpPr>
+          <p:cNvPr id="7" name="Rectangle 1"/>
+          <p:cNvSpPr>
+            <a:spLocks noGrp="1" noChangeArrowheads="1"/>
+          </p:cNvSpPr>
+          <p:nvPr>
+            <p:ph sz="half" idx="2"/>
+          </p:nvPr>
+        </p:nvSpPr>
+        <p:spPr bwMode="auto">
+          <a:xfrm>
+            <a:off x="171638" y="2276403"/>
+            <a:ext cx="6494085" cy="1938992"/>
           </a:xfrm>
           <a:prstGeom prst="rect">
             <a:avLst/>
           </a:prstGeom>
+          <a:solidFill>
+            <a:srgbClr val="2B2B2B"/>
+          </a:solidFill>
+          <a:ln>
+            <a:noFill/>
+          </a:ln>
+          <a:effectLst/>
+          <a:extLst>
+            <a:ext uri="{91240B29-F687-4F45-9708-019B960494DF}">
+              <a14:hiddenLine xmlns:a14="http://schemas.microsoft.com/office/drawing/2010/main" w="9525">
+                <a:solidFill>
+                  <a:schemeClr val="tx1"/>
+                </a:solidFill>
+                <a:miter lim="800000"/>
+                <a:headEnd/>
+                <a:tailEnd/>
+              </a14:hiddenLine>
+            </a:ext>
+            <a:ext uri="{AF507438-7753-43E0-B8FC-AC1667EBCBE1}">
+              <a14:hiddenEffects xmlns:a14="http://schemas.microsoft.com/office/drawing/2010/main">
+                <a:effectLst>
+                  <a:outerShdw dist="35921" dir="2700000" algn="ctr" rotWithShape="0">
+                    <a:schemeClr val="bg2"/>
+                  </a:outerShdw>
+                </a:effectLst>
+              </a14:hiddenEffects>
+            </a:ext>
+          </a:extLst>
         </p:spPr>
-      </p:pic>
+        <p:txBody>
+          <a:bodyPr vert="horz" wrap="none" lIns="91440" tIns="45720" rIns="91440" bIns="45720" numCol="1" anchor="ctr" anchorCtr="0" compatLnSpc="1">
+            <a:prstTxWarp prst="textNoShape">
+              <a:avLst/>
+            </a:prstTxWarp>
+            <a:spAutoFit/>
+          </a:bodyPr>
+          <a:lstStyle/>
+          <a:p>
+            <a:pPr marL="0" marR="0" lvl="0" indent="0" algn="l" defTabSz="914400" rtl="0" eaLnBrk="0" fontAlgn="base" latinLnBrk="0" hangingPunct="0">
+              <a:lnSpc>
+                <a:spcPct val="100000"/>
+              </a:lnSpc>
+              <a:spcBef>
+                <a:spcPct val="0"/>
+              </a:spcBef>
+              <a:spcAft>
+                <a:spcPct val="0"/>
+              </a:spcAft>
+              <a:buClrTx/>
+              <a:buSzTx/>
+              <a:buFontTx/>
+              <a:buNone/>
+              <a:tabLst/>
+            </a:pPr>
+            <a:r>
+              <a:rPr kumimoji="0" lang="en-US" altLang="en-US" sz="2000" b="1" i="0" u="none" strike="noStrike" cap="none" normalizeH="0" baseline="0" dirty="0" err="1" smtClean="0">
+                <a:ln>
+                  <a:noFill/>
+                </a:ln>
+                <a:solidFill>
+                  <a:srgbClr val="CC7832"/>
+                </a:solidFill>
+                <a:effectLst/>
+                <a:latin typeface="Courier New" panose="02070309020205020404" pitchFamily="49" charset="0"/>
+                <a:cs typeface="Courier New" panose="02070309020205020404" pitchFamily="49" charset="0"/>
+              </a:rPr>
+              <a:t>val</a:t>
+            </a:r>
+            <a:r>
+              <a:rPr kumimoji="0" lang="en-US" altLang="en-US" sz="2000" b="1" i="0" u="none" strike="noStrike" cap="none" normalizeH="0" baseline="0" dirty="0" smtClean="0">
+                <a:ln>
+                  <a:noFill/>
+                </a:ln>
+                <a:solidFill>
+                  <a:srgbClr val="CC7832"/>
+                </a:solidFill>
+                <a:effectLst/>
+                <a:latin typeface="Courier New" panose="02070309020205020404" pitchFamily="49" charset="0"/>
+                <a:cs typeface="Courier New" panose="02070309020205020404" pitchFamily="49" charset="0"/>
+              </a:rPr>
+              <a:t> </a:t>
+            </a:r>
+            <a:r>
+              <a:rPr kumimoji="0" lang="en-US" altLang="en-US" sz="2000" b="0" i="0" u="none" strike="noStrike" cap="none" normalizeH="0" baseline="0" dirty="0" err="1" smtClean="0">
+                <a:ln>
+                  <a:noFill/>
+                </a:ln>
+                <a:solidFill>
+                  <a:srgbClr val="A9B7C6"/>
+                </a:solidFill>
+                <a:effectLst/>
+                <a:latin typeface="Courier New" panose="02070309020205020404" pitchFamily="49" charset="0"/>
+                <a:cs typeface="Courier New" panose="02070309020205020404" pitchFamily="49" charset="0"/>
+              </a:rPr>
+              <a:t>lastYearsLogs</a:t>
+            </a:r>
+            <a:r>
+              <a:rPr kumimoji="0" lang="en-US" altLang="en-US" sz="2000" b="0" i="0" u="none" strike="noStrike" cap="none" normalizeH="0" baseline="0" dirty="0" smtClean="0">
+                <a:ln>
+                  <a:noFill/>
+                </a:ln>
+                <a:solidFill>
+                  <a:srgbClr val="A9B7C6"/>
+                </a:solidFill>
+                <a:effectLst/>
+                <a:latin typeface="Courier New" panose="02070309020205020404" pitchFamily="49" charset="0"/>
+                <a:cs typeface="Courier New" panose="02070309020205020404" pitchFamily="49" charset="0"/>
+              </a:rPr>
+              <a:t>: RDD[</a:t>
+            </a:r>
+            <a:r>
+              <a:rPr kumimoji="0" lang="en-US" altLang="en-US" sz="2000" b="0" i="0" u="none" strike="noStrike" cap="none" normalizeH="0" baseline="0" dirty="0" smtClean="0">
+                <a:ln>
+                  <a:noFill/>
+                </a:ln>
+                <a:solidFill>
+                  <a:srgbClr val="4E807D"/>
+                </a:solidFill>
+                <a:effectLst/>
+                <a:latin typeface="Courier New" panose="02070309020205020404" pitchFamily="49" charset="0"/>
+                <a:cs typeface="Courier New" panose="02070309020205020404" pitchFamily="49" charset="0"/>
+              </a:rPr>
+              <a:t>String</a:t>
+            </a:r>
+            <a:r>
+              <a:rPr kumimoji="0" lang="en-US" altLang="en-US" sz="2000" b="0" i="0" u="none" strike="noStrike" cap="none" normalizeH="0" baseline="0" dirty="0" smtClean="0">
+                <a:ln>
+                  <a:noFill/>
+                </a:ln>
+                <a:solidFill>
+                  <a:srgbClr val="A9B7C6"/>
+                </a:solidFill>
+                <a:effectLst/>
+                <a:latin typeface="Courier New" panose="02070309020205020404" pitchFamily="49" charset="0"/>
+                <a:cs typeface="Courier New" panose="02070309020205020404" pitchFamily="49" charset="0"/>
+              </a:rPr>
+              <a:t>] = </a:t>
+            </a:r>
+            <a:r>
+              <a:rPr kumimoji="0" lang="en-US" altLang="en-US" sz="2000" b="0" i="0" u="none" strike="noStrike" cap="none" normalizeH="0" baseline="0" dirty="0" err="1" smtClean="0">
+                <a:ln>
+                  <a:noFill/>
+                </a:ln>
+                <a:solidFill>
+                  <a:srgbClr val="A9B7C6"/>
+                </a:solidFill>
+                <a:effectLst/>
+                <a:latin typeface="Courier New" panose="02070309020205020404" pitchFamily="49" charset="0"/>
+                <a:cs typeface="Courier New" panose="02070309020205020404" pitchFamily="49" charset="0"/>
+              </a:rPr>
+              <a:t>inputRDD</a:t>
+            </a:r>
+            <a:r>
+              <a:rPr kumimoji="0" lang="en-US" altLang="en-US" sz="2000" b="0" i="0" u="none" strike="noStrike" cap="none" normalizeH="0" baseline="0" dirty="0" smtClean="0">
+                <a:ln>
+                  <a:noFill/>
+                </a:ln>
+                <a:solidFill>
+                  <a:srgbClr val="A9B7C6"/>
+                </a:solidFill>
+                <a:effectLst/>
+                <a:latin typeface="Courier New" panose="02070309020205020404" pitchFamily="49" charset="0"/>
+                <a:cs typeface="Courier New" panose="02070309020205020404" pitchFamily="49" charset="0"/>
+              </a:rPr>
+              <a:t/>
+            </a:r>
+            <a:br>
+              <a:rPr kumimoji="0" lang="en-US" altLang="en-US" sz="2000" b="0" i="0" u="none" strike="noStrike" cap="none" normalizeH="0" baseline="0" dirty="0" smtClean="0">
+                <a:ln>
+                  <a:noFill/>
+                </a:ln>
+                <a:solidFill>
+                  <a:srgbClr val="A9B7C6"/>
+                </a:solidFill>
+                <a:effectLst/>
+                <a:latin typeface="Courier New" panose="02070309020205020404" pitchFamily="49" charset="0"/>
+                <a:cs typeface="Courier New" panose="02070309020205020404" pitchFamily="49" charset="0"/>
+              </a:rPr>
+            </a:br>
+            <a:r>
+              <a:rPr kumimoji="0" lang="en-US" altLang="en-US" sz="2000" b="1" i="0" u="none" strike="noStrike" cap="none" normalizeH="0" baseline="0" dirty="0" err="1" smtClean="0">
+                <a:ln>
+                  <a:noFill/>
+                </a:ln>
+                <a:solidFill>
+                  <a:srgbClr val="CC7832"/>
+                </a:solidFill>
+                <a:effectLst/>
+                <a:latin typeface="Courier New" panose="02070309020205020404" pitchFamily="49" charset="0"/>
+                <a:cs typeface="Courier New" panose="02070309020205020404" pitchFamily="49" charset="0"/>
+              </a:rPr>
+              <a:t>val</a:t>
+            </a:r>
+            <a:r>
+              <a:rPr kumimoji="0" lang="en-US" altLang="en-US" sz="2000" b="1" i="0" u="none" strike="noStrike" cap="none" normalizeH="0" baseline="0" dirty="0" smtClean="0">
+                <a:ln>
+                  <a:noFill/>
+                </a:ln>
+                <a:solidFill>
+                  <a:srgbClr val="CC7832"/>
+                </a:solidFill>
+                <a:effectLst/>
+                <a:latin typeface="Courier New" panose="02070309020205020404" pitchFamily="49" charset="0"/>
+                <a:cs typeface="Courier New" panose="02070309020205020404" pitchFamily="49" charset="0"/>
+              </a:rPr>
+              <a:t> </a:t>
+            </a:r>
+            <a:r>
+              <a:rPr kumimoji="0" lang="en-US" altLang="en-US" sz="2000" b="0" i="0" u="none" strike="noStrike" cap="none" normalizeH="0" baseline="0" dirty="0" err="1" smtClean="0">
+                <a:ln>
+                  <a:noFill/>
+                </a:ln>
+                <a:solidFill>
+                  <a:srgbClr val="A9B7C6"/>
+                </a:solidFill>
+                <a:effectLst/>
+                <a:latin typeface="Courier New" panose="02070309020205020404" pitchFamily="49" charset="0"/>
+                <a:cs typeface="Courier New" panose="02070309020205020404" pitchFamily="49" charset="0"/>
+              </a:rPr>
+              <a:t>numDecErrorLogs</a:t>
+            </a:r>
+            <a:r>
+              <a:rPr kumimoji="0" lang="en-US" altLang="en-US" sz="2000" b="0" i="0" u="none" strike="noStrike" cap="none" normalizeH="0" baseline="0" dirty="0" smtClean="0">
+                <a:ln>
+                  <a:noFill/>
+                </a:ln>
+                <a:solidFill>
+                  <a:srgbClr val="A9B7C6"/>
+                </a:solidFill>
+                <a:effectLst/>
+                <a:latin typeface="Courier New" panose="02070309020205020404" pitchFamily="49" charset="0"/>
+                <a:cs typeface="Courier New" panose="02070309020205020404" pitchFamily="49" charset="0"/>
+              </a:rPr>
+              <a:t> = </a:t>
+            </a:r>
+            <a:r>
+              <a:rPr kumimoji="0" lang="en-US" altLang="en-US" sz="2000" b="0" i="0" u="none" strike="noStrike" cap="none" normalizeH="0" baseline="0" dirty="0" err="1" smtClean="0">
+                <a:ln>
+                  <a:noFill/>
+                </a:ln>
+                <a:solidFill>
+                  <a:srgbClr val="A9B7C6"/>
+                </a:solidFill>
+                <a:effectLst/>
+                <a:latin typeface="Courier New" panose="02070309020205020404" pitchFamily="49" charset="0"/>
+                <a:cs typeface="Courier New" panose="02070309020205020404" pitchFamily="49" charset="0"/>
+              </a:rPr>
+              <a:t>lastYearsLogs</a:t>
+            </a:r>
+            <a:r>
+              <a:rPr kumimoji="0" lang="en-US" altLang="en-US" sz="2000" b="0" i="0" u="none" strike="noStrike" cap="none" normalizeH="0" baseline="0" dirty="0" smtClean="0">
+                <a:ln>
+                  <a:noFill/>
+                </a:ln>
+                <a:solidFill>
+                  <a:srgbClr val="A9B7C6"/>
+                </a:solidFill>
+                <a:effectLst/>
+                <a:latin typeface="Courier New" panose="02070309020205020404" pitchFamily="49" charset="0"/>
+                <a:cs typeface="Courier New" panose="02070309020205020404" pitchFamily="49" charset="0"/>
+              </a:rPr>
+              <a:t/>
+            </a:r>
+            <a:br>
+              <a:rPr kumimoji="0" lang="en-US" altLang="en-US" sz="2000" b="0" i="0" u="none" strike="noStrike" cap="none" normalizeH="0" baseline="0" dirty="0" smtClean="0">
+                <a:ln>
+                  <a:noFill/>
+                </a:ln>
+                <a:solidFill>
+                  <a:srgbClr val="A9B7C6"/>
+                </a:solidFill>
+                <a:effectLst/>
+                <a:latin typeface="Courier New" panose="02070309020205020404" pitchFamily="49" charset="0"/>
+                <a:cs typeface="Courier New" panose="02070309020205020404" pitchFamily="49" charset="0"/>
+              </a:rPr>
+            </a:br>
+            <a:r>
+              <a:rPr kumimoji="0" lang="en-US" altLang="en-US" sz="2000" b="0" i="0" u="none" strike="noStrike" cap="none" normalizeH="0" baseline="0" dirty="0" smtClean="0">
+                <a:ln>
+                  <a:noFill/>
+                </a:ln>
+                <a:solidFill>
+                  <a:srgbClr val="A9B7C6"/>
+                </a:solidFill>
+                <a:effectLst/>
+                <a:latin typeface="Courier New" panose="02070309020205020404" pitchFamily="49" charset="0"/>
+                <a:cs typeface="Courier New" panose="02070309020205020404" pitchFamily="49" charset="0"/>
+              </a:rPr>
+              <a:t>  .filter(</a:t>
+            </a:r>
+            <a:r>
+              <a:rPr kumimoji="0" lang="en-US" altLang="en-US" sz="2000" b="0" i="0" u="none" strike="noStrike" cap="none" normalizeH="0" baseline="0" dirty="0" err="1" smtClean="0">
+                <a:ln>
+                  <a:noFill/>
+                </a:ln>
+                <a:solidFill>
+                  <a:srgbClr val="A9B7C6"/>
+                </a:solidFill>
+                <a:effectLst/>
+                <a:latin typeface="Courier New" panose="02070309020205020404" pitchFamily="49" charset="0"/>
+                <a:cs typeface="Courier New" panose="02070309020205020404" pitchFamily="49" charset="0"/>
+              </a:rPr>
+              <a:t>lg</a:t>
+            </a:r>
+            <a:r>
+              <a:rPr kumimoji="0" lang="en-US" altLang="en-US" sz="2000" b="0" i="0" u="none" strike="noStrike" cap="none" normalizeH="0" baseline="0" dirty="0" smtClean="0">
+                <a:ln>
+                  <a:noFill/>
+                </a:ln>
+                <a:solidFill>
+                  <a:srgbClr val="A9B7C6"/>
+                </a:solidFill>
+                <a:effectLst/>
+                <a:latin typeface="Courier New" panose="02070309020205020404" pitchFamily="49" charset="0"/>
+                <a:cs typeface="Courier New" panose="02070309020205020404" pitchFamily="49" charset="0"/>
+              </a:rPr>
+              <a:t> =&gt; </a:t>
+            </a:r>
+            <a:r>
+              <a:rPr kumimoji="0" lang="en-US" altLang="en-US" sz="2000" b="0" i="0" u="none" strike="noStrike" cap="none" normalizeH="0" baseline="0" dirty="0" err="1" smtClean="0">
+                <a:ln>
+                  <a:noFill/>
+                </a:ln>
+                <a:solidFill>
+                  <a:srgbClr val="A9B7C6"/>
+                </a:solidFill>
+                <a:effectLst/>
+                <a:latin typeface="Courier New" panose="02070309020205020404" pitchFamily="49" charset="0"/>
+                <a:cs typeface="Courier New" panose="02070309020205020404" pitchFamily="49" charset="0"/>
+              </a:rPr>
+              <a:t>lg.contains</a:t>
+            </a:r>
+            <a:r>
+              <a:rPr kumimoji="0" lang="en-US" altLang="en-US" sz="2000" b="0" i="0" u="none" strike="noStrike" cap="none" normalizeH="0" baseline="0" dirty="0" smtClean="0">
+                <a:ln>
+                  <a:noFill/>
+                </a:ln>
+                <a:solidFill>
+                  <a:srgbClr val="A9B7C6"/>
+                </a:solidFill>
+                <a:effectLst/>
+                <a:latin typeface="Courier New" panose="02070309020205020404" pitchFamily="49" charset="0"/>
+                <a:cs typeface="Courier New" panose="02070309020205020404" pitchFamily="49" charset="0"/>
+              </a:rPr>
+              <a:t>(</a:t>
+            </a:r>
+            <a:r>
+              <a:rPr kumimoji="0" lang="en-US" altLang="en-US" sz="2000" b="0" i="0" u="none" strike="noStrike" cap="none" normalizeH="0" baseline="0" dirty="0" smtClean="0">
+                <a:ln>
+                  <a:noFill/>
+                </a:ln>
+                <a:solidFill>
+                  <a:srgbClr val="6A8759"/>
+                </a:solidFill>
+                <a:effectLst/>
+                <a:latin typeface="Courier New" panose="02070309020205020404" pitchFamily="49" charset="0"/>
+                <a:cs typeface="Courier New" panose="02070309020205020404" pitchFamily="49" charset="0"/>
+              </a:rPr>
+              <a:t>"2016-12"</a:t>
+            </a:r>
+            <a:r>
+              <a:rPr kumimoji="0" lang="en-US" altLang="en-US" sz="2000" b="0" i="0" u="none" strike="noStrike" cap="none" normalizeH="0" baseline="0" dirty="0" smtClean="0">
+                <a:ln>
+                  <a:noFill/>
+                </a:ln>
+                <a:solidFill>
+                  <a:srgbClr val="A9B7C6"/>
+                </a:solidFill>
+                <a:effectLst/>
+                <a:latin typeface="Courier New" panose="02070309020205020404" pitchFamily="49" charset="0"/>
+                <a:cs typeface="Courier New" panose="02070309020205020404" pitchFamily="49" charset="0"/>
+              </a:rPr>
+              <a:t>))</a:t>
+            </a:r>
+            <a:br>
+              <a:rPr kumimoji="0" lang="en-US" altLang="en-US" sz="2000" b="0" i="0" u="none" strike="noStrike" cap="none" normalizeH="0" baseline="0" dirty="0" smtClean="0">
+                <a:ln>
+                  <a:noFill/>
+                </a:ln>
+                <a:solidFill>
+                  <a:srgbClr val="A9B7C6"/>
+                </a:solidFill>
+                <a:effectLst/>
+                <a:latin typeface="Courier New" panose="02070309020205020404" pitchFamily="49" charset="0"/>
+                <a:cs typeface="Courier New" panose="02070309020205020404" pitchFamily="49" charset="0"/>
+              </a:rPr>
+            </a:br>
+            <a:r>
+              <a:rPr kumimoji="0" lang="en-US" altLang="en-US" sz="2000" b="0" i="0" u="none" strike="noStrike" cap="none" normalizeH="0" baseline="0" dirty="0" smtClean="0">
+                <a:ln>
+                  <a:noFill/>
+                </a:ln>
+                <a:solidFill>
+                  <a:srgbClr val="A9B7C6"/>
+                </a:solidFill>
+                <a:effectLst/>
+                <a:latin typeface="Courier New" panose="02070309020205020404" pitchFamily="49" charset="0"/>
+                <a:cs typeface="Courier New" panose="02070309020205020404" pitchFamily="49" charset="0"/>
+              </a:rPr>
+              <a:t>  .map(</a:t>
+            </a:r>
+            <a:r>
+              <a:rPr kumimoji="0" lang="en-US" altLang="en-US" sz="2000" b="0" i="0" u="none" strike="noStrike" cap="none" normalizeH="0" baseline="0" dirty="0" err="1" smtClean="0">
+                <a:ln>
+                  <a:noFill/>
+                </a:ln>
+                <a:solidFill>
+                  <a:srgbClr val="A9B7C6"/>
+                </a:solidFill>
+                <a:effectLst/>
+                <a:latin typeface="Courier New" panose="02070309020205020404" pitchFamily="49" charset="0"/>
+                <a:cs typeface="Courier New" panose="02070309020205020404" pitchFamily="49" charset="0"/>
+              </a:rPr>
+              <a:t>lg</a:t>
+            </a:r>
+            <a:r>
+              <a:rPr kumimoji="0" lang="en-US" altLang="en-US" sz="2000" b="0" i="0" u="none" strike="noStrike" cap="none" normalizeH="0" baseline="0" dirty="0" smtClean="0">
+                <a:ln>
+                  <a:noFill/>
+                </a:ln>
+                <a:solidFill>
+                  <a:srgbClr val="A9B7C6"/>
+                </a:solidFill>
+                <a:effectLst/>
+                <a:latin typeface="Courier New" panose="02070309020205020404" pitchFamily="49" charset="0"/>
+                <a:cs typeface="Courier New" panose="02070309020205020404" pitchFamily="49" charset="0"/>
+              </a:rPr>
+              <a:t> =&gt; </a:t>
+            </a:r>
+            <a:r>
+              <a:rPr kumimoji="0" lang="en-US" altLang="en-US" sz="2000" b="0" i="0" u="none" strike="noStrike" cap="none" normalizeH="0" baseline="0" dirty="0" err="1" smtClean="0">
+                <a:ln>
+                  <a:noFill/>
+                </a:ln>
+                <a:solidFill>
+                  <a:srgbClr val="A9B7C6"/>
+                </a:solidFill>
+                <a:effectLst/>
+                <a:latin typeface="Courier New" panose="02070309020205020404" pitchFamily="49" charset="0"/>
+                <a:cs typeface="Courier New" panose="02070309020205020404" pitchFamily="49" charset="0"/>
+              </a:rPr>
+              <a:t>lg.toUpperCase</a:t>
+            </a:r>
+            <a:r>
+              <a:rPr kumimoji="0" lang="en-US" altLang="en-US" sz="2000" b="0" i="0" u="none" strike="noStrike" cap="none" normalizeH="0" baseline="0" dirty="0" smtClean="0">
+                <a:ln>
+                  <a:noFill/>
+                </a:ln>
+                <a:solidFill>
+                  <a:srgbClr val="A9B7C6"/>
+                </a:solidFill>
+                <a:effectLst/>
+                <a:latin typeface="Courier New" panose="02070309020205020404" pitchFamily="49" charset="0"/>
+                <a:cs typeface="Courier New" panose="02070309020205020404" pitchFamily="49" charset="0"/>
+              </a:rPr>
+              <a:t>)</a:t>
+            </a:r>
+            <a:br>
+              <a:rPr kumimoji="0" lang="en-US" altLang="en-US" sz="2000" b="0" i="0" u="none" strike="noStrike" cap="none" normalizeH="0" baseline="0" dirty="0" smtClean="0">
+                <a:ln>
+                  <a:noFill/>
+                </a:ln>
+                <a:solidFill>
+                  <a:srgbClr val="A9B7C6"/>
+                </a:solidFill>
+                <a:effectLst/>
+                <a:latin typeface="Courier New" panose="02070309020205020404" pitchFamily="49" charset="0"/>
+                <a:cs typeface="Courier New" panose="02070309020205020404" pitchFamily="49" charset="0"/>
+              </a:rPr>
+            </a:br>
+            <a:r>
+              <a:rPr kumimoji="0" lang="en-US" altLang="en-US" sz="2000" b="0" i="0" u="none" strike="noStrike" cap="none" normalizeH="0" baseline="0" dirty="0" smtClean="0">
+                <a:ln>
+                  <a:noFill/>
+                </a:ln>
+                <a:solidFill>
+                  <a:srgbClr val="A9B7C6"/>
+                </a:solidFill>
+                <a:effectLst/>
+                <a:latin typeface="Courier New" panose="02070309020205020404" pitchFamily="49" charset="0"/>
+                <a:cs typeface="Courier New" panose="02070309020205020404" pitchFamily="49" charset="0"/>
+              </a:rPr>
+              <a:t>  .filter(</a:t>
+            </a:r>
+            <a:r>
+              <a:rPr kumimoji="0" lang="en-US" altLang="en-US" sz="2000" b="0" i="0" u="none" strike="noStrike" cap="none" normalizeH="0" baseline="0" dirty="0" err="1" smtClean="0">
+                <a:ln>
+                  <a:noFill/>
+                </a:ln>
+                <a:solidFill>
+                  <a:srgbClr val="A9B7C6"/>
+                </a:solidFill>
+                <a:effectLst/>
+                <a:latin typeface="Courier New" panose="02070309020205020404" pitchFamily="49" charset="0"/>
+                <a:cs typeface="Courier New" panose="02070309020205020404" pitchFamily="49" charset="0"/>
+              </a:rPr>
+              <a:t>lg</a:t>
+            </a:r>
+            <a:r>
+              <a:rPr kumimoji="0" lang="en-US" altLang="en-US" sz="2000" b="0" i="0" u="none" strike="noStrike" cap="none" normalizeH="0" baseline="0" dirty="0" smtClean="0">
+                <a:ln>
+                  <a:noFill/>
+                </a:ln>
+                <a:solidFill>
+                  <a:srgbClr val="A9B7C6"/>
+                </a:solidFill>
+                <a:effectLst/>
+                <a:latin typeface="Courier New" panose="02070309020205020404" pitchFamily="49" charset="0"/>
+                <a:cs typeface="Courier New" panose="02070309020205020404" pitchFamily="49" charset="0"/>
+              </a:rPr>
+              <a:t>=&gt; </a:t>
+            </a:r>
+            <a:r>
+              <a:rPr kumimoji="0" lang="en-US" altLang="en-US" sz="2000" b="0" i="0" u="none" strike="noStrike" cap="none" normalizeH="0" baseline="0" dirty="0" err="1" smtClean="0">
+                <a:ln>
+                  <a:noFill/>
+                </a:ln>
+                <a:solidFill>
+                  <a:srgbClr val="A9B7C6"/>
+                </a:solidFill>
+                <a:effectLst/>
+                <a:latin typeface="Courier New" panose="02070309020205020404" pitchFamily="49" charset="0"/>
+                <a:cs typeface="Courier New" panose="02070309020205020404" pitchFamily="49" charset="0"/>
+              </a:rPr>
+              <a:t>lg.contains</a:t>
+            </a:r>
+            <a:r>
+              <a:rPr kumimoji="0" lang="en-US" altLang="en-US" sz="2000" b="0" i="0" u="none" strike="noStrike" cap="none" normalizeH="0" baseline="0" dirty="0" smtClean="0">
+                <a:ln>
+                  <a:noFill/>
+                </a:ln>
+                <a:solidFill>
+                  <a:srgbClr val="A9B7C6"/>
+                </a:solidFill>
+                <a:effectLst/>
+                <a:latin typeface="Courier New" panose="02070309020205020404" pitchFamily="49" charset="0"/>
+                <a:cs typeface="Courier New" panose="02070309020205020404" pitchFamily="49" charset="0"/>
+              </a:rPr>
+              <a:t>(</a:t>
+            </a:r>
+            <a:r>
+              <a:rPr kumimoji="0" lang="en-US" altLang="en-US" sz="2000" b="0" i="0" u="none" strike="noStrike" cap="none" normalizeH="0" baseline="0" dirty="0" smtClean="0">
+                <a:ln>
+                  <a:noFill/>
+                </a:ln>
+                <a:solidFill>
+                  <a:srgbClr val="6A8759"/>
+                </a:solidFill>
+                <a:effectLst/>
+                <a:latin typeface="Courier New" panose="02070309020205020404" pitchFamily="49" charset="0"/>
+                <a:cs typeface="Courier New" panose="02070309020205020404" pitchFamily="49" charset="0"/>
+              </a:rPr>
+              <a:t>"ERROR"</a:t>
+            </a:r>
+            <a:r>
+              <a:rPr kumimoji="0" lang="en-US" altLang="en-US" sz="2000" b="0" i="0" u="none" strike="noStrike" cap="none" normalizeH="0" baseline="0" dirty="0" smtClean="0">
+                <a:ln>
+                  <a:noFill/>
+                </a:ln>
+                <a:solidFill>
+                  <a:srgbClr val="A9B7C6"/>
+                </a:solidFill>
+                <a:effectLst/>
+                <a:latin typeface="Courier New" panose="02070309020205020404" pitchFamily="49" charset="0"/>
+                <a:cs typeface="Courier New" panose="02070309020205020404" pitchFamily="49" charset="0"/>
+              </a:rPr>
+              <a:t>))</a:t>
+            </a:r>
+            <a:r>
+              <a:rPr kumimoji="0" lang="en-US" altLang="en-US" sz="900" b="0" i="0" u="none" strike="noStrike" cap="none" normalizeH="0" baseline="0" dirty="0" smtClean="0">
+                <a:ln>
+                  <a:noFill/>
+                </a:ln>
+                <a:solidFill>
+                  <a:srgbClr val="A9B7C6"/>
+                </a:solidFill>
+                <a:effectLst/>
+                <a:latin typeface="Courier New" panose="02070309020205020404" pitchFamily="49" charset="0"/>
+                <a:cs typeface="Courier New" panose="02070309020205020404" pitchFamily="49" charset="0"/>
+              </a:rPr>
+              <a:t/>
+            </a:r>
+            <a:br>
+              <a:rPr kumimoji="0" lang="en-US" altLang="en-US" sz="900" b="0" i="0" u="none" strike="noStrike" cap="none" normalizeH="0" baseline="0" dirty="0" smtClean="0">
+                <a:ln>
+                  <a:noFill/>
+                </a:ln>
+                <a:solidFill>
+                  <a:srgbClr val="A9B7C6"/>
+                </a:solidFill>
+                <a:effectLst/>
+                <a:latin typeface="Courier New" panose="02070309020205020404" pitchFamily="49" charset="0"/>
+                <a:cs typeface="Courier New" panose="02070309020205020404" pitchFamily="49" charset="0"/>
+              </a:rPr>
+            </a:br>
+            <a:r>
+              <a:rPr kumimoji="0" lang="en-US" altLang="en-US" sz="900" b="0" i="0" u="none" strike="noStrike" cap="none" normalizeH="0" baseline="0" dirty="0" smtClean="0">
+                <a:ln>
+                  <a:noFill/>
+                </a:ln>
+                <a:solidFill>
+                  <a:srgbClr val="A9B7C6"/>
+                </a:solidFill>
+                <a:effectLst/>
+                <a:latin typeface="Courier New" panose="02070309020205020404" pitchFamily="49" charset="0"/>
+                <a:cs typeface="Courier New" panose="02070309020205020404" pitchFamily="49" charset="0"/>
+              </a:rPr>
+              <a:t>    </a:t>
+            </a:r>
+            <a:r>
+              <a:rPr kumimoji="0" lang="en-US" altLang="en-US" sz="2000" b="0" i="0" u="none" strike="noStrike" cap="none" normalizeH="0" baseline="0" dirty="0" smtClean="0">
+                <a:ln>
+                  <a:noFill/>
+                </a:ln>
+                <a:solidFill>
+                  <a:srgbClr val="A9B7C6"/>
+                </a:solidFill>
+                <a:effectLst/>
+                <a:latin typeface="Courier New" panose="02070309020205020404" pitchFamily="49" charset="0"/>
+                <a:cs typeface="Courier New" panose="02070309020205020404" pitchFamily="49" charset="0"/>
+              </a:rPr>
+              <a:t>.count()</a:t>
+            </a:r>
+            <a:endParaRPr kumimoji="0" lang="en-US" altLang="en-US" sz="2000" b="0" i="0" u="none" strike="noStrike" cap="none" normalizeH="0" baseline="0" dirty="0" smtClean="0">
+              <a:ln>
+                <a:noFill/>
+              </a:ln>
+              <a:solidFill>
+                <a:schemeClr val="tx1"/>
+              </a:solidFill>
+              <a:effectLst/>
+              <a:latin typeface="Arial" panose="020B0604020202020204" pitchFamily="34" charset="0"/>
+            </a:endParaRPr>
+          </a:p>
+        </p:txBody>
+      </p:sp>
+      <p:sp>
+        <p:nvSpPr>
+          <p:cNvPr id="8" name="Rectangle 2"/>
+          <p:cNvSpPr>
+            <a:spLocks noGrp="1" noChangeArrowheads="1"/>
+          </p:cNvSpPr>
+          <p:nvPr>
+            <p:ph sz="quarter" idx="4"/>
+          </p:nvPr>
+        </p:nvSpPr>
+        <p:spPr bwMode="auto">
+          <a:xfrm>
+            <a:off x="5324660" y="5360693"/>
+            <a:ext cx="6494085" cy="1323439"/>
+          </a:xfrm>
+          <a:prstGeom prst="rect">
+            <a:avLst/>
+          </a:prstGeom>
+          <a:solidFill>
+            <a:srgbClr val="2B2B2B"/>
+          </a:solidFill>
+          <a:ln>
+            <a:noFill/>
+          </a:ln>
+          <a:effectLst/>
+          <a:extLst>
+            <a:ext uri="{91240B29-F687-4F45-9708-019B960494DF}">
+              <a14:hiddenLine xmlns:a14="http://schemas.microsoft.com/office/drawing/2010/main" w="9525">
+                <a:solidFill>
+                  <a:schemeClr val="tx1"/>
+                </a:solidFill>
+                <a:miter lim="800000"/>
+                <a:headEnd/>
+                <a:tailEnd/>
+              </a14:hiddenLine>
+            </a:ext>
+            <a:ext uri="{AF507438-7753-43E0-B8FC-AC1667EBCBE1}">
+              <a14:hiddenEffects xmlns:a14="http://schemas.microsoft.com/office/drawing/2010/main">
+                <a:effectLst>
+                  <a:outerShdw dist="35921" dir="2700000" algn="ctr" rotWithShape="0">
+                    <a:schemeClr val="bg2"/>
+                  </a:outerShdw>
+                </a:effectLst>
+              </a14:hiddenEffects>
+            </a:ext>
+          </a:extLst>
+        </p:spPr>
+        <p:txBody>
+          <a:bodyPr vert="horz" wrap="none" lIns="91440" tIns="45720" rIns="91440" bIns="45720" numCol="1" anchor="ctr" anchorCtr="0" compatLnSpc="1">
+            <a:prstTxWarp prst="textNoShape">
+              <a:avLst/>
+            </a:prstTxWarp>
+            <a:spAutoFit/>
+          </a:bodyPr>
+          <a:lstStyle/>
+          <a:p>
+            <a:pPr marL="0" marR="0" lvl="0" indent="0" algn="l" defTabSz="914400" rtl="0" eaLnBrk="0" fontAlgn="base" latinLnBrk="0" hangingPunct="0">
+              <a:lnSpc>
+                <a:spcPct val="100000"/>
+              </a:lnSpc>
+              <a:spcBef>
+                <a:spcPct val="0"/>
+              </a:spcBef>
+              <a:spcAft>
+                <a:spcPct val="0"/>
+              </a:spcAft>
+              <a:buClrTx/>
+              <a:buSzTx/>
+              <a:buFontTx/>
+              <a:buNone/>
+              <a:tabLst/>
+            </a:pPr>
+            <a:r>
+              <a:rPr kumimoji="0" lang="en-US" altLang="en-US" sz="2000" b="1" i="0" u="none" strike="noStrike" cap="none" normalizeH="0" baseline="0" dirty="0" err="1" smtClean="0">
+                <a:ln>
+                  <a:noFill/>
+                </a:ln>
+                <a:solidFill>
+                  <a:srgbClr val="CC7832"/>
+                </a:solidFill>
+                <a:effectLst/>
+                <a:latin typeface="Courier New" panose="02070309020205020404" pitchFamily="49" charset="0"/>
+                <a:cs typeface="Courier New" panose="02070309020205020404" pitchFamily="49" charset="0"/>
+              </a:rPr>
+              <a:t>val</a:t>
+            </a:r>
+            <a:r>
+              <a:rPr kumimoji="0" lang="en-US" altLang="en-US" sz="2000" b="1" i="0" u="none" strike="noStrike" cap="none" normalizeH="0" baseline="0" dirty="0" smtClean="0">
+                <a:ln>
+                  <a:noFill/>
+                </a:ln>
+                <a:solidFill>
+                  <a:srgbClr val="CC7832"/>
+                </a:solidFill>
+                <a:effectLst/>
+                <a:latin typeface="Courier New" panose="02070309020205020404" pitchFamily="49" charset="0"/>
+                <a:cs typeface="Courier New" panose="02070309020205020404" pitchFamily="49" charset="0"/>
+              </a:rPr>
+              <a:t> </a:t>
+            </a:r>
+            <a:r>
+              <a:rPr kumimoji="0" lang="en-US" altLang="en-US" sz="2000" b="0" i="0" u="none" strike="noStrike" cap="none" normalizeH="0" baseline="0" dirty="0" err="1" smtClean="0">
+                <a:ln>
+                  <a:noFill/>
+                </a:ln>
+                <a:solidFill>
+                  <a:srgbClr val="A9B7C6"/>
+                </a:solidFill>
+                <a:effectLst/>
+                <a:latin typeface="Courier New" panose="02070309020205020404" pitchFamily="49" charset="0"/>
+                <a:cs typeface="Courier New" panose="02070309020205020404" pitchFamily="49" charset="0"/>
+              </a:rPr>
+              <a:t>lastYearsLogs</a:t>
+            </a:r>
+            <a:r>
+              <a:rPr kumimoji="0" lang="en-US" altLang="en-US" sz="2000" b="0" i="0" u="none" strike="noStrike" cap="none" normalizeH="0" baseline="0" dirty="0" smtClean="0">
+                <a:ln>
+                  <a:noFill/>
+                </a:ln>
+                <a:solidFill>
+                  <a:srgbClr val="A9B7C6"/>
+                </a:solidFill>
+                <a:effectLst/>
+                <a:latin typeface="Courier New" panose="02070309020205020404" pitchFamily="49" charset="0"/>
+                <a:cs typeface="Courier New" panose="02070309020205020404" pitchFamily="49" charset="0"/>
+              </a:rPr>
+              <a:t>: RDD[</a:t>
+            </a:r>
+            <a:r>
+              <a:rPr kumimoji="0" lang="en-US" altLang="en-US" sz="2000" b="0" i="0" u="none" strike="noStrike" cap="none" normalizeH="0" baseline="0" dirty="0" smtClean="0">
+                <a:ln>
+                  <a:noFill/>
+                </a:ln>
+                <a:solidFill>
+                  <a:srgbClr val="4E807D"/>
+                </a:solidFill>
+                <a:effectLst/>
+                <a:latin typeface="Courier New" panose="02070309020205020404" pitchFamily="49" charset="0"/>
+                <a:cs typeface="Courier New" panose="02070309020205020404" pitchFamily="49" charset="0"/>
+              </a:rPr>
+              <a:t>String</a:t>
+            </a:r>
+            <a:r>
+              <a:rPr kumimoji="0" lang="en-US" altLang="en-US" sz="2000" b="0" i="0" u="none" strike="noStrike" cap="none" normalizeH="0" baseline="0" dirty="0" smtClean="0">
+                <a:ln>
+                  <a:noFill/>
+                </a:ln>
+                <a:solidFill>
+                  <a:srgbClr val="A9B7C6"/>
+                </a:solidFill>
+                <a:effectLst/>
+                <a:latin typeface="Courier New" panose="02070309020205020404" pitchFamily="49" charset="0"/>
+                <a:cs typeface="Courier New" panose="02070309020205020404" pitchFamily="49" charset="0"/>
+              </a:rPr>
+              <a:t>] = </a:t>
+            </a:r>
+            <a:r>
+              <a:rPr kumimoji="0" lang="en-US" altLang="en-US" sz="2000" b="0" i="0" u="none" strike="noStrike" cap="none" normalizeH="0" baseline="0" dirty="0" err="1" smtClean="0">
+                <a:ln>
+                  <a:noFill/>
+                </a:ln>
+                <a:solidFill>
+                  <a:srgbClr val="A9B7C6"/>
+                </a:solidFill>
+                <a:effectLst/>
+                <a:latin typeface="Courier New" panose="02070309020205020404" pitchFamily="49" charset="0"/>
+                <a:cs typeface="Courier New" panose="02070309020205020404" pitchFamily="49" charset="0"/>
+              </a:rPr>
+              <a:t>inputRDD</a:t>
+            </a:r>
+            <a:r>
+              <a:rPr kumimoji="0" lang="en-US" altLang="en-US" sz="2000" b="0" i="0" u="none" strike="noStrike" cap="none" normalizeH="0" baseline="0" dirty="0" smtClean="0">
+                <a:ln>
+                  <a:noFill/>
+                </a:ln>
+                <a:solidFill>
+                  <a:srgbClr val="A9B7C6"/>
+                </a:solidFill>
+                <a:effectLst/>
+                <a:latin typeface="Courier New" panose="02070309020205020404" pitchFamily="49" charset="0"/>
+                <a:cs typeface="Courier New" panose="02070309020205020404" pitchFamily="49" charset="0"/>
+              </a:rPr>
+              <a:t/>
+            </a:r>
+            <a:br>
+              <a:rPr kumimoji="0" lang="en-US" altLang="en-US" sz="2000" b="0" i="0" u="none" strike="noStrike" cap="none" normalizeH="0" baseline="0" dirty="0" smtClean="0">
+                <a:ln>
+                  <a:noFill/>
+                </a:ln>
+                <a:solidFill>
+                  <a:srgbClr val="A9B7C6"/>
+                </a:solidFill>
+                <a:effectLst/>
+                <a:latin typeface="Courier New" panose="02070309020205020404" pitchFamily="49" charset="0"/>
+                <a:cs typeface="Courier New" panose="02070309020205020404" pitchFamily="49" charset="0"/>
+              </a:rPr>
+            </a:br>
+            <a:r>
+              <a:rPr kumimoji="0" lang="en-US" altLang="en-US" sz="2000" b="1" i="0" u="none" strike="noStrike" cap="none" normalizeH="0" baseline="0" dirty="0" err="1" smtClean="0">
+                <a:ln>
+                  <a:noFill/>
+                </a:ln>
+                <a:solidFill>
+                  <a:srgbClr val="CC7832"/>
+                </a:solidFill>
+                <a:effectLst/>
+                <a:latin typeface="Courier New" panose="02070309020205020404" pitchFamily="49" charset="0"/>
+                <a:cs typeface="Courier New" panose="02070309020205020404" pitchFamily="49" charset="0"/>
+              </a:rPr>
+              <a:t>val</a:t>
+            </a:r>
+            <a:r>
+              <a:rPr kumimoji="0" lang="en-US" altLang="en-US" sz="2000" b="1" i="0" u="none" strike="noStrike" cap="none" normalizeH="0" baseline="0" dirty="0" smtClean="0">
+                <a:ln>
+                  <a:noFill/>
+                </a:ln>
+                <a:solidFill>
+                  <a:srgbClr val="CC7832"/>
+                </a:solidFill>
+                <a:effectLst/>
+                <a:latin typeface="Courier New" panose="02070309020205020404" pitchFamily="49" charset="0"/>
+                <a:cs typeface="Courier New" panose="02070309020205020404" pitchFamily="49" charset="0"/>
+              </a:rPr>
+              <a:t> </a:t>
+            </a:r>
+            <a:r>
+              <a:rPr kumimoji="0" lang="en-US" altLang="en-US" sz="2000" b="0" i="0" u="none" strike="noStrike" cap="none" normalizeH="0" baseline="0" dirty="0" err="1" smtClean="0">
+                <a:ln>
+                  <a:noFill/>
+                </a:ln>
+                <a:solidFill>
+                  <a:srgbClr val="A9B7C6"/>
+                </a:solidFill>
+                <a:effectLst/>
+                <a:latin typeface="Courier New" panose="02070309020205020404" pitchFamily="49" charset="0"/>
+                <a:cs typeface="Courier New" panose="02070309020205020404" pitchFamily="49" charset="0"/>
+              </a:rPr>
+              <a:t>firstLogsWithErrors</a:t>
+            </a:r>
+            <a:r>
+              <a:rPr kumimoji="0" lang="en-US" altLang="en-US" sz="2000" b="0" i="0" u="none" strike="noStrike" cap="none" normalizeH="0" baseline="0" dirty="0" smtClean="0">
+                <a:ln>
+                  <a:noFill/>
+                </a:ln>
+                <a:solidFill>
+                  <a:srgbClr val="A9B7C6"/>
+                </a:solidFill>
+                <a:effectLst/>
+                <a:latin typeface="Courier New" panose="02070309020205020404" pitchFamily="49" charset="0"/>
+                <a:cs typeface="Courier New" panose="02070309020205020404" pitchFamily="49" charset="0"/>
+              </a:rPr>
+              <a:t> = </a:t>
+            </a:r>
+            <a:r>
+              <a:rPr kumimoji="0" lang="en-US" altLang="en-US" sz="2000" b="0" i="0" u="none" strike="noStrike" cap="none" normalizeH="0" baseline="0" dirty="0" err="1" smtClean="0">
+                <a:ln>
+                  <a:noFill/>
+                </a:ln>
+                <a:solidFill>
+                  <a:srgbClr val="A9B7C6"/>
+                </a:solidFill>
+                <a:effectLst/>
+                <a:latin typeface="Courier New" panose="02070309020205020404" pitchFamily="49" charset="0"/>
+                <a:cs typeface="Courier New" panose="02070309020205020404" pitchFamily="49" charset="0"/>
+              </a:rPr>
+              <a:t>lastYearsLogs</a:t>
+            </a:r>
+            <a:r>
+              <a:rPr kumimoji="0" lang="en-US" altLang="en-US" sz="2000" b="0" i="0" u="none" strike="noStrike" cap="none" normalizeH="0" baseline="0" dirty="0" smtClean="0">
+                <a:ln>
+                  <a:noFill/>
+                </a:ln>
+                <a:solidFill>
+                  <a:srgbClr val="A9B7C6"/>
+                </a:solidFill>
+                <a:effectLst/>
+                <a:latin typeface="Courier New" panose="02070309020205020404" pitchFamily="49" charset="0"/>
+                <a:cs typeface="Courier New" panose="02070309020205020404" pitchFamily="49" charset="0"/>
+              </a:rPr>
+              <a:t/>
+            </a:r>
+            <a:br>
+              <a:rPr kumimoji="0" lang="en-US" altLang="en-US" sz="2000" b="0" i="0" u="none" strike="noStrike" cap="none" normalizeH="0" baseline="0" dirty="0" smtClean="0">
+                <a:ln>
+                  <a:noFill/>
+                </a:ln>
+                <a:solidFill>
+                  <a:srgbClr val="A9B7C6"/>
+                </a:solidFill>
+                <a:effectLst/>
+                <a:latin typeface="Courier New" panose="02070309020205020404" pitchFamily="49" charset="0"/>
+                <a:cs typeface="Courier New" panose="02070309020205020404" pitchFamily="49" charset="0"/>
+              </a:rPr>
+            </a:br>
+            <a:r>
+              <a:rPr kumimoji="0" lang="en-US" altLang="en-US" sz="2000" b="0" i="0" u="none" strike="noStrike" cap="none" normalizeH="0" baseline="0" dirty="0" smtClean="0">
+                <a:ln>
+                  <a:noFill/>
+                </a:ln>
+                <a:solidFill>
+                  <a:srgbClr val="A9B7C6"/>
+                </a:solidFill>
+                <a:effectLst/>
+                <a:latin typeface="Courier New" panose="02070309020205020404" pitchFamily="49" charset="0"/>
+                <a:cs typeface="Courier New" panose="02070309020205020404" pitchFamily="49" charset="0"/>
+              </a:rPr>
+              <a:t>  .filter(_.contains(</a:t>
+            </a:r>
+            <a:r>
+              <a:rPr kumimoji="0" lang="en-US" altLang="en-US" sz="2000" b="0" i="0" u="none" strike="noStrike" cap="none" normalizeH="0" baseline="0" dirty="0" smtClean="0">
+                <a:ln>
+                  <a:noFill/>
+                </a:ln>
+                <a:solidFill>
+                  <a:srgbClr val="6A8759"/>
+                </a:solidFill>
+                <a:effectLst/>
+                <a:latin typeface="Courier New" panose="02070309020205020404" pitchFamily="49" charset="0"/>
+                <a:cs typeface="Courier New" panose="02070309020205020404" pitchFamily="49" charset="0"/>
+              </a:rPr>
+              <a:t>"ERROR"</a:t>
+            </a:r>
+            <a:r>
+              <a:rPr kumimoji="0" lang="en-US" altLang="en-US" sz="2000" b="0" i="0" u="none" strike="noStrike" cap="none" normalizeH="0" baseline="0" dirty="0" smtClean="0">
+                <a:ln>
+                  <a:noFill/>
+                </a:ln>
+                <a:solidFill>
+                  <a:srgbClr val="A9B7C6"/>
+                </a:solidFill>
+                <a:effectLst/>
+                <a:latin typeface="Courier New" panose="02070309020205020404" pitchFamily="49" charset="0"/>
+                <a:cs typeface="Courier New" panose="02070309020205020404" pitchFamily="49" charset="0"/>
+              </a:rPr>
+              <a:t>))</a:t>
+            </a:r>
+            <a:br>
+              <a:rPr kumimoji="0" lang="en-US" altLang="en-US" sz="2000" b="0" i="0" u="none" strike="noStrike" cap="none" normalizeH="0" baseline="0" dirty="0" smtClean="0">
+                <a:ln>
+                  <a:noFill/>
+                </a:ln>
+                <a:solidFill>
+                  <a:srgbClr val="A9B7C6"/>
+                </a:solidFill>
+                <a:effectLst/>
+                <a:latin typeface="Courier New" panose="02070309020205020404" pitchFamily="49" charset="0"/>
+                <a:cs typeface="Courier New" panose="02070309020205020404" pitchFamily="49" charset="0"/>
+              </a:rPr>
+            </a:br>
+            <a:r>
+              <a:rPr kumimoji="0" lang="en-US" altLang="en-US" sz="2000" b="0" i="0" u="none" strike="noStrike" cap="none" normalizeH="0" baseline="0" dirty="0" smtClean="0">
+                <a:ln>
+                  <a:noFill/>
+                </a:ln>
+                <a:solidFill>
+                  <a:srgbClr val="A9B7C6"/>
+                </a:solidFill>
+                <a:effectLst/>
+                <a:latin typeface="Courier New" panose="02070309020205020404" pitchFamily="49" charset="0"/>
+                <a:cs typeface="Courier New" panose="02070309020205020404" pitchFamily="49" charset="0"/>
+              </a:rPr>
+              <a:t>  .take(</a:t>
+            </a:r>
+            <a:r>
+              <a:rPr kumimoji="0" lang="en-US" altLang="en-US" sz="2000" b="0" i="0" u="none" strike="noStrike" cap="none" normalizeH="0" baseline="0" dirty="0" smtClean="0">
+                <a:ln>
+                  <a:noFill/>
+                </a:ln>
+                <a:solidFill>
+                  <a:srgbClr val="6897BB"/>
+                </a:solidFill>
+                <a:effectLst/>
+                <a:latin typeface="Courier New" panose="02070309020205020404" pitchFamily="49" charset="0"/>
+                <a:cs typeface="Courier New" panose="02070309020205020404" pitchFamily="49" charset="0"/>
+              </a:rPr>
+              <a:t>10</a:t>
+            </a:r>
+            <a:r>
+              <a:rPr kumimoji="0" lang="en-US" altLang="en-US" sz="2000" b="0" i="0" u="none" strike="noStrike" cap="none" normalizeH="0" baseline="0" dirty="0" smtClean="0">
+                <a:ln>
+                  <a:noFill/>
+                </a:ln>
+                <a:solidFill>
+                  <a:srgbClr val="A9B7C6"/>
+                </a:solidFill>
+                <a:effectLst/>
+                <a:latin typeface="Courier New" panose="02070309020205020404" pitchFamily="49" charset="0"/>
+                <a:cs typeface="Courier New" panose="02070309020205020404" pitchFamily="49" charset="0"/>
+              </a:rPr>
+              <a:t>)</a:t>
+            </a:r>
+            <a:endParaRPr kumimoji="0" lang="en-US" altLang="en-US" sz="2000" b="0" i="0" u="none" strike="noStrike" cap="none" normalizeH="0" baseline="0" dirty="0" smtClean="0">
+              <a:ln>
+                <a:noFill/>
+              </a:ln>
+              <a:solidFill>
+                <a:schemeClr val="tx1"/>
+              </a:solidFill>
+              <a:effectLst/>
+              <a:latin typeface="Arial" panose="020B0604020202020204" pitchFamily="34" charset="0"/>
+            </a:endParaRPr>
+          </a:p>
+        </p:txBody>
+      </p:sp>
     </p:spTree>
     <p:extLst>
       <p:ext uri="{BB962C8B-B14F-4D97-AF65-F5344CB8AC3E}">
-        <p14:creationId xmlns:p14="http://schemas.microsoft.com/office/powerpoint/2010/main" val="3976573275"/>
+        <p14:creationId xmlns:p14="http://schemas.microsoft.com/office/powerpoint/2010/main" val="2893283769"/>
       </p:ext>
     </p:extLst>
   </p:cSld>
   <p:clrMapOvr>
     <a:masterClrMapping/>
   </p:clrMapOvr>
-  <p:timing>
-    <p:tnLst>
-      <p:par>
-        <p:cTn id="1" dur="indefinite" restart="never" nodeType="tmRoot"/>
-      </p:par>
-    </p:tnLst>
-  </p:timing>
 </p:sld>
 </file>
 
@@ -4950,618 +10321,605 @@
           <a:lstStyle/>
           <a:p>
             <a:r>
-              <a:rPr lang="en-GB" dirty="0" smtClean="0"/>
+              <a:rPr lang="en-GB" dirty="0"/>
               <a:t>caching and persistence</a:t>
             </a:r>
-            <a:endParaRPr lang="en-GB" dirty="0"/>
+            <a:endParaRPr lang="en-US" dirty="0"/>
           </a:p>
         </p:txBody>
       </p:sp>
-      <p:pic>
-        <p:nvPicPr>
-          <p:cNvPr id="4" name="Content Placeholder 3"/>
-          <p:cNvPicPr>
-            <a:picLocks noGrp="1" noChangeAspect="1"/>
-          </p:cNvPicPr>
-          <p:nvPr>
-            <p:ph idx="1"/>
-          </p:nvPr>
-        </p:nvPicPr>
-        <p:blipFill>
-          <a:blip r:embed="rId2">
-            <a:extLst>
-              <a:ext uri="{28A0092B-C50C-407E-A947-70E740481C1C}">
-                <a14:useLocalDpi xmlns:a14="http://schemas.microsoft.com/office/drawing/2010/main" val="0"/>
-              </a:ext>
-            </a:extLst>
-          </a:blip>
-          <a:stretch>
-            <a:fillRect/>
-          </a:stretch>
-        </p:blipFill>
-        <p:spPr>
-          <a:xfrm>
-            <a:off x="729206" y="2232501"/>
-            <a:ext cx="10315575" cy="2562225"/>
-          </a:xfrm>
-        </p:spPr>
-      </p:pic>
       <p:sp>
         <p:nvSpPr>
-          <p:cNvPr id="3" name="TextBox 2"/>
-          <p:cNvSpPr txBox="1"/>
+          <p:cNvPr id="5" name="Rectangle 1"/>
+          <p:cNvSpPr>
+            <a:spLocks noChangeArrowheads="1"/>
+          </p:cNvSpPr>
           <p:nvPr/>
         </p:nvSpPr>
-        <p:spPr>
+        <p:spPr bwMode="auto">
           <a:xfrm>
-            <a:off x="1009935" y="4558352"/>
-            <a:ext cx="11182066" cy="3139321"/>
+            <a:off x="451338" y="2236766"/>
+            <a:ext cx="8575431" cy="1938992"/>
           </a:xfrm>
           <a:prstGeom prst="rect">
             <a:avLst/>
           </a:prstGeom>
-          <a:noFill/>
+          <a:solidFill>
+            <a:srgbClr val="2B2B2B"/>
+          </a:solidFill>
+          <a:ln>
+            <a:noFill/>
+          </a:ln>
+          <a:effectLst/>
+          <a:extLst>
+            <a:ext uri="{91240B29-F687-4F45-9708-019B960494DF}">
+              <a14:hiddenLine xmlns:a14="http://schemas.microsoft.com/office/drawing/2010/main" w="9525">
+                <a:solidFill>
+                  <a:schemeClr val="tx1"/>
+                </a:solidFill>
+                <a:miter lim="800000"/>
+                <a:headEnd/>
+                <a:tailEnd/>
+              </a14:hiddenLine>
+            </a:ext>
+            <a:ext uri="{AF507438-7753-43E0-B8FC-AC1667EBCBE1}">
+              <a14:hiddenEffects xmlns:a14="http://schemas.microsoft.com/office/drawing/2010/main">
+                <a:effectLst>
+                  <a:outerShdw dist="35921" dir="2700000" algn="ctr" rotWithShape="0">
+                    <a:schemeClr val="bg2"/>
+                  </a:outerShdw>
+                </a:effectLst>
+              </a14:hiddenEffects>
+            </a:ext>
+          </a:extLst>
         </p:spPr>
         <p:txBody>
-          <a:bodyPr wrap="square" rtlCol="0">
+          <a:bodyPr vert="horz" wrap="square" lIns="91440" tIns="45720" rIns="91440" bIns="45720" numCol="1" anchor="ctr" anchorCtr="0" compatLnSpc="1">
+            <a:prstTxWarp prst="textNoShape">
+              <a:avLst/>
+            </a:prstTxWarp>
             <a:spAutoFit/>
           </a:bodyPr>
           <a:lstStyle/>
           <a:p>
-            <a:r>
-              <a:rPr lang="en-GB" dirty="0" err="1" smtClean="0"/>
-              <a:t>Sunt</a:t>
-            </a:r>
-            <a:r>
-              <a:rPr lang="en-GB" dirty="0" smtClean="0"/>
+            <a:pPr marL="0" marR="0" lvl="0" indent="0" algn="l" defTabSz="914400" rtl="0" eaLnBrk="0" fontAlgn="base" latinLnBrk="0" hangingPunct="0">
+              <a:lnSpc>
+                <a:spcPct val="100000"/>
+              </a:lnSpc>
+              <a:spcBef>
+                <a:spcPct val="0"/>
+              </a:spcBef>
+              <a:spcAft>
+                <a:spcPct val="0"/>
+              </a:spcAft>
+              <a:buClrTx/>
+              <a:buSzTx/>
+              <a:buFontTx/>
+              <a:buNone/>
+              <a:tabLst/>
+            </a:pPr>
+            <a:r>
+              <a:rPr kumimoji="0" lang="en-US" altLang="en-US" sz="2000" b="1" i="0" u="none" strike="noStrike" cap="none" normalizeH="0" baseline="0" dirty="0" err="1" smtClean="0">
+                <a:ln>
+                  <a:noFill/>
+                </a:ln>
+                <a:solidFill>
+                  <a:srgbClr val="CC7832"/>
+                </a:solidFill>
+                <a:effectLst/>
+                <a:latin typeface="Courier New" panose="02070309020205020404" pitchFamily="49" charset="0"/>
+                <a:cs typeface="Courier New" panose="02070309020205020404" pitchFamily="49" charset="0"/>
+              </a:rPr>
+              <a:t>val</a:t>
+            </a:r>
+            <a:r>
+              <a:rPr kumimoji="0" lang="en-US" altLang="en-US" sz="2000" b="1" i="0" u="none" strike="noStrike" cap="none" normalizeH="0" baseline="0" dirty="0" smtClean="0">
+                <a:ln>
+                  <a:noFill/>
+                </a:ln>
+                <a:solidFill>
+                  <a:srgbClr val="CC7832"/>
+                </a:solidFill>
+                <a:effectLst/>
+                <a:latin typeface="Courier New" panose="02070309020205020404" pitchFamily="49" charset="0"/>
+                <a:cs typeface="Courier New" panose="02070309020205020404" pitchFamily="49" charset="0"/>
+              </a:rPr>
               <a:t> </a:t>
             </a:r>
             <a:r>
-              <a:rPr lang="en-GB" dirty="0" err="1" smtClean="0"/>
-              <a:t>mai</a:t>
-            </a:r>
-            <a:r>
-              <a:rPr lang="en-GB" dirty="0" smtClean="0"/>
+              <a:rPr kumimoji="0" lang="en-US" altLang="en-US" sz="2000" b="0" i="0" u="none" strike="noStrike" cap="none" normalizeH="0" baseline="0" dirty="0" err="1" smtClean="0">
+                <a:ln>
+                  <a:noFill/>
+                </a:ln>
+                <a:solidFill>
+                  <a:srgbClr val="A9B7C6"/>
+                </a:solidFill>
+                <a:effectLst/>
+                <a:latin typeface="Courier New" panose="02070309020205020404" pitchFamily="49" charset="0"/>
+                <a:cs typeface="Courier New" panose="02070309020205020404" pitchFamily="49" charset="0"/>
+              </a:rPr>
+              <a:t>lastYearsLogs</a:t>
+            </a:r>
+            <a:r>
+              <a:rPr kumimoji="0" lang="en-US" altLang="en-US" sz="2000" b="0" i="0" u="none" strike="noStrike" cap="none" normalizeH="0" baseline="0" dirty="0" smtClean="0">
+                <a:ln>
+                  <a:noFill/>
+                </a:ln>
+                <a:solidFill>
+                  <a:srgbClr val="A9B7C6"/>
+                </a:solidFill>
+                <a:effectLst/>
+                <a:latin typeface="Courier New" panose="02070309020205020404" pitchFamily="49" charset="0"/>
+                <a:cs typeface="Courier New" panose="02070309020205020404" pitchFamily="49" charset="0"/>
+              </a:rPr>
+              <a:t>: RDD[</a:t>
+            </a:r>
+            <a:r>
+              <a:rPr kumimoji="0" lang="en-US" altLang="en-US" sz="2000" b="0" i="0" u="none" strike="noStrike" cap="none" normalizeH="0" baseline="0" dirty="0" smtClean="0">
+                <a:ln>
+                  <a:noFill/>
+                </a:ln>
+                <a:solidFill>
+                  <a:srgbClr val="4E807D"/>
+                </a:solidFill>
+                <a:effectLst/>
+                <a:latin typeface="Courier New" panose="02070309020205020404" pitchFamily="49" charset="0"/>
+                <a:cs typeface="Courier New" panose="02070309020205020404" pitchFamily="49" charset="0"/>
+              </a:rPr>
+              <a:t>String</a:t>
+            </a:r>
+            <a:r>
+              <a:rPr kumimoji="0" lang="en-US" altLang="en-US" sz="2000" b="0" i="0" u="none" strike="noStrike" cap="none" normalizeH="0" baseline="0" dirty="0" smtClean="0">
+                <a:ln>
+                  <a:noFill/>
+                </a:ln>
+                <a:solidFill>
+                  <a:srgbClr val="A9B7C6"/>
+                </a:solidFill>
+                <a:effectLst/>
+                <a:latin typeface="Courier New" panose="02070309020205020404" pitchFamily="49" charset="0"/>
+                <a:cs typeface="Courier New" panose="02070309020205020404" pitchFamily="49" charset="0"/>
+              </a:rPr>
+              <a:t>] = </a:t>
+            </a:r>
+            <a:r>
+              <a:rPr kumimoji="0" lang="en-US" altLang="en-US" sz="2000" b="0" i="0" u="none" strike="noStrike" cap="none" normalizeH="0" baseline="0" dirty="0" err="1" smtClean="0">
+                <a:ln>
+                  <a:noFill/>
+                </a:ln>
+                <a:solidFill>
+                  <a:srgbClr val="A9B7C6"/>
+                </a:solidFill>
+                <a:effectLst/>
+                <a:latin typeface="Courier New" panose="02070309020205020404" pitchFamily="49" charset="0"/>
+                <a:cs typeface="Courier New" panose="02070309020205020404" pitchFamily="49" charset="0"/>
+              </a:rPr>
+              <a:t>inputRDD</a:t>
+            </a:r>
+            <a:r>
+              <a:rPr kumimoji="0" lang="en-US" altLang="en-US" sz="2000" b="0" i="0" u="none" strike="noStrike" cap="none" normalizeH="0" baseline="0" dirty="0" smtClean="0">
+                <a:ln>
+                  <a:noFill/>
+                </a:ln>
+                <a:solidFill>
+                  <a:srgbClr val="A9B7C6"/>
+                </a:solidFill>
+                <a:effectLst/>
+                <a:latin typeface="Courier New" panose="02070309020205020404" pitchFamily="49" charset="0"/>
+                <a:cs typeface="Courier New" panose="02070309020205020404" pitchFamily="49" charset="0"/>
+              </a:rPr>
+              <a:t/>
+            </a:r>
+            <a:br>
+              <a:rPr kumimoji="0" lang="en-US" altLang="en-US" sz="2000" b="0" i="0" u="none" strike="noStrike" cap="none" normalizeH="0" baseline="0" dirty="0" smtClean="0">
+                <a:ln>
+                  <a:noFill/>
+                </a:ln>
+                <a:solidFill>
+                  <a:srgbClr val="A9B7C6"/>
+                </a:solidFill>
+                <a:effectLst/>
+                <a:latin typeface="Courier New" panose="02070309020205020404" pitchFamily="49" charset="0"/>
+                <a:cs typeface="Courier New" panose="02070309020205020404" pitchFamily="49" charset="0"/>
+              </a:rPr>
+            </a:br>
+            <a:r>
+              <a:rPr kumimoji="0" lang="en-US" altLang="en-US" sz="2000" b="1" i="0" u="none" strike="noStrike" cap="none" normalizeH="0" baseline="0" dirty="0" err="1" smtClean="0">
+                <a:ln>
+                  <a:noFill/>
+                </a:ln>
+                <a:solidFill>
+                  <a:srgbClr val="CC7832"/>
+                </a:solidFill>
+                <a:effectLst/>
+                <a:latin typeface="Courier New" panose="02070309020205020404" pitchFamily="49" charset="0"/>
+                <a:cs typeface="Courier New" panose="02070309020205020404" pitchFamily="49" charset="0"/>
+              </a:rPr>
+              <a:t>val</a:t>
+            </a:r>
+            <a:r>
+              <a:rPr kumimoji="0" lang="en-US" altLang="en-US" sz="2000" b="1" i="0" u="none" strike="noStrike" cap="none" normalizeH="0" baseline="0" dirty="0" smtClean="0">
+                <a:ln>
+                  <a:noFill/>
+                </a:ln>
+                <a:solidFill>
+                  <a:srgbClr val="CC7832"/>
+                </a:solidFill>
+                <a:effectLst/>
+                <a:latin typeface="Courier New" panose="02070309020205020404" pitchFamily="49" charset="0"/>
+                <a:cs typeface="Courier New" panose="02070309020205020404" pitchFamily="49" charset="0"/>
+              </a:rPr>
               <a:t> </a:t>
             </a:r>
             <a:r>
-              <a:rPr lang="en-GB" dirty="0" err="1" smtClean="0"/>
-              <a:t>multe</a:t>
-            </a:r>
-            <a:r>
-              <a:rPr lang="en-GB" dirty="0" smtClean="0"/>
+              <a:rPr kumimoji="0" lang="en-US" altLang="en-US" sz="2000" b="0" i="0" u="none" strike="noStrike" cap="none" normalizeH="0" baseline="0" dirty="0" err="1" smtClean="0">
+                <a:ln>
+                  <a:noFill/>
+                </a:ln>
+                <a:solidFill>
+                  <a:srgbClr val="A9B7C6"/>
+                </a:solidFill>
+                <a:effectLst/>
+                <a:latin typeface="Courier New" panose="02070309020205020404" pitchFamily="49" charset="0"/>
+                <a:cs typeface="Courier New" panose="02070309020205020404" pitchFamily="49" charset="0"/>
+              </a:rPr>
+              <a:t>logsWithErrors</a:t>
+            </a:r>
+            <a:r>
+              <a:rPr kumimoji="0" lang="en-US" altLang="en-US" sz="2000" b="0" i="0" u="none" strike="noStrike" cap="none" normalizeH="0" baseline="0" dirty="0" smtClean="0">
+                <a:ln>
+                  <a:noFill/>
+                </a:ln>
+                <a:solidFill>
+                  <a:srgbClr val="A9B7C6"/>
+                </a:solidFill>
+                <a:effectLst/>
+                <a:latin typeface="Courier New" panose="02070309020205020404" pitchFamily="49" charset="0"/>
+                <a:cs typeface="Courier New" panose="02070309020205020404" pitchFamily="49" charset="0"/>
+              </a:rPr>
+              <a:t> = </a:t>
+            </a:r>
+            <a:r>
+              <a:rPr kumimoji="0" lang="en-US" altLang="en-US" sz="2000" b="0" i="0" u="none" strike="noStrike" cap="none" normalizeH="0" baseline="0" dirty="0" err="1" smtClean="0">
+                <a:ln>
+                  <a:noFill/>
+                </a:ln>
+                <a:solidFill>
+                  <a:srgbClr val="A9B7C6"/>
+                </a:solidFill>
+                <a:effectLst/>
+                <a:latin typeface="Courier New" panose="02070309020205020404" pitchFamily="49" charset="0"/>
+                <a:cs typeface="Courier New" panose="02070309020205020404" pitchFamily="49" charset="0"/>
+              </a:rPr>
+              <a:t>lastYearsLogs</a:t>
+            </a:r>
+            <a:r>
+              <a:rPr kumimoji="0" lang="en-US" altLang="en-US" sz="2000" b="0" i="0" u="none" strike="noStrike" cap="none" normalizeH="0" baseline="0" dirty="0" smtClean="0">
+                <a:ln>
+                  <a:noFill/>
+                </a:ln>
+                <a:solidFill>
+                  <a:srgbClr val="A9B7C6"/>
+                </a:solidFill>
+                <a:effectLst/>
+                <a:latin typeface="Courier New" panose="02070309020205020404" pitchFamily="49" charset="0"/>
+                <a:cs typeface="Courier New" panose="02070309020205020404" pitchFamily="49" charset="0"/>
+              </a:rPr>
+              <a:t/>
+            </a:r>
+            <a:br>
+              <a:rPr kumimoji="0" lang="en-US" altLang="en-US" sz="2000" b="0" i="0" u="none" strike="noStrike" cap="none" normalizeH="0" baseline="0" dirty="0" smtClean="0">
+                <a:ln>
+                  <a:noFill/>
+                </a:ln>
+                <a:solidFill>
+                  <a:srgbClr val="A9B7C6"/>
+                </a:solidFill>
+                <a:effectLst/>
+                <a:latin typeface="Courier New" panose="02070309020205020404" pitchFamily="49" charset="0"/>
+                <a:cs typeface="Courier New" panose="02070309020205020404" pitchFamily="49" charset="0"/>
+              </a:rPr>
+            </a:br>
+            <a:r>
+              <a:rPr kumimoji="0" lang="en-US" altLang="en-US" sz="2000" b="0" i="0" u="none" strike="noStrike" cap="none" normalizeH="0" baseline="0" dirty="0" smtClean="0">
+                <a:ln>
+                  <a:noFill/>
+                </a:ln>
+                <a:solidFill>
+                  <a:srgbClr val="A9B7C6"/>
+                </a:solidFill>
+                <a:effectLst/>
+                <a:latin typeface="Courier New" panose="02070309020205020404" pitchFamily="49" charset="0"/>
+                <a:cs typeface="Courier New" panose="02070309020205020404" pitchFamily="49" charset="0"/>
+              </a:rPr>
+              <a:t>  .filter(_.contains(</a:t>
+            </a:r>
+            <a:r>
+              <a:rPr kumimoji="0" lang="en-US" altLang="en-US" sz="2000" b="0" i="0" u="none" strike="noStrike" cap="none" normalizeH="0" baseline="0" dirty="0" smtClean="0">
+                <a:ln>
+                  <a:noFill/>
+                </a:ln>
+                <a:solidFill>
+                  <a:srgbClr val="6A8759"/>
+                </a:solidFill>
+                <a:effectLst/>
+                <a:latin typeface="Courier New" panose="02070309020205020404" pitchFamily="49" charset="0"/>
+                <a:cs typeface="Courier New" panose="02070309020205020404" pitchFamily="49" charset="0"/>
+              </a:rPr>
+              <a:t>"ERROR"</a:t>
+            </a:r>
+            <a:r>
+              <a:rPr kumimoji="0" lang="en-US" altLang="en-US" sz="2000" b="0" i="0" u="none" strike="noStrike" cap="none" normalizeH="0" baseline="0" dirty="0" smtClean="0">
+                <a:ln>
+                  <a:noFill/>
+                </a:ln>
+                <a:solidFill>
+                  <a:srgbClr val="A9B7C6"/>
+                </a:solidFill>
+                <a:effectLst/>
+                <a:latin typeface="Courier New" panose="02070309020205020404" pitchFamily="49" charset="0"/>
+                <a:cs typeface="Courier New" panose="02070309020205020404" pitchFamily="49" charset="0"/>
+              </a:rPr>
+              <a:t>))</a:t>
+            </a:r>
+            <a:br>
+              <a:rPr kumimoji="0" lang="en-US" altLang="en-US" sz="2000" b="0" i="0" u="none" strike="noStrike" cap="none" normalizeH="0" baseline="0" dirty="0" smtClean="0">
+                <a:ln>
+                  <a:noFill/>
+                </a:ln>
+                <a:solidFill>
+                  <a:srgbClr val="A9B7C6"/>
+                </a:solidFill>
+                <a:effectLst/>
+                <a:latin typeface="Courier New" panose="02070309020205020404" pitchFamily="49" charset="0"/>
+                <a:cs typeface="Courier New" panose="02070309020205020404" pitchFamily="49" charset="0"/>
+              </a:rPr>
+            </a:br>
+            <a:r>
+              <a:rPr kumimoji="0" lang="en-US" altLang="en-US" sz="2000" b="0" i="0" u="none" strike="noStrike" cap="none" normalizeH="0" baseline="0" dirty="0" smtClean="0">
+                <a:ln>
+                  <a:noFill/>
+                </a:ln>
+                <a:solidFill>
+                  <a:srgbClr val="A9B7C6"/>
+                </a:solidFill>
+                <a:effectLst/>
+                <a:latin typeface="Courier New" panose="02070309020205020404" pitchFamily="49" charset="0"/>
+                <a:cs typeface="Courier New" panose="02070309020205020404" pitchFamily="49" charset="0"/>
+              </a:rPr>
+              <a:t/>
+            </a:r>
+            <a:br>
+              <a:rPr kumimoji="0" lang="en-US" altLang="en-US" sz="2000" b="0" i="0" u="none" strike="noStrike" cap="none" normalizeH="0" baseline="0" dirty="0" smtClean="0">
+                <a:ln>
+                  <a:noFill/>
+                </a:ln>
+                <a:solidFill>
+                  <a:srgbClr val="A9B7C6"/>
+                </a:solidFill>
+                <a:effectLst/>
+                <a:latin typeface="Courier New" panose="02070309020205020404" pitchFamily="49" charset="0"/>
+                <a:cs typeface="Courier New" panose="02070309020205020404" pitchFamily="49" charset="0"/>
+              </a:rPr>
+            </a:br>
+            <a:r>
+              <a:rPr kumimoji="0" lang="en-US" altLang="en-US" sz="2000" b="1" i="0" u="none" strike="noStrike" cap="none" normalizeH="0" baseline="0" dirty="0" err="1" smtClean="0">
+                <a:ln>
+                  <a:noFill/>
+                </a:ln>
+                <a:solidFill>
+                  <a:srgbClr val="CC7832"/>
+                </a:solidFill>
+                <a:effectLst/>
+                <a:latin typeface="Courier New" panose="02070309020205020404" pitchFamily="49" charset="0"/>
+                <a:cs typeface="Courier New" panose="02070309020205020404" pitchFamily="49" charset="0"/>
+              </a:rPr>
+              <a:t>val</a:t>
+            </a:r>
+            <a:r>
+              <a:rPr kumimoji="0" lang="en-US" altLang="en-US" sz="2000" b="1" i="0" u="none" strike="noStrike" cap="none" normalizeH="0" baseline="0" dirty="0" smtClean="0">
+                <a:ln>
+                  <a:noFill/>
+                </a:ln>
+                <a:solidFill>
+                  <a:srgbClr val="CC7832"/>
+                </a:solidFill>
+                <a:effectLst/>
+                <a:latin typeface="Courier New" panose="02070309020205020404" pitchFamily="49" charset="0"/>
+                <a:cs typeface="Courier New" panose="02070309020205020404" pitchFamily="49" charset="0"/>
+              </a:rPr>
               <a:t> </a:t>
             </a:r>
             <a:r>
-              <a:rPr lang="en-GB" dirty="0" err="1" smtClean="0"/>
-              <a:t>tipuri</a:t>
-            </a:r>
-            <a:r>
-              <a:rPr lang="en-GB" dirty="0" smtClean="0"/>
-              <a:t> de persist:</a:t>
-            </a:r>
-          </a:p>
-          <a:p>
-            <a:pPr marL="285750" indent="-285750">
-              <a:buFont typeface="Arial" panose="020B0604020202020204" pitchFamily="34" charset="0"/>
-              <a:buChar char="•"/>
-            </a:pPr>
-            <a:r>
-              <a:rPr lang="en-GB" dirty="0" smtClean="0"/>
-              <a:t>in </a:t>
-            </a:r>
-            <a:r>
-              <a:rPr lang="en-GB" dirty="0" err="1" smtClean="0"/>
-              <a:t>memorie</a:t>
-            </a:r>
-            <a:endParaRPr lang="en-GB" dirty="0" smtClean="0"/>
-          </a:p>
-          <a:p>
-            <a:pPr marL="285750" indent="-285750">
-              <a:buFont typeface="Arial" panose="020B0604020202020204" pitchFamily="34" charset="0"/>
-              <a:buChar char="•"/>
-            </a:pPr>
-            <a:r>
-              <a:rPr lang="en-GB" dirty="0" err="1" smtClean="0"/>
-              <a:t>pe</a:t>
-            </a:r>
-            <a:r>
-              <a:rPr lang="en-GB" dirty="0" smtClean="0"/>
-              <a:t> disc</a:t>
-            </a:r>
-          </a:p>
-          <a:p>
-            <a:pPr marL="285750" indent="-285750">
-              <a:buFont typeface="Arial" panose="020B0604020202020204" pitchFamily="34" charset="0"/>
-              <a:buChar char="•"/>
-            </a:pPr>
-            <a:r>
-              <a:rPr lang="en-GB" dirty="0" err="1" smtClean="0"/>
-              <a:t>si</a:t>
-            </a:r>
-            <a:r>
-              <a:rPr lang="en-GB" dirty="0" smtClean="0"/>
-              <a:t> in </a:t>
-            </a:r>
-            <a:r>
-              <a:rPr lang="en-GB" dirty="0" err="1" smtClean="0"/>
-              <a:t>memorie</a:t>
-            </a:r>
-            <a:r>
-              <a:rPr lang="en-GB" dirty="0" smtClean="0"/>
+              <a:rPr kumimoji="0" lang="en-US" altLang="en-US" sz="2000" b="0" i="0" u="none" strike="noStrike" cap="none" normalizeH="0" baseline="0" dirty="0" err="1" smtClean="0">
+                <a:ln>
+                  <a:noFill/>
+                </a:ln>
+                <a:solidFill>
+                  <a:srgbClr val="A9B7C6"/>
+                </a:solidFill>
+                <a:effectLst/>
+                <a:latin typeface="Courier New" panose="02070309020205020404" pitchFamily="49" charset="0"/>
+                <a:cs typeface="Courier New" panose="02070309020205020404" pitchFamily="49" charset="0"/>
+              </a:rPr>
+              <a:t>firstLogsWithErrors</a:t>
+            </a:r>
+            <a:r>
+              <a:rPr kumimoji="0" lang="en-US" altLang="en-US" sz="2000" b="0" i="0" u="none" strike="noStrike" cap="none" normalizeH="0" baseline="0" dirty="0" smtClean="0">
+                <a:ln>
+                  <a:noFill/>
+                </a:ln>
+                <a:solidFill>
+                  <a:srgbClr val="A9B7C6"/>
+                </a:solidFill>
+                <a:effectLst/>
+                <a:latin typeface="Courier New" panose="02070309020205020404" pitchFamily="49" charset="0"/>
+                <a:cs typeface="Courier New" panose="02070309020205020404" pitchFamily="49" charset="0"/>
+              </a:rPr>
+              <a:t> = </a:t>
+            </a:r>
+            <a:r>
+              <a:rPr kumimoji="0" lang="en-US" altLang="en-US" sz="2000" b="0" i="0" u="none" strike="noStrike" cap="none" normalizeH="0" baseline="0" dirty="0" err="1" smtClean="0">
+                <a:ln>
+                  <a:noFill/>
+                </a:ln>
+                <a:solidFill>
+                  <a:srgbClr val="A9B7C6"/>
+                </a:solidFill>
+                <a:effectLst/>
+                <a:latin typeface="Courier New" panose="02070309020205020404" pitchFamily="49" charset="0"/>
+                <a:cs typeface="Courier New" panose="02070309020205020404" pitchFamily="49" charset="0"/>
+              </a:rPr>
+              <a:t>logsWithErrors.take</a:t>
+            </a:r>
+            <a:r>
+              <a:rPr kumimoji="0" lang="en-US" altLang="en-US" sz="2000" b="0" i="0" u="none" strike="noStrike" cap="none" normalizeH="0" baseline="0" dirty="0" smtClean="0">
+                <a:ln>
+                  <a:noFill/>
+                </a:ln>
+                <a:solidFill>
+                  <a:srgbClr val="A9B7C6"/>
+                </a:solidFill>
+                <a:effectLst/>
+                <a:latin typeface="Courier New" panose="02070309020205020404" pitchFamily="49" charset="0"/>
+                <a:cs typeface="Courier New" panose="02070309020205020404" pitchFamily="49" charset="0"/>
+              </a:rPr>
+              <a:t>(</a:t>
+            </a:r>
+            <a:r>
+              <a:rPr kumimoji="0" lang="en-US" altLang="en-US" sz="2000" b="0" i="0" u="none" strike="noStrike" cap="none" normalizeH="0" baseline="0" dirty="0" smtClean="0">
+                <a:ln>
+                  <a:noFill/>
+                </a:ln>
+                <a:solidFill>
+                  <a:srgbClr val="6897BB"/>
+                </a:solidFill>
+                <a:effectLst/>
+                <a:latin typeface="Courier New" panose="02070309020205020404" pitchFamily="49" charset="0"/>
+                <a:cs typeface="Courier New" panose="02070309020205020404" pitchFamily="49" charset="0"/>
+              </a:rPr>
+              <a:t>10</a:t>
+            </a:r>
+            <a:r>
+              <a:rPr kumimoji="0" lang="en-US" altLang="en-US" sz="2000" b="0" i="0" u="none" strike="noStrike" cap="none" normalizeH="0" baseline="0" dirty="0" smtClean="0">
+                <a:ln>
+                  <a:noFill/>
+                </a:ln>
+                <a:solidFill>
+                  <a:srgbClr val="A9B7C6"/>
+                </a:solidFill>
+                <a:effectLst/>
+                <a:latin typeface="Courier New" panose="02070309020205020404" pitchFamily="49" charset="0"/>
+                <a:cs typeface="Courier New" panose="02070309020205020404" pitchFamily="49" charset="0"/>
+              </a:rPr>
+              <a:t>)</a:t>
+            </a:r>
+            <a:br>
+              <a:rPr kumimoji="0" lang="en-US" altLang="en-US" sz="2000" b="0" i="0" u="none" strike="noStrike" cap="none" normalizeH="0" baseline="0" dirty="0" smtClean="0">
+                <a:ln>
+                  <a:noFill/>
+                </a:ln>
+                <a:solidFill>
+                  <a:srgbClr val="A9B7C6"/>
+                </a:solidFill>
+                <a:effectLst/>
+                <a:latin typeface="Courier New" panose="02070309020205020404" pitchFamily="49" charset="0"/>
+                <a:cs typeface="Courier New" panose="02070309020205020404" pitchFamily="49" charset="0"/>
+              </a:rPr>
+            </a:br>
+            <a:r>
+              <a:rPr kumimoji="0" lang="en-US" altLang="en-US" sz="2000" b="1" i="0" u="none" strike="noStrike" cap="none" normalizeH="0" baseline="0" dirty="0" err="1" smtClean="0">
+                <a:ln>
+                  <a:noFill/>
+                </a:ln>
+                <a:solidFill>
+                  <a:srgbClr val="CC7832"/>
+                </a:solidFill>
+                <a:effectLst/>
+                <a:latin typeface="Courier New" panose="02070309020205020404" pitchFamily="49" charset="0"/>
+                <a:cs typeface="Courier New" panose="02070309020205020404" pitchFamily="49" charset="0"/>
+              </a:rPr>
+              <a:t>val</a:t>
+            </a:r>
+            <a:r>
+              <a:rPr kumimoji="0" lang="en-US" altLang="en-US" sz="2000" b="1" i="0" u="none" strike="noStrike" cap="none" normalizeH="0" baseline="0" dirty="0" smtClean="0">
+                <a:ln>
+                  <a:noFill/>
+                </a:ln>
+                <a:solidFill>
+                  <a:srgbClr val="CC7832"/>
+                </a:solidFill>
+                <a:effectLst/>
+                <a:latin typeface="Courier New" panose="02070309020205020404" pitchFamily="49" charset="0"/>
+                <a:cs typeface="Courier New" panose="02070309020205020404" pitchFamily="49" charset="0"/>
+              </a:rPr>
               <a:t> </a:t>
             </a:r>
             <a:r>
-              <a:rPr lang="en-GB" dirty="0" err="1" smtClean="0"/>
-              <a:t>si</a:t>
-            </a:r>
-            <a:r>
-              <a:rPr lang="en-GB" dirty="0" smtClean="0"/>
-              <a:t> </a:t>
-            </a:r>
-            <a:r>
-              <a:rPr lang="en-GB" dirty="0" err="1" smtClean="0"/>
-              <a:t>pe</a:t>
-            </a:r>
-            <a:r>
-              <a:rPr lang="en-GB" dirty="0" smtClean="0"/>
-              <a:t> disc.</a:t>
-            </a:r>
-          </a:p>
-          <a:p>
-            <a:pPr marL="285750" indent="-285750">
-              <a:buFont typeface="Arial" panose="020B0604020202020204" pitchFamily="34" charset="0"/>
-              <a:buChar char="•"/>
-            </a:pPr>
-            <a:endParaRPr lang="en-GB" dirty="0"/>
-          </a:p>
-          <a:p>
-            <a:r>
-              <a:rPr lang="en-GB" dirty="0" err="1" smtClean="0"/>
-              <a:t>Trebuie</a:t>
-            </a:r>
-            <a:r>
-              <a:rPr lang="en-GB" dirty="0" smtClean="0"/>
-              <a:t> </a:t>
-            </a:r>
-            <a:r>
-              <a:rPr lang="en-GB" dirty="0" err="1" smtClean="0"/>
-              <a:t>sa</a:t>
-            </a:r>
-            <a:r>
-              <a:rPr lang="en-GB" dirty="0" smtClean="0"/>
-              <a:t> </a:t>
-            </a:r>
-            <a:r>
-              <a:rPr lang="en-GB" dirty="0" err="1" smtClean="0"/>
-              <a:t>tinem</a:t>
-            </a:r>
-            <a:r>
-              <a:rPr lang="en-GB" dirty="0" smtClean="0"/>
-              <a:t> </a:t>
-            </a:r>
-            <a:r>
-              <a:rPr lang="en-GB" dirty="0" err="1" smtClean="0"/>
-              <a:t>cont</a:t>
-            </a:r>
-            <a:r>
-              <a:rPr lang="en-GB" dirty="0" smtClean="0"/>
-              <a:t> de </a:t>
-            </a:r>
-            <a:r>
-              <a:rPr lang="en-GB" dirty="0" err="1" smtClean="0"/>
-              <a:t>faptul</a:t>
-            </a:r>
-            <a:r>
-              <a:rPr lang="en-GB" dirty="0" smtClean="0"/>
-              <a:t> ca </a:t>
-            </a:r>
-            <a:r>
-              <a:rPr lang="en-GB" dirty="0" err="1" smtClean="0"/>
-              <a:t>atunci</a:t>
-            </a:r>
-            <a:r>
-              <a:rPr lang="en-GB" dirty="0" smtClean="0"/>
-              <a:t> </a:t>
-            </a:r>
-            <a:r>
-              <a:rPr lang="en-GB" dirty="0" err="1" smtClean="0"/>
-              <a:t>cand</a:t>
-            </a:r>
-            <a:r>
-              <a:rPr lang="en-GB" dirty="0" smtClean="0"/>
-              <a:t> </a:t>
-            </a:r>
-            <a:r>
-              <a:rPr lang="en-GB" dirty="0" err="1" smtClean="0"/>
-              <a:t>tinem</a:t>
-            </a:r>
-            <a:r>
-              <a:rPr lang="en-GB" dirty="0" smtClean="0"/>
-              <a:t> in </a:t>
-            </a:r>
-            <a:r>
-              <a:rPr lang="en-GB" dirty="0" err="1" smtClean="0"/>
-              <a:t>memorie</a:t>
-            </a:r>
-            <a:r>
-              <a:rPr lang="en-GB" dirty="0" smtClean="0"/>
-              <a:t> </a:t>
-            </a:r>
-            <a:r>
-              <a:rPr lang="en-GB" dirty="0" err="1" smtClean="0"/>
-              <a:t>anumite</a:t>
-            </a:r>
-            <a:r>
-              <a:rPr lang="en-GB" dirty="0" smtClean="0"/>
-              <a:t> </a:t>
-            </a:r>
-            <a:r>
-              <a:rPr lang="en-GB" dirty="0" err="1" smtClean="0"/>
-              <a:t>colectii</a:t>
-            </a:r>
-            <a:r>
-              <a:rPr lang="en-GB" dirty="0" smtClean="0"/>
-              <a:t>, </a:t>
-            </a:r>
-            <a:r>
-              <a:rPr lang="en-GB" dirty="0" err="1" smtClean="0"/>
-              <a:t>vom</a:t>
-            </a:r>
-            <a:r>
-              <a:rPr lang="en-GB" dirty="0" smtClean="0"/>
-              <a:t> </a:t>
-            </a:r>
-            <a:r>
-              <a:rPr lang="en-GB" dirty="0" err="1" smtClean="0"/>
-              <a:t>avea</a:t>
-            </a:r>
-            <a:r>
-              <a:rPr lang="en-GB" dirty="0" smtClean="0"/>
-              <a:t> </a:t>
-            </a:r>
-            <a:r>
-              <a:rPr lang="en-GB" dirty="0" err="1" smtClean="0"/>
-              <a:t>mai</a:t>
-            </a:r>
-            <a:r>
-              <a:rPr lang="en-GB" dirty="0" smtClean="0"/>
-              <a:t> </a:t>
-            </a:r>
-            <a:r>
-              <a:rPr lang="en-GB" dirty="0" err="1" smtClean="0"/>
-              <a:t>putin</a:t>
-            </a:r>
-            <a:r>
-              <a:rPr lang="en-GB" dirty="0" smtClean="0"/>
-              <a:t> </a:t>
-            </a:r>
-            <a:r>
-              <a:rPr lang="en-GB" dirty="0" err="1" smtClean="0"/>
-              <a:t>loc</a:t>
-            </a:r>
-            <a:r>
-              <a:rPr lang="en-GB" dirty="0" smtClean="0"/>
-              <a:t> </a:t>
-            </a:r>
-            <a:r>
-              <a:rPr lang="en-GB" dirty="0" err="1" smtClean="0"/>
-              <a:t>pentru</a:t>
-            </a:r>
-            <a:r>
-              <a:rPr lang="en-GB" dirty="0" smtClean="0"/>
-              <a:t> </a:t>
-            </a:r>
-            <a:r>
-              <a:rPr lang="en-GB" dirty="0" err="1" smtClean="0"/>
-              <a:t>calcularea</a:t>
-            </a:r>
-            <a:r>
-              <a:rPr lang="en-GB" dirty="0" smtClean="0"/>
-              <a:t> </a:t>
-            </a:r>
-            <a:r>
-              <a:rPr lang="en-GB" dirty="0" err="1" smtClean="0"/>
-              <a:t>celolrlalte</a:t>
-            </a:r>
-            <a:r>
-              <a:rPr lang="en-GB" dirty="0" smtClean="0"/>
-              <a:t> </a:t>
-            </a:r>
-            <a:r>
-              <a:rPr lang="en-GB" dirty="0" err="1" smtClean="0"/>
-              <a:t>lucruri</a:t>
-            </a:r>
-            <a:endParaRPr lang="en-GB" dirty="0" smtClean="0"/>
-          </a:p>
-          <a:p>
-            <a:endParaRPr lang="en-GB" dirty="0"/>
-          </a:p>
-          <a:p>
-            <a:r>
-              <a:rPr lang="en-GB" dirty="0" err="1" smtClean="0"/>
-              <a:t>Atunci</a:t>
-            </a:r>
-            <a:r>
-              <a:rPr lang="en-GB" dirty="0" smtClean="0"/>
-              <a:t> </a:t>
-            </a:r>
-            <a:r>
-              <a:rPr lang="en-GB" dirty="0" err="1" smtClean="0"/>
-              <a:t>cand</a:t>
-            </a:r>
-            <a:r>
-              <a:rPr lang="en-GB" dirty="0" smtClean="0"/>
-              <a:t> </a:t>
-            </a:r>
-            <a:r>
-              <a:rPr lang="en-GB" dirty="0" err="1" smtClean="0"/>
-              <a:t>alegem</a:t>
-            </a:r>
-            <a:r>
-              <a:rPr lang="en-GB" dirty="0" smtClean="0"/>
-              <a:t> </a:t>
-            </a:r>
-            <a:r>
-              <a:rPr lang="en-GB" dirty="0" err="1" smtClean="0"/>
-              <a:t>sa</a:t>
-            </a:r>
-            <a:r>
-              <a:rPr lang="en-GB" dirty="0" smtClean="0"/>
-              <a:t> </a:t>
-            </a:r>
-            <a:r>
-              <a:rPr lang="en-GB" dirty="0" err="1" smtClean="0"/>
-              <a:t>tinem</a:t>
-            </a:r>
-            <a:r>
-              <a:rPr lang="en-GB" dirty="0" smtClean="0"/>
-              <a:t> un RDD </a:t>
-            </a:r>
-            <a:r>
-              <a:rPr lang="en-GB" dirty="0" err="1" smtClean="0"/>
-              <a:t>pe</a:t>
-            </a:r>
-            <a:r>
-              <a:rPr lang="en-GB" dirty="0" smtClean="0"/>
-              <a:t> disc </a:t>
-            </a:r>
-            <a:r>
-              <a:rPr lang="en-GB" dirty="0" err="1" smtClean="0"/>
-              <a:t>trebuie</a:t>
-            </a:r>
-            <a:r>
-              <a:rPr lang="en-GB" dirty="0" smtClean="0"/>
-              <a:t> </a:t>
-            </a:r>
-            <a:r>
-              <a:rPr lang="en-GB" dirty="0" err="1" smtClean="0"/>
-              <a:t>sa</a:t>
-            </a:r>
-            <a:r>
-              <a:rPr lang="en-GB" dirty="0" smtClean="0"/>
-              <a:t> </a:t>
-            </a:r>
-            <a:r>
-              <a:rPr lang="en-GB" dirty="0" err="1" smtClean="0"/>
-              <a:t>evaluam</a:t>
-            </a:r>
-            <a:r>
-              <a:rPr lang="en-GB" dirty="0" smtClean="0"/>
-              <a:t> </a:t>
-            </a:r>
-            <a:r>
-              <a:rPr lang="en-GB" dirty="0" err="1" smtClean="0"/>
-              <a:t>daca</a:t>
-            </a:r>
-            <a:r>
-              <a:rPr lang="en-GB" dirty="0" smtClean="0"/>
-              <a:t> </a:t>
-            </a:r>
-            <a:r>
-              <a:rPr lang="en-GB" dirty="0" err="1" smtClean="0"/>
-              <a:t>asa</a:t>
-            </a:r>
-            <a:r>
-              <a:rPr lang="en-GB" dirty="0" smtClean="0"/>
-              <a:t> e </a:t>
-            </a:r>
-            <a:r>
-              <a:rPr lang="en-GB" dirty="0" err="1" smtClean="0"/>
-              <a:t>cel</a:t>
-            </a:r>
-            <a:r>
-              <a:rPr lang="en-GB" dirty="0" smtClean="0"/>
-              <a:t> </a:t>
-            </a:r>
-            <a:r>
-              <a:rPr lang="en-GB" dirty="0" err="1" smtClean="0"/>
-              <a:t>mai</a:t>
-            </a:r>
-            <a:r>
-              <a:rPr lang="en-GB" dirty="0" smtClean="0"/>
-              <a:t> </a:t>
-            </a:r>
-            <a:r>
-              <a:rPr lang="en-GB" dirty="0" err="1" smtClean="0"/>
-              <a:t>convenabil</a:t>
-            </a:r>
-            <a:r>
-              <a:rPr lang="en-GB" dirty="0" smtClean="0"/>
-              <a:t> </a:t>
-            </a:r>
-            <a:r>
-              <a:rPr lang="en-GB" dirty="0" err="1" smtClean="0"/>
-              <a:t>si</a:t>
-            </a:r>
-            <a:r>
-              <a:rPr lang="en-GB" dirty="0" smtClean="0"/>
-              <a:t> </a:t>
-            </a:r>
-            <a:r>
-              <a:rPr lang="en-GB" dirty="0" err="1" smtClean="0"/>
-              <a:t>trebuei</a:t>
-            </a:r>
-            <a:r>
-              <a:rPr lang="en-GB" dirty="0" smtClean="0"/>
-              <a:t> </a:t>
-            </a:r>
-            <a:r>
-              <a:rPr lang="en-GB" dirty="0" err="1" smtClean="0"/>
-              <a:t>sa</a:t>
-            </a:r>
-            <a:r>
-              <a:rPr lang="en-GB" dirty="0" smtClean="0"/>
-              <a:t> </a:t>
-            </a:r>
-            <a:r>
-              <a:rPr lang="en-GB" dirty="0" err="1" smtClean="0"/>
-              <a:t>iau</a:t>
-            </a:r>
-            <a:r>
-              <a:rPr lang="en-GB" dirty="0" smtClean="0"/>
-              <a:t> in </a:t>
-            </a:r>
-            <a:r>
-              <a:rPr lang="en-GB" dirty="0" err="1" smtClean="0"/>
-              <a:t>calcul</a:t>
-            </a:r>
-            <a:r>
-              <a:rPr lang="en-GB" dirty="0" smtClean="0"/>
-              <a:t> </a:t>
-            </a:r>
-            <a:r>
-              <a:rPr lang="en-GB" dirty="0" err="1" smtClean="0"/>
-              <a:t>daca</a:t>
-            </a:r>
-            <a:r>
-              <a:rPr lang="en-GB" dirty="0" smtClean="0"/>
-              <a:t> nu </a:t>
-            </a:r>
-            <a:r>
-              <a:rPr lang="en-GB" dirty="0" err="1" smtClean="0"/>
-              <a:t>cumva</a:t>
-            </a:r>
-            <a:r>
-              <a:rPr lang="en-GB" dirty="0" smtClean="0"/>
-              <a:t> </a:t>
-            </a:r>
-            <a:r>
-              <a:rPr lang="en-GB" dirty="0" err="1" smtClean="0"/>
-              <a:t>procesul</a:t>
-            </a:r>
-            <a:r>
-              <a:rPr lang="en-GB" dirty="0" smtClean="0"/>
-              <a:t> de </a:t>
-            </a:r>
-            <a:r>
-              <a:rPr lang="en-GB" dirty="0" err="1" smtClean="0"/>
-              <a:t>scriere</a:t>
-            </a:r>
-            <a:r>
-              <a:rPr lang="en-GB" dirty="0" smtClean="0"/>
-              <a:t> </a:t>
-            </a:r>
-            <a:r>
-              <a:rPr lang="en-GB" dirty="0" err="1" smtClean="0"/>
-              <a:t>pe</a:t>
-            </a:r>
-            <a:r>
-              <a:rPr lang="en-GB" dirty="0" smtClean="0"/>
-              <a:t> disk </a:t>
-            </a:r>
-            <a:r>
-              <a:rPr lang="en-GB" dirty="0" err="1" smtClean="0"/>
-              <a:t>si</a:t>
-            </a:r>
-            <a:r>
-              <a:rPr lang="en-GB" dirty="0" smtClean="0"/>
-              <a:t> de </a:t>
-            </a:r>
-            <a:r>
-              <a:rPr lang="en-GB" dirty="0" err="1" smtClean="0"/>
-              <a:t>citire</a:t>
-            </a:r>
-            <a:r>
-              <a:rPr lang="en-GB" dirty="0" smtClean="0"/>
-              <a:t> </a:t>
-            </a:r>
-            <a:r>
-              <a:rPr lang="en-GB" dirty="0" err="1" smtClean="0"/>
-              <a:t>dureaza</a:t>
-            </a:r>
-            <a:r>
-              <a:rPr lang="en-GB" dirty="0" smtClean="0"/>
-              <a:t> </a:t>
-            </a:r>
-            <a:r>
-              <a:rPr lang="en-GB" dirty="0" err="1" smtClean="0"/>
-              <a:t>mai</a:t>
-            </a:r>
-            <a:r>
-              <a:rPr lang="en-GB" dirty="0" smtClean="0"/>
-              <a:t> </a:t>
-            </a:r>
-            <a:r>
-              <a:rPr lang="en-GB" dirty="0" err="1" smtClean="0"/>
-              <a:t>mult</a:t>
-            </a:r>
-            <a:r>
-              <a:rPr lang="en-GB" dirty="0" smtClean="0"/>
-              <a:t> </a:t>
-            </a:r>
-            <a:r>
-              <a:rPr lang="en-GB" dirty="0" err="1" smtClean="0"/>
-              <a:t>decat</a:t>
-            </a:r>
-            <a:r>
-              <a:rPr lang="en-GB" dirty="0" smtClean="0"/>
-              <a:t> </a:t>
-            </a:r>
-            <a:r>
-              <a:rPr lang="en-GB" dirty="0" err="1" smtClean="0"/>
-              <a:t>calcularea</a:t>
-            </a:r>
-            <a:r>
-              <a:rPr lang="en-GB" dirty="0" smtClean="0"/>
-              <a:t> </a:t>
-            </a:r>
-            <a:r>
-              <a:rPr lang="en-GB" dirty="0" err="1" smtClean="0"/>
-              <a:t>inca</a:t>
-            </a:r>
-            <a:r>
-              <a:rPr lang="en-GB" dirty="0" smtClean="0"/>
-              <a:t> o data a </a:t>
-            </a:r>
-            <a:r>
-              <a:rPr lang="en-GB" dirty="0" err="1" smtClean="0"/>
-              <a:t>respectivului</a:t>
-            </a:r>
-            <a:r>
-              <a:rPr lang="en-GB" dirty="0" smtClean="0"/>
-              <a:t> RDD </a:t>
-            </a:r>
+              <a:rPr kumimoji="0" lang="en-US" altLang="en-US" sz="2000" b="0" i="0" u="none" strike="noStrike" cap="none" normalizeH="0" baseline="0" dirty="0" err="1" smtClean="0">
+                <a:ln>
+                  <a:noFill/>
+                </a:ln>
+                <a:solidFill>
+                  <a:srgbClr val="A9B7C6"/>
+                </a:solidFill>
+                <a:effectLst/>
+                <a:latin typeface="Courier New" panose="02070309020205020404" pitchFamily="49" charset="0"/>
+                <a:cs typeface="Courier New" panose="02070309020205020404" pitchFamily="49" charset="0"/>
+              </a:rPr>
+              <a:t>numError</a:t>
+            </a:r>
+            <a:r>
+              <a:rPr kumimoji="0" lang="en-US" altLang="en-US" sz="2000" b="0" i="0" u="none" strike="noStrike" cap="none" normalizeH="0" baseline="0" dirty="0" smtClean="0">
+                <a:ln>
+                  <a:noFill/>
+                </a:ln>
+                <a:solidFill>
+                  <a:srgbClr val="A9B7C6"/>
+                </a:solidFill>
+                <a:effectLst/>
+                <a:latin typeface="Courier New" panose="02070309020205020404" pitchFamily="49" charset="0"/>
+                <a:cs typeface="Courier New" panose="02070309020205020404" pitchFamily="49" charset="0"/>
+              </a:rPr>
+              <a:t> = </a:t>
+            </a:r>
+            <a:r>
+              <a:rPr kumimoji="0" lang="en-US" altLang="en-US" sz="2000" b="0" i="0" u="none" strike="noStrike" cap="none" normalizeH="0" baseline="0" dirty="0" err="1" smtClean="0">
+                <a:ln>
+                  <a:noFill/>
+                </a:ln>
+                <a:solidFill>
+                  <a:srgbClr val="A9B7C6"/>
+                </a:solidFill>
+                <a:effectLst/>
+                <a:latin typeface="Courier New" panose="02070309020205020404" pitchFamily="49" charset="0"/>
+                <a:cs typeface="Courier New" panose="02070309020205020404" pitchFamily="49" charset="0"/>
+              </a:rPr>
+              <a:t>logsWithErrors.count</a:t>
+            </a:r>
+            <a:endParaRPr kumimoji="0" lang="en-US" altLang="en-US" sz="2000" b="0" i="0" u="none" strike="noStrike" cap="none" normalizeH="0" baseline="0" dirty="0" smtClean="0">
+              <a:ln>
+                <a:noFill/>
+              </a:ln>
+              <a:solidFill>
+                <a:schemeClr val="tx1"/>
+              </a:solidFill>
+              <a:effectLst/>
+              <a:latin typeface="Arial" panose="020B0604020202020204" pitchFamily="34" charset="0"/>
+            </a:endParaRPr>
           </a:p>
         </p:txBody>
       </p:sp>
     </p:spTree>
     <p:extLst>
       <p:ext uri="{BB962C8B-B14F-4D97-AF65-F5344CB8AC3E}">
-        <p14:creationId xmlns:p14="http://schemas.microsoft.com/office/powerpoint/2010/main" val="2562968485"/>
+        <p14:creationId xmlns:p14="http://schemas.microsoft.com/office/powerpoint/2010/main" val="1817098703"/>
       </p:ext>
     </p:extLst>
   </p:cSld>
   <p:clrMapOvr>
     <a:masterClrMapping/>
   </p:clrMapOvr>
-  <p:timing>
-    <p:tnLst>
-      <p:par>
-        <p:cTn id="1" dur="indefinite" restart="never" nodeType="tmRoot"/>
-      </p:par>
-    </p:tnLst>
-  </p:timing>
 </p:sld>
 </file>
 
@@ -5800,7 +11158,6 @@
               <a:rPr lang="en-GB" dirty="0" smtClean="0"/>
               <a:t>.</a:t>
             </a:r>
-            <a:endParaRPr lang="en-GB" dirty="0" smtClean="0"/>
           </a:p>
         </p:txBody>
       </p:sp>
@@ -5857,99 +11214,454 @@
           <a:lstStyle/>
           <a:p>
             <a:r>
-              <a:rPr lang="en-GB" dirty="0" smtClean="0"/>
-              <a:t>quiz – </a:t>
-            </a:r>
-            <a:r>
-              <a:rPr lang="en-GB" dirty="0" err="1" smtClean="0"/>
-              <a:t>ce</a:t>
-            </a:r>
-            <a:r>
-              <a:rPr lang="en-GB" dirty="0" smtClean="0"/>
-              <a:t> se </a:t>
-            </a:r>
-            <a:r>
-              <a:rPr lang="en-GB" dirty="0" err="1" smtClean="0"/>
-              <a:t>intampla</a:t>
-            </a:r>
-            <a:r>
-              <a:rPr lang="en-GB" dirty="0" smtClean="0"/>
-              <a:t> </a:t>
-            </a:r>
-            <a:r>
-              <a:rPr lang="en-GB" dirty="0" err="1" smtClean="0"/>
-              <a:t>daca</a:t>
-            </a:r>
-            <a:r>
-              <a:rPr lang="en-GB" dirty="0" smtClean="0"/>
-              <a:t> </a:t>
-            </a:r>
-            <a:r>
-              <a:rPr lang="en-GB" dirty="0" err="1" smtClean="0"/>
-              <a:t>avem</a:t>
-            </a:r>
-            <a:r>
-              <a:rPr lang="en-GB" dirty="0" smtClean="0"/>
-              <a:t> </a:t>
-            </a:r>
-            <a:r>
-              <a:rPr lang="en-GB" dirty="0" err="1" smtClean="0"/>
-              <a:t>urmatorul</a:t>
-            </a:r>
-            <a:r>
-              <a:rPr lang="en-GB" dirty="0" smtClean="0"/>
-              <a:t> cod?</a:t>
-            </a:r>
-            <a:endParaRPr lang="en-GB" dirty="0"/>
+              <a:rPr lang="en-US" dirty="0" err="1" smtClean="0"/>
+              <a:t>quizz</a:t>
+            </a:r>
+            <a:endParaRPr lang="en-US" dirty="0"/>
           </a:p>
         </p:txBody>
       </p:sp>
-      <p:pic>
-        <p:nvPicPr>
-          <p:cNvPr id="4" name="Content Placeholder 3"/>
-          <p:cNvPicPr>
-            <a:picLocks noGrp="1" noChangeAspect="1"/>
-          </p:cNvPicPr>
+      <p:sp>
+        <p:nvSpPr>
+          <p:cNvPr id="4" name="Rectangle 1"/>
+          <p:cNvSpPr>
+            <a:spLocks noGrp="1" noChangeArrowheads="1"/>
+          </p:cNvSpPr>
           <p:nvPr>
             <p:ph idx="1"/>
           </p:nvPr>
-        </p:nvPicPr>
-        <p:blipFill>
-          <a:blip r:embed="rId2">
-            <a:extLst>
-              <a:ext uri="{28A0092B-C50C-407E-A947-70E740481C1C}">
-                <a14:useLocalDpi xmlns:a14="http://schemas.microsoft.com/office/drawing/2010/main" val="0"/>
-              </a:ext>
-            </a:extLst>
-          </a:blip>
-          <a:stretch>
-            <a:fillRect/>
-          </a:stretch>
-        </p:blipFill>
+        </p:nvSpPr>
+        <p:spPr bwMode="auto">
+          <a:xfrm>
+            <a:off x="838200" y="2558593"/>
+            <a:ext cx="6494085" cy="400110"/>
+          </a:xfrm>
+          <a:prstGeom prst="rect">
+            <a:avLst/>
+          </a:prstGeom>
+          <a:solidFill>
+            <a:srgbClr val="2B2B2B"/>
+          </a:solidFill>
+          <a:ln>
+            <a:noFill/>
+          </a:ln>
+          <a:effectLst/>
+          <a:extLst>
+            <a:ext uri="{91240B29-F687-4F45-9708-019B960494DF}">
+              <a14:hiddenLine xmlns:a14="http://schemas.microsoft.com/office/drawing/2010/main" w="9525">
+                <a:solidFill>
+                  <a:schemeClr val="tx1"/>
+                </a:solidFill>
+                <a:miter lim="800000"/>
+                <a:headEnd/>
+                <a:tailEnd/>
+              </a14:hiddenLine>
+            </a:ext>
+            <a:ext uri="{AF507438-7753-43E0-B8FC-AC1667EBCBE1}">
+              <a14:hiddenEffects xmlns:a14="http://schemas.microsoft.com/office/drawing/2010/main">
+                <a:effectLst>
+                  <a:outerShdw dist="35921" dir="2700000" algn="ctr" rotWithShape="0">
+                    <a:schemeClr val="bg2"/>
+                  </a:outerShdw>
+                </a:effectLst>
+              </a14:hiddenEffects>
+            </a:ext>
+          </a:extLst>
+        </p:spPr>
+        <p:txBody>
+          <a:bodyPr vert="horz" wrap="none" lIns="91440" tIns="45720" rIns="91440" bIns="45720" numCol="1" anchor="ctr" anchorCtr="0" compatLnSpc="1">
+            <a:prstTxWarp prst="textNoShape">
+              <a:avLst/>
+            </a:prstTxWarp>
+            <a:spAutoFit/>
+          </a:bodyPr>
+          <a:lstStyle/>
+          <a:p>
+            <a:pPr marL="0" marR="0" lvl="0" indent="0" algn="l" defTabSz="914400" rtl="0" eaLnBrk="0" fontAlgn="base" latinLnBrk="0" hangingPunct="0">
+              <a:lnSpc>
+                <a:spcPct val="100000"/>
+              </a:lnSpc>
+              <a:spcBef>
+                <a:spcPct val="0"/>
+              </a:spcBef>
+              <a:spcAft>
+                <a:spcPct val="0"/>
+              </a:spcAft>
+              <a:buClrTx/>
+              <a:buSzTx/>
+              <a:buFontTx/>
+              <a:buNone/>
+              <a:tabLst/>
+            </a:pPr>
+            <a:r>
+              <a:rPr kumimoji="0" lang="en-US" altLang="en-US" sz="2000" b="1" i="0" u="none" strike="noStrike" cap="none" normalizeH="0" baseline="0" dirty="0" smtClean="0">
+                <a:ln>
+                  <a:noFill/>
+                </a:ln>
+                <a:solidFill>
+                  <a:srgbClr val="CC7832"/>
+                </a:solidFill>
+                <a:effectLst/>
+                <a:latin typeface="Courier New" panose="02070309020205020404" pitchFamily="49" charset="0"/>
+                <a:cs typeface="Courier New" panose="02070309020205020404" pitchFamily="49" charset="0"/>
+              </a:rPr>
+              <a:t>case class </a:t>
+            </a:r>
+            <a:r>
+              <a:rPr kumimoji="0" lang="en-US" altLang="en-US" sz="2000" b="0" i="0" u="none" strike="noStrike" cap="none" normalizeH="0" baseline="0" dirty="0" smtClean="0">
+                <a:ln>
+                  <a:noFill/>
+                </a:ln>
+                <a:solidFill>
+                  <a:srgbClr val="A9B7C6"/>
+                </a:solidFill>
+                <a:effectLst/>
+                <a:latin typeface="Courier New" panose="02070309020205020404" pitchFamily="49" charset="0"/>
+                <a:cs typeface="Courier New" panose="02070309020205020404" pitchFamily="49" charset="0"/>
+              </a:rPr>
+              <a:t>Person(name: </a:t>
+            </a:r>
+            <a:r>
+              <a:rPr kumimoji="0" lang="en-US" altLang="en-US" sz="2000" b="0" i="0" u="none" strike="noStrike" cap="none" normalizeH="0" baseline="0" dirty="0" smtClean="0">
+                <a:ln>
+                  <a:noFill/>
+                </a:ln>
+                <a:solidFill>
+                  <a:srgbClr val="4E807D"/>
+                </a:solidFill>
+                <a:effectLst/>
+                <a:latin typeface="Courier New" panose="02070309020205020404" pitchFamily="49" charset="0"/>
+                <a:cs typeface="Courier New" panose="02070309020205020404" pitchFamily="49" charset="0"/>
+              </a:rPr>
+              <a:t>String</a:t>
+            </a:r>
+            <a:r>
+              <a:rPr kumimoji="0" lang="en-US" altLang="en-US" sz="2000" b="0" i="0" u="none" strike="noStrike" cap="none" normalizeH="0" baseline="0" dirty="0" smtClean="0">
+                <a:ln>
+                  <a:noFill/>
+                </a:ln>
+                <a:solidFill>
+                  <a:srgbClr val="CC7832"/>
+                </a:solidFill>
+                <a:effectLst/>
+                <a:latin typeface="Courier New" panose="02070309020205020404" pitchFamily="49" charset="0"/>
+                <a:cs typeface="Courier New" panose="02070309020205020404" pitchFamily="49" charset="0"/>
+              </a:rPr>
+              <a:t>, </a:t>
+            </a:r>
+            <a:r>
+              <a:rPr kumimoji="0" lang="en-US" altLang="en-US" sz="2000" b="0" i="0" u="none" strike="noStrike" cap="none" normalizeH="0" baseline="0" dirty="0" smtClean="0">
+                <a:ln>
+                  <a:noFill/>
+                </a:ln>
+                <a:solidFill>
+                  <a:srgbClr val="A9B7C6"/>
+                </a:solidFill>
+                <a:effectLst/>
+                <a:latin typeface="Courier New" panose="02070309020205020404" pitchFamily="49" charset="0"/>
+                <a:cs typeface="Courier New" panose="02070309020205020404" pitchFamily="49" charset="0"/>
+              </a:rPr>
+              <a:t>age: </a:t>
+            </a:r>
+            <a:r>
+              <a:rPr kumimoji="0" lang="en-US" altLang="en-US" sz="2000" b="0" i="0" u="none" strike="noStrike" cap="none" normalizeH="0" baseline="0" dirty="0" err="1" smtClean="0">
+                <a:ln>
+                  <a:noFill/>
+                </a:ln>
+                <a:solidFill>
+                  <a:srgbClr val="CC7832"/>
+                </a:solidFill>
+                <a:effectLst/>
+                <a:latin typeface="Courier New" panose="02070309020205020404" pitchFamily="49" charset="0"/>
+                <a:cs typeface="Courier New" panose="02070309020205020404" pitchFamily="49" charset="0"/>
+              </a:rPr>
+              <a:t>Int</a:t>
+            </a:r>
+            <a:r>
+              <a:rPr kumimoji="0" lang="en-US" altLang="en-US" sz="2000" b="0" i="0" u="none" strike="noStrike" cap="none" normalizeH="0" baseline="0" dirty="0" smtClean="0">
+                <a:ln>
+                  <a:noFill/>
+                </a:ln>
+                <a:solidFill>
+                  <a:srgbClr val="A9B7C6"/>
+                </a:solidFill>
+                <a:effectLst/>
+                <a:latin typeface="Courier New" panose="02070309020205020404" pitchFamily="49" charset="0"/>
+                <a:cs typeface="Courier New" panose="02070309020205020404" pitchFamily="49" charset="0"/>
+              </a:rPr>
+              <a:t>)</a:t>
+            </a:r>
+            <a:endParaRPr kumimoji="0" lang="en-US" altLang="en-US" sz="2000" b="0" i="0" u="none" strike="noStrike" cap="none" normalizeH="0" baseline="0" dirty="0" smtClean="0">
+              <a:ln>
+                <a:noFill/>
+              </a:ln>
+              <a:solidFill>
+                <a:schemeClr val="tx1"/>
+              </a:solidFill>
+              <a:effectLst/>
+              <a:latin typeface="Arial" panose="020B0604020202020204" pitchFamily="34" charset="0"/>
+            </a:endParaRPr>
+          </a:p>
+        </p:txBody>
+      </p:sp>
+      <p:sp>
+        <p:nvSpPr>
+          <p:cNvPr id="5" name="Rectangle 2"/>
+          <p:cNvSpPr>
+            <a:spLocks noChangeArrowheads="1"/>
+          </p:cNvSpPr>
+          <p:nvPr/>
+        </p:nvSpPr>
+        <p:spPr bwMode="auto">
+          <a:xfrm>
+            <a:off x="844061" y="4799827"/>
+            <a:ext cx="5251939" cy="707886"/>
+          </a:xfrm>
+          <a:prstGeom prst="rect">
+            <a:avLst/>
+          </a:prstGeom>
+          <a:solidFill>
+            <a:srgbClr val="2B2B2B"/>
+          </a:solidFill>
+          <a:ln>
+            <a:noFill/>
+          </a:ln>
+          <a:effectLst/>
+          <a:extLst>
+            <a:ext uri="{91240B29-F687-4F45-9708-019B960494DF}">
+              <a14:hiddenLine xmlns:a14="http://schemas.microsoft.com/office/drawing/2010/main" w="9525">
+                <a:solidFill>
+                  <a:schemeClr val="tx1"/>
+                </a:solidFill>
+                <a:miter lim="800000"/>
+                <a:headEnd/>
+                <a:tailEnd/>
+              </a14:hiddenLine>
+            </a:ext>
+            <a:ext uri="{AF507438-7753-43E0-B8FC-AC1667EBCBE1}">
+              <a14:hiddenEffects xmlns:a14="http://schemas.microsoft.com/office/drawing/2010/main">
+                <a:effectLst>
+                  <a:outerShdw dist="35921" dir="2700000" algn="ctr" rotWithShape="0">
+                    <a:schemeClr val="bg2"/>
+                  </a:outerShdw>
+                </a:effectLst>
+              </a14:hiddenEffects>
+            </a:ext>
+          </a:extLst>
+        </p:spPr>
+        <p:txBody>
+          <a:bodyPr vert="horz" wrap="square" lIns="91440" tIns="45720" rIns="91440" bIns="45720" numCol="1" anchor="ctr" anchorCtr="0" compatLnSpc="1">
+            <a:prstTxWarp prst="textNoShape">
+              <a:avLst/>
+            </a:prstTxWarp>
+            <a:spAutoFit/>
+          </a:bodyPr>
+          <a:lstStyle/>
+          <a:p>
+            <a:pPr marL="0" marR="0" lvl="0" indent="0" algn="l" defTabSz="914400" rtl="0" eaLnBrk="0" fontAlgn="base" latinLnBrk="0" hangingPunct="0">
+              <a:lnSpc>
+                <a:spcPct val="100000"/>
+              </a:lnSpc>
+              <a:spcBef>
+                <a:spcPct val="0"/>
+              </a:spcBef>
+              <a:spcAft>
+                <a:spcPct val="0"/>
+              </a:spcAft>
+              <a:buClrTx/>
+              <a:buSzTx/>
+              <a:buFontTx/>
+              <a:buNone/>
+              <a:tabLst/>
+            </a:pPr>
+            <a:r>
+              <a:rPr kumimoji="0" lang="en-US" altLang="en-US" sz="2000" b="1" i="0" u="none" strike="noStrike" cap="none" normalizeH="0" baseline="0" dirty="0" err="1" smtClean="0">
+                <a:ln>
+                  <a:noFill/>
+                </a:ln>
+                <a:solidFill>
+                  <a:srgbClr val="CC7832"/>
+                </a:solidFill>
+                <a:effectLst/>
+                <a:latin typeface="Courier New" panose="02070309020205020404" pitchFamily="49" charset="0"/>
+                <a:cs typeface="Courier New" panose="02070309020205020404" pitchFamily="49" charset="0"/>
+              </a:rPr>
+              <a:t>val</a:t>
+            </a:r>
+            <a:r>
+              <a:rPr kumimoji="0" lang="en-US" altLang="en-US" sz="2000" b="1" i="0" u="none" strike="noStrike" cap="none" normalizeH="0" baseline="0" dirty="0" smtClean="0">
+                <a:ln>
+                  <a:noFill/>
+                </a:ln>
+                <a:solidFill>
+                  <a:srgbClr val="CC7832"/>
+                </a:solidFill>
+                <a:effectLst/>
+                <a:latin typeface="Courier New" panose="02070309020205020404" pitchFamily="49" charset="0"/>
+                <a:cs typeface="Courier New" panose="02070309020205020404" pitchFamily="49" charset="0"/>
+              </a:rPr>
+              <a:t> </a:t>
+            </a:r>
+            <a:r>
+              <a:rPr kumimoji="0" lang="en-US" altLang="en-US" sz="2000" b="0" i="0" u="none" strike="noStrike" cap="none" normalizeH="0" baseline="0" dirty="0" smtClean="0">
+                <a:ln>
+                  <a:noFill/>
+                </a:ln>
+                <a:solidFill>
+                  <a:srgbClr val="A9B7C6"/>
+                </a:solidFill>
+                <a:effectLst/>
+                <a:latin typeface="Courier New" panose="02070309020205020404" pitchFamily="49" charset="0"/>
+                <a:cs typeface="Courier New" panose="02070309020205020404" pitchFamily="49" charset="0"/>
+              </a:rPr>
+              <a:t>people: RDD[Person] = …</a:t>
+            </a:r>
+            <a:br>
+              <a:rPr kumimoji="0" lang="en-US" altLang="en-US" sz="2000" b="0" i="0" u="none" strike="noStrike" cap="none" normalizeH="0" baseline="0" dirty="0" smtClean="0">
+                <a:ln>
+                  <a:noFill/>
+                </a:ln>
+                <a:solidFill>
+                  <a:srgbClr val="A9B7C6"/>
+                </a:solidFill>
+                <a:effectLst/>
+                <a:latin typeface="Courier New" panose="02070309020205020404" pitchFamily="49" charset="0"/>
+                <a:cs typeface="Courier New" panose="02070309020205020404" pitchFamily="49" charset="0"/>
+              </a:rPr>
+            </a:br>
+            <a:r>
+              <a:rPr kumimoji="0" lang="en-US" altLang="en-US" sz="2000" b="0" i="0" u="none" strike="noStrike" cap="none" normalizeH="0" baseline="0" dirty="0" err="1" smtClean="0">
+                <a:ln>
+                  <a:noFill/>
+                </a:ln>
+                <a:solidFill>
+                  <a:srgbClr val="A9B7C6"/>
+                </a:solidFill>
+                <a:effectLst/>
+                <a:latin typeface="Courier New" panose="02070309020205020404" pitchFamily="49" charset="0"/>
+                <a:cs typeface="Courier New" panose="02070309020205020404" pitchFamily="49" charset="0"/>
+              </a:rPr>
+              <a:t>people.foreach</a:t>
+            </a:r>
+            <a:r>
+              <a:rPr kumimoji="0" lang="en-US" altLang="en-US" sz="2000" b="0" i="0" u="none" strike="noStrike" cap="none" normalizeH="0" baseline="0" dirty="0" smtClean="0">
+                <a:ln>
+                  <a:noFill/>
+                </a:ln>
+                <a:solidFill>
+                  <a:srgbClr val="A9B7C6"/>
+                </a:solidFill>
+                <a:effectLst/>
+                <a:latin typeface="Courier New" panose="02070309020205020404" pitchFamily="49" charset="0"/>
+                <a:cs typeface="Courier New" panose="02070309020205020404" pitchFamily="49" charset="0"/>
+              </a:rPr>
+              <a:t>(</a:t>
+            </a:r>
+            <a:r>
+              <a:rPr kumimoji="0" lang="en-US" altLang="en-US" sz="2000" b="0" i="1" u="none" strike="noStrike" cap="none" normalizeH="0" baseline="0" dirty="0" err="1" smtClean="0">
+                <a:ln>
+                  <a:noFill/>
+                </a:ln>
+                <a:solidFill>
+                  <a:srgbClr val="A9B7C6"/>
+                </a:solidFill>
+                <a:effectLst/>
+                <a:latin typeface="Courier New" panose="02070309020205020404" pitchFamily="49" charset="0"/>
+                <a:cs typeface="Courier New" panose="02070309020205020404" pitchFamily="49" charset="0"/>
+              </a:rPr>
+              <a:t>println</a:t>
+            </a:r>
+            <a:r>
+              <a:rPr kumimoji="0" lang="en-US" altLang="en-US" sz="2000" b="0" i="0" u="none" strike="noStrike" cap="none" normalizeH="0" baseline="0" dirty="0" smtClean="0">
+                <a:ln>
+                  <a:noFill/>
+                </a:ln>
+                <a:solidFill>
+                  <a:srgbClr val="A9B7C6"/>
+                </a:solidFill>
+                <a:effectLst/>
+                <a:latin typeface="Courier New" panose="02070309020205020404" pitchFamily="49" charset="0"/>
+                <a:cs typeface="Courier New" panose="02070309020205020404" pitchFamily="49" charset="0"/>
+              </a:rPr>
+              <a:t>)</a:t>
+            </a:r>
+            <a:endParaRPr kumimoji="0" lang="en-US" altLang="en-US" sz="2000" b="0" i="0" u="none" strike="noStrike" cap="none" normalizeH="0" baseline="0" dirty="0" smtClean="0">
+              <a:ln>
+                <a:noFill/>
+              </a:ln>
+              <a:solidFill>
+                <a:schemeClr val="tx1"/>
+              </a:solidFill>
+              <a:effectLst/>
+              <a:latin typeface="Arial" panose="020B0604020202020204" pitchFamily="34" charset="0"/>
+            </a:endParaRPr>
+          </a:p>
+        </p:txBody>
+      </p:sp>
+      <p:sp>
+        <p:nvSpPr>
+          <p:cNvPr id="6" name="TextBox 5"/>
+          <p:cNvSpPr txBox="1"/>
+          <p:nvPr/>
+        </p:nvSpPr>
         <p:spPr>
           <a:xfrm>
-            <a:off x="1052512" y="1877219"/>
-            <a:ext cx="10086975" cy="4248150"/>
+            <a:off x="152399" y="3826608"/>
+            <a:ext cx="6635262" cy="523220"/>
           </a:xfrm>
+          <a:prstGeom prst="rect">
+            <a:avLst/>
+          </a:prstGeom>
+          <a:noFill/>
         </p:spPr>
-      </p:pic>
+        <p:txBody>
+          <a:bodyPr wrap="square" rtlCol="0">
+            <a:spAutoFit/>
+          </a:bodyPr>
+          <a:lstStyle/>
+          <a:p>
+            <a:r>
+              <a:rPr lang="en-US" sz="2800" dirty="0" smtClean="0"/>
+              <a:t>Ce se </a:t>
+            </a:r>
+            <a:r>
+              <a:rPr lang="en-US" sz="2800" dirty="0" err="1" smtClean="0"/>
+              <a:t>intampla</a:t>
+            </a:r>
+            <a:r>
+              <a:rPr lang="en-US" sz="2800" dirty="0" smtClean="0"/>
+              <a:t>/</a:t>
+            </a:r>
+            <a:r>
+              <a:rPr lang="en-US" sz="2800" dirty="0" err="1" smtClean="0"/>
+              <a:t>executa</a:t>
+            </a:r>
+            <a:r>
+              <a:rPr lang="en-US" sz="2800" dirty="0" smtClean="0"/>
+              <a:t> </a:t>
+            </a:r>
+            <a:r>
+              <a:rPr lang="en-US" sz="2800" dirty="0" err="1" smtClean="0"/>
+              <a:t>pe</a:t>
+            </a:r>
+            <a:r>
+              <a:rPr lang="en-US" sz="2800" dirty="0" smtClean="0"/>
+              <a:t> driver?</a:t>
+            </a:r>
+            <a:endParaRPr lang="en-US" sz="2800" dirty="0"/>
+          </a:p>
+        </p:txBody>
+      </p:sp>
     </p:spTree>
     <p:extLst>
       <p:ext uri="{BB962C8B-B14F-4D97-AF65-F5344CB8AC3E}">
-        <p14:creationId xmlns:p14="http://schemas.microsoft.com/office/powerpoint/2010/main" val="3253767947"/>
+        <p14:creationId xmlns:p14="http://schemas.microsoft.com/office/powerpoint/2010/main" val="545962185"/>
       </p:ext>
     </p:extLst>
   </p:cSld>
   <p:clrMapOvr>
     <a:masterClrMapping/>
   </p:clrMapOvr>
-  <p:timing>
-    <p:tnLst>
-      <p:par>
-        <p:cTn id="1" dur="indefinite" restart="never" nodeType="tmRoot"/>
-      </p:par>
-    </p:tnLst>
-  </p:timing>
 </p:sld>
 </file>
 
@@ -5986,98 +11698,496 @@
           <a:lstStyle/>
           <a:p>
             <a:r>
-              <a:rPr lang="en-GB" dirty="0"/>
-              <a:t>quiz – </a:t>
-            </a:r>
-            <a:r>
-              <a:rPr lang="en-GB" dirty="0" err="1"/>
-              <a:t>ce</a:t>
-            </a:r>
-            <a:r>
-              <a:rPr lang="en-GB" dirty="0"/>
-              <a:t> se </a:t>
-            </a:r>
-            <a:r>
-              <a:rPr lang="en-GB" dirty="0" err="1"/>
-              <a:t>intampla</a:t>
-            </a:r>
-            <a:r>
-              <a:rPr lang="en-GB" dirty="0"/>
-              <a:t> </a:t>
-            </a:r>
-            <a:r>
-              <a:rPr lang="en-GB" dirty="0" err="1"/>
-              <a:t>daca</a:t>
-            </a:r>
-            <a:r>
-              <a:rPr lang="en-GB" dirty="0"/>
-              <a:t> </a:t>
-            </a:r>
-            <a:r>
-              <a:rPr lang="en-GB" dirty="0" err="1"/>
-              <a:t>avem</a:t>
-            </a:r>
-            <a:r>
-              <a:rPr lang="en-GB" dirty="0"/>
-              <a:t> </a:t>
-            </a:r>
-            <a:r>
-              <a:rPr lang="en-GB" dirty="0" err="1"/>
-              <a:t>urmatorul</a:t>
-            </a:r>
-            <a:r>
-              <a:rPr lang="en-GB" dirty="0"/>
-              <a:t> cod?</a:t>
-            </a:r>
+              <a:rPr lang="en-US" dirty="0" err="1" smtClean="0"/>
+              <a:t>quizz</a:t>
+            </a:r>
+            <a:endParaRPr lang="en-US" dirty="0"/>
           </a:p>
         </p:txBody>
       </p:sp>
-      <p:pic>
-        <p:nvPicPr>
-          <p:cNvPr id="4" name="Content Placeholder 3"/>
-          <p:cNvPicPr>
-            <a:picLocks noGrp="1" noChangeAspect="1"/>
-          </p:cNvPicPr>
+      <p:sp>
+        <p:nvSpPr>
+          <p:cNvPr id="4" name="Rectangle 1"/>
+          <p:cNvSpPr>
+            <a:spLocks noGrp="1" noChangeArrowheads="1"/>
+          </p:cNvSpPr>
           <p:nvPr>
             <p:ph idx="1"/>
           </p:nvPr>
-        </p:nvPicPr>
-        <p:blipFill>
-          <a:blip r:embed="rId2">
-            <a:extLst>
-              <a:ext uri="{28A0092B-C50C-407E-A947-70E740481C1C}">
-                <a14:useLocalDpi xmlns:a14="http://schemas.microsoft.com/office/drawing/2010/main" val="0"/>
-              </a:ext>
-            </a:extLst>
-          </a:blip>
-          <a:stretch>
-            <a:fillRect/>
-          </a:stretch>
-        </p:blipFill>
+        </p:nvSpPr>
+        <p:spPr bwMode="auto">
+          <a:xfrm>
+            <a:off x="838200" y="2558593"/>
+            <a:ext cx="6494085" cy="400110"/>
+          </a:xfrm>
+          <a:prstGeom prst="rect">
+            <a:avLst/>
+          </a:prstGeom>
+          <a:solidFill>
+            <a:srgbClr val="2B2B2B"/>
+          </a:solidFill>
+          <a:ln>
+            <a:noFill/>
+          </a:ln>
+          <a:effectLst/>
+          <a:extLst>
+            <a:ext uri="{91240B29-F687-4F45-9708-019B960494DF}">
+              <a14:hiddenLine xmlns:a14="http://schemas.microsoft.com/office/drawing/2010/main" w="9525">
+                <a:solidFill>
+                  <a:schemeClr val="tx1"/>
+                </a:solidFill>
+                <a:miter lim="800000"/>
+                <a:headEnd/>
+                <a:tailEnd/>
+              </a14:hiddenLine>
+            </a:ext>
+            <a:ext uri="{AF507438-7753-43E0-B8FC-AC1667EBCBE1}">
+              <a14:hiddenEffects xmlns:a14="http://schemas.microsoft.com/office/drawing/2010/main">
+                <a:effectLst>
+                  <a:outerShdw dist="35921" dir="2700000" algn="ctr" rotWithShape="0">
+                    <a:schemeClr val="bg2"/>
+                  </a:outerShdw>
+                </a:effectLst>
+              </a14:hiddenEffects>
+            </a:ext>
+          </a:extLst>
+        </p:spPr>
+        <p:txBody>
+          <a:bodyPr vert="horz" wrap="none" lIns="91440" tIns="45720" rIns="91440" bIns="45720" numCol="1" anchor="ctr" anchorCtr="0" compatLnSpc="1">
+            <a:prstTxWarp prst="textNoShape">
+              <a:avLst/>
+            </a:prstTxWarp>
+            <a:spAutoFit/>
+          </a:bodyPr>
+          <a:lstStyle/>
+          <a:p>
+            <a:pPr marL="0" marR="0" lvl="0" indent="0" algn="l" defTabSz="914400" rtl="0" eaLnBrk="0" fontAlgn="base" latinLnBrk="0" hangingPunct="0">
+              <a:lnSpc>
+                <a:spcPct val="100000"/>
+              </a:lnSpc>
+              <a:spcBef>
+                <a:spcPct val="0"/>
+              </a:spcBef>
+              <a:spcAft>
+                <a:spcPct val="0"/>
+              </a:spcAft>
+              <a:buClrTx/>
+              <a:buSzTx/>
+              <a:buFontTx/>
+              <a:buNone/>
+              <a:tabLst/>
+            </a:pPr>
+            <a:r>
+              <a:rPr kumimoji="0" lang="en-US" altLang="en-US" sz="2000" b="1" i="0" u="none" strike="noStrike" cap="none" normalizeH="0" baseline="0" dirty="0" smtClean="0">
+                <a:ln>
+                  <a:noFill/>
+                </a:ln>
+                <a:solidFill>
+                  <a:srgbClr val="CC7832"/>
+                </a:solidFill>
+                <a:effectLst/>
+                <a:latin typeface="Courier New" panose="02070309020205020404" pitchFamily="49" charset="0"/>
+                <a:cs typeface="Courier New" panose="02070309020205020404" pitchFamily="49" charset="0"/>
+              </a:rPr>
+              <a:t>case class </a:t>
+            </a:r>
+            <a:r>
+              <a:rPr kumimoji="0" lang="en-US" altLang="en-US" sz="2000" b="0" i="0" u="none" strike="noStrike" cap="none" normalizeH="0" baseline="0" dirty="0" smtClean="0">
+                <a:ln>
+                  <a:noFill/>
+                </a:ln>
+                <a:solidFill>
+                  <a:srgbClr val="A9B7C6"/>
+                </a:solidFill>
+                <a:effectLst/>
+                <a:latin typeface="Courier New" panose="02070309020205020404" pitchFamily="49" charset="0"/>
+                <a:cs typeface="Courier New" panose="02070309020205020404" pitchFamily="49" charset="0"/>
+              </a:rPr>
+              <a:t>Person(name: </a:t>
+            </a:r>
+            <a:r>
+              <a:rPr kumimoji="0" lang="en-US" altLang="en-US" sz="2000" b="0" i="0" u="none" strike="noStrike" cap="none" normalizeH="0" baseline="0" dirty="0" smtClean="0">
+                <a:ln>
+                  <a:noFill/>
+                </a:ln>
+                <a:solidFill>
+                  <a:srgbClr val="4E807D"/>
+                </a:solidFill>
+                <a:effectLst/>
+                <a:latin typeface="Courier New" panose="02070309020205020404" pitchFamily="49" charset="0"/>
+                <a:cs typeface="Courier New" panose="02070309020205020404" pitchFamily="49" charset="0"/>
+              </a:rPr>
+              <a:t>String</a:t>
+            </a:r>
+            <a:r>
+              <a:rPr kumimoji="0" lang="en-US" altLang="en-US" sz="2000" b="0" i="0" u="none" strike="noStrike" cap="none" normalizeH="0" baseline="0" dirty="0" smtClean="0">
+                <a:ln>
+                  <a:noFill/>
+                </a:ln>
+                <a:solidFill>
+                  <a:srgbClr val="CC7832"/>
+                </a:solidFill>
+                <a:effectLst/>
+                <a:latin typeface="Courier New" panose="02070309020205020404" pitchFamily="49" charset="0"/>
+                <a:cs typeface="Courier New" panose="02070309020205020404" pitchFamily="49" charset="0"/>
+              </a:rPr>
+              <a:t>, </a:t>
+            </a:r>
+            <a:r>
+              <a:rPr kumimoji="0" lang="en-US" altLang="en-US" sz="2000" b="0" i="0" u="none" strike="noStrike" cap="none" normalizeH="0" baseline="0" dirty="0" smtClean="0">
+                <a:ln>
+                  <a:noFill/>
+                </a:ln>
+                <a:solidFill>
+                  <a:srgbClr val="A9B7C6"/>
+                </a:solidFill>
+                <a:effectLst/>
+                <a:latin typeface="Courier New" panose="02070309020205020404" pitchFamily="49" charset="0"/>
+                <a:cs typeface="Courier New" panose="02070309020205020404" pitchFamily="49" charset="0"/>
+              </a:rPr>
+              <a:t>age: </a:t>
+            </a:r>
+            <a:r>
+              <a:rPr kumimoji="0" lang="en-US" altLang="en-US" sz="2000" b="0" i="0" u="none" strike="noStrike" cap="none" normalizeH="0" baseline="0" dirty="0" err="1" smtClean="0">
+                <a:ln>
+                  <a:noFill/>
+                </a:ln>
+                <a:solidFill>
+                  <a:srgbClr val="CC7832"/>
+                </a:solidFill>
+                <a:effectLst/>
+                <a:latin typeface="Courier New" panose="02070309020205020404" pitchFamily="49" charset="0"/>
+                <a:cs typeface="Courier New" panose="02070309020205020404" pitchFamily="49" charset="0"/>
+              </a:rPr>
+              <a:t>Int</a:t>
+            </a:r>
+            <a:r>
+              <a:rPr kumimoji="0" lang="en-US" altLang="en-US" sz="2000" b="0" i="0" u="none" strike="noStrike" cap="none" normalizeH="0" baseline="0" dirty="0" smtClean="0">
+                <a:ln>
+                  <a:noFill/>
+                </a:ln>
+                <a:solidFill>
+                  <a:srgbClr val="A9B7C6"/>
+                </a:solidFill>
+                <a:effectLst/>
+                <a:latin typeface="Courier New" panose="02070309020205020404" pitchFamily="49" charset="0"/>
+                <a:cs typeface="Courier New" panose="02070309020205020404" pitchFamily="49" charset="0"/>
+              </a:rPr>
+              <a:t>)</a:t>
+            </a:r>
+            <a:endParaRPr kumimoji="0" lang="en-US" altLang="en-US" sz="2000" b="0" i="0" u="none" strike="noStrike" cap="none" normalizeH="0" baseline="0" dirty="0" smtClean="0">
+              <a:ln>
+                <a:noFill/>
+              </a:ln>
+              <a:solidFill>
+                <a:schemeClr val="tx1"/>
+              </a:solidFill>
+              <a:effectLst/>
+              <a:latin typeface="Arial" panose="020B0604020202020204" pitchFamily="34" charset="0"/>
+            </a:endParaRPr>
+          </a:p>
+        </p:txBody>
+      </p:sp>
+      <p:sp>
+        <p:nvSpPr>
+          <p:cNvPr id="6" name="TextBox 5"/>
+          <p:cNvSpPr txBox="1"/>
+          <p:nvPr/>
+        </p:nvSpPr>
         <p:spPr>
           <a:xfrm>
-            <a:off x="1747837" y="2639219"/>
-            <a:ext cx="8696325" cy="2724150"/>
+            <a:off x="152399" y="3826608"/>
+            <a:ext cx="6635262" cy="523220"/>
           </a:xfrm>
+          <a:prstGeom prst="rect">
+            <a:avLst/>
+          </a:prstGeom>
+          <a:noFill/>
         </p:spPr>
-      </p:pic>
+        <p:txBody>
+          <a:bodyPr wrap="square" rtlCol="0">
+            <a:spAutoFit/>
+          </a:bodyPr>
+          <a:lstStyle/>
+          <a:p>
+            <a:r>
+              <a:rPr lang="en-US" sz="2800" dirty="0" smtClean="0"/>
+              <a:t>Ce se </a:t>
+            </a:r>
+            <a:r>
+              <a:rPr lang="en-US" sz="2800" dirty="0" err="1" smtClean="0"/>
+              <a:t>intampla</a:t>
+            </a:r>
+            <a:r>
+              <a:rPr lang="en-US" sz="2800" dirty="0" smtClean="0"/>
+              <a:t>/</a:t>
+            </a:r>
+            <a:r>
+              <a:rPr lang="en-US" sz="2800" dirty="0" err="1" smtClean="0"/>
+              <a:t>executa</a:t>
+            </a:r>
+            <a:r>
+              <a:rPr lang="en-US" sz="2800" dirty="0" smtClean="0"/>
+              <a:t> </a:t>
+            </a:r>
+            <a:r>
+              <a:rPr lang="en-US" sz="2800" dirty="0" err="1" smtClean="0"/>
+              <a:t>pe</a:t>
+            </a:r>
+            <a:r>
+              <a:rPr lang="en-US" sz="2800" dirty="0" smtClean="0"/>
+              <a:t> driver?</a:t>
+            </a:r>
+            <a:endParaRPr lang="en-US" sz="2800" dirty="0"/>
+          </a:p>
+        </p:txBody>
+      </p:sp>
+      <p:sp>
+        <p:nvSpPr>
+          <p:cNvPr id="7" name="Rectangle 2"/>
+          <p:cNvSpPr>
+            <a:spLocks noChangeArrowheads="1"/>
+          </p:cNvSpPr>
+          <p:nvPr/>
+        </p:nvSpPr>
+        <p:spPr bwMode="auto">
+          <a:xfrm>
+            <a:off x="1146317" y="5217733"/>
+            <a:ext cx="4647426" cy="707886"/>
+          </a:xfrm>
+          <a:prstGeom prst="rect">
+            <a:avLst/>
+          </a:prstGeom>
+          <a:solidFill>
+            <a:srgbClr val="2B2B2B"/>
+          </a:solidFill>
+          <a:ln>
+            <a:noFill/>
+          </a:ln>
+          <a:effectLst/>
+          <a:extLst>
+            <a:ext uri="{91240B29-F687-4F45-9708-019B960494DF}">
+              <a14:hiddenLine xmlns:a14="http://schemas.microsoft.com/office/drawing/2010/main" w="9525">
+                <a:solidFill>
+                  <a:schemeClr val="tx1"/>
+                </a:solidFill>
+                <a:miter lim="800000"/>
+                <a:headEnd/>
+                <a:tailEnd/>
+              </a14:hiddenLine>
+            </a:ext>
+            <a:ext uri="{AF507438-7753-43E0-B8FC-AC1667EBCBE1}">
+              <a14:hiddenEffects xmlns:a14="http://schemas.microsoft.com/office/drawing/2010/main">
+                <a:effectLst>
+                  <a:outerShdw dist="35921" dir="2700000" algn="ctr" rotWithShape="0">
+                    <a:schemeClr val="bg2"/>
+                  </a:outerShdw>
+                </a:effectLst>
+              </a14:hiddenEffects>
+            </a:ext>
+          </a:extLst>
+        </p:spPr>
+        <p:txBody>
+          <a:bodyPr vert="horz" wrap="none" lIns="91440" tIns="45720" rIns="91440" bIns="45720" numCol="1" anchor="ctr" anchorCtr="0" compatLnSpc="1">
+            <a:prstTxWarp prst="textNoShape">
+              <a:avLst/>
+            </a:prstTxWarp>
+            <a:spAutoFit/>
+          </a:bodyPr>
+          <a:lstStyle/>
+          <a:p>
+            <a:pPr marL="0" marR="0" lvl="0" indent="0" algn="l" defTabSz="914400" rtl="0" eaLnBrk="0" fontAlgn="base" latinLnBrk="0" hangingPunct="0">
+              <a:lnSpc>
+                <a:spcPct val="100000"/>
+              </a:lnSpc>
+              <a:spcBef>
+                <a:spcPct val="0"/>
+              </a:spcBef>
+              <a:spcAft>
+                <a:spcPct val="0"/>
+              </a:spcAft>
+              <a:buClrTx/>
+              <a:buSzTx/>
+              <a:buFontTx/>
+              <a:buNone/>
+              <a:tabLst/>
+            </a:pPr>
+            <a:r>
+              <a:rPr kumimoji="0" lang="en-US" altLang="en-US" sz="2000" b="1" i="0" u="none" strike="noStrike" cap="none" normalizeH="0" baseline="0" dirty="0" err="1" smtClean="0">
+                <a:ln>
+                  <a:noFill/>
+                </a:ln>
+                <a:solidFill>
+                  <a:srgbClr val="CC7832"/>
+                </a:solidFill>
+                <a:effectLst/>
+                <a:latin typeface="Courier New" panose="02070309020205020404" pitchFamily="49" charset="0"/>
+                <a:cs typeface="Courier New" panose="02070309020205020404" pitchFamily="49" charset="0"/>
+              </a:rPr>
+              <a:t>val</a:t>
+            </a:r>
+            <a:r>
+              <a:rPr kumimoji="0" lang="en-US" altLang="en-US" sz="2000" b="1" i="0" u="none" strike="noStrike" cap="none" normalizeH="0" baseline="0" dirty="0" smtClean="0">
+                <a:ln>
+                  <a:noFill/>
+                </a:ln>
+                <a:solidFill>
+                  <a:srgbClr val="CC7832"/>
+                </a:solidFill>
+                <a:effectLst/>
+                <a:latin typeface="Courier New" panose="02070309020205020404" pitchFamily="49" charset="0"/>
+                <a:cs typeface="Courier New" panose="02070309020205020404" pitchFamily="49" charset="0"/>
+              </a:rPr>
+              <a:t> </a:t>
+            </a:r>
+            <a:r>
+              <a:rPr kumimoji="0" lang="en-US" altLang="en-US" sz="2000" b="0" i="0" u="none" strike="noStrike" cap="none" normalizeH="0" baseline="0" dirty="0" smtClean="0">
+                <a:ln>
+                  <a:noFill/>
+                </a:ln>
+                <a:solidFill>
+                  <a:srgbClr val="A9B7C6"/>
+                </a:solidFill>
+                <a:effectLst/>
+                <a:latin typeface="Courier New" panose="02070309020205020404" pitchFamily="49" charset="0"/>
+                <a:cs typeface="Courier New" panose="02070309020205020404" pitchFamily="49" charset="0"/>
+              </a:rPr>
+              <a:t>people: RDD[Person] = …</a:t>
+            </a:r>
+            <a:br>
+              <a:rPr kumimoji="0" lang="en-US" altLang="en-US" sz="2000" b="0" i="0" u="none" strike="noStrike" cap="none" normalizeH="0" baseline="0" dirty="0" smtClean="0">
+                <a:ln>
+                  <a:noFill/>
+                </a:ln>
+                <a:solidFill>
+                  <a:srgbClr val="A9B7C6"/>
+                </a:solidFill>
+                <a:effectLst/>
+                <a:latin typeface="Courier New" panose="02070309020205020404" pitchFamily="49" charset="0"/>
+                <a:cs typeface="Courier New" panose="02070309020205020404" pitchFamily="49" charset="0"/>
+              </a:rPr>
+            </a:br>
+            <a:r>
+              <a:rPr kumimoji="0" lang="en-US" altLang="en-US" sz="2000" b="1" i="0" u="none" strike="noStrike" cap="none" normalizeH="0" baseline="0" dirty="0" err="1" smtClean="0">
+                <a:ln>
+                  <a:noFill/>
+                </a:ln>
+                <a:solidFill>
+                  <a:srgbClr val="CC7832"/>
+                </a:solidFill>
+                <a:effectLst/>
+                <a:latin typeface="Courier New" panose="02070309020205020404" pitchFamily="49" charset="0"/>
+                <a:cs typeface="Courier New" panose="02070309020205020404" pitchFamily="49" charset="0"/>
+              </a:rPr>
+              <a:t>val</a:t>
+            </a:r>
+            <a:r>
+              <a:rPr kumimoji="0" lang="en-US" altLang="en-US" sz="2000" b="1" i="0" u="none" strike="noStrike" cap="none" normalizeH="0" baseline="0" dirty="0" smtClean="0">
+                <a:ln>
+                  <a:noFill/>
+                </a:ln>
+                <a:solidFill>
+                  <a:srgbClr val="CC7832"/>
+                </a:solidFill>
+                <a:effectLst/>
+                <a:latin typeface="Courier New" panose="02070309020205020404" pitchFamily="49" charset="0"/>
+                <a:cs typeface="Courier New" panose="02070309020205020404" pitchFamily="49" charset="0"/>
+              </a:rPr>
+              <a:t> </a:t>
+            </a:r>
+            <a:r>
+              <a:rPr kumimoji="0" lang="en-US" altLang="en-US" sz="2000" b="0" i="0" u="none" strike="noStrike" cap="none" normalizeH="0" baseline="0" dirty="0" smtClean="0">
+                <a:ln>
+                  <a:noFill/>
+                </a:ln>
+                <a:solidFill>
+                  <a:srgbClr val="A9B7C6"/>
+                </a:solidFill>
+                <a:effectLst/>
+                <a:latin typeface="Courier New" panose="02070309020205020404" pitchFamily="49" charset="0"/>
+                <a:cs typeface="Courier New" panose="02070309020205020404" pitchFamily="49" charset="0"/>
+              </a:rPr>
+              <a:t>first10 = </a:t>
+            </a:r>
+            <a:r>
+              <a:rPr kumimoji="0" lang="en-US" altLang="en-US" sz="2000" b="0" i="0" u="none" strike="noStrike" cap="none" normalizeH="0" baseline="0" dirty="0" err="1" smtClean="0">
+                <a:ln>
+                  <a:noFill/>
+                </a:ln>
+                <a:solidFill>
+                  <a:srgbClr val="A9B7C6"/>
+                </a:solidFill>
+                <a:effectLst/>
+                <a:latin typeface="Courier New" panose="02070309020205020404" pitchFamily="49" charset="0"/>
+                <a:cs typeface="Courier New" panose="02070309020205020404" pitchFamily="49" charset="0"/>
+              </a:rPr>
+              <a:t>people.take</a:t>
+            </a:r>
+            <a:r>
+              <a:rPr kumimoji="0" lang="en-US" altLang="en-US" sz="2000" b="0" i="0" u="none" strike="noStrike" cap="none" normalizeH="0" baseline="0" dirty="0" smtClean="0">
+                <a:ln>
+                  <a:noFill/>
+                </a:ln>
+                <a:solidFill>
+                  <a:srgbClr val="A9B7C6"/>
+                </a:solidFill>
+                <a:effectLst/>
+                <a:latin typeface="Courier New" panose="02070309020205020404" pitchFamily="49" charset="0"/>
+                <a:cs typeface="Courier New" panose="02070309020205020404" pitchFamily="49" charset="0"/>
+              </a:rPr>
+              <a:t>(</a:t>
+            </a:r>
+            <a:r>
+              <a:rPr kumimoji="0" lang="en-US" altLang="en-US" sz="2000" b="0" i="0" u="none" strike="noStrike" cap="none" normalizeH="0" baseline="0" dirty="0" smtClean="0">
+                <a:ln>
+                  <a:noFill/>
+                </a:ln>
+                <a:solidFill>
+                  <a:srgbClr val="6897BB"/>
+                </a:solidFill>
+                <a:effectLst/>
+                <a:latin typeface="Courier New" panose="02070309020205020404" pitchFamily="49" charset="0"/>
+                <a:cs typeface="Courier New" panose="02070309020205020404" pitchFamily="49" charset="0"/>
+              </a:rPr>
+              <a:t>10</a:t>
+            </a:r>
+            <a:r>
+              <a:rPr kumimoji="0" lang="en-US" altLang="en-US" sz="2000" b="0" i="0" u="none" strike="noStrike" cap="none" normalizeH="0" baseline="0" dirty="0" smtClean="0">
+                <a:ln>
+                  <a:noFill/>
+                </a:ln>
+                <a:solidFill>
+                  <a:srgbClr val="A9B7C6"/>
+                </a:solidFill>
+                <a:effectLst/>
+                <a:latin typeface="Courier New" panose="02070309020205020404" pitchFamily="49" charset="0"/>
+                <a:cs typeface="Courier New" panose="02070309020205020404" pitchFamily="49" charset="0"/>
+              </a:rPr>
+              <a:t>)</a:t>
+            </a:r>
+            <a:endParaRPr kumimoji="0" lang="en-US" altLang="en-US" sz="2000" b="0" i="0" u="none" strike="noStrike" cap="none" normalizeH="0" baseline="0" dirty="0" smtClean="0">
+              <a:ln>
+                <a:noFill/>
+              </a:ln>
+              <a:solidFill>
+                <a:schemeClr val="tx1"/>
+              </a:solidFill>
+              <a:effectLst/>
+              <a:latin typeface="Arial" panose="020B0604020202020204" pitchFamily="34" charset="0"/>
+            </a:endParaRPr>
+          </a:p>
+        </p:txBody>
+      </p:sp>
     </p:spTree>
     <p:extLst>
       <p:ext uri="{BB962C8B-B14F-4D97-AF65-F5344CB8AC3E}">
-        <p14:creationId xmlns:p14="http://schemas.microsoft.com/office/powerpoint/2010/main" val="468091425"/>
+        <p14:creationId xmlns:p14="http://schemas.microsoft.com/office/powerpoint/2010/main" val="121360300"/>
       </p:ext>
     </p:extLst>
   </p:cSld>
   <p:clrMapOvr>
     <a:masterClrMapping/>
   </p:clrMapOvr>
-  <p:timing>
-    <p:tnLst>
-      <p:par>
-        <p:cTn id="1" dur="indefinite" restart="never" nodeType="tmRoot"/>
-      </p:par>
-    </p:tnLst>
-  </p:timing>
 </p:sld>
 </file>
 
@@ -6811,11 +12921,7 @@
             </a:r>
             <a:r>
               <a:rPr lang="en-GB" dirty="0" smtClean="0"/>
-              <a:t> un alt framework. </a:t>
-            </a:r>
-            <a:r>
-              <a:rPr lang="en-GB" dirty="0" smtClean="0"/>
-              <a:t>La </a:t>
+              <a:t> un alt framework. La </a:t>
             </a:r>
             <a:r>
               <a:rPr lang="en-GB" dirty="0" err="1" smtClean="0"/>
@@ -7060,6 +13166,94 @@
             <a:spLocks noGrp="1"/>
           </p:cNvSpPr>
           <p:nvPr>
+            <p:ph type="ctrTitle"/>
+          </p:nvPr>
+        </p:nvSpPr>
+        <p:spPr/>
+        <p:txBody>
+          <a:bodyPr/>
+          <a:lstStyle/>
+          <a:p>
+            <a:r>
+              <a:rPr lang="en-US" dirty="0" err="1" smtClean="0"/>
+              <a:t>Multumesc</a:t>
+            </a:r>
+            <a:r>
+              <a:rPr lang="en-US" dirty="0" smtClean="0"/>
+              <a:t> </a:t>
+            </a:r>
+            <a:r>
+              <a:rPr lang="en-US" dirty="0" err="1" smtClean="0"/>
+              <a:t>pentru</a:t>
+            </a:r>
+            <a:r>
+              <a:rPr lang="en-US" dirty="0" smtClean="0"/>
+              <a:t> </a:t>
+            </a:r>
+            <a:r>
+              <a:rPr lang="en-US" dirty="0" err="1" smtClean="0"/>
+              <a:t>atentie</a:t>
+            </a:r>
+            <a:endParaRPr lang="en-US" dirty="0"/>
+          </a:p>
+        </p:txBody>
+      </p:sp>
+      <p:sp>
+        <p:nvSpPr>
+          <p:cNvPr id="3" name="Subtitle 2"/>
+          <p:cNvSpPr>
+            <a:spLocks noGrp="1"/>
+          </p:cNvSpPr>
+          <p:nvPr>
+            <p:ph type="subTitle" idx="1"/>
+          </p:nvPr>
+        </p:nvSpPr>
+        <p:spPr/>
+        <p:txBody>
+          <a:bodyPr/>
+          <a:lstStyle/>
+          <a:p>
+            <a:endParaRPr lang="en-US"/>
+          </a:p>
+        </p:txBody>
+      </p:sp>
+    </p:spTree>
+    <p:extLst>
+      <p:ext uri="{BB962C8B-B14F-4D97-AF65-F5344CB8AC3E}">
+        <p14:creationId xmlns:p14="http://schemas.microsoft.com/office/powerpoint/2010/main" val="543251641"/>
+      </p:ext>
+    </p:extLst>
+  </p:cSld>
+  <p:clrMapOvr>
+    <a:masterClrMapping/>
+  </p:clrMapOvr>
+</p:sld>
+</file>
+
+<file path=ppt/slides/slide22.xml><?xml version="1.0" encoding="utf-8"?>
+<p:sld xmlns:a="http://schemas.openxmlformats.org/drawingml/2006/main" xmlns:r="http://schemas.openxmlformats.org/officeDocument/2006/relationships" xmlns:p="http://schemas.openxmlformats.org/presentationml/2006/main">
+  <p:cSld>
+    <p:spTree>
+      <p:nvGrpSpPr>
+        <p:cNvPr id="1" name=""/>
+        <p:cNvGrpSpPr/>
+        <p:nvPr/>
+      </p:nvGrpSpPr>
+      <p:grpSpPr>
+        <a:xfrm>
+          <a:off x="0" y="0"/>
+          <a:ext cx="0" cy="0"/>
+          <a:chOff x="0" y="0"/>
+          <a:chExt cx="0" cy="0"/>
+        </a:xfrm>
+      </p:grpSpPr>
+      <p:sp>
+        <p:nvSpPr>
+          <p:cNvPr id="2" name="Title 1"/>
+          <p:cNvSpPr>
+            <a:spLocks noGrp="1"/>
+          </p:cNvSpPr>
+          <p:nvPr>
             <p:ph type="title"/>
           </p:nvPr>
         </p:nvSpPr>
@@ -7255,6 +13449,7 @@
           <a:bodyPr/>
           <a:lstStyle/>
           <a:p>
+            <a:pPr algn="ctr"/>
             <a:r>
               <a:rPr lang="en-GB" dirty="0"/>
               <a:t>cum a </a:t>
@@ -7300,11 +13495,7 @@
             </a:r>
             <a:r>
               <a:rPr lang="en-GB" dirty="0" smtClean="0"/>
-              <a:t> </a:t>
-            </a:r>
-            <a:r>
-              <a:rPr lang="en-GB" dirty="0" smtClean="0"/>
-              <a:t>de </a:t>
+              <a:t> de </a:t>
             </a:r>
             <a:r>
               <a:rPr lang="en-GB" dirty="0" err="1" smtClean="0"/>
@@ -7390,7 +13581,7 @@
         </p:blipFill>
         <p:spPr bwMode="auto">
           <a:xfrm>
-            <a:off x="2283633" y="2802156"/>
+            <a:off x="4852064" y="2697878"/>
             <a:ext cx="2487871" cy="2900448"/>
           </a:xfrm>
           <a:prstGeom prst="rect">
@@ -7469,14 +13660,42 @@
         </p:blipFill>
         <p:spPr>
           <a:xfrm>
-            <a:off x="1895514" y="810492"/>
-            <a:ext cx="8743395" cy="5595072"/>
+            <a:off x="2518649" y="1690688"/>
+            <a:ext cx="7154701" cy="4578435"/>
           </a:xfrm>
           <a:prstGeom prst="rect">
             <a:avLst/>
           </a:prstGeom>
         </p:spPr>
       </p:pic>
+      <p:sp>
+        <p:nvSpPr>
+          <p:cNvPr id="3" name="Title 1"/>
+          <p:cNvSpPr>
+            <a:spLocks noGrp="1"/>
+          </p:cNvSpPr>
+          <p:nvPr>
+            <p:ph type="title"/>
+          </p:nvPr>
+        </p:nvSpPr>
+        <p:spPr>
+          <a:xfrm>
+            <a:off x="838200" y="365125"/>
+            <a:ext cx="10515600" cy="1325563"/>
+          </a:xfrm>
+        </p:spPr>
+        <p:txBody>
+          <a:bodyPr/>
+          <a:lstStyle/>
+          <a:p>
+            <a:r>
+              <a:rPr lang="en-GB" dirty="0"/>
+              <a:t>Spark vs MapReduce</a:t>
+            </a:r>
+            <a:endParaRPr lang="en-GB" dirty="0"/>
+          </a:p>
+        </p:txBody>
+      </p:sp>
     </p:spTree>
     <p:extLst>
       <p:ext uri="{BB962C8B-B14F-4D97-AF65-F5344CB8AC3E}">
@@ -7522,6 +13741,10 @@
           <a:bodyPr/>
           <a:lstStyle/>
           <a:p>
+            <a:r>
+              <a:rPr lang="en-GB" dirty="0"/>
+              <a:t>Spark vs MapReduce</a:t>
+            </a:r>
             <a:endParaRPr lang="en-GB" dirty="0"/>
           </a:p>
         </p:txBody>
@@ -7577,7 +13800,7 @@
         </p:blipFill>
         <p:spPr>
           <a:xfrm>
-            <a:off x="838200" y="4839133"/>
+            <a:off x="2386012" y="4649353"/>
             <a:ext cx="7419975" cy="1419225"/>
           </a:xfrm>
           <a:prstGeom prst="rect">
@@ -7585,6 +13808,66 @@
           </a:prstGeom>
         </p:spPr>
       </p:pic>
+      <p:sp>
+        <p:nvSpPr>
+          <p:cNvPr id="3" name="TextBox 2"/>
+          <p:cNvSpPr txBox="1"/>
+          <p:nvPr/>
+        </p:nvSpPr>
+        <p:spPr>
+          <a:xfrm>
+            <a:off x="838200" y="1690688"/>
+            <a:ext cx="4155831" cy="369332"/>
+          </a:xfrm>
+          <a:prstGeom prst="rect">
+            <a:avLst/>
+          </a:prstGeom>
+          <a:noFill/>
+        </p:spPr>
+        <p:txBody>
+          <a:bodyPr wrap="square" rtlCol="0">
+            <a:spAutoFit/>
+          </a:bodyPr>
+          <a:lstStyle/>
+          <a:p>
+            <a:r>
+              <a:rPr lang="en-US" dirty="0" smtClean="0"/>
+              <a:t>MapReduce</a:t>
+            </a:r>
+            <a:endParaRPr lang="en-US" dirty="0"/>
+          </a:p>
+        </p:txBody>
+      </p:sp>
+      <p:sp>
+        <p:nvSpPr>
+          <p:cNvPr id="6" name="TextBox 5"/>
+          <p:cNvSpPr txBox="1"/>
+          <p:nvPr/>
+        </p:nvSpPr>
+        <p:spPr>
+          <a:xfrm>
+            <a:off x="838199" y="4095355"/>
+            <a:ext cx="4155831" cy="369332"/>
+          </a:xfrm>
+          <a:prstGeom prst="rect">
+            <a:avLst/>
+          </a:prstGeom>
+          <a:noFill/>
+        </p:spPr>
+        <p:txBody>
+          <a:bodyPr wrap="square" rtlCol="0">
+            <a:spAutoFit/>
+          </a:bodyPr>
+          <a:lstStyle/>
+          <a:p>
+            <a:r>
+              <a:rPr lang="en-US" dirty="0" smtClean="0"/>
+              <a:t>Spark</a:t>
+            </a:r>
+            <a:endParaRPr lang="en-US" dirty="0"/>
+          </a:p>
+        </p:txBody>
+      </p:sp>
     </p:spTree>
     <p:extLst>
       <p:ext uri="{BB962C8B-B14F-4D97-AF65-F5344CB8AC3E}">
@@ -7731,12 +14014,16 @@
           <a:lstStyle/>
           <a:p>
             <a:r>
+              <a:rPr lang="en-GB" dirty="0"/>
+              <a:t>S</a:t>
+            </a:r>
+            <a:r>
               <a:rPr lang="en-GB" dirty="0" smtClean="0"/>
-              <a:t>spark vs </a:t>
-            </a:r>
-            <a:r>
-              <a:rPr lang="en-GB" dirty="0" err="1" smtClean="0"/>
-              <a:t>MapReduce</a:t>
+              <a:t>park </a:t>
+            </a:r>
+            <a:r>
+              <a:rPr lang="en-GB" dirty="0" smtClean="0"/>
+              <a:t>vs MapReduce</a:t>
             </a:r>
             <a:endParaRPr lang="en-GB" dirty="0"/>
           </a:p>
@@ -7757,9 +14044,8 @@
           <a:bodyPr/>
           <a:lstStyle/>
           <a:p>
-            <a:pPr marL="914400" lvl="1" indent="-457200">
-              <a:buFont typeface="+mj-lt"/>
-              <a:buAutoNum type="arabicPeriod"/>
+            <a:pPr marL="457200" lvl="1" indent="0">
+              <a:buNone/>
             </a:pPr>
             <a:r>
               <a:rPr lang="en-GB" dirty="0"/>
@@ -7795,98 +14081,11 @@
             </a:r>
             <a:r>
               <a:rPr lang="en-GB" dirty="0"/>
-              <a:t> cod in Spark.</a:t>
-            </a:r>
-          </a:p>
-          <a:p>
-            <a:pPr marL="1371600" lvl="2" indent="-457200">
-              <a:buFont typeface="+mj-lt"/>
-              <a:buAutoNum type="arabicPeriod"/>
-            </a:pPr>
-            <a:r>
-              <a:rPr lang="en-GB" dirty="0"/>
-              <a:t>map</a:t>
-            </a:r>
-          </a:p>
-          <a:p>
-            <a:pPr marL="1371600" lvl="2" indent="-457200">
-              <a:buFont typeface="+mj-lt"/>
-              <a:buAutoNum type="arabicPeriod"/>
-            </a:pPr>
-            <a:r>
-              <a:rPr lang="en-GB" dirty="0" err="1"/>
-              <a:t>flatMap</a:t>
-            </a:r>
-            <a:endParaRPr lang="en-GB" dirty="0"/>
-          </a:p>
-          <a:p>
-            <a:pPr marL="1371600" lvl="2" indent="-457200">
-              <a:buFont typeface="+mj-lt"/>
-              <a:buAutoNum type="arabicPeriod"/>
-            </a:pPr>
-            <a:r>
-              <a:rPr lang="en-GB" dirty="0"/>
-              <a:t>filter</a:t>
-            </a:r>
-          </a:p>
-          <a:p>
-            <a:pPr marL="1371600" lvl="2" indent="-457200">
-              <a:buFont typeface="+mj-lt"/>
-              <a:buAutoNum type="arabicPeriod"/>
-            </a:pPr>
-            <a:r>
-              <a:rPr lang="en-GB" dirty="0"/>
-              <a:t>reduce</a:t>
-            </a:r>
-          </a:p>
-          <a:p>
-            <a:pPr marL="1371600" lvl="2" indent="-457200">
-              <a:buFont typeface="+mj-lt"/>
-              <a:buAutoNum type="arabicPeriod"/>
-            </a:pPr>
-            <a:r>
-              <a:rPr lang="en-GB" dirty="0"/>
-              <a:t>fold</a:t>
-            </a:r>
-          </a:p>
-          <a:p>
-            <a:pPr marL="1371600" lvl="2" indent="-457200">
-              <a:buFont typeface="+mj-lt"/>
-              <a:buAutoNum type="arabicPeriod"/>
-            </a:pPr>
+              <a:t> cod in Spark</a:t>
+            </a:r>
             <a:r>
               <a:rPr lang="en-GB" dirty="0" smtClean="0"/>
-              <a:t>aggregate</a:t>
-            </a:r>
-          </a:p>
-          <a:p>
-            <a:pPr marL="1828800" lvl="3" indent="-457200">
-              <a:buFont typeface="+mj-lt"/>
-              <a:buAutoNum type="arabicPeriod"/>
-            </a:pPr>
-            <a:r>
-              <a:rPr lang="en-GB" dirty="0" err="1" smtClean="0"/>
-              <a:t>permite</a:t>
-            </a:r>
-            <a:r>
-              <a:rPr lang="en-GB" dirty="0" smtClean="0"/>
-              <a:t> </a:t>
-            </a:r>
-            <a:r>
-              <a:rPr lang="en-GB" dirty="0" err="1" smtClean="0"/>
-              <a:t>schimbare</a:t>
-            </a:r>
-            <a:r>
-              <a:rPr lang="en-GB" dirty="0" smtClean="0"/>
-              <a:t> de tip a </a:t>
-            </a:r>
-            <a:r>
-              <a:rPr lang="en-GB" dirty="0" err="1" smtClean="0"/>
-              <a:t>elementelor</a:t>
-            </a:r>
-            <a:r>
-              <a:rPr lang="en-GB" dirty="0" smtClean="0"/>
-              <a:t> din RDD </a:t>
+              <a:t>.</a:t>
             </a:r>
             <a:endParaRPr lang="en-GB" dirty="0"/>
           </a:p>
@@ -7915,7 +14114,7 @@
         </p:blipFill>
         <p:spPr bwMode="auto">
           <a:xfrm>
-            <a:off x="5824112" y="1999329"/>
+            <a:off x="6849900" y="2247207"/>
             <a:ext cx="4047251" cy="4312571"/>
           </a:xfrm>
           <a:prstGeom prst="rect">
@@ -7933,6 +14132,28 @@
           </a:extLst>
         </p:spPr>
       </p:pic>
+      <p:graphicFrame>
+        <p:nvGraphicFramePr>
+          <p:cNvPr id="4" name="Diagram 3"/>
+          <p:cNvGraphicFramePr/>
+          <p:nvPr>
+            <p:extLst>
+              <p:ext uri="{D42A27DB-BD31-4B8C-83A1-F6EECF244321}">
+                <p14:modId xmlns:p14="http://schemas.microsoft.com/office/powerpoint/2010/main" val="1214177706"/>
+              </p:ext>
+            </p:extLst>
+          </p:nvPr>
+        </p:nvGraphicFramePr>
+        <p:xfrm>
+          <a:off x="1751497" y="2634017"/>
+          <a:ext cx="4641755" cy="3900100"/>
+        </p:xfrm>
+        <a:graphic>
+          <a:graphicData uri="http://schemas.openxmlformats.org/drawingml/2006/diagram">
+            <dgm:relIds xmlns:dgm="http://schemas.openxmlformats.org/drawingml/2006/diagram" xmlns:r="http://schemas.openxmlformats.org/officeDocument/2006/relationships" r:dm="rId3" r:lo="rId4" r:qs="rId5" r:cs="rId6"/>
+          </a:graphicData>
+        </a:graphic>
+      </p:graphicFrame>
     </p:spTree>
     <p:extLst>
       <p:ext uri="{BB962C8B-B14F-4D97-AF65-F5344CB8AC3E}">
@@ -8186,62 +14407,6 @@
           </a:sp3d>
         </p:spPr>
       </p:pic>
-      <p:sp>
-        <p:nvSpPr>
-          <p:cNvPr id="8" name="TextBox 7"/>
-          <p:cNvSpPr txBox="1"/>
-          <p:nvPr/>
-        </p:nvSpPr>
-        <p:spPr>
-          <a:xfrm>
-            <a:off x="7000322" y="6019832"/>
-            <a:ext cx="2838994" cy="646331"/>
-          </a:xfrm>
-          <a:prstGeom prst="rect">
-            <a:avLst/>
-          </a:prstGeom>
-          <a:noFill/>
-        </p:spPr>
-        <p:txBody>
-          <a:bodyPr wrap="square" rtlCol="0">
-            <a:spAutoFit/>
-          </a:bodyPr>
-          <a:lstStyle/>
-          <a:p>
-            <a:pPr marL="285750" indent="-285750">
-              <a:buFont typeface="Arial" panose="020B0604020202020204" pitchFamily="34" charset="0"/>
-              <a:buChar char="•"/>
-            </a:pPr>
-            <a:r>
-              <a:rPr lang="en-GB" dirty="0" smtClean="0"/>
-              <a:t>O </a:t>
-            </a:r>
-            <a:r>
-              <a:rPr lang="en-GB" dirty="0" err="1" smtClean="0"/>
-              <a:t>masina</a:t>
-            </a:r>
-            <a:r>
-              <a:rPr lang="en-GB" dirty="0" smtClean="0"/>
-              <a:t> cade</a:t>
-            </a:r>
-          </a:p>
-          <a:p>
-            <a:pPr marL="285750" indent="-285750">
-              <a:buFont typeface="Arial" panose="020B0604020202020204" pitchFamily="34" charset="0"/>
-              <a:buChar char="•"/>
-            </a:pPr>
-            <a:r>
-              <a:rPr lang="en-GB" dirty="0" err="1" smtClean="0"/>
-              <a:t>Latenta</a:t>
-            </a:r>
-            <a:r>
-              <a:rPr lang="en-GB" dirty="0" smtClean="0"/>
-              <a:t> </a:t>
-            </a:r>
-            <a:endParaRPr lang="en-GB" dirty="0"/>
-          </a:p>
-        </p:txBody>
-      </p:sp>
     </p:spTree>
     <p:extLst>
       <p:ext uri="{BB962C8B-B14F-4D97-AF65-F5344CB8AC3E}">
